--- a/Presentation_1_Analyst.pptx
+++ b/Presentation_1_Analyst.pptx
@@ -14,7 +14,12 @@
     <p:sldId id="263" r:id="rId8"/>
     <p:sldId id="264" r:id="rId9"/>
     <p:sldId id="265" r:id="rId10"/>
-    <p:sldId id="262" r:id="rId11"/>
+    <p:sldId id="270" r:id="rId11"/>
+    <p:sldId id="266" r:id="rId12"/>
+    <p:sldId id="271" r:id="rId13"/>
+    <p:sldId id="267" r:id="rId14"/>
+    <p:sldId id="272" r:id="rId15"/>
+    <p:sldId id="262" r:id="rId16"/>
   </p:sldIdLst>
   <p:sldSz cx="12192000" cy="6858000"/>
   <p:notesSz cx="6858000" cy="9144000"/>
@@ -113,7 +118,4177 @@
       </a:defRPr>
     </a:lvl9pPr>
   </p:defaultTextStyle>
+  <p:extLst>
+    <p:ext uri="{EFAFB233-063F-42B5-8137-9DF3F51BA10A}">
+      <p15:sldGuideLst xmlns:p15="http://schemas.microsoft.com/office/powerpoint/2012/main"/>
+    </p:ext>
+  </p:extLst>
 </p:presentation>
+</file>
+
+<file path=ppt/diagrams/colors1.xml><?xml version="1.0" encoding="utf-8"?>
+<dgm:colorsDef xmlns:dgm="http://schemas.openxmlformats.org/drawingml/2006/diagram" xmlns:a="http://schemas.openxmlformats.org/drawingml/2006/main" uniqueId="urn:microsoft.com/office/officeart/2005/8/colors/accent1_2">
+  <dgm:title val=""/>
+  <dgm:desc val=""/>
+  <dgm:catLst>
+    <dgm:cat type="accent1" pri="11200"/>
+  </dgm:catLst>
+  <dgm:styleLbl name="node0">
+    <dgm:fillClrLst meth="repeat">
+      <a:schemeClr val="accent1"/>
+    </dgm:fillClrLst>
+    <dgm:linClrLst meth="repeat">
+      <a:schemeClr val="lt1"/>
+    </dgm:linClrLst>
+    <dgm:effectClrLst/>
+    <dgm:txLinClrLst/>
+    <dgm:txFillClrLst/>
+    <dgm:txEffectClrLst/>
+  </dgm:styleLbl>
+  <dgm:styleLbl name="alignNode1">
+    <dgm:fillClrLst meth="repeat">
+      <a:schemeClr val="accent1"/>
+    </dgm:fillClrLst>
+    <dgm:linClrLst meth="repeat">
+      <a:schemeClr val="accent1"/>
+    </dgm:linClrLst>
+    <dgm:effectClrLst/>
+    <dgm:txLinClrLst/>
+    <dgm:txFillClrLst/>
+    <dgm:txEffectClrLst/>
+  </dgm:styleLbl>
+  <dgm:styleLbl name="node1">
+    <dgm:fillClrLst meth="repeat">
+      <a:schemeClr val="accent1"/>
+    </dgm:fillClrLst>
+    <dgm:linClrLst meth="repeat">
+      <a:schemeClr val="lt1"/>
+    </dgm:linClrLst>
+    <dgm:effectClrLst/>
+    <dgm:txLinClrLst/>
+    <dgm:txFillClrLst/>
+    <dgm:txEffectClrLst/>
+  </dgm:styleLbl>
+  <dgm:styleLbl name="lnNode1">
+    <dgm:fillClrLst meth="repeat">
+      <a:schemeClr val="accent1"/>
+    </dgm:fillClrLst>
+    <dgm:linClrLst meth="repeat">
+      <a:schemeClr val="lt1"/>
+    </dgm:linClrLst>
+    <dgm:effectClrLst/>
+    <dgm:txLinClrLst/>
+    <dgm:txFillClrLst/>
+    <dgm:txEffectClrLst/>
+  </dgm:styleLbl>
+  <dgm:styleLbl name="vennNode1">
+    <dgm:fillClrLst meth="repeat">
+      <a:schemeClr val="accent1">
+        <a:alpha val="50000"/>
+      </a:schemeClr>
+    </dgm:fillClrLst>
+    <dgm:linClrLst meth="repeat">
+      <a:schemeClr val="lt1"/>
+    </dgm:linClrLst>
+    <dgm:effectClrLst/>
+    <dgm:txLinClrLst/>
+    <dgm:txFillClrLst/>
+    <dgm:txEffectClrLst/>
+  </dgm:styleLbl>
+  <dgm:styleLbl name="node2">
+    <dgm:fillClrLst meth="repeat">
+      <a:schemeClr val="accent1"/>
+    </dgm:fillClrLst>
+    <dgm:linClrLst meth="repeat">
+      <a:schemeClr val="lt1"/>
+    </dgm:linClrLst>
+    <dgm:effectClrLst/>
+    <dgm:txLinClrLst/>
+    <dgm:txFillClrLst/>
+    <dgm:txEffectClrLst/>
+  </dgm:styleLbl>
+  <dgm:styleLbl name="node3">
+    <dgm:fillClrLst meth="repeat">
+      <a:schemeClr val="accent1"/>
+    </dgm:fillClrLst>
+    <dgm:linClrLst meth="repeat">
+      <a:schemeClr val="lt1"/>
+    </dgm:linClrLst>
+    <dgm:effectClrLst/>
+    <dgm:txLinClrLst/>
+    <dgm:txFillClrLst/>
+    <dgm:txEffectClrLst/>
+  </dgm:styleLbl>
+  <dgm:styleLbl name="node4">
+    <dgm:fillClrLst meth="repeat">
+      <a:schemeClr val="accent1"/>
+    </dgm:fillClrLst>
+    <dgm:linClrLst meth="repeat">
+      <a:schemeClr val="lt1"/>
+    </dgm:linClrLst>
+    <dgm:effectClrLst/>
+    <dgm:txLinClrLst/>
+    <dgm:txFillClrLst/>
+    <dgm:txEffectClrLst/>
+  </dgm:styleLbl>
+  <dgm:styleLbl name="fgImgPlace1">
+    <dgm:fillClrLst meth="repeat">
+      <a:schemeClr val="accent1">
+        <a:tint val="50000"/>
+      </a:schemeClr>
+    </dgm:fillClrLst>
+    <dgm:linClrLst meth="repeat">
+      <a:schemeClr val="lt1"/>
+    </dgm:linClrLst>
+    <dgm:effectClrLst/>
+    <dgm:txLinClrLst/>
+    <dgm:txFillClrLst meth="repeat">
+      <a:schemeClr val="lt1"/>
+    </dgm:txFillClrLst>
+    <dgm:txEffectClrLst/>
+  </dgm:styleLbl>
+  <dgm:styleLbl name="alignImgPlace1">
+    <dgm:fillClrLst meth="repeat">
+      <a:schemeClr val="accent1">
+        <a:tint val="50000"/>
+      </a:schemeClr>
+    </dgm:fillClrLst>
+    <dgm:linClrLst meth="repeat">
+      <a:schemeClr val="lt1"/>
+    </dgm:linClrLst>
+    <dgm:effectClrLst/>
+    <dgm:txLinClrLst/>
+    <dgm:txFillClrLst meth="repeat">
+      <a:schemeClr val="lt1"/>
+    </dgm:txFillClrLst>
+    <dgm:txEffectClrLst/>
+  </dgm:styleLbl>
+  <dgm:styleLbl name="bgImgPlace1">
+    <dgm:fillClrLst meth="repeat">
+      <a:schemeClr val="accent1">
+        <a:tint val="50000"/>
+      </a:schemeClr>
+    </dgm:fillClrLst>
+    <dgm:linClrLst meth="repeat">
+      <a:schemeClr val="lt1"/>
+    </dgm:linClrLst>
+    <dgm:effectClrLst/>
+    <dgm:txLinClrLst/>
+    <dgm:txFillClrLst meth="repeat">
+      <a:schemeClr val="lt1"/>
+    </dgm:txFillClrLst>
+    <dgm:txEffectClrLst/>
+  </dgm:styleLbl>
+  <dgm:styleLbl name="sibTrans2D1">
+    <dgm:fillClrLst meth="repeat">
+      <a:schemeClr val="accent1">
+        <a:tint val="60000"/>
+      </a:schemeClr>
+    </dgm:fillClrLst>
+    <dgm:linClrLst meth="repeat">
+      <a:schemeClr val="accent1">
+        <a:tint val="60000"/>
+      </a:schemeClr>
+    </dgm:linClrLst>
+    <dgm:effectClrLst/>
+    <dgm:txLinClrLst/>
+    <dgm:txFillClrLst/>
+    <dgm:txEffectClrLst/>
+  </dgm:styleLbl>
+  <dgm:styleLbl name="fgSibTrans2D1">
+    <dgm:fillClrLst meth="repeat">
+      <a:schemeClr val="accent1">
+        <a:tint val="60000"/>
+      </a:schemeClr>
+    </dgm:fillClrLst>
+    <dgm:linClrLst meth="repeat">
+      <a:schemeClr val="accent1">
+        <a:tint val="60000"/>
+      </a:schemeClr>
+    </dgm:linClrLst>
+    <dgm:effectClrLst/>
+    <dgm:txLinClrLst/>
+    <dgm:txFillClrLst/>
+    <dgm:txEffectClrLst/>
+  </dgm:styleLbl>
+  <dgm:styleLbl name="bgSibTrans2D1">
+    <dgm:fillClrLst meth="repeat">
+      <a:schemeClr val="accent1">
+        <a:tint val="60000"/>
+      </a:schemeClr>
+    </dgm:fillClrLst>
+    <dgm:linClrLst meth="repeat">
+      <a:schemeClr val="accent1">
+        <a:tint val="60000"/>
+      </a:schemeClr>
+    </dgm:linClrLst>
+    <dgm:effectClrLst/>
+    <dgm:txLinClrLst/>
+    <dgm:txFillClrLst/>
+    <dgm:txEffectClrLst/>
+  </dgm:styleLbl>
+  <dgm:styleLbl name="sibTrans1D1">
+    <dgm:fillClrLst meth="repeat">
+      <a:schemeClr val="accent1"/>
+    </dgm:fillClrLst>
+    <dgm:linClrLst meth="repeat">
+      <a:schemeClr val="accent1"/>
+    </dgm:linClrLst>
+    <dgm:effectClrLst/>
+    <dgm:txLinClrLst/>
+    <dgm:txFillClrLst meth="repeat">
+      <a:schemeClr val="tx1"/>
+    </dgm:txFillClrLst>
+    <dgm:txEffectClrLst/>
+  </dgm:styleLbl>
+  <dgm:styleLbl name="callout">
+    <dgm:fillClrLst meth="repeat">
+      <a:schemeClr val="accent1"/>
+    </dgm:fillClrLst>
+    <dgm:linClrLst meth="repeat">
+      <a:schemeClr val="accent1">
+        <a:tint val="50000"/>
+      </a:schemeClr>
+    </dgm:linClrLst>
+    <dgm:effectClrLst/>
+    <dgm:txLinClrLst/>
+    <dgm:txFillClrLst meth="repeat">
+      <a:schemeClr val="tx1"/>
+    </dgm:txFillClrLst>
+    <dgm:txEffectClrLst/>
+  </dgm:styleLbl>
+  <dgm:styleLbl name="asst0">
+    <dgm:fillClrLst meth="repeat">
+      <a:schemeClr val="accent1"/>
+    </dgm:fillClrLst>
+    <dgm:linClrLst meth="repeat">
+      <a:schemeClr val="lt1"/>
+    </dgm:linClrLst>
+    <dgm:effectClrLst/>
+    <dgm:txLinClrLst/>
+    <dgm:txFillClrLst/>
+    <dgm:txEffectClrLst/>
+  </dgm:styleLbl>
+  <dgm:styleLbl name="asst1">
+    <dgm:fillClrLst meth="repeat">
+      <a:schemeClr val="accent1"/>
+    </dgm:fillClrLst>
+    <dgm:linClrLst meth="repeat">
+      <a:schemeClr val="lt1"/>
+    </dgm:linClrLst>
+    <dgm:effectClrLst/>
+    <dgm:txLinClrLst/>
+    <dgm:txFillClrLst/>
+    <dgm:txEffectClrLst/>
+  </dgm:styleLbl>
+  <dgm:styleLbl name="asst2">
+    <dgm:fillClrLst meth="repeat">
+      <a:schemeClr val="accent1"/>
+    </dgm:fillClrLst>
+    <dgm:linClrLst meth="repeat">
+      <a:schemeClr val="lt1"/>
+    </dgm:linClrLst>
+    <dgm:effectClrLst/>
+    <dgm:txLinClrLst/>
+    <dgm:txFillClrLst/>
+    <dgm:txEffectClrLst/>
+  </dgm:styleLbl>
+  <dgm:styleLbl name="asst3">
+    <dgm:fillClrLst meth="repeat">
+      <a:schemeClr val="accent1"/>
+    </dgm:fillClrLst>
+    <dgm:linClrLst meth="repeat">
+      <a:schemeClr val="lt1"/>
+    </dgm:linClrLst>
+    <dgm:effectClrLst/>
+    <dgm:txLinClrLst/>
+    <dgm:txFillClrLst/>
+    <dgm:txEffectClrLst/>
+  </dgm:styleLbl>
+  <dgm:styleLbl name="asst4">
+    <dgm:fillClrLst meth="repeat">
+      <a:schemeClr val="accent1"/>
+    </dgm:fillClrLst>
+    <dgm:linClrLst meth="repeat">
+      <a:schemeClr val="lt1"/>
+    </dgm:linClrLst>
+    <dgm:effectClrLst/>
+    <dgm:txLinClrLst/>
+    <dgm:txFillClrLst/>
+    <dgm:txEffectClrLst/>
+  </dgm:styleLbl>
+  <dgm:styleLbl name="parChTrans2D1">
+    <dgm:fillClrLst meth="repeat">
+      <a:schemeClr val="accent1">
+        <a:tint val="60000"/>
+      </a:schemeClr>
+    </dgm:fillClrLst>
+    <dgm:linClrLst meth="repeat">
+      <a:schemeClr val="accent1">
+        <a:tint val="60000"/>
+      </a:schemeClr>
+    </dgm:linClrLst>
+    <dgm:effectClrLst/>
+    <dgm:txLinClrLst/>
+    <dgm:txFillClrLst meth="repeat">
+      <a:schemeClr val="lt1"/>
+    </dgm:txFillClrLst>
+    <dgm:txEffectClrLst/>
+  </dgm:styleLbl>
+  <dgm:styleLbl name="parChTrans2D2">
+    <dgm:fillClrLst meth="repeat">
+      <a:schemeClr val="accent1"/>
+    </dgm:fillClrLst>
+    <dgm:linClrLst meth="repeat">
+      <a:schemeClr val="accent1"/>
+    </dgm:linClrLst>
+    <dgm:effectClrLst/>
+    <dgm:txLinClrLst/>
+    <dgm:txFillClrLst meth="repeat">
+      <a:schemeClr val="lt1"/>
+    </dgm:txFillClrLst>
+    <dgm:txEffectClrLst/>
+  </dgm:styleLbl>
+  <dgm:styleLbl name="parChTrans2D3">
+    <dgm:fillClrLst meth="repeat">
+      <a:schemeClr val="accent1"/>
+    </dgm:fillClrLst>
+    <dgm:linClrLst meth="repeat">
+      <a:schemeClr val="accent1"/>
+    </dgm:linClrLst>
+    <dgm:effectClrLst/>
+    <dgm:txLinClrLst/>
+    <dgm:txFillClrLst meth="repeat">
+      <a:schemeClr val="lt1"/>
+    </dgm:txFillClrLst>
+    <dgm:txEffectClrLst/>
+  </dgm:styleLbl>
+  <dgm:styleLbl name="parChTrans2D4">
+    <dgm:fillClrLst meth="repeat">
+      <a:schemeClr val="accent1"/>
+    </dgm:fillClrLst>
+    <dgm:linClrLst meth="repeat">
+      <a:schemeClr val="accent1"/>
+    </dgm:linClrLst>
+    <dgm:effectClrLst/>
+    <dgm:txLinClrLst/>
+    <dgm:txFillClrLst meth="repeat">
+      <a:schemeClr val="lt1"/>
+    </dgm:txFillClrLst>
+    <dgm:txEffectClrLst/>
+  </dgm:styleLbl>
+  <dgm:styleLbl name="parChTrans1D1">
+    <dgm:fillClrLst meth="repeat">
+      <a:schemeClr val="accent1"/>
+    </dgm:fillClrLst>
+    <dgm:linClrLst meth="repeat">
+      <a:schemeClr val="accent1">
+        <a:shade val="60000"/>
+      </a:schemeClr>
+    </dgm:linClrLst>
+    <dgm:effectClrLst/>
+    <dgm:txLinClrLst/>
+    <dgm:txFillClrLst meth="repeat">
+      <a:schemeClr val="tx1"/>
+    </dgm:txFillClrLst>
+    <dgm:txEffectClrLst/>
+  </dgm:styleLbl>
+  <dgm:styleLbl name="parChTrans1D2">
+    <dgm:fillClrLst meth="repeat">
+      <a:schemeClr val="accent1"/>
+    </dgm:fillClrLst>
+    <dgm:linClrLst meth="repeat">
+      <a:schemeClr val="accent1">
+        <a:shade val="60000"/>
+      </a:schemeClr>
+    </dgm:linClrLst>
+    <dgm:effectClrLst/>
+    <dgm:txLinClrLst/>
+    <dgm:txFillClrLst meth="repeat">
+      <a:schemeClr val="tx1"/>
+    </dgm:txFillClrLst>
+    <dgm:txEffectClrLst/>
+  </dgm:styleLbl>
+  <dgm:styleLbl name="parChTrans1D3">
+    <dgm:fillClrLst meth="repeat">
+      <a:schemeClr val="accent1"/>
+    </dgm:fillClrLst>
+    <dgm:linClrLst meth="repeat">
+      <a:schemeClr val="accent1">
+        <a:shade val="80000"/>
+      </a:schemeClr>
+    </dgm:linClrLst>
+    <dgm:effectClrLst/>
+    <dgm:txLinClrLst/>
+    <dgm:txFillClrLst meth="repeat">
+      <a:schemeClr val="tx1"/>
+    </dgm:txFillClrLst>
+    <dgm:txEffectClrLst/>
+  </dgm:styleLbl>
+  <dgm:styleLbl name="parChTrans1D4">
+    <dgm:fillClrLst meth="repeat">
+      <a:schemeClr val="accent1"/>
+    </dgm:fillClrLst>
+    <dgm:linClrLst meth="repeat">
+      <a:schemeClr val="accent1">
+        <a:shade val="80000"/>
+      </a:schemeClr>
+    </dgm:linClrLst>
+    <dgm:effectClrLst/>
+    <dgm:txLinClrLst/>
+    <dgm:txFillClrLst meth="repeat">
+      <a:schemeClr val="tx1"/>
+    </dgm:txFillClrLst>
+    <dgm:txEffectClrLst/>
+  </dgm:styleLbl>
+  <dgm:styleLbl name="fgAcc1">
+    <dgm:fillClrLst meth="repeat">
+      <a:schemeClr val="lt1">
+        <a:alpha val="90000"/>
+      </a:schemeClr>
+    </dgm:fillClrLst>
+    <dgm:linClrLst meth="repeat">
+      <a:schemeClr val="accent1"/>
+    </dgm:linClrLst>
+    <dgm:effectClrLst/>
+    <dgm:txLinClrLst/>
+    <dgm:txFillClrLst meth="repeat">
+      <a:schemeClr val="dk1"/>
+    </dgm:txFillClrLst>
+    <dgm:txEffectClrLst/>
+  </dgm:styleLbl>
+  <dgm:styleLbl name="conFgAcc1">
+    <dgm:fillClrLst meth="repeat">
+      <a:schemeClr val="lt1">
+        <a:alpha val="90000"/>
+      </a:schemeClr>
+    </dgm:fillClrLst>
+    <dgm:linClrLst meth="repeat">
+      <a:schemeClr val="accent1"/>
+    </dgm:linClrLst>
+    <dgm:effectClrLst/>
+    <dgm:txLinClrLst/>
+    <dgm:txFillClrLst meth="repeat">
+      <a:schemeClr val="dk1"/>
+    </dgm:txFillClrLst>
+    <dgm:txEffectClrLst/>
+  </dgm:styleLbl>
+  <dgm:styleLbl name="alignAcc1">
+    <dgm:fillClrLst meth="repeat">
+      <a:schemeClr val="lt1">
+        <a:alpha val="90000"/>
+      </a:schemeClr>
+    </dgm:fillClrLst>
+    <dgm:linClrLst meth="repeat">
+      <a:schemeClr val="accent1"/>
+    </dgm:linClrLst>
+    <dgm:effectClrLst/>
+    <dgm:txLinClrLst/>
+    <dgm:txFillClrLst meth="repeat">
+      <a:schemeClr val="dk1"/>
+    </dgm:txFillClrLst>
+    <dgm:txEffectClrLst/>
+  </dgm:styleLbl>
+  <dgm:styleLbl name="trAlignAcc1">
+    <dgm:fillClrLst meth="repeat">
+      <a:schemeClr val="lt1">
+        <a:alpha val="40000"/>
+      </a:schemeClr>
+    </dgm:fillClrLst>
+    <dgm:linClrLst meth="repeat">
+      <a:schemeClr val="accent1"/>
+    </dgm:linClrLst>
+    <dgm:effectClrLst/>
+    <dgm:txLinClrLst/>
+    <dgm:txFillClrLst meth="repeat">
+      <a:schemeClr val="dk1"/>
+    </dgm:txFillClrLst>
+    <dgm:txEffectClrLst/>
+  </dgm:styleLbl>
+  <dgm:styleLbl name="bgAcc1">
+    <dgm:fillClrLst meth="repeat">
+      <a:schemeClr val="lt1">
+        <a:alpha val="90000"/>
+      </a:schemeClr>
+    </dgm:fillClrLst>
+    <dgm:linClrLst meth="repeat">
+      <a:schemeClr val="accent1"/>
+    </dgm:linClrLst>
+    <dgm:effectClrLst/>
+    <dgm:txLinClrLst/>
+    <dgm:txFillClrLst meth="repeat">
+      <a:schemeClr val="dk1"/>
+    </dgm:txFillClrLst>
+    <dgm:txEffectClrLst/>
+  </dgm:styleLbl>
+  <dgm:styleLbl name="solidFgAcc1">
+    <dgm:fillClrLst meth="repeat">
+      <a:schemeClr val="lt1"/>
+    </dgm:fillClrLst>
+    <dgm:linClrLst meth="repeat">
+      <a:schemeClr val="accent1"/>
+    </dgm:linClrLst>
+    <dgm:effectClrLst/>
+    <dgm:txLinClrLst/>
+    <dgm:txFillClrLst meth="repeat">
+      <a:schemeClr val="dk1"/>
+    </dgm:txFillClrLst>
+    <dgm:txEffectClrLst/>
+  </dgm:styleLbl>
+  <dgm:styleLbl name="solidAlignAcc1">
+    <dgm:fillClrLst meth="repeat">
+      <a:schemeClr val="lt1"/>
+    </dgm:fillClrLst>
+    <dgm:linClrLst meth="repeat">
+      <a:schemeClr val="accent1"/>
+    </dgm:linClrLst>
+    <dgm:effectClrLst/>
+    <dgm:txLinClrLst/>
+    <dgm:txFillClrLst meth="repeat">
+      <a:schemeClr val="dk1"/>
+    </dgm:txFillClrLst>
+    <dgm:txEffectClrLst/>
+  </dgm:styleLbl>
+  <dgm:styleLbl name="solidBgAcc1">
+    <dgm:fillClrLst meth="repeat">
+      <a:schemeClr val="lt1"/>
+    </dgm:fillClrLst>
+    <dgm:linClrLst meth="repeat">
+      <a:schemeClr val="accent1"/>
+    </dgm:linClrLst>
+    <dgm:effectClrLst/>
+    <dgm:txLinClrLst/>
+    <dgm:txFillClrLst meth="repeat">
+      <a:schemeClr val="dk1"/>
+    </dgm:txFillClrLst>
+    <dgm:txEffectClrLst/>
+  </dgm:styleLbl>
+  <dgm:styleLbl name="fgAccFollowNode1">
+    <dgm:fillClrLst meth="repeat">
+      <a:schemeClr val="accent1">
+        <a:alpha val="90000"/>
+        <a:tint val="40000"/>
+      </a:schemeClr>
+    </dgm:fillClrLst>
+    <dgm:linClrLst meth="repeat">
+      <a:schemeClr val="accent1">
+        <a:alpha val="90000"/>
+        <a:tint val="40000"/>
+      </a:schemeClr>
+    </dgm:linClrLst>
+    <dgm:effectClrLst/>
+    <dgm:txLinClrLst/>
+    <dgm:txFillClrLst meth="repeat">
+      <a:schemeClr val="dk1"/>
+    </dgm:txFillClrLst>
+    <dgm:txEffectClrLst/>
+  </dgm:styleLbl>
+  <dgm:styleLbl name="alignAccFollowNode1">
+    <dgm:fillClrLst meth="repeat">
+      <a:schemeClr val="accent1">
+        <a:alpha val="90000"/>
+        <a:tint val="40000"/>
+      </a:schemeClr>
+    </dgm:fillClrLst>
+    <dgm:linClrLst meth="repeat">
+      <a:schemeClr val="accent1">
+        <a:alpha val="90000"/>
+        <a:tint val="40000"/>
+      </a:schemeClr>
+    </dgm:linClrLst>
+    <dgm:effectClrLst/>
+    <dgm:txLinClrLst/>
+    <dgm:txFillClrLst meth="repeat">
+      <a:schemeClr val="dk1"/>
+    </dgm:txFillClrLst>
+    <dgm:txEffectClrLst/>
+  </dgm:styleLbl>
+  <dgm:styleLbl name="bgAccFollowNode1">
+    <dgm:fillClrLst meth="repeat">
+      <a:schemeClr val="accent1">
+        <a:alpha val="90000"/>
+        <a:tint val="40000"/>
+      </a:schemeClr>
+    </dgm:fillClrLst>
+    <dgm:linClrLst meth="repeat">
+      <a:schemeClr val="accent1">
+        <a:alpha val="90000"/>
+        <a:tint val="40000"/>
+      </a:schemeClr>
+    </dgm:linClrLst>
+    <dgm:effectClrLst/>
+    <dgm:txLinClrLst/>
+    <dgm:txFillClrLst meth="repeat">
+      <a:schemeClr val="dk1"/>
+    </dgm:txFillClrLst>
+    <dgm:txEffectClrLst/>
+  </dgm:styleLbl>
+  <dgm:styleLbl name="fgAcc0">
+    <dgm:fillClrLst meth="repeat">
+      <a:schemeClr val="lt1">
+        <a:alpha val="90000"/>
+      </a:schemeClr>
+    </dgm:fillClrLst>
+    <dgm:linClrLst meth="repeat">
+      <a:schemeClr val="accent1"/>
+    </dgm:linClrLst>
+    <dgm:effectClrLst/>
+    <dgm:txLinClrLst/>
+    <dgm:txFillClrLst meth="repeat">
+      <a:schemeClr val="dk1"/>
+    </dgm:txFillClrLst>
+    <dgm:txEffectClrLst/>
+  </dgm:styleLbl>
+  <dgm:styleLbl name="fgAcc2">
+    <dgm:fillClrLst meth="repeat">
+      <a:schemeClr val="lt1">
+        <a:alpha val="90000"/>
+      </a:schemeClr>
+    </dgm:fillClrLst>
+    <dgm:linClrLst meth="repeat">
+      <a:schemeClr val="accent1"/>
+    </dgm:linClrLst>
+    <dgm:effectClrLst/>
+    <dgm:txLinClrLst/>
+    <dgm:txFillClrLst meth="repeat">
+      <a:schemeClr val="dk1"/>
+    </dgm:txFillClrLst>
+    <dgm:txEffectClrLst/>
+  </dgm:styleLbl>
+  <dgm:styleLbl name="fgAcc3">
+    <dgm:fillClrLst meth="repeat">
+      <a:schemeClr val="lt1">
+        <a:alpha val="90000"/>
+      </a:schemeClr>
+    </dgm:fillClrLst>
+    <dgm:linClrLst meth="repeat">
+      <a:schemeClr val="accent1"/>
+    </dgm:linClrLst>
+    <dgm:effectClrLst/>
+    <dgm:txLinClrLst/>
+    <dgm:txFillClrLst meth="repeat">
+      <a:schemeClr val="dk1"/>
+    </dgm:txFillClrLst>
+    <dgm:txEffectClrLst/>
+  </dgm:styleLbl>
+  <dgm:styleLbl name="fgAcc4">
+    <dgm:fillClrLst meth="repeat">
+      <a:schemeClr val="lt1">
+        <a:alpha val="90000"/>
+      </a:schemeClr>
+    </dgm:fillClrLst>
+    <dgm:linClrLst meth="repeat">
+      <a:schemeClr val="accent1"/>
+    </dgm:linClrLst>
+    <dgm:effectClrLst/>
+    <dgm:txLinClrLst/>
+    <dgm:txFillClrLst meth="repeat">
+      <a:schemeClr val="dk1"/>
+    </dgm:txFillClrLst>
+    <dgm:txEffectClrLst/>
+  </dgm:styleLbl>
+  <dgm:styleLbl name="bgShp">
+    <dgm:fillClrLst meth="repeat">
+      <a:schemeClr val="accent1">
+        <a:tint val="40000"/>
+      </a:schemeClr>
+    </dgm:fillClrLst>
+    <dgm:linClrLst meth="repeat">
+      <a:schemeClr val="accent1"/>
+    </dgm:linClrLst>
+    <dgm:effectClrLst/>
+    <dgm:txLinClrLst/>
+    <dgm:txFillClrLst meth="repeat">
+      <a:schemeClr val="dk1"/>
+    </dgm:txFillClrLst>
+    <dgm:txEffectClrLst/>
+  </dgm:styleLbl>
+  <dgm:styleLbl name="dkBgShp">
+    <dgm:fillClrLst meth="repeat">
+      <a:schemeClr val="accent1">
+        <a:shade val="80000"/>
+      </a:schemeClr>
+    </dgm:fillClrLst>
+    <dgm:linClrLst meth="repeat">
+      <a:schemeClr val="accent1"/>
+    </dgm:linClrLst>
+    <dgm:effectClrLst/>
+    <dgm:txLinClrLst/>
+    <dgm:txFillClrLst meth="repeat">
+      <a:schemeClr val="lt1"/>
+    </dgm:txFillClrLst>
+    <dgm:txEffectClrLst/>
+  </dgm:styleLbl>
+  <dgm:styleLbl name="trBgShp">
+    <dgm:fillClrLst meth="repeat">
+      <a:schemeClr val="accent1">
+        <a:tint val="50000"/>
+        <a:alpha val="40000"/>
+      </a:schemeClr>
+    </dgm:fillClrLst>
+    <dgm:linClrLst meth="repeat">
+      <a:schemeClr val="accent1"/>
+    </dgm:linClrLst>
+    <dgm:effectClrLst/>
+    <dgm:txLinClrLst/>
+    <dgm:txFillClrLst meth="repeat">
+      <a:schemeClr val="lt1"/>
+    </dgm:txFillClrLst>
+    <dgm:txEffectClrLst/>
+  </dgm:styleLbl>
+  <dgm:styleLbl name="fgShp">
+    <dgm:fillClrLst meth="repeat">
+      <a:schemeClr val="accent1">
+        <a:tint val="60000"/>
+      </a:schemeClr>
+    </dgm:fillClrLst>
+    <dgm:linClrLst meth="repeat">
+      <a:schemeClr val="lt1"/>
+    </dgm:linClrLst>
+    <dgm:effectClrLst/>
+    <dgm:txLinClrLst/>
+    <dgm:txFillClrLst meth="repeat">
+      <a:schemeClr val="dk1"/>
+    </dgm:txFillClrLst>
+    <dgm:txEffectClrLst/>
+  </dgm:styleLbl>
+  <dgm:styleLbl name="revTx">
+    <dgm:fillClrLst meth="repeat">
+      <a:schemeClr val="lt1">
+        <a:alpha val="0"/>
+      </a:schemeClr>
+    </dgm:fillClrLst>
+    <dgm:linClrLst meth="repeat">
+      <a:schemeClr val="dk1">
+        <a:alpha val="0"/>
+      </a:schemeClr>
+    </dgm:linClrLst>
+    <dgm:effectClrLst/>
+    <dgm:txLinClrLst/>
+    <dgm:txFillClrLst meth="repeat">
+      <a:schemeClr val="tx1"/>
+    </dgm:txFillClrLst>
+    <dgm:txEffectClrLst/>
+  </dgm:styleLbl>
+</dgm:colorsDef>
+</file>
+
+<file path=ppt/diagrams/data1.xml><?xml version="1.0" encoding="utf-8"?>
+<dgm:dataModel xmlns:dgm="http://schemas.openxmlformats.org/drawingml/2006/diagram" xmlns:a="http://schemas.openxmlformats.org/drawingml/2006/main">
+  <dgm:ptLst>
+    <dgm:pt modelId="{5C84228E-6355-41B2-8D83-0CA711E5E819}" type="doc">
+      <dgm:prSet loTypeId="urn:microsoft.com/office/officeart/2008/layout/VerticalCurvedList" loCatId="list" qsTypeId="urn:microsoft.com/office/officeart/2005/8/quickstyle/simple1" qsCatId="simple" csTypeId="urn:microsoft.com/office/officeart/2005/8/colors/accent1_2" csCatId="accent1" phldr="1"/>
+      <dgm:spPr/>
+      <dgm:t>
+        <a:bodyPr/>
+        <a:lstStyle/>
+        <a:p>
+          <a:endParaRPr lang="en-IN"/>
+        </a:p>
+      </dgm:t>
+    </dgm:pt>
+    <dgm:pt modelId="{B54A22C4-3CDD-4C20-B91B-9EBB91FFE608}">
+      <dgm:prSet phldrT="[Text]"/>
+      <dgm:spPr/>
+      <dgm:t>
+        <a:bodyPr/>
+        <a:lstStyle/>
+        <a:p>
+          <a:pPr>
+            <a:buFont typeface="Arial" panose="020B0604020202020204" pitchFamily="34" charset="0"/>
+            <a:buChar char="•"/>
+          </a:pPr>
+          <a:r>
+            <a:rPr lang="en-US" dirty="0">
+              <a:latin typeface="Times New Roman" panose="02020603050405020304" pitchFamily="18" charset="0"/>
+              <a:cs typeface="Times New Roman" panose="02020603050405020304" pitchFamily="18" charset="0"/>
+            </a:rPr>
+            <a:t>Objective</a:t>
+          </a:r>
+          <a:endParaRPr lang="en-IN" dirty="0">
+            <a:latin typeface="Times New Roman" panose="02020603050405020304" pitchFamily="18" charset="0"/>
+            <a:cs typeface="Times New Roman" panose="02020603050405020304" pitchFamily="18" charset="0"/>
+          </a:endParaRPr>
+        </a:p>
+      </dgm:t>
+    </dgm:pt>
+    <dgm:pt modelId="{408CA781-A427-437C-8CC6-A4FAE5874872}" type="parTrans" cxnId="{60D50494-EF42-4F61-877E-400E1C244DA0}">
+      <dgm:prSet/>
+      <dgm:spPr/>
+      <dgm:t>
+        <a:bodyPr/>
+        <a:lstStyle/>
+        <a:p>
+          <a:endParaRPr lang="en-IN"/>
+        </a:p>
+      </dgm:t>
+    </dgm:pt>
+    <dgm:pt modelId="{62BD8B48-7356-4222-B7A2-EB2DE1D4204B}" type="sibTrans" cxnId="{60D50494-EF42-4F61-877E-400E1C244DA0}">
+      <dgm:prSet/>
+      <dgm:spPr/>
+      <dgm:t>
+        <a:bodyPr/>
+        <a:lstStyle/>
+        <a:p>
+          <a:endParaRPr lang="en-IN"/>
+        </a:p>
+      </dgm:t>
+    </dgm:pt>
+    <dgm:pt modelId="{1B382DE6-EBE0-44A9-8E74-15D17697A7AA}">
+      <dgm:prSet phldrT="[Text]"/>
+      <dgm:spPr/>
+      <dgm:t>
+        <a:bodyPr/>
+        <a:lstStyle/>
+        <a:p>
+          <a:r>
+            <a:rPr lang="en-US" dirty="0">
+              <a:latin typeface="Times New Roman" panose="02020603050405020304" pitchFamily="18" charset="0"/>
+              <a:cs typeface="Times New Roman" panose="02020603050405020304" pitchFamily="18" charset="0"/>
+            </a:rPr>
+            <a:t>Background</a:t>
+          </a:r>
+          <a:endParaRPr lang="en-IN" dirty="0">
+            <a:latin typeface="Times New Roman" panose="02020603050405020304" pitchFamily="18" charset="0"/>
+            <a:cs typeface="Times New Roman" panose="02020603050405020304" pitchFamily="18" charset="0"/>
+          </a:endParaRPr>
+        </a:p>
+      </dgm:t>
+    </dgm:pt>
+    <dgm:pt modelId="{59DA83AB-D61B-4128-B7A7-F0239A395CE2}" type="parTrans" cxnId="{A560FC63-3B15-447B-AB4B-08EF8277B410}">
+      <dgm:prSet/>
+      <dgm:spPr/>
+      <dgm:t>
+        <a:bodyPr/>
+        <a:lstStyle/>
+        <a:p>
+          <a:endParaRPr lang="en-IN"/>
+        </a:p>
+      </dgm:t>
+    </dgm:pt>
+    <dgm:pt modelId="{1BD82B5D-DF73-4199-8765-4C2445BC29C6}" type="sibTrans" cxnId="{A560FC63-3B15-447B-AB4B-08EF8277B410}">
+      <dgm:prSet/>
+      <dgm:spPr/>
+      <dgm:t>
+        <a:bodyPr/>
+        <a:lstStyle/>
+        <a:p>
+          <a:endParaRPr lang="en-IN"/>
+        </a:p>
+      </dgm:t>
+    </dgm:pt>
+    <dgm:pt modelId="{35F26039-A393-4311-B8D9-4A8ECEBFFF1B}">
+      <dgm:prSet phldrT="[Text]"/>
+      <dgm:spPr/>
+      <dgm:t>
+        <a:bodyPr/>
+        <a:lstStyle/>
+        <a:p>
+          <a:pPr>
+            <a:buFont typeface="Arial" panose="020B0604020202020204" pitchFamily="34" charset="0"/>
+            <a:buChar char="•"/>
+          </a:pPr>
+          <a:r>
+            <a:rPr lang="en-US" dirty="0">
+              <a:latin typeface="Times New Roman" panose="02020603050405020304" pitchFamily="18" charset="0"/>
+              <a:cs typeface="Times New Roman" panose="02020603050405020304" pitchFamily="18" charset="0"/>
+            </a:rPr>
+            <a:t>Data Cleaning</a:t>
+          </a:r>
+          <a:endParaRPr lang="en-IN" dirty="0">
+            <a:latin typeface="Times New Roman" panose="02020603050405020304" pitchFamily="18" charset="0"/>
+            <a:cs typeface="Times New Roman" panose="02020603050405020304" pitchFamily="18" charset="0"/>
+          </a:endParaRPr>
+        </a:p>
+      </dgm:t>
+    </dgm:pt>
+    <dgm:pt modelId="{DB244513-8EAD-451F-9B32-B766A2543E30}" type="parTrans" cxnId="{41623B39-EB3B-44A0-A689-FC8FC8670CAC}">
+      <dgm:prSet/>
+      <dgm:spPr/>
+      <dgm:t>
+        <a:bodyPr/>
+        <a:lstStyle/>
+        <a:p>
+          <a:endParaRPr lang="en-IN"/>
+        </a:p>
+      </dgm:t>
+    </dgm:pt>
+    <dgm:pt modelId="{23946DDF-4948-434C-8A17-29890DF43ABA}" type="sibTrans" cxnId="{41623B39-EB3B-44A0-A689-FC8FC8670CAC}">
+      <dgm:prSet/>
+      <dgm:spPr/>
+      <dgm:t>
+        <a:bodyPr/>
+        <a:lstStyle/>
+        <a:p>
+          <a:endParaRPr lang="en-IN"/>
+        </a:p>
+      </dgm:t>
+    </dgm:pt>
+    <dgm:pt modelId="{0B7EE728-F755-48B3-8B98-8B578A39283E}">
+      <dgm:prSet/>
+      <dgm:spPr/>
+      <dgm:t>
+        <a:bodyPr/>
+        <a:lstStyle/>
+        <a:p>
+          <a:r>
+            <a:rPr lang="en-IN">
+              <a:latin typeface="Times New Roman" panose="02020603050405020304" pitchFamily="18" charset="0"/>
+              <a:cs typeface="Times New Roman" panose="02020603050405020304" pitchFamily="18" charset="0"/>
+            </a:rPr>
+            <a:t>Key Insights</a:t>
+          </a:r>
+        </a:p>
+      </dgm:t>
+    </dgm:pt>
+    <dgm:pt modelId="{51F17505-3147-45BD-90D1-A0048E837DAF}" type="parTrans" cxnId="{371E6002-9A34-4405-9078-025DFFB427C9}">
+      <dgm:prSet/>
+      <dgm:spPr/>
+      <dgm:t>
+        <a:bodyPr/>
+        <a:lstStyle/>
+        <a:p>
+          <a:endParaRPr lang="en-IN"/>
+        </a:p>
+      </dgm:t>
+    </dgm:pt>
+    <dgm:pt modelId="{130927F4-DA78-4C40-B5F8-A8DCF578ADCC}" type="sibTrans" cxnId="{371E6002-9A34-4405-9078-025DFFB427C9}">
+      <dgm:prSet/>
+      <dgm:spPr/>
+      <dgm:t>
+        <a:bodyPr/>
+        <a:lstStyle/>
+        <a:p>
+          <a:endParaRPr lang="en-IN"/>
+        </a:p>
+      </dgm:t>
+    </dgm:pt>
+    <dgm:pt modelId="{BE1EC379-75D4-4685-8614-3C04A01AA7FB}">
+      <dgm:prSet/>
+      <dgm:spPr/>
+      <dgm:t>
+        <a:bodyPr/>
+        <a:lstStyle/>
+        <a:p>
+          <a:r>
+            <a:rPr lang="en-IN">
+              <a:latin typeface="Times New Roman" panose="02020603050405020304" pitchFamily="18" charset="0"/>
+              <a:cs typeface="Times New Roman" panose="02020603050405020304" pitchFamily="18" charset="0"/>
+            </a:rPr>
+            <a:t>Appendix</a:t>
+          </a:r>
+        </a:p>
+      </dgm:t>
+    </dgm:pt>
+    <dgm:pt modelId="{B4E1E410-3AA8-4FAD-8D8F-5B70518F41BF}" type="parTrans" cxnId="{CF0359A1-8C50-419C-9814-1143B21A5F4E}">
+      <dgm:prSet/>
+      <dgm:spPr/>
+      <dgm:t>
+        <a:bodyPr/>
+        <a:lstStyle/>
+        <a:p>
+          <a:endParaRPr lang="en-IN"/>
+        </a:p>
+      </dgm:t>
+    </dgm:pt>
+    <dgm:pt modelId="{4E39E3F2-1259-4852-85A5-CF65B107B6C8}" type="sibTrans" cxnId="{CF0359A1-8C50-419C-9814-1143B21A5F4E}">
+      <dgm:prSet/>
+      <dgm:spPr/>
+      <dgm:t>
+        <a:bodyPr/>
+        <a:lstStyle/>
+        <a:p>
+          <a:endParaRPr lang="en-IN"/>
+        </a:p>
+      </dgm:t>
+    </dgm:pt>
+    <dgm:pt modelId="{22653122-3CC8-4E18-8C1C-9555CB65C61C}" type="pres">
+      <dgm:prSet presAssocID="{5C84228E-6355-41B2-8D83-0CA711E5E819}" presName="Name0" presStyleCnt="0">
+        <dgm:presLayoutVars>
+          <dgm:chMax val="7"/>
+          <dgm:chPref val="7"/>
+          <dgm:dir/>
+        </dgm:presLayoutVars>
+      </dgm:prSet>
+      <dgm:spPr/>
+    </dgm:pt>
+    <dgm:pt modelId="{C2D10730-9C16-43D3-A2FE-557B903EFC8D}" type="pres">
+      <dgm:prSet presAssocID="{5C84228E-6355-41B2-8D83-0CA711E5E819}" presName="Name1" presStyleCnt="0"/>
+      <dgm:spPr/>
+    </dgm:pt>
+    <dgm:pt modelId="{4DBEE0C4-AD1B-4A18-A9E8-EF2D0FF02275}" type="pres">
+      <dgm:prSet presAssocID="{5C84228E-6355-41B2-8D83-0CA711E5E819}" presName="cycle" presStyleCnt="0"/>
+      <dgm:spPr/>
+    </dgm:pt>
+    <dgm:pt modelId="{7B903796-16AE-48AD-9D5F-83DC8BAB4781}" type="pres">
+      <dgm:prSet presAssocID="{5C84228E-6355-41B2-8D83-0CA711E5E819}" presName="srcNode" presStyleLbl="node1" presStyleIdx="0" presStyleCnt="5"/>
+      <dgm:spPr/>
+    </dgm:pt>
+    <dgm:pt modelId="{85315099-7E42-40F9-9871-8EDE5BACE9AF}" type="pres">
+      <dgm:prSet presAssocID="{5C84228E-6355-41B2-8D83-0CA711E5E819}" presName="conn" presStyleLbl="parChTrans1D2" presStyleIdx="0" presStyleCnt="1"/>
+      <dgm:spPr/>
+    </dgm:pt>
+    <dgm:pt modelId="{54AA06C2-42A5-4CF9-86BA-392DF61742E4}" type="pres">
+      <dgm:prSet presAssocID="{5C84228E-6355-41B2-8D83-0CA711E5E819}" presName="extraNode" presStyleLbl="node1" presStyleIdx="0" presStyleCnt="5"/>
+      <dgm:spPr/>
+    </dgm:pt>
+    <dgm:pt modelId="{19AD0FB8-ED33-486F-9D7B-BCF88B3B7478}" type="pres">
+      <dgm:prSet presAssocID="{5C84228E-6355-41B2-8D83-0CA711E5E819}" presName="dstNode" presStyleLbl="node1" presStyleIdx="0" presStyleCnt="5"/>
+      <dgm:spPr/>
+    </dgm:pt>
+    <dgm:pt modelId="{1B3441BE-DFE9-4065-8CF8-AF28B141D603}" type="pres">
+      <dgm:prSet presAssocID="{B54A22C4-3CDD-4C20-B91B-9EBB91FFE608}" presName="text_1" presStyleLbl="node1" presStyleIdx="0" presStyleCnt="5">
+        <dgm:presLayoutVars>
+          <dgm:bulletEnabled val="1"/>
+        </dgm:presLayoutVars>
+      </dgm:prSet>
+      <dgm:spPr/>
+    </dgm:pt>
+    <dgm:pt modelId="{E9B59BD6-CE54-4FBF-9FD0-F3D391403155}" type="pres">
+      <dgm:prSet presAssocID="{B54A22C4-3CDD-4C20-B91B-9EBB91FFE608}" presName="accent_1" presStyleCnt="0"/>
+      <dgm:spPr/>
+    </dgm:pt>
+    <dgm:pt modelId="{F2D1D944-5F19-4E23-8B31-0595C97EB499}" type="pres">
+      <dgm:prSet presAssocID="{B54A22C4-3CDD-4C20-B91B-9EBB91FFE608}" presName="accentRepeatNode" presStyleLbl="solidFgAcc1" presStyleIdx="0" presStyleCnt="5"/>
+      <dgm:spPr/>
+    </dgm:pt>
+    <dgm:pt modelId="{77CC656F-5159-4086-B358-FE561EC4AA2A}" type="pres">
+      <dgm:prSet presAssocID="{1B382DE6-EBE0-44A9-8E74-15D17697A7AA}" presName="text_2" presStyleLbl="node1" presStyleIdx="1" presStyleCnt="5">
+        <dgm:presLayoutVars>
+          <dgm:bulletEnabled val="1"/>
+        </dgm:presLayoutVars>
+      </dgm:prSet>
+      <dgm:spPr/>
+    </dgm:pt>
+    <dgm:pt modelId="{1E2FFE45-0900-4D63-BA1C-6C28E8410EC1}" type="pres">
+      <dgm:prSet presAssocID="{1B382DE6-EBE0-44A9-8E74-15D17697A7AA}" presName="accent_2" presStyleCnt="0"/>
+      <dgm:spPr/>
+    </dgm:pt>
+    <dgm:pt modelId="{8673D090-9FBE-450F-9FE0-49B5C8BF6CB4}" type="pres">
+      <dgm:prSet presAssocID="{1B382DE6-EBE0-44A9-8E74-15D17697A7AA}" presName="accentRepeatNode" presStyleLbl="solidFgAcc1" presStyleIdx="1" presStyleCnt="5"/>
+      <dgm:spPr/>
+    </dgm:pt>
+    <dgm:pt modelId="{288DC629-3134-4E0C-BF33-BB8C07C952FD}" type="pres">
+      <dgm:prSet presAssocID="{35F26039-A393-4311-B8D9-4A8ECEBFFF1B}" presName="text_3" presStyleLbl="node1" presStyleIdx="2" presStyleCnt="5">
+        <dgm:presLayoutVars>
+          <dgm:bulletEnabled val="1"/>
+        </dgm:presLayoutVars>
+      </dgm:prSet>
+      <dgm:spPr/>
+    </dgm:pt>
+    <dgm:pt modelId="{27865C45-0F30-4399-8A7D-A8BF6EBD4C58}" type="pres">
+      <dgm:prSet presAssocID="{35F26039-A393-4311-B8D9-4A8ECEBFFF1B}" presName="accent_3" presStyleCnt="0"/>
+      <dgm:spPr/>
+    </dgm:pt>
+    <dgm:pt modelId="{36843F34-8681-4C30-A42E-7B35EEB963AC}" type="pres">
+      <dgm:prSet presAssocID="{35F26039-A393-4311-B8D9-4A8ECEBFFF1B}" presName="accentRepeatNode" presStyleLbl="solidFgAcc1" presStyleIdx="2" presStyleCnt="5"/>
+      <dgm:spPr/>
+    </dgm:pt>
+    <dgm:pt modelId="{5FF78142-DBC5-4E57-B98D-EAA2F60939C6}" type="pres">
+      <dgm:prSet presAssocID="{0B7EE728-F755-48B3-8B98-8B578A39283E}" presName="text_4" presStyleLbl="node1" presStyleIdx="3" presStyleCnt="5">
+        <dgm:presLayoutVars>
+          <dgm:bulletEnabled val="1"/>
+        </dgm:presLayoutVars>
+      </dgm:prSet>
+      <dgm:spPr/>
+    </dgm:pt>
+    <dgm:pt modelId="{DD60E1F8-264D-4CB4-930C-3FE5414ED110}" type="pres">
+      <dgm:prSet presAssocID="{0B7EE728-F755-48B3-8B98-8B578A39283E}" presName="accent_4" presStyleCnt="0"/>
+      <dgm:spPr/>
+    </dgm:pt>
+    <dgm:pt modelId="{5FBD619E-9BB3-4EB6-A2F7-1ED4835D2500}" type="pres">
+      <dgm:prSet presAssocID="{0B7EE728-F755-48B3-8B98-8B578A39283E}" presName="accentRepeatNode" presStyleLbl="solidFgAcc1" presStyleIdx="3" presStyleCnt="5"/>
+      <dgm:spPr/>
+    </dgm:pt>
+    <dgm:pt modelId="{67905A55-B400-4296-A2A3-A76D272D3A84}" type="pres">
+      <dgm:prSet presAssocID="{BE1EC379-75D4-4685-8614-3C04A01AA7FB}" presName="text_5" presStyleLbl="node1" presStyleIdx="4" presStyleCnt="5">
+        <dgm:presLayoutVars>
+          <dgm:bulletEnabled val="1"/>
+        </dgm:presLayoutVars>
+      </dgm:prSet>
+      <dgm:spPr/>
+    </dgm:pt>
+    <dgm:pt modelId="{F3719E54-0A97-4CFB-9AFD-C51603E1F108}" type="pres">
+      <dgm:prSet presAssocID="{BE1EC379-75D4-4685-8614-3C04A01AA7FB}" presName="accent_5" presStyleCnt="0"/>
+      <dgm:spPr/>
+    </dgm:pt>
+    <dgm:pt modelId="{8AFC75CB-98D5-4798-AB18-A040E2A60098}" type="pres">
+      <dgm:prSet presAssocID="{BE1EC379-75D4-4685-8614-3C04A01AA7FB}" presName="accentRepeatNode" presStyleLbl="solidFgAcc1" presStyleIdx="4" presStyleCnt="5"/>
+      <dgm:spPr/>
+    </dgm:pt>
+  </dgm:ptLst>
+  <dgm:cxnLst>
+    <dgm:cxn modelId="{371E6002-9A34-4405-9078-025DFFB427C9}" srcId="{5C84228E-6355-41B2-8D83-0CA711E5E819}" destId="{0B7EE728-F755-48B3-8B98-8B578A39283E}" srcOrd="3" destOrd="0" parTransId="{51F17505-3147-45BD-90D1-A0048E837DAF}" sibTransId="{130927F4-DA78-4C40-B5F8-A8DCF578ADCC}"/>
+    <dgm:cxn modelId="{41623B39-EB3B-44A0-A689-FC8FC8670CAC}" srcId="{5C84228E-6355-41B2-8D83-0CA711E5E819}" destId="{35F26039-A393-4311-B8D9-4A8ECEBFFF1B}" srcOrd="2" destOrd="0" parTransId="{DB244513-8EAD-451F-9B32-B766A2543E30}" sibTransId="{23946DDF-4948-434C-8A17-29890DF43ABA}"/>
+    <dgm:cxn modelId="{B2C2903B-D1DF-467D-9BC2-8C58A344DFBB}" type="presOf" srcId="{B54A22C4-3CDD-4C20-B91B-9EBB91FFE608}" destId="{1B3441BE-DFE9-4065-8CF8-AF28B141D603}" srcOrd="0" destOrd="0" presId="urn:microsoft.com/office/officeart/2008/layout/VerticalCurvedList"/>
+    <dgm:cxn modelId="{A560FC63-3B15-447B-AB4B-08EF8277B410}" srcId="{5C84228E-6355-41B2-8D83-0CA711E5E819}" destId="{1B382DE6-EBE0-44A9-8E74-15D17697A7AA}" srcOrd="1" destOrd="0" parTransId="{59DA83AB-D61B-4128-B7A7-F0239A395CE2}" sibTransId="{1BD82B5D-DF73-4199-8765-4C2445BC29C6}"/>
+    <dgm:cxn modelId="{0DDBEF73-A3DA-42FB-80A2-356BA0E3F803}" type="presOf" srcId="{BE1EC379-75D4-4685-8614-3C04A01AA7FB}" destId="{67905A55-B400-4296-A2A3-A76D272D3A84}" srcOrd="0" destOrd="0" presId="urn:microsoft.com/office/officeart/2008/layout/VerticalCurvedList"/>
+    <dgm:cxn modelId="{FDBFD076-7A58-489F-8BF9-5C2500D82261}" type="presOf" srcId="{5C84228E-6355-41B2-8D83-0CA711E5E819}" destId="{22653122-3CC8-4E18-8C1C-9555CB65C61C}" srcOrd="0" destOrd="0" presId="urn:microsoft.com/office/officeart/2008/layout/VerticalCurvedList"/>
+    <dgm:cxn modelId="{0C232386-9E43-4859-8D0E-A40A90F36764}" type="presOf" srcId="{1B382DE6-EBE0-44A9-8E74-15D17697A7AA}" destId="{77CC656F-5159-4086-B358-FE561EC4AA2A}" srcOrd="0" destOrd="0" presId="urn:microsoft.com/office/officeart/2008/layout/VerticalCurvedList"/>
+    <dgm:cxn modelId="{60D50494-EF42-4F61-877E-400E1C244DA0}" srcId="{5C84228E-6355-41B2-8D83-0CA711E5E819}" destId="{B54A22C4-3CDD-4C20-B91B-9EBB91FFE608}" srcOrd="0" destOrd="0" parTransId="{408CA781-A427-437C-8CC6-A4FAE5874872}" sibTransId="{62BD8B48-7356-4222-B7A2-EB2DE1D4204B}"/>
+    <dgm:cxn modelId="{CF0359A1-8C50-419C-9814-1143B21A5F4E}" srcId="{5C84228E-6355-41B2-8D83-0CA711E5E819}" destId="{BE1EC379-75D4-4685-8614-3C04A01AA7FB}" srcOrd="4" destOrd="0" parTransId="{B4E1E410-3AA8-4FAD-8D8F-5B70518F41BF}" sibTransId="{4E39E3F2-1259-4852-85A5-CF65B107B6C8}"/>
+    <dgm:cxn modelId="{9BF194AC-7483-4D0C-93D9-9DBE0E4EF68D}" type="presOf" srcId="{0B7EE728-F755-48B3-8B98-8B578A39283E}" destId="{5FF78142-DBC5-4E57-B98D-EAA2F60939C6}" srcOrd="0" destOrd="0" presId="urn:microsoft.com/office/officeart/2008/layout/VerticalCurvedList"/>
+    <dgm:cxn modelId="{4286E0AE-24D9-4A0F-85D3-E7B6A6742F73}" type="presOf" srcId="{35F26039-A393-4311-B8D9-4A8ECEBFFF1B}" destId="{288DC629-3134-4E0C-BF33-BB8C07C952FD}" srcOrd="0" destOrd="0" presId="urn:microsoft.com/office/officeart/2008/layout/VerticalCurvedList"/>
+    <dgm:cxn modelId="{3A34C7E6-3A14-4C64-B951-E8FE1E7A95F9}" type="presOf" srcId="{62BD8B48-7356-4222-B7A2-EB2DE1D4204B}" destId="{85315099-7E42-40F9-9871-8EDE5BACE9AF}" srcOrd="0" destOrd="0" presId="urn:microsoft.com/office/officeart/2008/layout/VerticalCurvedList"/>
+    <dgm:cxn modelId="{B9E75A24-F88C-477A-A369-F1A652E324D3}" type="presParOf" srcId="{22653122-3CC8-4E18-8C1C-9555CB65C61C}" destId="{C2D10730-9C16-43D3-A2FE-557B903EFC8D}" srcOrd="0" destOrd="0" presId="urn:microsoft.com/office/officeart/2008/layout/VerticalCurvedList"/>
+    <dgm:cxn modelId="{604952A8-1658-4403-A673-4403860D5707}" type="presParOf" srcId="{C2D10730-9C16-43D3-A2FE-557B903EFC8D}" destId="{4DBEE0C4-AD1B-4A18-A9E8-EF2D0FF02275}" srcOrd="0" destOrd="0" presId="urn:microsoft.com/office/officeart/2008/layout/VerticalCurvedList"/>
+    <dgm:cxn modelId="{E8E25AC2-5DFC-45F7-8A40-2108CD5E1F81}" type="presParOf" srcId="{4DBEE0C4-AD1B-4A18-A9E8-EF2D0FF02275}" destId="{7B903796-16AE-48AD-9D5F-83DC8BAB4781}" srcOrd="0" destOrd="0" presId="urn:microsoft.com/office/officeart/2008/layout/VerticalCurvedList"/>
+    <dgm:cxn modelId="{326353D4-D3FC-437B-BA89-47A3B401B46E}" type="presParOf" srcId="{4DBEE0C4-AD1B-4A18-A9E8-EF2D0FF02275}" destId="{85315099-7E42-40F9-9871-8EDE5BACE9AF}" srcOrd="1" destOrd="0" presId="urn:microsoft.com/office/officeart/2008/layout/VerticalCurvedList"/>
+    <dgm:cxn modelId="{06768FB4-3D98-4354-BC87-2F97B9255436}" type="presParOf" srcId="{4DBEE0C4-AD1B-4A18-A9E8-EF2D0FF02275}" destId="{54AA06C2-42A5-4CF9-86BA-392DF61742E4}" srcOrd="2" destOrd="0" presId="urn:microsoft.com/office/officeart/2008/layout/VerticalCurvedList"/>
+    <dgm:cxn modelId="{D6CFFA79-9801-455B-BC36-F08430AF5233}" type="presParOf" srcId="{4DBEE0C4-AD1B-4A18-A9E8-EF2D0FF02275}" destId="{19AD0FB8-ED33-486F-9D7B-BCF88B3B7478}" srcOrd="3" destOrd="0" presId="urn:microsoft.com/office/officeart/2008/layout/VerticalCurvedList"/>
+    <dgm:cxn modelId="{1F3A9AD8-EAAC-4FBD-B254-4488E43AA595}" type="presParOf" srcId="{C2D10730-9C16-43D3-A2FE-557B903EFC8D}" destId="{1B3441BE-DFE9-4065-8CF8-AF28B141D603}" srcOrd="1" destOrd="0" presId="urn:microsoft.com/office/officeart/2008/layout/VerticalCurvedList"/>
+    <dgm:cxn modelId="{37EB090F-8131-47AA-9C92-DDA72A72F10E}" type="presParOf" srcId="{C2D10730-9C16-43D3-A2FE-557B903EFC8D}" destId="{E9B59BD6-CE54-4FBF-9FD0-F3D391403155}" srcOrd="2" destOrd="0" presId="urn:microsoft.com/office/officeart/2008/layout/VerticalCurvedList"/>
+    <dgm:cxn modelId="{6E1A34B0-BE98-46E9-9EBE-F2D7B5CE17E0}" type="presParOf" srcId="{E9B59BD6-CE54-4FBF-9FD0-F3D391403155}" destId="{F2D1D944-5F19-4E23-8B31-0595C97EB499}" srcOrd="0" destOrd="0" presId="urn:microsoft.com/office/officeart/2008/layout/VerticalCurvedList"/>
+    <dgm:cxn modelId="{137E1FE5-AF6C-4C22-BA86-09D3604E1090}" type="presParOf" srcId="{C2D10730-9C16-43D3-A2FE-557B903EFC8D}" destId="{77CC656F-5159-4086-B358-FE561EC4AA2A}" srcOrd="3" destOrd="0" presId="urn:microsoft.com/office/officeart/2008/layout/VerticalCurvedList"/>
+    <dgm:cxn modelId="{8C9F19DF-C191-47EC-8C44-E29DFBC35A45}" type="presParOf" srcId="{C2D10730-9C16-43D3-A2FE-557B903EFC8D}" destId="{1E2FFE45-0900-4D63-BA1C-6C28E8410EC1}" srcOrd="4" destOrd="0" presId="urn:microsoft.com/office/officeart/2008/layout/VerticalCurvedList"/>
+    <dgm:cxn modelId="{82FC5734-AFA8-4B87-9158-D2C0AB7E0273}" type="presParOf" srcId="{1E2FFE45-0900-4D63-BA1C-6C28E8410EC1}" destId="{8673D090-9FBE-450F-9FE0-49B5C8BF6CB4}" srcOrd="0" destOrd="0" presId="urn:microsoft.com/office/officeart/2008/layout/VerticalCurvedList"/>
+    <dgm:cxn modelId="{C5E66225-B42E-4697-96D2-64CF3A76BDD8}" type="presParOf" srcId="{C2D10730-9C16-43D3-A2FE-557B903EFC8D}" destId="{288DC629-3134-4E0C-BF33-BB8C07C952FD}" srcOrd="5" destOrd="0" presId="urn:microsoft.com/office/officeart/2008/layout/VerticalCurvedList"/>
+    <dgm:cxn modelId="{2F5AAC12-9BE7-4FB0-BA3F-5DBEA751485D}" type="presParOf" srcId="{C2D10730-9C16-43D3-A2FE-557B903EFC8D}" destId="{27865C45-0F30-4399-8A7D-A8BF6EBD4C58}" srcOrd="6" destOrd="0" presId="urn:microsoft.com/office/officeart/2008/layout/VerticalCurvedList"/>
+    <dgm:cxn modelId="{11E642A9-2736-4374-8BD6-1B3B14A386AE}" type="presParOf" srcId="{27865C45-0F30-4399-8A7D-A8BF6EBD4C58}" destId="{36843F34-8681-4C30-A42E-7B35EEB963AC}" srcOrd="0" destOrd="0" presId="urn:microsoft.com/office/officeart/2008/layout/VerticalCurvedList"/>
+    <dgm:cxn modelId="{754B0412-9649-4517-B6C0-7161B17BC7CC}" type="presParOf" srcId="{C2D10730-9C16-43D3-A2FE-557B903EFC8D}" destId="{5FF78142-DBC5-4E57-B98D-EAA2F60939C6}" srcOrd="7" destOrd="0" presId="urn:microsoft.com/office/officeart/2008/layout/VerticalCurvedList"/>
+    <dgm:cxn modelId="{C8116D6D-C460-4BB1-910E-F78F1A9D2C2F}" type="presParOf" srcId="{C2D10730-9C16-43D3-A2FE-557B903EFC8D}" destId="{DD60E1F8-264D-4CB4-930C-3FE5414ED110}" srcOrd="8" destOrd="0" presId="urn:microsoft.com/office/officeart/2008/layout/VerticalCurvedList"/>
+    <dgm:cxn modelId="{317D844C-7378-4A91-8F51-8DD969765A35}" type="presParOf" srcId="{DD60E1F8-264D-4CB4-930C-3FE5414ED110}" destId="{5FBD619E-9BB3-4EB6-A2F7-1ED4835D2500}" srcOrd="0" destOrd="0" presId="urn:microsoft.com/office/officeart/2008/layout/VerticalCurvedList"/>
+    <dgm:cxn modelId="{B8690FC4-12D7-423B-9B06-AEAEC6487EA2}" type="presParOf" srcId="{C2D10730-9C16-43D3-A2FE-557B903EFC8D}" destId="{67905A55-B400-4296-A2A3-A76D272D3A84}" srcOrd="9" destOrd="0" presId="urn:microsoft.com/office/officeart/2008/layout/VerticalCurvedList"/>
+    <dgm:cxn modelId="{491DA174-424A-434C-AD62-448F67F746C5}" type="presParOf" srcId="{C2D10730-9C16-43D3-A2FE-557B903EFC8D}" destId="{F3719E54-0A97-4CFB-9AFD-C51603E1F108}" srcOrd="10" destOrd="0" presId="urn:microsoft.com/office/officeart/2008/layout/VerticalCurvedList"/>
+    <dgm:cxn modelId="{2DF00689-0D2C-4E07-BB92-3B1316B45BB1}" type="presParOf" srcId="{F3719E54-0A97-4CFB-9AFD-C51603E1F108}" destId="{8AFC75CB-98D5-4798-AB18-A040E2A60098}" srcOrd="0" destOrd="0" presId="urn:microsoft.com/office/officeart/2008/layout/VerticalCurvedList"/>
+  </dgm:cxnLst>
+  <dgm:bg/>
+  <dgm:whole/>
+  <dgm:extLst>
+    <a:ext uri="http://schemas.microsoft.com/office/drawing/2008/diagram">
+      <dsp:dataModelExt xmlns:dsp="http://schemas.microsoft.com/office/drawing/2008/diagram" relId="rId6" minVer="http://schemas.openxmlformats.org/drawingml/2006/diagram"/>
+    </a:ext>
+  </dgm:extLst>
+</dgm:dataModel>
+</file>
+
+<file path=ppt/diagrams/drawing1.xml><?xml version="1.0" encoding="utf-8"?>
+<dsp:drawing xmlns:dgm="http://schemas.openxmlformats.org/drawingml/2006/diagram" xmlns:dsp="http://schemas.microsoft.com/office/drawing/2008/diagram" xmlns:a="http://schemas.openxmlformats.org/drawingml/2006/main">
+  <dsp:spTree>
+    <dsp:nvGrpSpPr>
+      <dsp:cNvPr id="0" name=""/>
+      <dsp:cNvGrpSpPr/>
+    </dsp:nvGrpSpPr>
+    <dsp:grpSpPr/>
+    <dsp:sp modelId="{85315099-7E42-40F9-9871-8EDE5BACE9AF}">
+      <dsp:nvSpPr>
+        <dsp:cNvPr id="0" name=""/>
+        <dsp:cNvSpPr/>
+      </dsp:nvSpPr>
+      <dsp:spPr>
+        <a:xfrm>
+          <a:off x="-5684000" y="-870065"/>
+          <a:ext cx="6767258" cy="6767258"/>
+        </a:xfrm>
+        <a:prstGeom prst="blockArc">
+          <a:avLst>
+            <a:gd name="adj1" fmla="val 18900000"/>
+            <a:gd name="adj2" fmla="val 2700000"/>
+            <a:gd name="adj3" fmla="val 319"/>
+          </a:avLst>
+        </a:prstGeom>
+        <a:noFill/>
+        <a:ln w="12700" cap="flat" cmpd="sng" algn="ctr">
+          <a:solidFill>
+            <a:schemeClr val="accent1">
+              <a:shade val="60000"/>
+              <a:hueOff val="0"/>
+              <a:satOff val="0"/>
+              <a:lumOff val="0"/>
+              <a:alphaOff val="0"/>
+            </a:schemeClr>
+          </a:solidFill>
+          <a:prstDash val="solid"/>
+          <a:miter lim="800000"/>
+        </a:ln>
+        <a:effectLst/>
+      </dsp:spPr>
+      <dsp:style>
+        <a:lnRef idx="2">
+          <a:scrgbClr r="0" g="0" b="0"/>
+        </a:lnRef>
+        <a:fillRef idx="0">
+          <a:scrgbClr r="0" g="0" b="0"/>
+        </a:fillRef>
+        <a:effectRef idx="0">
+          <a:scrgbClr r="0" g="0" b="0"/>
+        </a:effectRef>
+        <a:fontRef idx="minor"/>
+      </dsp:style>
+    </dsp:sp>
+    <dsp:sp modelId="{1B3441BE-DFE9-4065-8CF8-AF28B141D603}">
+      <dsp:nvSpPr>
+        <dsp:cNvPr id="0" name=""/>
+        <dsp:cNvSpPr/>
+      </dsp:nvSpPr>
+      <dsp:spPr>
+        <a:xfrm>
+          <a:off x="473537" y="314094"/>
+          <a:ext cx="6701452" cy="628591"/>
+        </a:xfrm>
+        <a:prstGeom prst="rect">
+          <a:avLst/>
+        </a:prstGeom>
+        <a:solidFill>
+          <a:schemeClr val="accent1">
+            <a:hueOff val="0"/>
+            <a:satOff val="0"/>
+            <a:lumOff val="0"/>
+            <a:alphaOff val="0"/>
+          </a:schemeClr>
+        </a:solidFill>
+        <a:ln w="12700" cap="flat" cmpd="sng" algn="ctr">
+          <a:solidFill>
+            <a:schemeClr val="lt1">
+              <a:hueOff val="0"/>
+              <a:satOff val="0"/>
+              <a:lumOff val="0"/>
+              <a:alphaOff val="0"/>
+            </a:schemeClr>
+          </a:solidFill>
+          <a:prstDash val="solid"/>
+          <a:miter lim="800000"/>
+        </a:ln>
+        <a:effectLst/>
+      </dsp:spPr>
+      <dsp:style>
+        <a:lnRef idx="2">
+          <a:scrgbClr r="0" g="0" b="0"/>
+        </a:lnRef>
+        <a:fillRef idx="1">
+          <a:scrgbClr r="0" g="0" b="0"/>
+        </a:fillRef>
+        <a:effectRef idx="0">
+          <a:scrgbClr r="0" g="0" b="0"/>
+        </a:effectRef>
+        <a:fontRef idx="minor">
+          <a:schemeClr val="lt1"/>
+        </a:fontRef>
+      </dsp:style>
+      <dsp:txBody>
+        <a:bodyPr spcFirstLastPara="0" vert="horz" wrap="square" lIns="498945" tIns="86360" rIns="86360" bIns="86360" numCol="1" spcCol="1270" anchor="ctr" anchorCtr="0">
+          <a:noAutofit/>
+        </a:bodyPr>
+        <a:lstStyle/>
+        <a:p>
+          <a:pPr marL="0" lvl="0" indent="0" algn="l" defTabSz="1511300">
+            <a:lnSpc>
+              <a:spcPct val="90000"/>
+            </a:lnSpc>
+            <a:spcBef>
+              <a:spcPct val="0"/>
+            </a:spcBef>
+            <a:spcAft>
+              <a:spcPct val="35000"/>
+            </a:spcAft>
+            <a:buFont typeface="Arial" panose="020B0604020202020204" pitchFamily="34" charset="0"/>
+            <a:buNone/>
+          </a:pPr>
+          <a:r>
+            <a:rPr lang="en-US" sz="3400" kern="1200" dirty="0">
+              <a:latin typeface="Times New Roman" panose="02020603050405020304" pitchFamily="18" charset="0"/>
+              <a:cs typeface="Times New Roman" panose="02020603050405020304" pitchFamily="18" charset="0"/>
+            </a:rPr>
+            <a:t>Objective</a:t>
+          </a:r>
+          <a:endParaRPr lang="en-IN" sz="3400" kern="1200" dirty="0">
+            <a:latin typeface="Times New Roman" panose="02020603050405020304" pitchFamily="18" charset="0"/>
+            <a:cs typeface="Times New Roman" panose="02020603050405020304" pitchFamily="18" charset="0"/>
+          </a:endParaRPr>
+        </a:p>
+      </dsp:txBody>
+      <dsp:txXfrm>
+        <a:off x="473537" y="314094"/>
+        <a:ext cx="6701452" cy="628591"/>
+      </dsp:txXfrm>
+    </dsp:sp>
+    <dsp:sp modelId="{F2D1D944-5F19-4E23-8B31-0595C97EB499}">
+      <dsp:nvSpPr>
+        <dsp:cNvPr id="0" name=""/>
+        <dsp:cNvSpPr/>
+      </dsp:nvSpPr>
+      <dsp:spPr>
+        <a:xfrm>
+          <a:off x="80667" y="235520"/>
+          <a:ext cx="785739" cy="785739"/>
+        </a:xfrm>
+        <a:prstGeom prst="ellipse">
+          <a:avLst/>
+        </a:prstGeom>
+        <a:solidFill>
+          <a:schemeClr val="lt1">
+            <a:hueOff val="0"/>
+            <a:satOff val="0"/>
+            <a:lumOff val="0"/>
+            <a:alphaOff val="0"/>
+          </a:schemeClr>
+        </a:solidFill>
+        <a:ln w="12700" cap="flat" cmpd="sng" algn="ctr">
+          <a:solidFill>
+            <a:schemeClr val="accent1">
+              <a:hueOff val="0"/>
+              <a:satOff val="0"/>
+              <a:lumOff val="0"/>
+              <a:alphaOff val="0"/>
+            </a:schemeClr>
+          </a:solidFill>
+          <a:prstDash val="solid"/>
+          <a:miter lim="800000"/>
+        </a:ln>
+        <a:effectLst/>
+      </dsp:spPr>
+      <dsp:style>
+        <a:lnRef idx="2">
+          <a:scrgbClr r="0" g="0" b="0"/>
+        </a:lnRef>
+        <a:fillRef idx="1">
+          <a:scrgbClr r="0" g="0" b="0"/>
+        </a:fillRef>
+        <a:effectRef idx="0">
+          <a:scrgbClr r="0" g="0" b="0"/>
+        </a:effectRef>
+        <a:fontRef idx="minor"/>
+      </dsp:style>
+    </dsp:sp>
+    <dsp:sp modelId="{77CC656F-5159-4086-B358-FE561EC4AA2A}">
+      <dsp:nvSpPr>
+        <dsp:cNvPr id="0" name=""/>
+        <dsp:cNvSpPr/>
+      </dsp:nvSpPr>
+      <dsp:spPr>
+        <a:xfrm>
+          <a:off x="923967" y="1256681"/>
+          <a:ext cx="6251022" cy="628591"/>
+        </a:xfrm>
+        <a:prstGeom prst="rect">
+          <a:avLst/>
+        </a:prstGeom>
+        <a:solidFill>
+          <a:schemeClr val="accent1">
+            <a:hueOff val="0"/>
+            <a:satOff val="0"/>
+            <a:lumOff val="0"/>
+            <a:alphaOff val="0"/>
+          </a:schemeClr>
+        </a:solidFill>
+        <a:ln w="12700" cap="flat" cmpd="sng" algn="ctr">
+          <a:solidFill>
+            <a:schemeClr val="lt1">
+              <a:hueOff val="0"/>
+              <a:satOff val="0"/>
+              <a:lumOff val="0"/>
+              <a:alphaOff val="0"/>
+            </a:schemeClr>
+          </a:solidFill>
+          <a:prstDash val="solid"/>
+          <a:miter lim="800000"/>
+        </a:ln>
+        <a:effectLst/>
+      </dsp:spPr>
+      <dsp:style>
+        <a:lnRef idx="2">
+          <a:scrgbClr r="0" g="0" b="0"/>
+        </a:lnRef>
+        <a:fillRef idx="1">
+          <a:scrgbClr r="0" g="0" b="0"/>
+        </a:fillRef>
+        <a:effectRef idx="0">
+          <a:scrgbClr r="0" g="0" b="0"/>
+        </a:effectRef>
+        <a:fontRef idx="minor">
+          <a:schemeClr val="lt1"/>
+        </a:fontRef>
+      </dsp:style>
+      <dsp:txBody>
+        <a:bodyPr spcFirstLastPara="0" vert="horz" wrap="square" lIns="498945" tIns="86360" rIns="86360" bIns="86360" numCol="1" spcCol="1270" anchor="ctr" anchorCtr="0">
+          <a:noAutofit/>
+        </a:bodyPr>
+        <a:lstStyle/>
+        <a:p>
+          <a:pPr marL="0" lvl="0" indent="0" algn="l" defTabSz="1511300">
+            <a:lnSpc>
+              <a:spcPct val="90000"/>
+            </a:lnSpc>
+            <a:spcBef>
+              <a:spcPct val="0"/>
+            </a:spcBef>
+            <a:spcAft>
+              <a:spcPct val="35000"/>
+            </a:spcAft>
+            <a:buNone/>
+          </a:pPr>
+          <a:r>
+            <a:rPr lang="en-US" sz="3400" kern="1200" dirty="0">
+              <a:latin typeface="Times New Roman" panose="02020603050405020304" pitchFamily="18" charset="0"/>
+              <a:cs typeface="Times New Roman" panose="02020603050405020304" pitchFamily="18" charset="0"/>
+            </a:rPr>
+            <a:t>Background</a:t>
+          </a:r>
+          <a:endParaRPr lang="en-IN" sz="3400" kern="1200" dirty="0">
+            <a:latin typeface="Times New Roman" panose="02020603050405020304" pitchFamily="18" charset="0"/>
+            <a:cs typeface="Times New Roman" panose="02020603050405020304" pitchFamily="18" charset="0"/>
+          </a:endParaRPr>
+        </a:p>
+      </dsp:txBody>
+      <dsp:txXfrm>
+        <a:off x="923967" y="1256681"/>
+        <a:ext cx="6251022" cy="628591"/>
+      </dsp:txXfrm>
+    </dsp:sp>
+    <dsp:sp modelId="{8673D090-9FBE-450F-9FE0-49B5C8BF6CB4}">
+      <dsp:nvSpPr>
+        <dsp:cNvPr id="0" name=""/>
+        <dsp:cNvSpPr/>
+      </dsp:nvSpPr>
+      <dsp:spPr>
+        <a:xfrm>
+          <a:off x="531097" y="1178107"/>
+          <a:ext cx="785739" cy="785739"/>
+        </a:xfrm>
+        <a:prstGeom prst="ellipse">
+          <a:avLst/>
+        </a:prstGeom>
+        <a:solidFill>
+          <a:schemeClr val="lt1">
+            <a:hueOff val="0"/>
+            <a:satOff val="0"/>
+            <a:lumOff val="0"/>
+            <a:alphaOff val="0"/>
+          </a:schemeClr>
+        </a:solidFill>
+        <a:ln w="12700" cap="flat" cmpd="sng" algn="ctr">
+          <a:solidFill>
+            <a:schemeClr val="accent1">
+              <a:hueOff val="0"/>
+              <a:satOff val="0"/>
+              <a:lumOff val="0"/>
+              <a:alphaOff val="0"/>
+            </a:schemeClr>
+          </a:solidFill>
+          <a:prstDash val="solid"/>
+          <a:miter lim="800000"/>
+        </a:ln>
+        <a:effectLst/>
+      </dsp:spPr>
+      <dsp:style>
+        <a:lnRef idx="2">
+          <a:scrgbClr r="0" g="0" b="0"/>
+        </a:lnRef>
+        <a:fillRef idx="1">
+          <a:scrgbClr r="0" g="0" b="0"/>
+        </a:fillRef>
+        <a:effectRef idx="0">
+          <a:scrgbClr r="0" g="0" b="0"/>
+        </a:effectRef>
+        <a:fontRef idx="minor"/>
+      </dsp:style>
+    </dsp:sp>
+    <dsp:sp modelId="{288DC629-3134-4E0C-BF33-BB8C07C952FD}">
+      <dsp:nvSpPr>
+        <dsp:cNvPr id="0" name=""/>
+        <dsp:cNvSpPr/>
+      </dsp:nvSpPr>
+      <dsp:spPr>
+        <a:xfrm>
+          <a:off x="1062213" y="2199267"/>
+          <a:ext cx="6112776" cy="628591"/>
+        </a:xfrm>
+        <a:prstGeom prst="rect">
+          <a:avLst/>
+        </a:prstGeom>
+        <a:solidFill>
+          <a:schemeClr val="accent1">
+            <a:hueOff val="0"/>
+            <a:satOff val="0"/>
+            <a:lumOff val="0"/>
+            <a:alphaOff val="0"/>
+          </a:schemeClr>
+        </a:solidFill>
+        <a:ln w="12700" cap="flat" cmpd="sng" algn="ctr">
+          <a:solidFill>
+            <a:schemeClr val="lt1">
+              <a:hueOff val="0"/>
+              <a:satOff val="0"/>
+              <a:lumOff val="0"/>
+              <a:alphaOff val="0"/>
+            </a:schemeClr>
+          </a:solidFill>
+          <a:prstDash val="solid"/>
+          <a:miter lim="800000"/>
+        </a:ln>
+        <a:effectLst/>
+      </dsp:spPr>
+      <dsp:style>
+        <a:lnRef idx="2">
+          <a:scrgbClr r="0" g="0" b="0"/>
+        </a:lnRef>
+        <a:fillRef idx="1">
+          <a:scrgbClr r="0" g="0" b="0"/>
+        </a:fillRef>
+        <a:effectRef idx="0">
+          <a:scrgbClr r="0" g="0" b="0"/>
+        </a:effectRef>
+        <a:fontRef idx="minor">
+          <a:schemeClr val="lt1"/>
+        </a:fontRef>
+      </dsp:style>
+      <dsp:txBody>
+        <a:bodyPr spcFirstLastPara="0" vert="horz" wrap="square" lIns="498945" tIns="86360" rIns="86360" bIns="86360" numCol="1" spcCol="1270" anchor="ctr" anchorCtr="0">
+          <a:noAutofit/>
+        </a:bodyPr>
+        <a:lstStyle/>
+        <a:p>
+          <a:pPr marL="0" lvl="0" indent="0" algn="l" defTabSz="1511300">
+            <a:lnSpc>
+              <a:spcPct val="90000"/>
+            </a:lnSpc>
+            <a:spcBef>
+              <a:spcPct val="0"/>
+            </a:spcBef>
+            <a:spcAft>
+              <a:spcPct val="35000"/>
+            </a:spcAft>
+            <a:buFont typeface="Arial" panose="020B0604020202020204" pitchFamily="34" charset="0"/>
+            <a:buNone/>
+          </a:pPr>
+          <a:r>
+            <a:rPr lang="en-US" sz="3400" kern="1200" dirty="0">
+              <a:latin typeface="Times New Roman" panose="02020603050405020304" pitchFamily="18" charset="0"/>
+              <a:cs typeface="Times New Roman" panose="02020603050405020304" pitchFamily="18" charset="0"/>
+            </a:rPr>
+            <a:t>Data Cleaning</a:t>
+          </a:r>
+          <a:endParaRPr lang="en-IN" sz="3400" kern="1200" dirty="0">
+            <a:latin typeface="Times New Roman" panose="02020603050405020304" pitchFamily="18" charset="0"/>
+            <a:cs typeface="Times New Roman" panose="02020603050405020304" pitchFamily="18" charset="0"/>
+          </a:endParaRPr>
+        </a:p>
+      </dsp:txBody>
+      <dsp:txXfrm>
+        <a:off x="1062213" y="2199267"/>
+        <a:ext cx="6112776" cy="628591"/>
+      </dsp:txXfrm>
+    </dsp:sp>
+    <dsp:sp modelId="{36843F34-8681-4C30-A42E-7B35EEB963AC}">
+      <dsp:nvSpPr>
+        <dsp:cNvPr id="0" name=""/>
+        <dsp:cNvSpPr/>
+      </dsp:nvSpPr>
+      <dsp:spPr>
+        <a:xfrm>
+          <a:off x="669343" y="2120693"/>
+          <a:ext cx="785739" cy="785739"/>
+        </a:xfrm>
+        <a:prstGeom prst="ellipse">
+          <a:avLst/>
+        </a:prstGeom>
+        <a:solidFill>
+          <a:schemeClr val="lt1">
+            <a:hueOff val="0"/>
+            <a:satOff val="0"/>
+            <a:lumOff val="0"/>
+            <a:alphaOff val="0"/>
+          </a:schemeClr>
+        </a:solidFill>
+        <a:ln w="12700" cap="flat" cmpd="sng" algn="ctr">
+          <a:solidFill>
+            <a:schemeClr val="accent1">
+              <a:hueOff val="0"/>
+              <a:satOff val="0"/>
+              <a:lumOff val="0"/>
+              <a:alphaOff val="0"/>
+            </a:schemeClr>
+          </a:solidFill>
+          <a:prstDash val="solid"/>
+          <a:miter lim="800000"/>
+        </a:ln>
+        <a:effectLst/>
+      </dsp:spPr>
+      <dsp:style>
+        <a:lnRef idx="2">
+          <a:scrgbClr r="0" g="0" b="0"/>
+        </a:lnRef>
+        <a:fillRef idx="1">
+          <a:scrgbClr r="0" g="0" b="0"/>
+        </a:fillRef>
+        <a:effectRef idx="0">
+          <a:scrgbClr r="0" g="0" b="0"/>
+        </a:effectRef>
+        <a:fontRef idx="minor"/>
+      </dsp:style>
+    </dsp:sp>
+    <dsp:sp modelId="{5FF78142-DBC5-4E57-B98D-EAA2F60939C6}">
+      <dsp:nvSpPr>
+        <dsp:cNvPr id="0" name=""/>
+        <dsp:cNvSpPr/>
+      </dsp:nvSpPr>
+      <dsp:spPr>
+        <a:xfrm>
+          <a:off x="923967" y="3141853"/>
+          <a:ext cx="6251022" cy="628591"/>
+        </a:xfrm>
+        <a:prstGeom prst="rect">
+          <a:avLst/>
+        </a:prstGeom>
+        <a:solidFill>
+          <a:schemeClr val="accent1">
+            <a:hueOff val="0"/>
+            <a:satOff val="0"/>
+            <a:lumOff val="0"/>
+            <a:alphaOff val="0"/>
+          </a:schemeClr>
+        </a:solidFill>
+        <a:ln w="12700" cap="flat" cmpd="sng" algn="ctr">
+          <a:solidFill>
+            <a:schemeClr val="lt1">
+              <a:hueOff val="0"/>
+              <a:satOff val="0"/>
+              <a:lumOff val="0"/>
+              <a:alphaOff val="0"/>
+            </a:schemeClr>
+          </a:solidFill>
+          <a:prstDash val="solid"/>
+          <a:miter lim="800000"/>
+        </a:ln>
+        <a:effectLst/>
+      </dsp:spPr>
+      <dsp:style>
+        <a:lnRef idx="2">
+          <a:scrgbClr r="0" g="0" b="0"/>
+        </a:lnRef>
+        <a:fillRef idx="1">
+          <a:scrgbClr r="0" g="0" b="0"/>
+        </a:fillRef>
+        <a:effectRef idx="0">
+          <a:scrgbClr r="0" g="0" b="0"/>
+        </a:effectRef>
+        <a:fontRef idx="minor">
+          <a:schemeClr val="lt1"/>
+        </a:fontRef>
+      </dsp:style>
+      <dsp:txBody>
+        <a:bodyPr spcFirstLastPara="0" vert="horz" wrap="square" lIns="498945" tIns="86360" rIns="86360" bIns="86360" numCol="1" spcCol="1270" anchor="ctr" anchorCtr="0">
+          <a:noAutofit/>
+        </a:bodyPr>
+        <a:lstStyle/>
+        <a:p>
+          <a:pPr marL="0" lvl="0" indent="0" algn="l" defTabSz="1511300">
+            <a:lnSpc>
+              <a:spcPct val="90000"/>
+            </a:lnSpc>
+            <a:spcBef>
+              <a:spcPct val="0"/>
+            </a:spcBef>
+            <a:spcAft>
+              <a:spcPct val="35000"/>
+            </a:spcAft>
+            <a:buNone/>
+          </a:pPr>
+          <a:r>
+            <a:rPr lang="en-IN" sz="3400" kern="1200">
+              <a:latin typeface="Times New Roman" panose="02020603050405020304" pitchFamily="18" charset="0"/>
+              <a:cs typeface="Times New Roman" panose="02020603050405020304" pitchFamily="18" charset="0"/>
+            </a:rPr>
+            <a:t>Key Insights</a:t>
+          </a:r>
+        </a:p>
+      </dsp:txBody>
+      <dsp:txXfrm>
+        <a:off x="923967" y="3141853"/>
+        <a:ext cx="6251022" cy="628591"/>
+      </dsp:txXfrm>
+    </dsp:sp>
+    <dsp:sp modelId="{5FBD619E-9BB3-4EB6-A2F7-1ED4835D2500}">
+      <dsp:nvSpPr>
+        <dsp:cNvPr id="0" name=""/>
+        <dsp:cNvSpPr/>
+      </dsp:nvSpPr>
+      <dsp:spPr>
+        <a:xfrm>
+          <a:off x="531097" y="3063279"/>
+          <a:ext cx="785739" cy="785739"/>
+        </a:xfrm>
+        <a:prstGeom prst="ellipse">
+          <a:avLst/>
+        </a:prstGeom>
+        <a:solidFill>
+          <a:schemeClr val="lt1">
+            <a:hueOff val="0"/>
+            <a:satOff val="0"/>
+            <a:lumOff val="0"/>
+            <a:alphaOff val="0"/>
+          </a:schemeClr>
+        </a:solidFill>
+        <a:ln w="12700" cap="flat" cmpd="sng" algn="ctr">
+          <a:solidFill>
+            <a:schemeClr val="accent1">
+              <a:hueOff val="0"/>
+              <a:satOff val="0"/>
+              <a:lumOff val="0"/>
+              <a:alphaOff val="0"/>
+            </a:schemeClr>
+          </a:solidFill>
+          <a:prstDash val="solid"/>
+          <a:miter lim="800000"/>
+        </a:ln>
+        <a:effectLst/>
+      </dsp:spPr>
+      <dsp:style>
+        <a:lnRef idx="2">
+          <a:scrgbClr r="0" g="0" b="0"/>
+        </a:lnRef>
+        <a:fillRef idx="1">
+          <a:scrgbClr r="0" g="0" b="0"/>
+        </a:fillRef>
+        <a:effectRef idx="0">
+          <a:scrgbClr r="0" g="0" b="0"/>
+        </a:effectRef>
+        <a:fontRef idx="minor"/>
+      </dsp:style>
+    </dsp:sp>
+    <dsp:sp modelId="{67905A55-B400-4296-A2A3-A76D272D3A84}">
+      <dsp:nvSpPr>
+        <dsp:cNvPr id="0" name=""/>
+        <dsp:cNvSpPr/>
+      </dsp:nvSpPr>
+      <dsp:spPr>
+        <a:xfrm>
+          <a:off x="473537" y="4084440"/>
+          <a:ext cx="6701452" cy="628591"/>
+        </a:xfrm>
+        <a:prstGeom prst="rect">
+          <a:avLst/>
+        </a:prstGeom>
+        <a:solidFill>
+          <a:schemeClr val="accent1">
+            <a:hueOff val="0"/>
+            <a:satOff val="0"/>
+            <a:lumOff val="0"/>
+            <a:alphaOff val="0"/>
+          </a:schemeClr>
+        </a:solidFill>
+        <a:ln w="12700" cap="flat" cmpd="sng" algn="ctr">
+          <a:solidFill>
+            <a:schemeClr val="lt1">
+              <a:hueOff val="0"/>
+              <a:satOff val="0"/>
+              <a:lumOff val="0"/>
+              <a:alphaOff val="0"/>
+            </a:schemeClr>
+          </a:solidFill>
+          <a:prstDash val="solid"/>
+          <a:miter lim="800000"/>
+        </a:ln>
+        <a:effectLst/>
+      </dsp:spPr>
+      <dsp:style>
+        <a:lnRef idx="2">
+          <a:scrgbClr r="0" g="0" b="0"/>
+        </a:lnRef>
+        <a:fillRef idx="1">
+          <a:scrgbClr r="0" g="0" b="0"/>
+        </a:fillRef>
+        <a:effectRef idx="0">
+          <a:scrgbClr r="0" g="0" b="0"/>
+        </a:effectRef>
+        <a:fontRef idx="minor">
+          <a:schemeClr val="lt1"/>
+        </a:fontRef>
+      </dsp:style>
+      <dsp:txBody>
+        <a:bodyPr spcFirstLastPara="0" vert="horz" wrap="square" lIns="498945" tIns="86360" rIns="86360" bIns="86360" numCol="1" spcCol="1270" anchor="ctr" anchorCtr="0">
+          <a:noAutofit/>
+        </a:bodyPr>
+        <a:lstStyle/>
+        <a:p>
+          <a:pPr marL="0" lvl="0" indent="0" algn="l" defTabSz="1511300">
+            <a:lnSpc>
+              <a:spcPct val="90000"/>
+            </a:lnSpc>
+            <a:spcBef>
+              <a:spcPct val="0"/>
+            </a:spcBef>
+            <a:spcAft>
+              <a:spcPct val="35000"/>
+            </a:spcAft>
+            <a:buNone/>
+          </a:pPr>
+          <a:r>
+            <a:rPr lang="en-IN" sz="3400" kern="1200">
+              <a:latin typeface="Times New Roman" panose="02020603050405020304" pitchFamily="18" charset="0"/>
+              <a:cs typeface="Times New Roman" panose="02020603050405020304" pitchFamily="18" charset="0"/>
+            </a:rPr>
+            <a:t>Appendix</a:t>
+          </a:r>
+        </a:p>
+      </dsp:txBody>
+      <dsp:txXfrm>
+        <a:off x="473537" y="4084440"/>
+        <a:ext cx="6701452" cy="628591"/>
+      </dsp:txXfrm>
+    </dsp:sp>
+    <dsp:sp modelId="{8AFC75CB-98D5-4798-AB18-A040E2A60098}">
+      <dsp:nvSpPr>
+        <dsp:cNvPr id="0" name=""/>
+        <dsp:cNvSpPr/>
+      </dsp:nvSpPr>
+      <dsp:spPr>
+        <a:xfrm>
+          <a:off x="80667" y="4005866"/>
+          <a:ext cx="785739" cy="785739"/>
+        </a:xfrm>
+        <a:prstGeom prst="ellipse">
+          <a:avLst/>
+        </a:prstGeom>
+        <a:solidFill>
+          <a:schemeClr val="lt1">
+            <a:hueOff val="0"/>
+            <a:satOff val="0"/>
+            <a:lumOff val="0"/>
+            <a:alphaOff val="0"/>
+          </a:schemeClr>
+        </a:solidFill>
+        <a:ln w="12700" cap="flat" cmpd="sng" algn="ctr">
+          <a:solidFill>
+            <a:schemeClr val="accent1">
+              <a:hueOff val="0"/>
+              <a:satOff val="0"/>
+              <a:lumOff val="0"/>
+              <a:alphaOff val="0"/>
+            </a:schemeClr>
+          </a:solidFill>
+          <a:prstDash val="solid"/>
+          <a:miter lim="800000"/>
+        </a:ln>
+        <a:effectLst/>
+      </dsp:spPr>
+      <dsp:style>
+        <a:lnRef idx="2">
+          <a:scrgbClr r="0" g="0" b="0"/>
+        </a:lnRef>
+        <a:fillRef idx="1">
+          <a:scrgbClr r="0" g="0" b="0"/>
+        </a:fillRef>
+        <a:effectRef idx="0">
+          <a:scrgbClr r="0" g="0" b="0"/>
+        </a:effectRef>
+        <a:fontRef idx="minor"/>
+      </dsp:style>
+    </dsp:sp>
+  </dsp:spTree>
+</dsp:drawing>
+</file>
+
+<file path=ppt/diagrams/layout1.xml><?xml version="1.0" encoding="utf-8"?>
+<dgm:layoutDef xmlns:dgm="http://schemas.openxmlformats.org/drawingml/2006/diagram" xmlns:a="http://schemas.openxmlformats.org/drawingml/2006/main" uniqueId="urn:microsoft.com/office/officeart/2008/layout/VerticalCurvedList">
+  <dgm:title val=""/>
+  <dgm:desc val=""/>
+  <dgm:catLst>
+    <dgm:cat type="list" pri="20000"/>
+  </dgm:catLst>
+  <dgm:sampData>
+    <dgm:dataModel>
+      <dgm:ptLst>
+        <dgm:pt modelId="0" type="doc"/>
+        <dgm:pt modelId="1">
+          <dgm:prSet phldr="1"/>
+        </dgm:pt>
+        <dgm:pt modelId="2">
+          <dgm:prSet phldr="1"/>
+        </dgm:pt>
+        <dgm:pt modelId="3">
+          <dgm:prSet phldr="1"/>
+        </dgm:pt>
+      </dgm:ptLst>
+      <dgm:cxnLst>
+        <dgm:cxn modelId="4" srcId="0" destId="1" srcOrd="0" destOrd="0"/>
+        <dgm:cxn modelId="5" srcId="0" destId="2" srcOrd="1" destOrd="0"/>
+        <dgm:cxn modelId="6" srcId="0" destId="3" srcOrd="2" destOrd="0"/>
+      </dgm:cxnLst>
+      <dgm:bg/>
+      <dgm:whole/>
+    </dgm:dataModel>
+  </dgm:sampData>
+  <dgm:styleData>
+    <dgm:dataModel>
+      <dgm:ptLst>
+        <dgm:pt modelId="0" type="doc"/>
+        <dgm:pt modelId="1">
+          <dgm:prSet phldr="1"/>
+        </dgm:pt>
+        <dgm:pt modelId="2">
+          <dgm:prSet phldr="1"/>
+        </dgm:pt>
+      </dgm:ptLst>
+      <dgm:cxnLst>
+        <dgm:cxn modelId="3" srcId="0" destId="1" srcOrd="0" destOrd="0"/>
+        <dgm:cxn modelId="4" srcId="0" destId="2" srcOrd="1" destOrd="0"/>
+      </dgm:cxnLst>
+      <dgm:bg/>
+      <dgm:whole/>
+    </dgm:dataModel>
+  </dgm:styleData>
+  <dgm:clrData>
+    <dgm:dataModel>
+      <dgm:ptLst>
+        <dgm:pt modelId="0" type="doc"/>
+        <dgm:pt modelId="1">
+          <dgm:prSet phldr="1"/>
+        </dgm:pt>
+        <dgm:pt modelId="2">
+          <dgm:prSet phldr="1"/>
+        </dgm:pt>
+        <dgm:pt modelId="3">
+          <dgm:prSet phldr="1"/>
+        </dgm:pt>
+        <dgm:pt modelId="4">
+          <dgm:prSet phldr="1"/>
+        </dgm:pt>
+      </dgm:ptLst>
+      <dgm:cxnLst>
+        <dgm:cxn modelId="5" srcId="0" destId="1" srcOrd="0" destOrd="0"/>
+        <dgm:cxn modelId="6" srcId="0" destId="2" srcOrd="1" destOrd="0"/>
+        <dgm:cxn modelId="7" srcId="0" destId="3" srcOrd="2" destOrd="0"/>
+        <dgm:cxn modelId="8" srcId="0" destId="4" srcOrd="3" destOrd="0"/>
+      </dgm:cxnLst>
+      <dgm:bg/>
+      <dgm:whole/>
+    </dgm:dataModel>
+  </dgm:clrData>
+  <dgm:layoutNode name="Name0">
+    <dgm:varLst>
+      <dgm:chMax val="7"/>
+      <dgm:chPref val="7"/>
+      <dgm:dir/>
+    </dgm:varLst>
+    <dgm:alg type="composite"/>
+    <dgm:shape xmlns:r="http://schemas.openxmlformats.org/officeDocument/2006/relationships" r:blip="">
+      <dgm:adjLst/>
+    </dgm:shape>
+    <dgm:constrLst>
+      <dgm:constr type="w" for="ch" refType="h" refFor="ch" op="gte" fact="0.8"/>
+    </dgm:constrLst>
+    <dgm:layoutNode name="Name1">
+      <dgm:alg type="composite"/>
+      <dgm:shape xmlns:r="http://schemas.openxmlformats.org/officeDocument/2006/relationships" r:blip="">
+        <dgm:adjLst/>
+      </dgm:shape>
+      <dgm:choose name="Name2">
+        <dgm:if name="Name3" func="var" arg="dir" op="equ" val="norm">
+          <dgm:choose name="Name4">
+            <dgm:if name="Name5" axis="ch" ptType="node" func="cnt" op="equ" val="1">
+              <dgm:constrLst>
+                <dgm:constr type="h" for="ch" forName="cycle" refType="h"/>
+                <dgm:constr type="w" for="ch" forName="cycle" refType="h" refFor="ch" refForName="cycle" fact="0.26"/>
+                <dgm:constr type="l" for="ch" forName="cycle"/>
+                <dgm:constr type="ctrY" for="ch" forName="cycle" refType="h" fact="0.5"/>
+                <dgm:constr type="diam" for="ch" forName="cycle" refType="h" fact="1.344"/>
+                <dgm:constr type="h" for="ch" forName="accent_1" refType="h" fact="0.625"/>
+                <dgm:constr type="w" for="ch" forName="accent_1" refType="h" refFor="ch" refForName="accent_1" op="equ"/>
+                <dgm:constr type="ctrY" for="ch" forName="accent_1" refType="h" fact="0.5"/>
+                <dgm:constr type="ctrX" for="ch" forName="accent_1" refType="h" fact="0.2253"/>
+                <dgm:constr type="l" for="ch" forName="text_1" refType="ctrX" refFor="ch" refForName="accent_1"/>
+                <dgm:constr type="r" for="ch" forName="text_1" refType="w"/>
+                <dgm:constr type="w" for="ch" forName="text_1" refType="h" refFor="ch" refForName="text_1" op="gte"/>
+                <dgm:constr type="h" for="ch" forName="text_1" refType="h" refFor="ch" refForName="accent_1" fact="0.8"/>
+                <dgm:constr type="ctrY" for="ch" forName="text_1" refType="ctrY" refFor="ch" refForName="accent_1"/>
+                <dgm:constr type="lMarg" for="ch" forName="text_1" refType="w" refFor="ch" refForName="accent_1" fact="1.8"/>
+                <dgm:constr type="primFontSz" for="ch" ptType="node" op="equ" val="65"/>
+              </dgm:constrLst>
+            </dgm:if>
+            <dgm:if name="Name6" axis="ch" ptType="node" func="cnt" op="equ" val="2">
+              <dgm:constrLst>
+                <dgm:constr type="h" for="ch" forName="cycle" refType="h"/>
+                <dgm:constr type="w" for="ch" forName="cycle" refType="h" refFor="ch" refForName="cycle" fact="0.26"/>
+                <dgm:constr type="l" for="ch" forName="cycle"/>
+                <dgm:constr type="ctrY" for="ch" forName="cycle" refType="h" fact="0.5"/>
+                <dgm:constr type="diam" for="ch" forName="cycle" refType="h" fact="1.344"/>
+                <dgm:constr type="h" for="ch" forName="accent_1" refType="h" fact="0.3571"/>
+                <dgm:constr type="w" for="ch" forName="accent_1" refType="h" refFor="ch" refForName="accent_1" op="equ"/>
+                <dgm:constr type="ctrY" for="ch" forName="accent_1" refType="h" fact="0.2857"/>
+                <dgm:constr type="ctrX" for="ch" forName="accent_1" refType="h" fact="0.1891"/>
+                <dgm:constr type="l" for="ch" forName="text_1" refType="ctrX" refFor="ch" refForName="accent_1"/>
+                <dgm:constr type="r" for="ch" forName="text_1" refType="w"/>
+                <dgm:constr type="w" for="ch" forName="text_1" refType="h" refFor="ch" refForName="text_1" op="gte"/>
+                <dgm:constr type="h" for="ch" forName="text_1" refType="h" refFor="ch" refForName="accent_1" fact="0.8"/>
+                <dgm:constr type="ctrY" for="ch" forName="text_1" refType="ctrY" refFor="ch" refForName="accent_1"/>
+                <dgm:constr type="lMarg" for="ch" forName="text_1" refType="w" refFor="ch" refForName="accent_1" fact="1.8"/>
+                <dgm:constr type="h" for="ch" forName="accent_2" refType="h" fact="0.3571"/>
+                <dgm:constr type="w" for="ch" forName="accent_2" refType="h" refFor="ch" refForName="accent_2" op="equ"/>
+                <dgm:constr type="ctrY" for="ch" forName="accent_2" refType="h" fact="0.7143"/>
+                <dgm:constr type="ctrX" for="ch" forName="accent_2" refType="h" fact="0.1891"/>
+                <dgm:constr type="l" for="ch" forName="text_2" refType="ctrX" refFor="ch" refForName="accent_2"/>
+                <dgm:constr type="r" for="ch" forName="text_2" refType="w"/>
+                <dgm:constr type="w" for="ch" forName="text_2" refType="h" refFor="ch" refForName="text_2" op="gte"/>
+                <dgm:constr type="h" for="ch" forName="text_2" refType="h" refFor="ch" refForName="accent_2" fact="0.8"/>
+                <dgm:constr type="ctrY" for="ch" forName="text_2" refType="ctrY" refFor="ch" refForName="accent_2"/>
+                <dgm:constr type="lMarg" for="ch" forName="text_2" refType="w" refFor="ch" refForName="accent_2" fact="1.8"/>
+                <dgm:constr type="primFontSz" for="ch" ptType="node" op="equ" val="65"/>
+              </dgm:constrLst>
+            </dgm:if>
+            <dgm:if name="Name7" axis="ch" ptType="node" func="cnt" op="equ" val="3">
+              <dgm:constrLst>
+                <dgm:constr type="h" for="ch" forName="cycle" refType="h"/>
+                <dgm:constr type="w" for="ch" forName="cycle" refType="h" refFor="ch" refForName="cycle" fact="0.26"/>
+                <dgm:constr type="l" for="ch" forName="cycle"/>
+                <dgm:constr type="ctrY" for="ch" forName="cycle" refType="h" fact="0.5"/>
+                <dgm:constr type="diam" for="ch" forName="cycle" refType="h" fact="1.344"/>
+                <dgm:constr type="h" for="ch" forName="accent_1" refType="h" fact="0.25"/>
+                <dgm:constr type="w" for="ch" forName="accent_1" refType="h" refFor="ch" refForName="accent_1" op="equ"/>
+                <dgm:constr type="ctrY" for="ch" forName="accent_1" refType="h" fact="0.2"/>
+                <dgm:constr type="ctrX" for="ch" forName="accent_1" refType="h" fact="0.1526"/>
+                <dgm:constr type="l" for="ch" forName="text_1" refType="ctrX" refFor="ch" refForName="accent_1"/>
+                <dgm:constr type="r" for="ch" forName="text_1" refType="w"/>
+                <dgm:constr type="w" for="ch" forName="text_1" refType="h" refFor="ch" refForName="text_1" op="gte"/>
+                <dgm:constr type="h" for="ch" forName="text_1" refType="h" refFor="ch" refForName="accent_1" fact="0.8"/>
+                <dgm:constr type="ctrY" for="ch" forName="text_1" refType="ctrY" refFor="ch" refForName="accent_1"/>
+                <dgm:constr type="lMarg" for="ch" forName="text_1" refType="w" refFor="ch" refForName="accent_1" fact="1.8"/>
+                <dgm:constr type="h" for="ch" forName="accent_2" refType="h" fact="0.25"/>
+                <dgm:constr type="w" for="ch" forName="accent_2" refType="h" refFor="ch" refForName="accent_2" op="equ"/>
+                <dgm:constr type="ctrY" for="ch" forName="accent_2" refType="h" fact="0.5"/>
+                <dgm:constr type="ctrX" for="ch" forName="accent_2" refType="h" fact="0.2253"/>
+                <dgm:constr type="l" for="ch" forName="text_2" refType="ctrX" refFor="ch" refForName="accent_2"/>
+                <dgm:constr type="r" for="ch" forName="text_2" refType="w"/>
+                <dgm:constr type="w" for="ch" forName="text_2" refType="h" refFor="ch" refForName="text_2" op="gte"/>
+                <dgm:constr type="h" for="ch" forName="text_2" refType="h" refFor="ch" refForName="accent_2" fact="0.8"/>
+                <dgm:constr type="ctrY" for="ch" forName="text_2" refType="ctrY" refFor="ch" refForName="accent_2"/>
+                <dgm:constr type="lMarg" for="ch" forName="text_2" refType="w" refFor="ch" refForName="accent_2" fact="1.8"/>
+                <dgm:constr type="h" for="ch" forName="accent_3" refType="h" fact="0.25"/>
+                <dgm:constr type="w" for="ch" forName="accent_3" refType="h" refFor="ch" refForName="accent_3" op="equ"/>
+                <dgm:constr type="ctrY" for="ch" forName="accent_3" refType="h" fact="0.8"/>
+                <dgm:constr type="ctrX" for="ch" forName="accent_3" refType="h" fact="0.1526"/>
+                <dgm:constr type="l" for="ch" forName="text_3" refType="ctrX" refFor="ch" refForName="accent_3"/>
+                <dgm:constr type="r" for="ch" forName="text_3" refType="w"/>
+                <dgm:constr type="w" for="ch" forName="text_3" refType="h" refFor="ch" refForName="text_3" op="gte"/>
+                <dgm:constr type="h" for="ch" forName="text_3" refType="h" refFor="ch" refForName="accent_3" fact="0.8"/>
+                <dgm:constr type="ctrY" for="ch" forName="text_3" refType="ctrY" refFor="ch" refForName="accent_3"/>
+                <dgm:constr type="lMarg" for="ch" forName="text_3" refType="w" refFor="ch" refForName="accent_3" fact="1.8"/>
+                <dgm:constr type="primFontSz" for="ch" ptType="node" op="equ" val="65"/>
+              </dgm:constrLst>
+            </dgm:if>
+            <dgm:if name="Name8" axis="ch" ptType="node" func="cnt" op="equ" val="4">
+              <dgm:constrLst>
+                <dgm:constr type="h" for="ch" forName="cycle" refType="h"/>
+                <dgm:constr type="w" for="ch" forName="cycle" refType="h" refFor="ch" refForName="cycle" fact="0.26"/>
+                <dgm:constr type="l" for="ch" forName="cycle"/>
+                <dgm:constr type="ctrY" for="ch" forName="cycle" refType="h" fact="0.5"/>
+                <dgm:constr type="diam" for="ch" forName="cycle" refType="h" fact="1.344"/>
+                <dgm:constr type="h" for="ch" forName="accent_1" refType="h" fact="0.1923"/>
+                <dgm:constr type="w" for="ch" forName="accent_1" refType="h" refFor="ch" refForName="accent_1" op="equ"/>
+                <dgm:constr type="ctrY" for="ch" forName="accent_1" refType="h" fact="0.1538"/>
+                <dgm:constr type="ctrX" for="ch" forName="accent_1" refType="h" fact="0.1268"/>
+                <dgm:constr type="l" for="ch" forName="text_1" refType="ctrX" refFor="ch" refForName="accent_1"/>
+                <dgm:constr type="r" for="ch" forName="text_1" refType="w"/>
+                <dgm:constr type="w" for="ch" forName="text_1" refType="h" refFor="ch" refForName="text_1" op="gte"/>
+                <dgm:constr type="h" for="ch" forName="text_1" refType="h" refFor="ch" refForName="accent_1" fact="0.8"/>
+                <dgm:constr type="ctrY" for="ch" forName="text_1" refType="ctrY" refFor="ch" refForName="accent_1"/>
+                <dgm:constr type="lMarg" for="ch" forName="text_1" refType="w" refFor="ch" refForName="accent_1" fact="1.8"/>
+                <dgm:constr type="h" for="ch" forName="accent_2" refType="h" fact="0.1923"/>
+                <dgm:constr type="w" for="ch" forName="accent_2" refType="h" refFor="ch" refForName="accent_2" op="equ"/>
+                <dgm:constr type="ctrY" for="ch" forName="accent_2" refType="h" fact="0.3846"/>
+                <dgm:constr type="ctrX" for="ch" forName="accent_2" refType="h" fact="0.215"/>
+                <dgm:constr type="l" for="ch" forName="text_2" refType="ctrX" refFor="ch" refForName="accent_2"/>
+                <dgm:constr type="r" for="ch" forName="text_2" refType="w"/>
+                <dgm:constr type="w" for="ch" forName="text_2" refType="h" refFor="ch" refForName="text_2" op="gte"/>
+                <dgm:constr type="h" for="ch" forName="text_2" refType="h" refFor="ch" refForName="accent_2" fact="0.8"/>
+                <dgm:constr type="ctrY" for="ch" forName="text_2" refType="ctrY" refFor="ch" refForName="accent_2"/>
+                <dgm:constr type="lMarg" for="ch" forName="text_2" refType="w" refFor="ch" refForName="accent_2" fact="1.8"/>
+                <dgm:constr type="h" for="ch" forName="accent_3" refType="h" fact="0.1923"/>
+                <dgm:constr type="w" for="ch" forName="accent_3" refType="h" refFor="ch" refForName="accent_3" op="equ"/>
+                <dgm:constr type="ctrY" for="ch" forName="accent_3" refType="h" fact="0.6154"/>
+                <dgm:constr type="ctrX" for="ch" forName="accent_3" refType="h" fact="0.215"/>
+                <dgm:constr type="l" for="ch" forName="text_3" refType="ctrX" refFor="ch" refForName="accent_3"/>
+                <dgm:constr type="r" for="ch" forName="text_3" refType="w"/>
+                <dgm:constr type="w" for="ch" forName="text_3" refType="h" refFor="ch" refForName="text_3" op="gte"/>
+                <dgm:constr type="h" for="ch" forName="text_3" refType="h" refFor="ch" refForName="accent_3" fact="0.8"/>
+                <dgm:constr type="ctrY" for="ch" forName="text_3" refType="ctrY" refFor="ch" refForName="accent_3"/>
+                <dgm:constr type="lMarg" for="ch" forName="text_3" refType="w" refFor="ch" refForName="accent_3" fact="1.8"/>
+                <dgm:constr type="h" for="ch" forName="accent_4" refType="h" fact="0.1923"/>
+                <dgm:constr type="w" for="ch" forName="accent_4" refType="h" refFor="ch" refForName="accent_4" op="equ"/>
+                <dgm:constr type="ctrY" for="ch" forName="accent_4" refType="h" fact="0.8462"/>
+                <dgm:constr type="ctrX" for="ch" forName="accent_4" refType="h" fact="0.1268"/>
+                <dgm:constr type="l" for="ch" forName="text_4" refType="ctrX" refFor="ch" refForName="accent_4"/>
+                <dgm:constr type="r" for="ch" forName="text_4" refType="w"/>
+                <dgm:constr type="w" for="ch" forName="text_4" refType="h" refFor="ch" refForName="text_4" op="gte"/>
+                <dgm:constr type="h" for="ch" forName="text_4" refType="h" refFor="ch" refForName="accent_4" fact="0.8"/>
+                <dgm:constr type="ctrY" for="ch" forName="text_4" refType="ctrY" refFor="ch" refForName="accent_4"/>
+                <dgm:constr type="lMarg" for="ch" forName="text_4" refType="w" refFor="ch" refForName="accent_4" fact="1.8"/>
+                <dgm:constr type="primFontSz" for="ch" ptType="node" op="equ" val="65"/>
+              </dgm:constrLst>
+            </dgm:if>
+            <dgm:if name="Name9" axis="ch" ptType="node" func="cnt" op="equ" val="5">
+              <dgm:constrLst>
+                <dgm:constr type="h" for="ch" forName="cycle" refType="h"/>
+                <dgm:constr type="w" for="ch" forName="cycle" refType="h" refFor="ch" refForName="cycle" fact="0.26"/>
+                <dgm:constr type="l" for="ch" forName="cycle"/>
+                <dgm:constr type="ctrY" for="ch" forName="cycle" refType="h" fact="0.5"/>
+                <dgm:constr type="diam" for="ch" forName="cycle" refType="h" fact="1.344"/>
+                <dgm:constr type="h" for="ch" forName="accent_1" refType="h" fact="0.1563"/>
+                <dgm:constr type="w" for="ch" forName="accent_1" refType="h" refFor="ch" refForName="accent_1" op="equ"/>
+                <dgm:constr type="ctrY" for="ch" forName="accent_1" refType="h" fact="0.125"/>
+                <dgm:constr type="ctrX" for="ch" forName="accent_1" refType="h" fact="0.1082"/>
+                <dgm:constr type="l" for="ch" forName="text_1" refType="ctrX" refFor="ch" refForName="accent_1"/>
+                <dgm:constr type="r" for="ch" forName="text_1" refType="w"/>
+                <dgm:constr type="w" for="ch" forName="text_1" refType="h" refFor="ch" refForName="text_1" op="gte"/>
+                <dgm:constr type="h" for="ch" forName="text_1" refType="h" refFor="ch" refForName="accent_1" fact="0.8"/>
+                <dgm:constr type="ctrY" for="ch" forName="text_1" refType="ctrY" refFor="ch" refForName="accent_1"/>
+                <dgm:constr type="lMarg" for="ch" forName="text_1" refType="w" refFor="ch" refForName="accent_1" fact="1.8"/>
+                <dgm:constr type="h" for="ch" forName="accent_2" refType="h" fact="0.1563"/>
+                <dgm:constr type="w" for="ch" forName="accent_2" refType="h" refFor="ch" refForName="accent_2" op="equ"/>
+                <dgm:constr type="ctrY" for="ch" forName="accent_2" refType="h" fact="0.3125"/>
+                <dgm:constr type="ctrX" for="ch" forName="accent_2" refType="h" fact="0.1978"/>
+                <dgm:constr type="l" for="ch" forName="text_2" refType="ctrX" refFor="ch" refForName="accent_2"/>
+                <dgm:constr type="r" for="ch" forName="text_2" refType="w"/>
+                <dgm:constr type="w" for="ch" forName="text_2" refType="h" refFor="ch" refForName="text_2" op="gte"/>
+                <dgm:constr type="h" for="ch" forName="text_2" refType="h" refFor="ch" refForName="accent_2" fact="0.8"/>
+                <dgm:constr type="ctrY" for="ch" forName="text_2" refType="ctrY" refFor="ch" refForName="accent_2"/>
+                <dgm:constr type="lMarg" for="ch" forName="text_2" refType="w" refFor="ch" refForName="accent_2" fact="1.8"/>
+                <dgm:constr type="h" for="ch" forName="accent_3" refType="h" fact="0.1563"/>
+                <dgm:constr type="w" for="ch" forName="accent_3" refType="h" refFor="ch" refForName="accent_3" op="equ"/>
+                <dgm:constr type="ctrY" for="ch" forName="accent_3" refType="h" fact="0.5"/>
+                <dgm:constr type="ctrX" for="ch" forName="accent_3" refType="h" fact="0.2253"/>
+                <dgm:constr type="l" for="ch" forName="text_3" refType="ctrX" refFor="ch" refForName="accent_3"/>
+                <dgm:constr type="r" for="ch" forName="text_3" refType="w"/>
+                <dgm:constr type="w" for="ch" forName="text_3" refType="h" refFor="ch" refForName="text_3" op="gte"/>
+                <dgm:constr type="h" for="ch" forName="text_3" refType="h" refFor="ch" refForName="accent_3" fact="0.8"/>
+                <dgm:constr type="ctrY" for="ch" forName="text_3" refType="ctrY" refFor="ch" refForName="accent_3"/>
+                <dgm:constr type="lMarg" for="ch" forName="text_3" refType="w" refFor="ch" refForName="accent_3" fact="1.8"/>
+                <dgm:constr type="h" for="ch" forName="accent_4" refType="h" fact="0.1563"/>
+                <dgm:constr type="w" for="ch" forName="accent_4" refType="h" refFor="ch" refForName="accent_4" op="equ"/>
+                <dgm:constr type="ctrY" for="ch" forName="accent_4" refType="h" fact="0.6875"/>
+                <dgm:constr type="ctrX" for="ch" forName="accent_4" refType="h" fact="0.1978"/>
+                <dgm:constr type="l" for="ch" forName="text_4" refType="ctrX" refFor="ch" refForName="accent_4"/>
+                <dgm:constr type="r" for="ch" forName="text_4" refType="w"/>
+                <dgm:constr type="w" for="ch" forName="text_4" refType="h" refFor="ch" refForName="text_4" op="gte"/>
+                <dgm:constr type="h" for="ch" forName="text_4" refType="h" refFor="ch" refForName="accent_4" fact="0.8"/>
+                <dgm:constr type="ctrY" for="ch" forName="text_4" refType="ctrY" refFor="ch" refForName="accent_4"/>
+                <dgm:constr type="lMarg" for="ch" forName="text_4" refType="w" refFor="ch" refForName="accent_4" fact="1.8"/>
+                <dgm:constr type="h" for="ch" forName="accent_5" refType="h" fact="0.1563"/>
+                <dgm:constr type="w" for="ch" forName="accent_5" refType="h" refFor="ch" refForName="accent_5" op="equ"/>
+                <dgm:constr type="ctrY" for="ch" forName="accent_5" refType="h" fact="0.875"/>
+                <dgm:constr type="ctrX" for="ch" forName="accent_5" refType="h" fact="0.1082"/>
+                <dgm:constr type="l" for="ch" forName="text_5" refType="ctrX" refFor="ch" refForName="accent_5"/>
+                <dgm:constr type="r" for="ch" forName="text_5" refType="w"/>
+                <dgm:constr type="w" for="ch" forName="text_5" refType="h" refFor="ch" refForName="text_5" op="gte"/>
+                <dgm:constr type="h" for="ch" forName="text_5" refType="h" refFor="ch" refForName="accent_5" fact="0.8"/>
+                <dgm:constr type="ctrY" for="ch" forName="text_5" refType="ctrY" refFor="ch" refForName="accent_5"/>
+                <dgm:constr type="lMarg" for="ch" forName="text_5" refType="w" refFor="ch" refForName="accent_5" fact="1.8"/>
+                <dgm:constr type="primFontSz" for="ch" ptType="node" op="equ" val="65"/>
+              </dgm:constrLst>
+            </dgm:if>
+            <dgm:if name="Name10" axis="ch" ptType="node" func="cnt" op="equ" val="6">
+              <dgm:constrLst>
+                <dgm:constr type="h" for="ch" forName="cycle" refType="h"/>
+                <dgm:constr type="w" for="ch" forName="cycle" refType="h" refFor="ch" refForName="cycle" fact="0.26"/>
+                <dgm:constr type="l" for="ch" forName="cycle"/>
+                <dgm:constr type="ctrY" for="ch" forName="cycle" refType="h" fact="0.5"/>
+                <dgm:constr type="diam" for="ch" forName="cycle" refType="h" fact="1.344"/>
+                <dgm:constr type="h" for="ch" forName="accent_1" refType="h" fact="0.1316"/>
+                <dgm:constr type="w" for="ch" forName="accent_1" refType="h" refFor="ch" refForName="accent_1" op="equ"/>
+                <dgm:constr type="ctrY" for="ch" forName="accent_1" refType="h" fact="0.1053"/>
+                <dgm:constr type="ctrX" for="ch" forName="accent_1" refType="h" fact="0.0943"/>
+                <dgm:constr type="l" for="ch" forName="text_1" refType="ctrX" refFor="ch" refForName="accent_1"/>
+                <dgm:constr type="r" for="ch" forName="text_1" refType="w"/>
+                <dgm:constr type="w" for="ch" forName="text_1" refType="h" refFor="ch" refForName="text_1" op="gte"/>
+                <dgm:constr type="h" for="ch" forName="text_1" refType="h" refFor="ch" refForName="accent_1" fact="0.8"/>
+                <dgm:constr type="ctrY" for="ch" forName="text_1" refType="ctrY" refFor="ch" refForName="accent_1"/>
+                <dgm:constr type="lMarg" for="ch" forName="text_1" refType="w" refFor="ch" refForName="accent_1" fact="1.8"/>
+                <dgm:constr type="h" for="ch" forName="accent_2" refType="h" fact="0.1316"/>
+                <dgm:constr type="w" for="ch" forName="accent_2" refType="h" refFor="ch" refForName="accent_2" op="equ"/>
+                <dgm:constr type="ctrY" for="ch" forName="accent_2" refType="h" fact="0.2632"/>
+                <dgm:constr type="ctrX" for="ch" forName="accent_2" refType="h" fact="0.1809"/>
+                <dgm:constr type="l" for="ch" forName="text_2" refType="ctrX" refFor="ch" refForName="accent_2"/>
+                <dgm:constr type="r" for="ch" forName="text_2" refType="w"/>
+                <dgm:constr type="w" for="ch" forName="text_2" refType="h" refFor="ch" refForName="text_2" op="gte"/>
+                <dgm:constr type="h" for="ch" forName="text_2" refType="h" refFor="ch" refForName="accent_2" fact="0.8"/>
+                <dgm:constr type="ctrY" for="ch" forName="text_2" refType="ctrY" refFor="ch" refForName="accent_2"/>
+                <dgm:constr type="lMarg" for="ch" forName="text_2" refType="w" refFor="ch" refForName="accent_2" fact="1.8"/>
+                <dgm:constr type="h" for="ch" forName="accent_3" refType="h" fact="0.1316"/>
+                <dgm:constr type="w" for="ch" forName="accent_3" refType="h" refFor="ch" refForName="accent_3" op="equ"/>
+                <dgm:constr type="ctrY" for="ch" forName="accent_3" refType="h" fact="0.4211"/>
+                <dgm:constr type="ctrX" for="ch" forName="accent_3" refType="h" fact="0.2205"/>
+                <dgm:constr type="l" for="ch" forName="text_3" refType="ctrX" refFor="ch" refForName="accent_3"/>
+                <dgm:constr type="r" for="ch" forName="text_3" refType="w"/>
+                <dgm:constr type="w" for="ch" forName="text_3" refType="h" refFor="ch" refForName="text_3" op="gte"/>
+                <dgm:constr type="h" for="ch" forName="text_3" refType="h" refFor="ch" refForName="accent_3" fact="0.8"/>
+                <dgm:constr type="ctrY" for="ch" forName="text_3" refType="ctrY" refFor="ch" refForName="accent_3"/>
+                <dgm:constr type="lMarg" for="ch" forName="text_3" refType="w" refFor="ch" refForName="accent_3" fact="1.8"/>
+                <dgm:constr type="h" for="ch" forName="accent_4" refType="h" fact="0.1316"/>
+                <dgm:constr type="w" for="ch" forName="accent_4" refType="h" refFor="ch" refForName="accent_4" op="equ"/>
+                <dgm:constr type="ctrY" for="ch" forName="accent_4" refType="h" fact="0.5789"/>
+                <dgm:constr type="ctrX" for="ch" forName="accent_4" refType="h" fact="0.2205"/>
+                <dgm:constr type="l" for="ch" forName="text_4" refType="ctrX" refFor="ch" refForName="accent_4"/>
+                <dgm:constr type="r" for="ch" forName="text_4" refType="w"/>
+                <dgm:constr type="w" for="ch" forName="text_4" refType="h" refFor="ch" refForName="text_4" op="gte"/>
+                <dgm:constr type="h" for="ch" forName="text_4" refType="h" refFor="ch" refForName="accent_4" fact="0.8"/>
+                <dgm:constr type="ctrY" for="ch" forName="text_4" refType="ctrY" refFor="ch" refForName="accent_4"/>
+                <dgm:constr type="lMarg" for="ch" forName="text_4" refType="w" refFor="ch" refForName="accent_4" fact="1.8"/>
+                <dgm:constr type="h" for="ch" forName="accent_5" refType="h" fact="0.1316"/>
+                <dgm:constr type="w" for="ch" forName="accent_5" refType="h" refFor="ch" refForName="accent_5" op="equ"/>
+                <dgm:constr type="ctrY" for="ch" forName="accent_5" refType="h" fact="0.7368"/>
+                <dgm:constr type="ctrX" for="ch" forName="accent_5" refType="h" fact="0.1809"/>
+                <dgm:constr type="l" for="ch" forName="text_5" refType="ctrX" refFor="ch" refForName="accent_5"/>
+                <dgm:constr type="r" for="ch" forName="text_5" refType="w"/>
+                <dgm:constr type="w" for="ch" forName="text_5" refType="h" refFor="ch" refForName="text_5" op="gte"/>
+                <dgm:constr type="h" for="ch" forName="text_5" refType="h" refFor="ch" refForName="accent_5" fact="0.8"/>
+                <dgm:constr type="ctrY" for="ch" forName="text_5" refType="ctrY" refFor="ch" refForName="accent_5"/>
+                <dgm:constr type="lMarg" for="ch" forName="text_5" refType="w" refFor="ch" refForName="accent_5" fact="1.8"/>
+                <dgm:constr type="h" for="ch" forName="accent_6" refType="h" fact="0.1316"/>
+                <dgm:constr type="w" for="ch" forName="accent_6" refType="h" refFor="ch" refForName="accent_6" op="equ"/>
+                <dgm:constr type="ctrY" for="ch" forName="accent_6" refType="h" fact="0.8947"/>
+                <dgm:constr type="ctrX" for="ch" forName="accent_6" refType="h" fact="0.0943"/>
+                <dgm:constr type="l" for="ch" forName="text_6" refType="ctrX" refFor="ch" refForName="accent_6"/>
+                <dgm:constr type="r" for="ch" forName="text_6" refType="w"/>
+                <dgm:constr type="w" for="ch" forName="text_6" refType="h" refFor="ch" refForName="text_6" op="gte"/>
+                <dgm:constr type="h" for="ch" forName="text_6" refType="h" refFor="ch" refForName="accent_6" fact="0.8"/>
+                <dgm:constr type="ctrY" for="ch" forName="text_6" refType="ctrY" refFor="ch" refForName="accent_6"/>
+                <dgm:constr type="lMarg" for="ch" forName="text_6" refType="w" refFor="ch" refForName="accent_6" fact="1.8"/>
+                <dgm:constr type="primFontSz" for="ch" ptType="node" op="equ" val="65"/>
+              </dgm:constrLst>
+            </dgm:if>
+            <dgm:else name="Name11">
+              <dgm:constrLst>
+                <dgm:constr type="h" for="ch" forName="cycle" refType="h"/>
+                <dgm:constr type="w" for="ch" forName="cycle" refType="h" refFor="ch" refForName="cycle" fact="0.26"/>
+                <dgm:constr type="l" for="ch" forName="cycle"/>
+                <dgm:constr type="ctrY" for="ch" forName="cycle" refType="h" fact="0.5"/>
+                <dgm:constr type="diam" for="ch" forName="cycle" refType="h" fact="1.344"/>
+                <dgm:constr type="h" for="ch" forName="accent_1" refType="h" fact="0.1136"/>
+                <dgm:constr type="w" for="ch" forName="accent_1" refType="h" refFor="ch" refForName="accent_1" op="equ"/>
+                <dgm:constr type="ctrY" for="ch" forName="accent_1" refType="h" fact="0.0909"/>
+                <dgm:constr type="ctrX" for="ch" forName="accent_1" refType="h" fact="0.0835"/>
+                <dgm:constr type="l" for="ch" forName="text_1" refType="ctrX" refFor="ch" refForName="accent_1"/>
+                <dgm:constr type="r" for="ch" forName="text_1" refType="w"/>
+                <dgm:constr type="w" for="ch" forName="text_1" refType="h" refFor="ch" refForName="text_1" op="gte"/>
+                <dgm:constr type="h" for="ch" forName="text_1" refType="h" refFor="ch" refForName="accent_1" fact="0.8"/>
+                <dgm:constr type="ctrY" for="ch" forName="text_1" refType="ctrY" refFor="ch" refForName="accent_1"/>
+                <dgm:constr type="lMarg" for="ch" forName="text_1" refType="w" refFor="ch" refForName="accent_1" fact="1.8"/>
+                <dgm:constr type="h" for="ch" forName="accent_2" refType="h" fact="0.1136"/>
+                <dgm:constr type="w" for="ch" forName="accent_2" refType="h" refFor="ch" refForName="accent_2" op="equ"/>
+                <dgm:constr type="ctrY" for="ch" forName="accent_2" refType="h" fact="0.2273"/>
+                <dgm:constr type="ctrX" for="ch" forName="accent_2" refType="h" fact="0.1658"/>
+                <dgm:constr type="l" for="ch" forName="text_2" refType="ctrX" refFor="ch" refForName="accent_2"/>
+                <dgm:constr type="r" for="ch" forName="text_2" refType="w"/>
+                <dgm:constr type="w" for="ch" forName="text_2" refType="h" refFor="ch" refForName="text_2" op="gte"/>
+                <dgm:constr type="h" for="ch" forName="text_2" refType="h" refFor="ch" refForName="accent_2" fact="0.8"/>
+                <dgm:constr type="ctrY" for="ch" forName="text_2" refType="ctrY" refFor="ch" refForName="accent_2"/>
+                <dgm:constr type="lMarg" for="ch" forName="text_2" refType="w" refFor="ch" refForName="accent_2" fact="1.8"/>
+                <dgm:constr type="h" for="ch" forName="accent_3" refType="h" fact="0.1136"/>
+                <dgm:constr type="w" for="ch" forName="accent_3" refType="h" refFor="ch" refForName="accent_3" op="equ"/>
+                <dgm:constr type="ctrY" for="ch" forName="accent_3" refType="h" fact="0.3636"/>
+                <dgm:constr type="ctrX" for="ch" forName="accent_3" refType="h" fact="0.2109"/>
+                <dgm:constr type="l" for="ch" forName="text_3" refType="ctrX" refFor="ch" refForName="accent_3"/>
+                <dgm:constr type="r" for="ch" forName="text_3" refType="w"/>
+                <dgm:constr type="w" for="ch" forName="text_3" refType="h" refFor="ch" refForName="text_3" op="gte"/>
+                <dgm:constr type="h" for="ch" forName="text_3" refType="h" refFor="ch" refForName="accent_3" fact="0.8"/>
+                <dgm:constr type="ctrY" for="ch" forName="text_3" refType="ctrY" refFor="ch" refForName="accent_3"/>
+                <dgm:constr type="lMarg" for="ch" forName="text_3" refType="w" refFor="ch" refForName="accent_3" fact="1.8"/>
+                <dgm:constr type="h" for="ch" forName="accent_4" refType="h" fact="0.1136"/>
+                <dgm:constr type="w" for="ch" forName="accent_4" refType="h" refFor="ch" refForName="accent_4" op="equ"/>
+                <dgm:constr type="ctrY" for="ch" forName="accent_4" refType="h" fact="0.5"/>
+                <dgm:constr type="ctrX" for="ch" forName="accent_4" refType="h" fact="0.2253"/>
+                <dgm:constr type="l" for="ch" forName="text_4" refType="ctrX" refFor="ch" refForName="accent_4"/>
+                <dgm:constr type="r" for="ch" forName="text_4" refType="w"/>
+                <dgm:constr type="w" for="ch" forName="text_4" refType="h" refFor="ch" refForName="text_4" op="gte"/>
+                <dgm:constr type="h" for="ch" forName="text_4" refType="h" refFor="ch" refForName="accent_4" fact="0.8"/>
+                <dgm:constr type="ctrY" for="ch" forName="text_4" refType="ctrY" refFor="ch" refForName="accent_4"/>
+                <dgm:constr type="lMarg" for="ch" forName="text_4" refType="w" refFor="ch" refForName="accent_4" fact="1.8"/>
+                <dgm:constr type="h" for="ch" forName="accent_5" refType="h" fact="0.1136"/>
+                <dgm:constr type="w" for="ch" forName="accent_5" refType="h" refFor="ch" refForName="accent_5" op="equ"/>
+                <dgm:constr type="ctrY" for="ch" forName="accent_5" refType="h" fact="0.6364"/>
+                <dgm:constr type="ctrX" for="ch" forName="accent_5" refType="h" fact="0.2109"/>
+                <dgm:constr type="l" for="ch" forName="text_5" refType="ctrX" refFor="ch" refForName="accent_5"/>
+                <dgm:constr type="r" for="ch" forName="text_5" refType="w"/>
+                <dgm:constr type="w" for="ch" forName="text_5" refType="h" refFor="ch" refForName="text_5" op="gte"/>
+                <dgm:constr type="h" for="ch" forName="text_5" refType="h" refFor="ch" refForName="accent_5" fact="0.8"/>
+                <dgm:constr type="ctrY" for="ch" forName="text_5" refType="ctrY" refFor="ch" refForName="accent_5"/>
+                <dgm:constr type="lMarg" for="ch" forName="text_5" refType="w" refFor="ch" refForName="accent_5" fact="1.8"/>
+                <dgm:constr type="h" for="ch" forName="accent_6" refType="h" fact="0.1136"/>
+                <dgm:constr type="w" for="ch" forName="accent_6" refType="h" refFor="ch" refForName="accent_6" op="equ"/>
+                <dgm:constr type="ctrY" for="ch" forName="accent_6" refType="h" fact="0.7727"/>
+                <dgm:constr type="ctrX" for="ch" forName="accent_6" refType="h" fact="0.1658"/>
+                <dgm:constr type="l" for="ch" forName="text_6" refType="ctrX" refFor="ch" refForName="accent_6"/>
+                <dgm:constr type="r" for="ch" forName="text_6" refType="w"/>
+                <dgm:constr type="w" for="ch" forName="text_6" refType="h" refFor="ch" refForName="text_6" op="gte"/>
+                <dgm:constr type="h" for="ch" forName="text_6" refType="h" refFor="ch" refForName="accent_6" fact="0.8"/>
+                <dgm:constr type="ctrY" for="ch" forName="text_6" refType="ctrY" refFor="ch" refForName="accent_6"/>
+                <dgm:constr type="lMarg" for="ch" forName="text_6" refType="w" refFor="ch" refForName="accent_6" fact="1.8"/>
+                <dgm:constr type="h" for="ch" forName="accent_7" refType="h" fact="0.1136"/>
+                <dgm:constr type="w" for="ch" forName="accent_7" refType="h" refFor="ch" refForName="accent_7" op="equ"/>
+                <dgm:constr type="ctrY" for="ch" forName="accent_7" refType="h" fact="0.9091"/>
+                <dgm:constr type="ctrX" for="ch" forName="accent_7" refType="h" fact="0.0835"/>
+                <dgm:constr type="l" for="ch" forName="text_7" refType="ctrX" refFor="ch" refForName="accent_7"/>
+                <dgm:constr type="r" for="ch" forName="text_7" refType="w"/>
+                <dgm:constr type="w" for="ch" forName="text_7" refType="h" refFor="ch" refForName="text_7" op="gte"/>
+                <dgm:constr type="h" for="ch" forName="text_7" refType="h" refFor="ch" refForName="accent_7" fact="0.8"/>
+                <dgm:constr type="ctrY" for="ch" forName="text_7" refType="ctrY" refFor="ch" refForName="accent_7"/>
+                <dgm:constr type="lMarg" for="ch" forName="text_7" refType="w" refFor="ch" refForName="accent_7" fact="1.8"/>
+                <dgm:constr type="primFontSz" for="ch" ptType="node" op="equ" val="65"/>
+              </dgm:constrLst>
+            </dgm:else>
+          </dgm:choose>
+        </dgm:if>
+        <dgm:else name="Name12">
+          <dgm:choose name="Name13">
+            <dgm:if name="Name14" axis="ch" ptType="node" func="cnt" op="equ" val="1">
+              <dgm:constrLst>
+                <dgm:constr type="h" for="ch" forName="cycle" refType="h"/>
+                <dgm:constr type="w" for="ch" forName="cycle" refType="h" refFor="ch" refForName="cycle" fact="0.26"/>
+                <dgm:constr type="r" for="ch" forName="cycle" refType="w"/>
+                <dgm:constr type="ctrY" for="ch" forName="cycle" refType="h" fact="0.5"/>
+                <dgm:constr type="diam" for="ch" forName="cycle" refType="h" fact="1.344"/>
+                <dgm:constr type="h" for="ch" forName="accent_1" refType="h" fact="0.625"/>
+                <dgm:constr type="w" for="ch" forName="accent_1" refType="h" refFor="ch" refForName="accent_1" op="equ"/>
+                <dgm:constr type="ctrY" for="ch" forName="accent_1" refType="h" fact="0.5"/>
+                <dgm:constr type="ctrX" for="ch" forName="accent_1" refType="w"/>
+                <dgm:constr type="ctrXOff" for="ch" forName="accent_1" refType="h" fact="-0.2253"/>
+                <dgm:constr type="r" for="ch" forName="text_1" refType="ctrX" refFor="ch" refForName="accent_1"/>
+                <dgm:constr type="rOff" for="ch" forName="text_1" refType="ctrXOff" refFor="ch" refForName="accent_1"/>
+                <dgm:constr type="l" for="ch" forName="text_1"/>
+                <dgm:constr type="w" for="ch" forName="text_1" refType="h" refFor="ch" refForName="text_1" op="gte"/>
+                <dgm:constr type="h" for="ch" forName="text_1" refType="h" refFor="ch" refForName="accent_1" fact="0.8"/>
+                <dgm:constr type="ctrY" for="ch" forName="text_1" refType="ctrY" refFor="ch" refForName="accent_1"/>
+                <dgm:constr type="rMarg" for="ch" forName="text_1" refType="w" refFor="ch" refForName="accent_1" fact="1.8"/>
+                <dgm:constr type="primFontSz" for="ch" ptType="node" op="equ" val="65"/>
+              </dgm:constrLst>
+            </dgm:if>
+            <dgm:if name="Name15" axis="ch" ptType="node" func="cnt" op="equ" val="2">
+              <dgm:constrLst>
+                <dgm:constr type="h" for="ch" forName="cycle" refType="h"/>
+                <dgm:constr type="w" for="ch" forName="cycle" refType="h" refFor="ch" refForName="cycle" fact="0.26"/>
+                <dgm:constr type="r" for="ch" forName="cycle" refType="w"/>
+                <dgm:constr type="ctrY" for="ch" forName="cycle" refType="h" fact="0.5"/>
+                <dgm:constr type="diam" for="ch" forName="cycle" refType="h" fact="1.344"/>
+                <dgm:constr type="h" for="ch" forName="accent_1" refType="h" fact="0.3571"/>
+                <dgm:constr type="w" for="ch" forName="accent_1" refType="h" refFor="ch" refForName="accent_1" op="equ"/>
+                <dgm:constr type="ctrY" for="ch" forName="accent_1" refType="h" fact="0.2857"/>
+                <dgm:constr type="ctrX" for="ch" forName="accent_1" refType="w"/>
+                <dgm:constr type="ctrXOff" for="ch" forName="accent_1" refType="h" fact="-0.1891"/>
+                <dgm:constr type="r" for="ch" forName="text_1" refType="ctrX" refFor="ch" refForName="accent_1"/>
+                <dgm:constr type="rOff" for="ch" forName="text_1" refType="ctrXOff" refFor="ch" refForName="accent_1"/>
+                <dgm:constr type="l" for="ch" forName="text_1"/>
+                <dgm:constr type="w" for="ch" forName="text_1" refType="h" refFor="ch" refForName="text_1" op="gte"/>
+                <dgm:constr type="h" for="ch" forName="text_1" refType="h" refFor="ch" refForName="accent_1" fact="0.8"/>
+                <dgm:constr type="ctrY" for="ch" forName="text_1" refType="ctrY" refFor="ch" refForName="accent_1"/>
+                <dgm:constr type="rMarg" for="ch" forName="text_1" refType="w" refFor="ch" refForName="accent_1" fact="1.8"/>
+                <dgm:constr type="h" for="ch" forName="accent_2" refType="h" fact="0.3571"/>
+                <dgm:constr type="w" for="ch" forName="accent_2" refType="h" refFor="ch" refForName="accent_2" op="equ"/>
+                <dgm:constr type="ctrY" for="ch" forName="accent_2" refType="h" fact="0.7143"/>
+                <dgm:constr type="ctrX" for="ch" forName="accent_2" refType="w"/>
+                <dgm:constr type="ctrXOff" for="ch" forName="accent_2" refType="h" fact="-0.1891"/>
+                <dgm:constr type="r" for="ch" forName="text_2" refType="ctrX" refFor="ch" refForName="accent_2"/>
+                <dgm:constr type="rOff" for="ch" forName="text_2" refType="ctrXOff" refFor="ch" refForName="accent_2"/>
+                <dgm:constr type="l" for="ch" forName="text_2"/>
+                <dgm:constr type="w" for="ch" forName="text_2" refType="h" refFor="ch" refForName="text_2" op="gte"/>
+                <dgm:constr type="h" for="ch" forName="text_2" refType="h" refFor="ch" refForName="accent_2" fact="0.8"/>
+                <dgm:constr type="ctrY" for="ch" forName="text_2" refType="ctrY" refFor="ch" refForName="accent_2"/>
+                <dgm:constr type="rMarg" for="ch" forName="text_2" refType="w" refFor="ch" refForName="accent_2" fact="1.8"/>
+                <dgm:constr type="primFontSz" for="ch" ptType="node" op="equ" val="65"/>
+              </dgm:constrLst>
+            </dgm:if>
+            <dgm:if name="Name16" axis="ch" ptType="node" func="cnt" op="equ" val="3">
+              <dgm:constrLst>
+                <dgm:constr type="h" for="ch" forName="cycle" refType="h"/>
+                <dgm:constr type="w" for="ch" forName="cycle" refType="h" refFor="ch" refForName="cycle" fact="0.26"/>
+                <dgm:constr type="r" for="ch" forName="cycle" refType="w"/>
+                <dgm:constr type="ctrY" for="ch" forName="cycle" refType="h" fact="0.5"/>
+                <dgm:constr type="diam" for="ch" forName="cycle" refType="h" fact="1.344"/>
+                <dgm:constr type="h" for="ch" forName="accent_1" refType="h" fact="0.25"/>
+                <dgm:constr type="w" for="ch" forName="accent_1" refType="h" refFor="ch" refForName="accent_1" op="equ"/>
+                <dgm:constr type="ctrY" for="ch" forName="accent_1" refType="h" fact="0.2"/>
+                <dgm:constr type="ctrX" for="ch" forName="accent_1" refType="w"/>
+                <dgm:constr type="ctrXOff" for="ch" forName="accent_1" refType="h" fact="-0.1526"/>
+                <dgm:constr type="r" for="ch" forName="text_1" refType="ctrX" refFor="ch" refForName="accent_1"/>
+                <dgm:constr type="rOff" for="ch" forName="text_1" refType="ctrXOff" refFor="ch" refForName="accent_1"/>
+                <dgm:constr type="l" for="ch" forName="text_1"/>
+                <dgm:constr type="w" for="ch" forName="text_1" refType="h" refFor="ch" refForName="text_1" op="gte"/>
+                <dgm:constr type="h" for="ch" forName="text_1" refType="h" refFor="ch" refForName="accent_1" fact="0.8"/>
+                <dgm:constr type="ctrY" for="ch" forName="text_1" refType="ctrY" refFor="ch" refForName="accent_1"/>
+                <dgm:constr type="rMarg" for="ch" forName="text_1" refType="w" refFor="ch" refForName="accent_1" fact="1.8"/>
+                <dgm:constr type="h" for="ch" forName="accent_2" refType="h" fact="0.25"/>
+                <dgm:constr type="w" for="ch" forName="accent_2" refType="h" refFor="ch" refForName="accent_2" op="equ"/>
+                <dgm:constr type="ctrY" for="ch" forName="accent_2" refType="h" fact="0.5"/>
+                <dgm:constr type="ctrX" for="ch" forName="accent_2" refType="w"/>
+                <dgm:constr type="ctrXOff" for="ch" forName="accent_2" refType="h" fact="-0.2253"/>
+                <dgm:constr type="r" for="ch" forName="text_2" refType="ctrX" refFor="ch" refForName="accent_2"/>
+                <dgm:constr type="rOff" for="ch" forName="text_2" refType="ctrXOff" refFor="ch" refForName="accent_2"/>
+                <dgm:constr type="l" for="ch" forName="text_2"/>
+                <dgm:constr type="w" for="ch" forName="text_2" refType="h" refFor="ch" refForName="text_2" op="gte"/>
+                <dgm:constr type="h" for="ch" forName="text_2" refType="h" refFor="ch" refForName="accent_2" fact="0.8"/>
+                <dgm:constr type="ctrY" for="ch" forName="text_2" refType="ctrY" refFor="ch" refForName="accent_2"/>
+                <dgm:constr type="rMarg" for="ch" forName="text_2" refType="w" refFor="ch" refForName="accent_2" fact="1.8"/>
+                <dgm:constr type="h" for="ch" forName="accent_3" refType="h" fact="0.25"/>
+                <dgm:constr type="w" for="ch" forName="accent_3" refType="h" refFor="ch" refForName="accent_3" op="equ"/>
+                <dgm:constr type="ctrY" for="ch" forName="accent_3" refType="h" fact="0.8"/>
+                <dgm:constr type="ctrX" for="ch" forName="accent_3" refType="w"/>
+                <dgm:constr type="ctrXOff" for="ch" forName="accent_3" refType="h" fact="-0.1526"/>
+                <dgm:constr type="r" for="ch" forName="text_3" refType="ctrX" refFor="ch" refForName="accent_3"/>
+                <dgm:constr type="rOff" for="ch" forName="text_3" refType="ctrXOff" refFor="ch" refForName="accent_3"/>
+                <dgm:constr type="l" for="ch" forName="text_3"/>
+                <dgm:constr type="w" for="ch" forName="text_3" refType="h" refFor="ch" refForName="text_3" op="gte"/>
+                <dgm:constr type="h" for="ch" forName="text_3" refType="h" refFor="ch" refForName="accent_3" fact="0.8"/>
+                <dgm:constr type="ctrY" for="ch" forName="text_3" refType="ctrY" refFor="ch" refForName="accent_3"/>
+                <dgm:constr type="rMarg" for="ch" forName="text_3" refType="w" refFor="ch" refForName="accent_3" fact="1.8"/>
+                <dgm:constr type="primFontSz" for="ch" ptType="node" op="equ" val="65"/>
+              </dgm:constrLst>
+            </dgm:if>
+            <dgm:if name="Name17" axis="ch" ptType="node" func="cnt" op="equ" val="4">
+              <dgm:constrLst>
+                <dgm:constr type="h" for="ch" forName="cycle" refType="h"/>
+                <dgm:constr type="w" for="ch" forName="cycle" refType="h" refFor="ch" refForName="cycle" fact="0.26"/>
+                <dgm:constr type="r" for="ch" forName="cycle" refType="w"/>
+                <dgm:constr type="ctrY" for="ch" forName="cycle" refType="h" fact="0.5"/>
+                <dgm:constr type="diam" for="ch" forName="cycle" refType="h" fact="1.344"/>
+                <dgm:constr type="h" for="ch" forName="accent_1" refType="h" fact="0.1923"/>
+                <dgm:constr type="w" for="ch" forName="accent_1" refType="h" refFor="ch" refForName="accent_1" op="equ"/>
+                <dgm:constr type="ctrY" for="ch" forName="accent_1" refType="h" fact="0.1538"/>
+                <dgm:constr type="ctrX" for="ch" forName="accent_1" refType="w"/>
+                <dgm:constr type="ctrXOff" for="ch" forName="accent_1" refType="h" fact="-0.1268"/>
+                <dgm:constr type="r" for="ch" forName="text_1" refType="ctrX" refFor="ch" refForName="accent_1"/>
+                <dgm:constr type="rOff" for="ch" forName="text_1" refType="ctrXOff" refFor="ch" refForName="accent_1"/>
+                <dgm:constr type="l" for="ch" forName="text_1"/>
+                <dgm:constr type="w" for="ch" forName="text_1" refType="h" refFor="ch" refForName="text_1" op="gte"/>
+                <dgm:constr type="h" for="ch" forName="text_1" refType="h" refFor="ch" refForName="accent_1" fact="0.8"/>
+                <dgm:constr type="ctrY" for="ch" forName="text_1" refType="ctrY" refFor="ch" refForName="accent_1"/>
+                <dgm:constr type="rMarg" for="ch" forName="text_1" refType="w" refFor="ch" refForName="accent_1" fact="1.8"/>
+                <dgm:constr type="h" for="ch" forName="accent_2" refType="h" fact="0.1923"/>
+                <dgm:constr type="w" for="ch" forName="accent_2" refType="h" refFor="ch" refForName="accent_2" op="equ"/>
+                <dgm:constr type="ctrY" for="ch" forName="accent_2" refType="h" fact="0.3846"/>
+                <dgm:constr type="ctrX" for="ch" forName="accent_2" refType="w"/>
+                <dgm:constr type="ctrXOff" for="ch" forName="accent_2" refType="h" fact="-0.215"/>
+                <dgm:constr type="r" for="ch" forName="text_2" refType="ctrX" refFor="ch" refForName="accent_2"/>
+                <dgm:constr type="rOff" for="ch" forName="text_2" refType="ctrXOff" refFor="ch" refForName="accent_2"/>
+                <dgm:constr type="l" for="ch" forName="text_2"/>
+                <dgm:constr type="w" for="ch" forName="text_2" refType="h" refFor="ch" refForName="text_2" op="gte"/>
+                <dgm:constr type="h" for="ch" forName="text_2" refType="h" refFor="ch" refForName="accent_2" fact="0.8"/>
+                <dgm:constr type="ctrY" for="ch" forName="text_2" refType="ctrY" refFor="ch" refForName="accent_2"/>
+                <dgm:constr type="rMarg" for="ch" forName="text_2" refType="w" refFor="ch" refForName="accent_2" fact="1.8"/>
+                <dgm:constr type="h" for="ch" forName="accent_3" refType="h" fact="0.1923"/>
+                <dgm:constr type="w" for="ch" forName="accent_3" refType="h" refFor="ch" refForName="accent_3" op="equ"/>
+                <dgm:constr type="ctrY" for="ch" forName="accent_3" refType="h" fact="0.6154"/>
+                <dgm:constr type="ctrX" for="ch" forName="accent_3" refType="w"/>
+                <dgm:constr type="ctrXOff" for="ch" forName="accent_3" refType="h" fact="-0.215"/>
+                <dgm:constr type="r" for="ch" forName="text_3" refType="ctrX" refFor="ch" refForName="accent_3"/>
+                <dgm:constr type="rOff" for="ch" forName="text_3" refType="ctrXOff" refFor="ch" refForName="accent_3"/>
+                <dgm:constr type="l" for="ch" forName="text_3"/>
+                <dgm:constr type="w" for="ch" forName="text_3" refType="h" refFor="ch" refForName="text_3" op="gte"/>
+                <dgm:constr type="h" for="ch" forName="text_3" refType="h" refFor="ch" refForName="accent_3" fact="0.8"/>
+                <dgm:constr type="ctrY" for="ch" forName="text_3" refType="ctrY" refFor="ch" refForName="accent_3"/>
+                <dgm:constr type="rMarg" for="ch" forName="text_3" refType="w" refFor="ch" refForName="accent_3" fact="1.8"/>
+                <dgm:constr type="h" for="ch" forName="accent_4" refType="h" fact="0.1923"/>
+                <dgm:constr type="w" for="ch" forName="accent_4" refType="h" refFor="ch" refForName="accent_4" op="equ"/>
+                <dgm:constr type="ctrY" for="ch" forName="accent_4" refType="h" fact="0.8462"/>
+                <dgm:constr type="ctrX" for="ch" forName="accent_4" refType="w"/>
+                <dgm:constr type="ctrXOff" for="ch" forName="accent_4" refType="h" fact="-0.1268"/>
+                <dgm:constr type="r" for="ch" forName="text_4" refType="ctrX" refFor="ch" refForName="accent_4"/>
+                <dgm:constr type="rOff" for="ch" forName="text_4" refType="ctrXOff" refFor="ch" refForName="accent_4"/>
+                <dgm:constr type="l" for="ch" forName="text_4"/>
+                <dgm:constr type="w" for="ch" forName="text_4" refType="h" refFor="ch" refForName="text_4" op="gte"/>
+                <dgm:constr type="h" for="ch" forName="text_4" refType="h" refFor="ch" refForName="accent_4" fact="0.8"/>
+                <dgm:constr type="ctrY" for="ch" forName="text_4" refType="ctrY" refFor="ch" refForName="accent_4"/>
+                <dgm:constr type="rMarg" for="ch" forName="text_4" refType="w" refFor="ch" refForName="accent_4" fact="1.8"/>
+                <dgm:constr type="primFontSz" for="ch" ptType="node" op="equ" val="65"/>
+              </dgm:constrLst>
+            </dgm:if>
+            <dgm:if name="Name18" axis="ch" ptType="node" func="cnt" op="equ" val="5">
+              <dgm:constrLst>
+                <dgm:constr type="h" for="ch" forName="cycle" refType="h"/>
+                <dgm:constr type="w" for="ch" forName="cycle" refType="h" refFor="ch" refForName="cycle" fact="0.26"/>
+                <dgm:constr type="r" for="ch" forName="cycle" refType="w"/>
+                <dgm:constr type="ctrY" for="ch" forName="cycle" refType="h" fact="0.5"/>
+                <dgm:constr type="diam" for="ch" forName="cycle" refType="h" fact="1.344"/>
+                <dgm:constr type="h" for="ch" forName="accent_1" refType="h" fact="0.1563"/>
+                <dgm:constr type="w" for="ch" forName="accent_1" refType="h" refFor="ch" refForName="accent_1" op="equ"/>
+                <dgm:constr type="ctrY" for="ch" forName="accent_1" refType="h" fact="0.125"/>
+                <dgm:constr type="ctrX" for="ch" forName="accent_1" refType="w"/>
+                <dgm:constr type="ctrXOff" for="ch" forName="accent_1" refType="h" fact="-0.1082"/>
+                <dgm:constr type="r" for="ch" forName="text_1" refType="ctrX" refFor="ch" refForName="accent_1"/>
+                <dgm:constr type="rOff" for="ch" forName="text_1" refType="ctrXOff" refFor="ch" refForName="accent_1"/>
+                <dgm:constr type="l" for="ch" forName="text_1"/>
+                <dgm:constr type="w" for="ch" forName="text_1" refType="h" refFor="ch" refForName="text_1" op="gte"/>
+                <dgm:constr type="h" for="ch" forName="text_1" refType="h" refFor="ch" refForName="accent_1" fact="0.8"/>
+                <dgm:constr type="ctrY" for="ch" forName="text_1" refType="ctrY" refFor="ch" refForName="accent_1"/>
+                <dgm:constr type="rMarg" for="ch" forName="text_1" refType="w" refFor="ch" refForName="accent_1" fact="1.8"/>
+                <dgm:constr type="h" for="ch" forName="accent_2" refType="h" fact="0.1563"/>
+                <dgm:constr type="w" for="ch" forName="accent_2" refType="h" refFor="ch" refForName="accent_2" op="equ"/>
+                <dgm:constr type="ctrY" for="ch" forName="accent_2" refType="h" fact="0.3125"/>
+                <dgm:constr type="ctrX" for="ch" forName="accent_2" refType="w"/>
+                <dgm:constr type="ctrXOff" for="ch" forName="accent_2" refType="h" fact="-0.1978"/>
+                <dgm:constr type="r" for="ch" forName="text_2" refType="ctrX" refFor="ch" refForName="accent_2"/>
+                <dgm:constr type="rOff" for="ch" forName="text_2" refType="ctrXOff" refFor="ch" refForName="accent_2"/>
+                <dgm:constr type="l" for="ch" forName="text_2"/>
+                <dgm:constr type="w" for="ch" forName="text_2" refType="h" refFor="ch" refForName="text_2" op="gte"/>
+                <dgm:constr type="h" for="ch" forName="text_2" refType="h" refFor="ch" refForName="accent_2" fact="0.8"/>
+                <dgm:constr type="ctrY" for="ch" forName="text_2" refType="ctrY" refFor="ch" refForName="accent_2"/>
+                <dgm:constr type="rMarg" for="ch" forName="text_2" refType="w" refFor="ch" refForName="accent_2" fact="1.8"/>
+                <dgm:constr type="h" for="ch" forName="accent_3" refType="h" fact="0.1563"/>
+                <dgm:constr type="w" for="ch" forName="accent_3" refType="h" refFor="ch" refForName="accent_3" op="equ"/>
+                <dgm:constr type="ctrY" for="ch" forName="accent_3" refType="h" fact="0.5"/>
+                <dgm:constr type="ctrX" for="ch" forName="accent_3" refType="w"/>
+                <dgm:constr type="ctrXOff" for="ch" forName="accent_3" refType="h" fact="-0.2253"/>
+                <dgm:constr type="r" for="ch" forName="text_3" refType="ctrX" refFor="ch" refForName="accent_3"/>
+                <dgm:constr type="rOff" for="ch" forName="text_3" refType="ctrXOff" refFor="ch" refForName="accent_3"/>
+                <dgm:constr type="l" for="ch" forName="text_3"/>
+                <dgm:constr type="w" for="ch" forName="text_3" refType="h" refFor="ch" refForName="text_3" op="gte"/>
+                <dgm:constr type="h" for="ch" forName="text_3" refType="h" refFor="ch" refForName="accent_3" fact="0.8"/>
+                <dgm:constr type="ctrY" for="ch" forName="text_3" refType="ctrY" refFor="ch" refForName="accent_3"/>
+                <dgm:constr type="rMarg" for="ch" forName="text_3" refType="w" refFor="ch" refForName="accent_3" fact="1.8"/>
+                <dgm:constr type="h" for="ch" forName="accent_4" refType="h" fact="0.1563"/>
+                <dgm:constr type="w" for="ch" forName="accent_4" refType="h" refFor="ch" refForName="accent_4" op="equ"/>
+                <dgm:constr type="ctrY" for="ch" forName="accent_4" refType="h" fact="0.6875"/>
+                <dgm:constr type="ctrX" for="ch" forName="accent_4" refType="w"/>
+                <dgm:constr type="ctrXOff" for="ch" forName="accent_4" refType="h" fact="-0.1978"/>
+                <dgm:constr type="r" for="ch" forName="text_4" refType="ctrX" refFor="ch" refForName="accent_4"/>
+                <dgm:constr type="rOff" for="ch" forName="text_4" refType="ctrXOff" refFor="ch" refForName="accent_4"/>
+                <dgm:constr type="l" for="ch" forName="text_4"/>
+                <dgm:constr type="w" for="ch" forName="text_4" refType="h" refFor="ch" refForName="text_4" op="gte"/>
+                <dgm:constr type="h" for="ch" forName="text_4" refType="h" refFor="ch" refForName="accent_4" fact="0.8"/>
+                <dgm:constr type="ctrY" for="ch" forName="text_4" refType="ctrY" refFor="ch" refForName="accent_4"/>
+                <dgm:constr type="rMarg" for="ch" forName="text_4" refType="w" refFor="ch" refForName="accent_4" fact="1.8"/>
+                <dgm:constr type="h" for="ch" forName="accent_5" refType="h" fact="0.1563"/>
+                <dgm:constr type="w" for="ch" forName="accent_5" refType="h" refFor="ch" refForName="accent_5" op="equ"/>
+                <dgm:constr type="ctrY" for="ch" forName="accent_5" refType="h" fact="0.875"/>
+                <dgm:constr type="ctrX" for="ch" forName="accent_5" refType="w"/>
+                <dgm:constr type="ctrXOff" for="ch" forName="accent_5" refType="h" fact="-0.1082"/>
+                <dgm:constr type="r" for="ch" forName="text_5" refType="ctrX" refFor="ch" refForName="accent_5"/>
+                <dgm:constr type="rOff" for="ch" forName="text_5" refType="ctrXOff" refFor="ch" refForName="accent_5"/>
+                <dgm:constr type="l" for="ch" forName="text_5"/>
+                <dgm:constr type="w" for="ch" forName="text_5" refType="h" refFor="ch" refForName="text_5" op="gte"/>
+                <dgm:constr type="h" for="ch" forName="text_5" refType="h" refFor="ch" refForName="accent_5" fact="0.8"/>
+                <dgm:constr type="ctrY" for="ch" forName="text_5" refType="ctrY" refFor="ch" refForName="accent_5"/>
+                <dgm:constr type="rMarg" for="ch" forName="text_5" refType="w" refFor="ch" refForName="accent_5" fact="1.8"/>
+                <dgm:constr type="primFontSz" for="ch" ptType="node" op="equ" val="65"/>
+              </dgm:constrLst>
+            </dgm:if>
+            <dgm:if name="Name19" axis="ch" ptType="node" func="cnt" op="equ" val="6">
+              <dgm:constrLst>
+                <dgm:constr type="h" for="ch" forName="cycle" refType="h"/>
+                <dgm:constr type="w" for="ch" forName="cycle" refType="h" refFor="ch" refForName="cycle" fact="0.26"/>
+                <dgm:constr type="r" for="ch" forName="cycle" refType="w"/>
+                <dgm:constr type="ctrY" for="ch" forName="cycle" refType="h" fact="0.5"/>
+                <dgm:constr type="diam" for="ch" forName="cycle" refType="h" fact="1.344"/>
+                <dgm:constr type="h" for="ch" forName="accent_1" refType="h" fact="0.1316"/>
+                <dgm:constr type="w" for="ch" forName="accent_1" refType="h" refFor="ch" refForName="accent_1" op="equ"/>
+                <dgm:constr type="ctrY" for="ch" forName="accent_1" refType="h" fact="0.1053"/>
+                <dgm:constr type="ctrX" for="ch" forName="accent_1" refType="w"/>
+                <dgm:constr type="ctrXOff" for="ch" forName="accent_1" refType="h" fact="-0.0943"/>
+                <dgm:constr type="r" for="ch" forName="text_1" refType="ctrX" refFor="ch" refForName="accent_1"/>
+                <dgm:constr type="rOff" for="ch" forName="text_1" refType="ctrXOff" refFor="ch" refForName="accent_1"/>
+                <dgm:constr type="l" for="ch" forName="text_1"/>
+                <dgm:constr type="w" for="ch" forName="text_1" refType="h" refFor="ch" refForName="text_1" op="gte"/>
+                <dgm:constr type="h" for="ch" forName="text_1" refType="h" refFor="ch" refForName="accent_1" fact="0.8"/>
+                <dgm:constr type="ctrY" for="ch" forName="text_1" refType="ctrY" refFor="ch" refForName="accent_1"/>
+                <dgm:constr type="rMarg" for="ch" forName="text_1" refType="w" refFor="ch" refForName="accent_1" fact="1.8"/>
+                <dgm:constr type="h" for="ch" forName="accent_2" refType="h" fact="0.1316"/>
+                <dgm:constr type="w" for="ch" forName="accent_2" refType="h" refFor="ch" refForName="accent_2" op="equ"/>
+                <dgm:constr type="ctrY" for="ch" forName="accent_2" refType="h" fact="0.2632"/>
+                <dgm:constr type="ctrX" for="ch" forName="accent_2" refType="w"/>
+                <dgm:constr type="ctrXOff" for="ch" forName="accent_2" refType="h" fact="-0.1809"/>
+                <dgm:constr type="r" for="ch" forName="text_2" refType="ctrX" refFor="ch" refForName="accent_2"/>
+                <dgm:constr type="rOff" for="ch" forName="text_2" refType="ctrXOff" refFor="ch" refForName="accent_2"/>
+                <dgm:constr type="l" for="ch" forName="text_2"/>
+                <dgm:constr type="w" for="ch" forName="text_2" refType="h" refFor="ch" refForName="text_2" op="gte"/>
+                <dgm:constr type="h" for="ch" forName="text_2" refType="h" refFor="ch" refForName="accent_2" fact="0.8"/>
+                <dgm:constr type="ctrY" for="ch" forName="text_2" refType="ctrY" refFor="ch" refForName="accent_2"/>
+                <dgm:constr type="rMarg" for="ch" forName="text_2" refType="w" refFor="ch" refForName="accent_2" fact="1.8"/>
+                <dgm:constr type="h" for="ch" forName="accent_3" refType="h" fact="0.1316"/>
+                <dgm:constr type="w" for="ch" forName="accent_3" refType="h" refFor="ch" refForName="accent_3" op="equ"/>
+                <dgm:constr type="ctrY" for="ch" forName="accent_3" refType="h" fact="0.4211"/>
+                <dgm:constr type="ctrX" for="ch" forName="accent_3" refType="w"/>
+                <dgm:constr type="ctrXOff" for="ch" forName="accent_3" refType="h" fact="-0.2205"/>
+                <dgm:constr type="r" for="ch" forName="text_3" refType="ctrX" refFor="ch" refForName="accent_3"/>
+                <dgm:constr type="rOff" for="ch" forName="text_3" refType="ctrXOff" refFor="ch" refForName="accent_3"/>
+                <dgm:constr type="l" for="ch" forName="text_3"/>
+                <dgm:constr type="w" for="ch" forName="text_3" refType="h" refFor="ch" refForName="text_3" op="gte"/>
+                <dgm:constr type="h" for="ch" forName="text_3" refType="h" refFor="ch" refForName="accent_3" fact="0.8"/>
+                <dgm:constr type="ctrY" for="ch" forName="text_3" refType="ctrY" refFor="ch" refForName="accent_3"/>
+                <dgm:constr type="rMarg" for="ch" forName="text_3" refType="w" refFor="ch" refForName="accent_3" fact="1.8"/>
+                <dgm:constr type="h" for="ch" forName="accent_4" refType="h" fact="0.1316"/>
+                <dgm:constr type="w" for="ch" forName="accent_4" refType="h" refFor="ch" refForName="accent_4" op="equ"/>
+                <dgm:constr type="ctrY" for="ch" forName="accent_4" refType="h" fact="0.5789"/>
+                <dgm:constr type="ctrX" for="ch" forName="accent_4" refType="w"/>
+                <dgm:constr type="ctrXOff" for="ch" forName="accent_4" refType="h" fact="-0.2205"/>
+                <dgm:constr type="r" for="ch" forName="text_4" refType="ctrX" refFor="ch" refForName="accent_4"/>
+                <dgm:constr type="rOff" for="ch" forName="text_4" refType="ctrXOff" refFor="ch" refForName="accent_4"/>
+                <dgm:constr type="l" for="ch" forName="text_4"/>
+                <dgm:constr type="w" for="ch" forName="text_4" refType="h" refFor="ch" refForName="text_4" op="gte"/>
+                <dgm:constr type="h" for="ch" forName="text_4" refType="h" refFor="ch" refForName="accent_4" fact="0.8"/>
+                <dgm:constr type="ctrY" for="ch" forName="text_4" refType="ctrY" refFor="ch" refForName="accent_4"/>
+                <dgm:constr type="rMarg" for="ch" forName="text_4" refType="w" refFor="ch" refForName="accent_4" fact="1.8"/>
+                <dgm:constr type="h" for="ch" forName="accent_5" refType="h" fact="0.1316"/>
+                <dgm:constr type="w" for="ch" forName="accent_5" refType="h" refFor="ch" refForName="accent_5" op="equ"/>
+                <dgm:constr type="ctrY" for="ch" forName="accent_5" refType="h" fact="0.7368"/>
+                <dgm:constr type="ctrX" for="ch" forName="accent_5" refType="w"/>
+                <dgm:constr type="ctrXOff" for="ch" forName="accent_5" refType="h" fact="-0.1809"/>
+                <dgm:constr type="r" for="ch" forName="text_5" refType="ctrX" refFor="ch" refForName="accent_5"/>
+                <dgm:constr type="rOff" for="ch" forName="text_5" refType="ctrXOff" refFor="ch" refForName="accent_5"/>
+                <dgm:constr type="l" for="ch" forName="text_5"/>
+                <dgm:constr type="w" for="ch" forName="text_5" refType="h" refFor="ch" refForName="text_5" op="gte"/>
+                <dgm:constr type="h" for="ch" forName="text_5" refType="h" refFor="ch" refForName="accent_5" fact="0.8"/>
+                <dgm:constr type="ctrY" for="ch" forName="text_5" refType="ctrY" refFor="ch" refForName="accent_5"/>
+                <dgm:constr type="rMarg" for="ch" forName="text_5" refType="w" refFor="ch" refForName="accent_5" fact="1.8"/>
+                <dgm:constr type="h" for="ch" forName="accent_6" refType="h" fact="0.1316"/>
+                <dgm:constr type="w" for="ch" forName="accent_6" refType="h" refFor="ch" refForName="accent_6" op="equ"/>
+                <dgm:constr type="ctrY" for="ch" forName="accent_6" refType="h" fact="0.8947"/>
+                <dgm:constr type="ctrX" for="ch" forName="accent_6" refType="w"/>
+                <dgm:constr type="ctrXOff" for="ch" forName="accent_6" refType="h" fact="-0.0943"/>
+                <dgm:constr type="r" for="ch" forName="text_6" refType="ctrX" refFor="ch" refForName="accent_6"/>
+                <dgm:constr type="rOff" for="ch" forName="text_6" refType="ctrXOff" refFor="ch" refForName="accent_6"/>
+                <dgm:constr type="l" for="ch" forName="text_6"/>
+                <dgm:constr type="w" for="ch" forName="text_6" refType="h" refFor="ch" refForName="text_6" op="gte"/>
+                <dgm:constr type="h" for="ch" forName="text_6" refType="h" refFor="ch" refForName="accent_6" fact="0.8"/>
+                <dgm:constr type="ctrY" for="ch" forName="text_6" refType="ctrY" refFor="ch" refForName="accent_6"/>
+                <dgm:constr type="rMarg" for="ch" forName="text_6" refType="w" refFor="ch" refForName="accent_6" fact="1.8"/>
+                <dgm:constr type="primFontSz" for="ch" ptType="node" op="equ" val="65"/>
+              </dgm:constrLst>
+            </dgm:if>
+            <dgm:else name="Name20">
+              <dgm:constrLst>
+                <dgm:constr type="h" for="ch" forName="cycle" refType="h"/>
+                <dgm:constr type="w" for="ch" forName="cycle" refType="h" refFor="ch" refForName="cycle" fact="0.26"/>
+                <dgm:constr type="r" for="ch" forName="cycle" refType="w"/>
+                <dgm:constr type="ctrY" for="ch" forName="cycle" refType="h" fact="0.5"/>
+                <dgm:constr type="diam" for="ch" forName="cycle" refType="h" fact="1.344"/>
+                <dgm:constr type="h" for="ch" forName="accent_1" refType="h" fact="0.1136"/>
+                <dgm:constr type="w" for="ch" forName="accent_1" refType="h" refFor="ch" refForName="accent_1" op="equ"/>
+                <dgm:constr type="ctrY" for="ch" forName="accent_1" refType="h" fact="0.0909"/>
+                <dgm:constr type="ctrX" for="ch" forName="accent_1" refType="w"/>
+                <dgm:constr type="ctrXOff" for="ch" forName="accent_1" refType="h" fact="-0.0835"/>
+                <dgm:constr type="r" for="ch" forName="text_1" refType="ctrX" refFor="ch" refForName="accent_1"/>
+                <dgm:constr type="rOff" for="ch" forName="text_1" refType="ctrXOff" refFor="ch" refForName="accent_1"/>
+                <dgm:constr type="l" for="ch" forName="text_1"/>
+                <dgm:constr type="w" for="ch" forName="text_1" refType="h" refFor="ch" refForName="text_1" op="gte"/>
+                <dgm:constr type="h" for="ch" forName="text_1" refType="h" refFor="ch" refForName="accent_1" fact="0.8"/>
+                <dgm:constr type="ctrY" for="ch" forName="text_1" refType="ctrY" refFor="ch" refForName="accent_1"/>
+                <dgm:constr type="rMarg" for="ch" forName="text_1" refType="w" refFor="ch" refForName="accent_1" fact="1.8"/>
+                <dgm:constr type="h" for="ch" forName="accent_2" refType="h" fact="0.1136"/>
+                <dgm:constr type="w" for="ch" forName="accent_2" refType="h" refFor="ch" refForName="accent_2" op="equ"/>
+                <dgm:constr type="ctrY" for="ch" forName="accent_2" refType="h" fact="0.2273"/>
+                <dgm:constr type="ctrX" for="ch" forName="accent_2" refType="w"/>
+                <dgm:constr type="ctrXOff" for="ch" forName="accent_2" refType="h" fact="-0.1658"/>
+                <dgm:constr type="r" for="ch" forName="text_2" refType="ctrX" refFor="ch" refForName="accent_2"/>
+                <dgm:constr type="rOff" for="ch" forName="text_2" refType="ctrXOff" refFor="ch" refForName="accent_2"/>
+                <dgm:constr type="l" for="ch" forName="text_2"/>
+                <dgm:constr type="w" for="ch" forName="text_2" refType="h" refFor="ch" refForName="text_2" op="gte"/>
+                <dgm:constr type="h" for="ch" forName="text_2" refType="h" refFor="ch" refForName="accent_2" fact="0.8"/>
+                <dgm:constr type="ctrY" for="ch" forName="text_2" refType="ctrY" refFor="ch" refForName="accent_2"/>
+                <dgm:constr type="rMarg" for="ch" forName="text_2" refType="w" refFor="ch" refForName="accent_2" fact="1.8"/>
+                <dgm:constr type="h" for="ch" forName="accent_3" refType="h" fact="0.1136"/>
+                <dgm:constr type="w" for="ch" forName="accent_3" refType="h" refFor="ch" refForName="accent_3" op="equ"/>
+                <dgm:constr type="ctrY" for="ch" forName="accent_3" refType="h" fact="0.3636"/>
+                <dgm:constr type="ctrX" for="ch" forName="accent_3" refType="w"/>
+                <dgm:constr type="ctrXOff" for="ch" forName="accent_3" refType="h" fact="-0.2109"/>
+                <dgm:constr type="r" for="ch" forName="text_3" refType="ctrX" refFor="ch" refForName="accent_3"/>
+                <dgm:constr type="rOff" for="ch" forName="text_3" refType="ctrXOff" refFor="ch" refForName="accent_3"/>
+                <dgm:constr type="l" for="ch" forName="text_3"/>
+                <dgm:constr type="w" for="ch" forName="text_3" refType="h" refFor="ch" refForName="text_3" op="gte"/>
+                <dgm:constr type="h" for="ch" forName="text_3" refType="h" refFor="ch" refForName="accent_3" fact="0.8"/>
+                <dgm:constr type="ctrY" for="ch" forName="text_3" refType="ctrY" refFor="ch" refForName="accent_3"/>
+                <dgm:constr type="rMarg" for="ch" forName="text_3" refType="w" refFor="ch" refForName="accent_3" fact="1.8"/>
+                <dgm:constr type="h" for="ch" forName="accent_4" refType="h" fact="0.1136"/>
+                <dgm:constr type="w" for="ch" forName="accent_4" refType="h" refFor="ch" refForName="accent_4" op="equ"/>
+                <dgm:constr type="ctrY" for="ch" forName="accent_4" refType="h" fact="0.5"/>
+                <dgm:constr type="ctrX" for="ch" forName="accent_4" refType="w"/>
+                <dgm:constr type="ctrXOff" for="ch" forName="accent_4" refType="h" fact="-0.2253"/>
+                <dgm:constr type="r" for="ch" forName="text_4" refType="ctrX" refFor="ch" refForName="accent_4"/>
+                <dgm:constr type="rOff" for="ch" forName="text_4" refType="ctrXOff" refFor="ch" refForName="accent_4"/>
+                <dgm:constr type="l" for="ch" forName="text_4"/>
+                <dgm:constr type="w" for="ch" forName="text_4" refType="h" refFor="ch" refForName="text_4" op="gte"/>
+                <dgm:constr type="h" for="ch" forName="text_4" refType="h" refFor="ch" refForName="accent_4" fact="0.8"/>
+                <dgm:constr type="ctrY" for="ch" forName="text_4" refType="ctrY" refFor="ch" refForName="accent_4"/>
+                <dgm:constr type="rMarg" for="ch" forName="text_4" refType="w" refFor="ch" refForName="accent_4" fact="1.8"/>
+                <dgm:constr type="h" for="ch" forName="accent_5" refType="h" fact="0.1136"/>
+                <dgm:constr type="w" for="ch" forName="accent_5" refType="h" refFor="ch" refForName="accent_5" op="equ"/>
+                <dgm:constr type="ctrY" for="ch" forName="accent_5" refType="h" fact="0.6364"/>
+                <dgm:constr type="ctrX" for="ch" forName="accent_5" refType="w"/>
+                <dgm:constr type="ctrXOff" for="ch" forName="accent_5" refType="h" fact="-0.2109"/>
+                <dgm:constr type="r" for="ch" forName="text_5" refType="ctrX" refFor="ch" refForName="accent_5"/>
+                <dgm:constr type="rOff" for="ch" forName="text_5" refType="ctrXOff" refFor="ch" refForName="accent_5"/>
+                <dgm:constr type="l" for="ch" forName="text_5"/>
+                <dgm:constr type="w" for="ch" forName="text_5" refType="h" refFor="ch" refForName="text_5" op="gte"/>
+                <dgm:constr type="h" for="ch" forName="text_5" refType="h" refFor="ch" refForName="accent_5" fact="0.8"/>
+                <dgm:constr type="ctrY" for="ch" forName="text_5" refType="ctrY" refFor="ch" refForName="accent_5"/>
+                <dgm:constr type="rMarg" for="ch" forName="text_5" refType="w" refFor="ch" refForName="accent_5" fact="1.8"/>
+                <dgm:constr type="h" for="ch" forName="accent_6" refType="h" fact="0.1136"/>
+                <dgm:constr type="w" for="ch" forName="accent_6" refType="h" refFor="ch" refForName="accent_6" op="equ"/>
+                <dgm:constr type="ctrY" for="ch" forName="accent_6" refType="h" fact="0.7727"/>
+                <dgm:constr type="ctrX" for="ch" forName="accent_6" refType="w"/>
+                <dgm:constr type="ctrXOff" for="ch" forName="accent_6" refType="h" fact="-0.1658"/>
+                <dgm:constr type="r" for="ch" forName="text_6" refType="ctrX" refFor="ch" refForName="accent_6"/>
+                <dgm:constr type="rOff" for="ch" forName="text_6" refType="ctrXOff" refFor="ch" refForName="accent_6"/>
+                <dgm:constr type="l" for="ch" forName="text_6"/>
+                <dgm:constr type="w" for="ch" forName="text_6" refType="h" refFor="ch" refForName="text_6" op="gte"/>
+                <dgm:constr type="h" for="ch" forName="text_6" refType="h" refFor="ch" refForName="accent_6" fact="0.8"/>
+                <dgm:constr type="ctrY" for="ch" forName="text_6" refType="ctrY" refFor="ch" refForName="accent_6"/>
+                <dgm:constr type="rMarg" for="ch" forName="text_6" refType="w" refFor="ch" refForName="accent_6" fact="1.8"/>
+                <dgm:constr type="h" for="ch" forName="accent_7" refType="h" fact="0.1136"/>
+                <dgm:constr type="w" for="ch" forName="accent_7" refType="h" refFor="ch" refForName="accent_7" op="equ"/>
+                <dgm:constr type="ctrY" for="ch" forName="accent_7" refType="h" fact="0.9091"/>
+                <dgm:constr type="ctrX" for="ch" forName="accent_7" refType="w"/>
+                <dgm:constr type="ctrXOff" for="ch" forName="accent_7" refType="h" fact="-0.0835"/>
+                <dgm:constr type="r" for="ch" forName="text_7" refType="ctrX" refFor="ch" refForName="accent_7"/>
+                <dgm:constr type="rOff" for="ch" forName="text_7" refType="ctrXOff" refFor="ch" refForName="accent_7"/>
+                <dgm:constr type="l" for="ch" forName="text_7"/>
+                <dgm:constr type="w" for="ch" forName="text_7" refType="h" refFor="ch" refForName="text_7" op="gte"/>
+                <dgm:constr type="h" for="ch" forName="text_7" refType="h" refFor="ch" refForName="accent_7" fact="0.8"/>
+                <dgm:constr type="ctrY" for="ch" forName="text_7" refType="ctrY" refFor="ch" refForName="accent_7"/>
+                <dgm:constr type="rMarg" for="ch" forName="text_7" refType="w" refFor="ch" refForName="accent_7" fact="1.8"/>
+                <dgm:constr type="primFontSz" for="ch" ptType="node" op="equ" val="65"/>
+              </dgm:constrLst>
+            </dgm:else>
+          </dgm:choose>
+        </dgm:else>
+      </dgm:choose>
+      <dgm:layoutNode name="cycle">
+        <dgm:choose name="Name21">
+          <dgm:if name="Name22" func="var" arg="dir" op="equ" val="norm">
+            <dgm:alg type="cycle">
+              <dgm:param type="stAng" val="45"/>
+              <dgm:param type="spanAng" val="90"/>
+            </dgm:alg>
+          </dgm:if>
+          <dgm:else name="Name23">
+            <dgm:alg type="cycle">
+              <dgm:param type="stAng" val="225"/>
+              <dgm:param type="spanAng" val="90"/>
+            </dgm:alg>
+          </dgm:else>
+        </dgm:choose>
+        <dgm:shape xmlns:r="http://schemas.openxmlformats.org/officeDocument/2006/relationships" r:blip="">
+          <dgm:adjLst/>
+        </dgm:shape>
+        <dgm:presOf/>
+        <dgm:constrLst>
+          <dgm:constr type="w" for="ch" val="1"/>
+          <dgm:constr type="h" for="ch" val="1"/>
+          <dgm:constr type="diam" for="ch" forName="conn" refType="diam"/>
+        </dgm:constrLst>
+        <dgm:layoutNode name="srcNode">
+          <dgm:alg type="sp"/>
+          <dgm:shape xmlns:r="http://schemas.openxmlformats.org/officeDocument/2006/relationships" type="rect" r:blip="" hideGeom="1">
+            <dgm:adjLst/>
+          </dgm:shape>
+          <dgm:presOf/>
+        </dgm:layoutNode>
+        <dgm:layoutNode name="conn" styleLbl="parChTrans1D2">
+          <dgm:alg type="conn">
+            <dgm:param type="connRout" val="curve"/>
+            <dgm:param type="srcNode" val="srcNode"/>
+            <dgm:param type="dstNode" val="dstNode"/>
+            <dgm:param type="begPts" val="ctr"/>
+            <dgm:param type="endPts" val="ctr"/>
+            <dgm:param type="endSty" val="noArr"/>
+          </dgm:alg>
+          <dgm:shape xmlns:r="http://schemas.openxmlformats.org/officeDocument/2006/relationships" type="conn" r:blip="">
+            <dgm:adjLst/>
+          </dgm:shape>
+          <dgm:presOf axis="desOrSelf" ptType="sibTrans" hideLastTrans="0" st="0" cnt="1"/>
+          <dgm:constrLst>
+            <dgm:constr type="begPad"/>
+            <dgm:constr type="endPad"/>
+          </dgm:constrLst>
+        </dgm:layoutNode>
+        <dgm:layoutNode name="extraNode">
+          <dgm:alg type="sp"/>
+          <dgm:shape xmlns:r="http://schemas.openxmlformats.org/officeDocument/2006/relationships" type="rect" r:blip="" hideGeom="1">
+            <dgm:adjLst/>
+          </dgm:shape>
+          <dgm:presOf/>
+        </dgm:layoutNode>
+        <dgm:layoutNode name="dstNode">
+          <dgm:alg type="sp"/>
+          <dgm:shape xmlns:r="http://schemas.openxmlformats.org/officeDocument/2006/relationships" type="rect" r:blip="" hideGeom="1">
+            <dgm:adjLst/>
+          </dgm:shape>
+          <dgm:presOf/>
+        </dgm:layoutNode>
+      </dgm:layoutNode>
+      <dgm:forEach name="wrapper" axis="self" ptType="parTrans">
+        <dgm:forEach name="wrapper2" axis="self" ptType="sibTrans" st="2">
+          <dgm:forEach name="accentRepeat" axis="self">
+            <dgm:layoutNode name="accentRepeatNode" styleLbl="solidFgAcc1">
+              <dgm:alg type="sp"/>
+              <dgm:shape xmlns:r="http://schemas.openxmlformats.org/officeDocument/2006/relationships" type="ellipse" r:blip="">
+                <dgm:adjLst/>
+              </dgm:shape>
+              <dgm:presOf/>
+            </dgm:layoutNode>
+          </dgm:forEach>
+        </dgm:forEach>
+      </dgm:forEach>
+      <dgm:forEach name="Name24" axis="ch" ptType="node" cnt="1">
+        <dgm:layoutNode name="text_1" styleLbl="node1">
+          <dgm:varLst>
+            <dgm:bulletEnabled val="1"/>
+          </dgm:varLst>
+          <dgm:choose name="Name25">
+            <dgm:if name="Name26" func="var" arg="dir" op="equ" val="norm">
+              <dgm:alg type="tx">
+                <dgm:param type="parTxLTRAlign" val="l"/>
+                <dgm:param type="shpTxLTRAlignCh" val="l"/>
+                <dgm:param type="parTxRTLAlign" val="l"/>
+                <dgm:param type="shpTxRTLAlignCh" val="l"/>
+              </dgm:alg>
+            </dgm:if>
+            <dgm:else name="Name27">
+              <dgm:alg type="tx">
+                <dgm:param type="parTxLTRAlign" val="r"/>
+                <dgm:param type="shpTxLTRAlignCh" val="r"/>
+                <dgm:param type="parTxRTLAlign" val="r"/>
+                <dgm:param type="shpTxRTLAlignCh" val="r"/>
+              </dgm:alg>
+            </dgm:else>
+          </dgm:choose>
+          <dgm:shape xmlns:r="http://schemas.openxmlformats.org/officeDocument/2006/relationships" type="rect" r:blip="">
+            <dgm:adjLst/>
+          </dgm:shape>
+          <dgm:presOf axis="desOrSelf" ptType="node"/>
+          <dgm:constrLst>
+            <dgm:constr type="primFontSz" val="65"/>
+            <dgm:constr type="lMarg" refType="primFontSz" fact="0.2"/>
+            <dgm:constr type="rMarg" refType="primFontSz" fact="0.2"/>
+            <dgm:constr type="tMarg" refType="primFontSz" fact="0.2"/>
+            <dgm:constr type="bMarg" refType="primFontSz" fact="0.2"/>
+          </dgm:constrLst>
+          <dgm:ruleLst>
+            <dgm:rule type="primFontSz" val="5" fact="NaN" max="NaN"/>
+          </dgm:ruleLst>
+        </dgm:layoutNode>
+        <dgm:layoutNode name="accent_1">
+          <dgm:alg type="sp"/>
+          <dgm:shape xmlns:r="http://schemas.openxmlformats.org/officeDocument/2006/relationships" r:blip="">
+            <dgm:adjLst/>
+          </dgm:shape>
+          <dgm:presOf/>
+          <dgm:constrLst/>
+          <dgm:forEach name="Name28" ref="accentRepeat"/>
+        </dgm:layoutNode>
+      </dgm:forEach>
+      <dgm:forEach name="Name29" axis="ch" ptType="node" st="2" cnt="1">
+        <dgm:layoutNode name="text_2" styleLbl="node1">
+          <dgm:varLst>
+            <dgm:bulletEnabled val="1"/>
+          </dgm:varLst>
+          <dgm:choose name="Name30">
+            <dgm:if name="Name31" func="var" arg="dir" op="equ" val="norm">
+              <dgm:alg type="tx">
+                <dgm:param type="parTxLTRAlign" val="l"/>
+                <dgm:param type="shpTxLTRAlignCh" val="l"/>
+                <dgm:param type="parTxRTLAlign" val="l"/>
+                <dgm:param type="shpTxRTLAlignCh" val="l"/>
+              </dgm:alg>
+            </dgm:if>
+            <dgm:else name="Name32">
+              <dgm:alg type="tx">
+                <dgm:param type="parTxLTRAlign" val="r"/>
+                <dgm:param type="shpTxLTRAlignCh" val="r"/>
+                <dgm:param type="parTxRTLAlign" val="r"/>
+                <dgm:param type="shpTxRTLAlignCh" val="r"/>
+              </dgm:alg>
+            </dgm:else>
+          </dgm:choose>
+          <dgm:shape xmlns:r="http://schemas.openxmlformats.org/officeDocument/2006/relationships" type="rect" r:blip="">
+            <dgm:adjLst/>
+          </dgm:shape>
+          <dgm:presOf axis="desOrSelf" ptType="node"/>
+          <dgm:constrLst>
+            <dgm:constr type="primFontSz" val="65"/>
+            <dgm:constr type="lMarg" refType="primFontSz" fact="0.2"/>
+            <dgm:constr type="rMarg" refType="primFontSz" fact="0.2"/>
+            <dgm:constr type="tMarg" refType="primFontSz" fact="0.2"/>
+            <dgm:constr type="bMarg" refType="primFontSz" fact="0.2"/>
+          </dgm:constrLst>
+          <dgm:ruleLst>
+            <dgm:rule type="primFontSz" val="5" fact="NaN" max="NaN"/>
+          </dgm:ruleLst>
+        </dgm:layoutNode>
+        <dgm:layoutNode name="accent_2">
+          <dgm:alg type="sp"/>
+          <dgm:shape xmlns:r="http://schemas.openxmlformats.org/officeDocument/2006/relationships" r:blip="">
+            <dgm:adjLst/>
+          </dgm:shape>
+          <dgm:presOf/>
+          <dgm:constrLst/>
+          <dgm:forEach name="Name33" ref="accentRepeat"/>
+        </dgm:layoutNode>
+      </dgm:forEach>
+      <dgm:forEach name="Name34" axis="ch" ptType="node" st="3" cnt="1">
+        <dgm:layoutNode name="text_3" styleLbl="node1">
+          <dgm:varLst>
+            <dgm:bulletEnabled val="1"/>
+          </dgm:varLst>
+          <dgm:choose name="Name35">
+            <dgm:if name="Name36" func="var" arg="dir" op="equ" val="norm">
+              <dgm:alg type="tx">
+                <dgm:param type="parTxLTRAlign" val="l"/>
+                <dgm:param type="shpTxLTRAlignCh" val="l"/>
+                <dgm:param type="parTxRTLAlign" val="l"/>
+                <dgm:param type="shpTxRTLAlignCh" val="l"/>
+              </dgm:alg>
+            </dgm:if>
+            <dgm:else name="Name37">
+              <dgm:alg type="tx">
+                <dgm:param type="parTxLTRAlign" val="r"/>
+                <dgm:param type="shpTxLTRAlignCh" val="r"/>
+                <dgm:param type="parTxRTLAlign" val="r"/>
+                <dgm:param type="shpTxRTLAlignCh" val="r"/>
+              </dgm:alg>
+            </dgm:else>
+          </dgm:choose>
+          <dgm:shape xmlns:r="http://schemas.openxmlformats.org/officeDocument/2006/relationships" type="rect" r:blip="">
+            <dgm:adjLst/>
+          </dgm:shape>
+          <dgm:presOf axis="desOrSelf" ptType="node"/>
+          <dgm:constrLst>
+            <dgm:constr type="primFontSz" val="65"/>
+            <dgm:constr type="lMarg" refType="primFontSz" fact="0.2"/>
+            <dgm:constr type="rMarg" refType="primFontSz" fact="0.2"/>
+            <dgm:constr type="tMarg" refType="primFontSz" fact="0.2"/>
+            <dgm:constr type="bMarg" refType="primFontSz" fact="0.2"/>
+          </dgm:constrLst>
+          <dgm:ruleLst>
+            <dgm:rule type="primFontSz" val="5" fact="NaN" max="NaN"/>
+          </dgm:ruleLst>
+        </dgm:layoutNode>
+        <dgm:layoutNode name="accent_3">
+          <dgm:alg type="sp"/>
+          <dgm:shape xmlns:r="http://schemas.openxmlformats.org/officeDocument/2006/relationships" r:blip="">
+            <dgm:adjLst/>
+          </dgm:shape>
+          <dgm:presOf/>
+          <dgm:constrLst/>
+          <dgm:forEach name="Name38" ref="accentRepeat"/>
+        </dgm:layoutNode>
+      </dgm:forEach>
+      <dgm:forEach name="Name39" axis="ch" ptType="node" st="4" cnt="1">
+        <dgm:layoutNode name="text_4" styleLbl="node1">
+          <dgm:varLst>
+            <dgm:bulletEnabled val="1"/>
+          </dgm:varLst>
+          <dgm:choose name="Name40">
+            <dgm:if name="Name41" func="var" arg="dir" op="equ" val="norm">
+              <dgm:alg type="tx">
+                <dgm:param type="parTxLTRAlign" val="l"/>
+                <dgm:param type="shpTxLTRAlignCh" val="l"/>
+                <dgm:param type="parTxRTLAlign" val="l"/>
+                <dgm:param type="shpTxRTLAlignCh" val="l"/>
+              </dgm:alg>
+            </dgm:if>
+            <dgm:else name="Name42">
+              <dgm:alg type="tx">
+                <dgm:param type="parTxLTRAlign" val="r"/>
+                <dgm:param type="shpTxLTRAlignCh" val="r"/>
+                <dgm:param type="parTxRTLAlign" val="r"/>
+                <dgm:param type="shpTxRTLAlignCh" val="r"/>
+              </dgm:alg>
+            </dgm:else>
+          </dgm:choose>
+          <dgm:shape xmlns:r="http://schemas.openxmlformats.org/officeDocument/2006/relationships" type="rect" r:blip="">
+            <dgm:adjLst/>
+          </dgm:shape>
+          <dgm:presOf axis="desOrSelf" ptType="node"/>
+          <dgm:constrLst>
+            <dgm:constr type="primFontSz" val="65"/>
+            <dgm:constr type="lMarg" refType="primFontSz" fact="0.2"/>
+            <dgm:constr type="rMarg" refType="primFontSz" fact="0.2"/>
+            <dgm:constr type="tMarg" refType="primFontSz" fact="0.2"/>
+            <dgm:constr type="bMarg" refType="primFontSz" fact="0.2"/>
+          </dgm:constrLst>
+          <dgm:ruleLst>
+            <dgm:rule type="primFontSz" val="5" fact="NaN" max="NaN"/>
+          </dgm:ruleLst>
+        </dgm:layoutNode>
+        <dgm:layoutNode name="accent_4">
+          <dgm:alg type="sp"/>
+          <dgm:shape xmlns:r="http://schemas.openxmlformats.org/officeDocument/2006/relationships" r:blip="">
+            <dgm:adjLst/>
+          </dgm:shape>
+          <dgm:presOf/>
+          <dgm:constrLst/>
+          <dgm:forEach name="Name43" ref="accentRepeat"/>
+        </dgm:layoutNode>
+      </dgm:forEach>
+      <dgm:forEach name="Name44" axis="ch" ptType="node" st="5" cnt="1">
+        <dgm:layoutNode name="text_5" styleLbl="node1">
+          <dgm:varLst>
+            <dgm:bulletEnabled val="1"/>
+          </dgm:varLst>
+          <dgm:choose name="Name45">
+            <dgm:if name="Name46" func="var" arg="dir" op="equ" val="norm">
+              <dgm:alg type="tx">
+                <dgm:param type="parTxLTRAlign" val="l"/>
+                <dgm:param type="shpTxLTRAlignCh" val="l"/>
+                <dgm:param type="parTxRTLAlign" val="l"/>
+                <dgm:param type="shpTxRTLAlignCh" val="l"/>
+              </dgm:alg>
+            </dgm:if>
+            <dgm:else name="Name47">
+              <dgm:alg type="tx">
+                <dgm:param type="parTxLTRAlign" val="r"/>
+                <dgm:param type="shpTxLTRAlignCh" val="r"/>
+                <dgm:param type="parTxRTLAlign" val="r"/>
+                <dgm:param type="shpTxRTLAlignCh" val="r"/>
+              </dgm:alg>
+            </dgm:else>
+          </dgm:choose>
+          <dgm:shape xmlns:r="http://schemas.openxmlformats.org/officeDocument/2006/relationships" type="rect" r:blip="">
+            <dgm:adjLst/>
+          </dgm:shape>
+          <dgm:presOf axis="desOrSelf" ptType="node"/>
+          <dgm:constrLst>
+            <dgm:constr type="primFontSz" val="65"/>
+            <dgm:constr type="lMarg" refType="primFontSz" fact="0.2"/>
+            <dgm:constr type="rMarg" refType="primFontSz" fact="0.2"/>
+            <dgm:constr type="tMarg" refType="primFontSz" fact="0.2"/>
+            <dgm:constr type="bMarg" refType="primFontSz" fact="0.2"/>
+          </dgm:constrLst>
+          <dgm:ruleLst>
+            <dgm:rule type="primFontSz" val="5" fact="NaN" max="NaN"/>
+          </dgm:ruleLst>
+        </dgm:layoutNode>
+        <dgm:layoutNode name="accent_5">
+          <dgm:alg type="sp"/>
+          <dgm:shape xmlns:r="http://schemas.openxmlformats.org/officeDocument/2006/relationships" r:blip="">
+            <dgm:adjLst/>
+          </dgm:shape>
+          <dgm:presOf/>
+          <dgm:constrLst/>
+          <dgm:forEach name="Name48" ref="accentRepeat"/>
+        </dgm:layoutNode>
+      </dgm:forEach>
+      <dgm:forEach name="Name49" axis="ch" ptType="node" st="6" cnt="1">
+        <dgm:layoutNode name="text_6" styleLbl="node1">
+          <dgm:varLst>
+            <dgm:bulletEnabled val="1"/>
+          </dgm:varLst>
+          <dgm:choose name="Name50">
+            <dgm:if name="Name51" func="var" arg="dir" op="equ" val="norm">
+              <dgm:alg type="tx">
+                <dgm:param type="parTxLTRAlign" val="l"/>
+                <dgm:param type="shpTxLTRAlignCh" val="l"/>
+                <dgm:param type="parTxRTLAlign" val="l"/>
+                <dgm:param type="shpTxRTLAlignCh" val="l"/>
+              </dgm:alg>
+            </dgm:if>
+            <dgm:else name="Name52">
+              <dgm:alg type="tx">
+                <dgm:param type="parTxLTRAlign" val="r"/>
+                <dgm:param type="shpTxLTRAlignCh" val="r"/>
+                <dgm:param type="parTxRTLAlign" val="r"/>
+                <dgm:param type="shpTxRTLAlignCh" val="r"/>
+              </dgm:alg>
+            </dgm:else>
+          </dgm:choose>
+          <dgm:shape xmlns:r="http://schemas.openxmlformats.org/officeDocument/2006/relationships" type="rect" r:blip="">
+            <dgm:adjLst/>
+          </dgm:shape>
+          <dgm:presOf axis="desOrSelf" ptType="node"/>
+          <dgm:constrLst>
+            <dgm:constr type="primFontSz" val="65"/>
+            <dgm:constr type="lMarg" refType="primFontSz" fact="0.2"/>
+            <dgm:constr type="rMarg" refType="primFontSz" fact="0.2"/>
+            <dgm:constr type="tMarg" refType="primFontSz" fact="0.2"/>
+            <dgm:constr type="bMarg" refType="primFontSz" fact="0.2"/>
+          </dgm:constrLst>
+          <dgm:ruleLst>
+            <dgm:rule type="primFontSz" val="5" fact="NaN" max="NaN"/>
+          </dgm:ruleLst>
+        </dgm:layoutNode>
+        <dgm:layoutNode name="accent_6">
+          <dgm:alg type="sp"/>
+          <dgm:shape xmlns:r="http://schemas.openxmlformats.org/officeDocument/2006/relationships" r:blip="">
+            <dgm:adjLst/>
+          </dgm:shape>
+          <dgm:presOf/>
+          <dgm:constrLst/>
+          <dgm:forEach name="Name53" ref="accentRepeat"/>
+        </dgm:layoutNode>
+      </dgm:forEach>
+      <dgm:forEach name="Name54" axis="ch" ptType="node" st="7" cnt="1">
+        <dgm:layoutNode name="text_7" styleLbl="node1">
+          <dgm:varLst>
+            <dgm:bulletEnabled val="1"/>
+          </dgm:varLst>
+          <dgm:choose name="Name55">
+            <dgm:if name="Name56" func="var" arg="dir" op="equ" val="norm">
+              <dgm:alg type="tx">
+                <dgm:param type="parTxLTRAlign" val="l"/>
+                <dgm:param type="shpTxLTRAlignCh" val="l"/>
+                <dgm:param type="parTxRTLAlign" val="l"/>
+                <dgm:param type="shpTxRTLAlignCh" val="l"/>
+              </dgm:alg>
+            </dgm:if>
+            <dgm:else name="Name57">
+              <dgm:alg type="tx">
+                <dgm:param type="parTxLTRAlign" val="r"/>
+                <dgm:param type="shpTxLTRAlignCh" val="r"/>
+                <dgm:param type="parTxRTLAlign" val="r"/>
+                <dgm:param type="shpTxRTLAlignCh" val="r"/>
+              </dgm:alg>
+            </dgm:else>
+          </dgm:choose>
+          <dgm:shape xmlns:r="http://schemas.openxmlformats.org/officeDocument/2006/relationships" type="rect" r:blip="">
+            <dgm:adjLst/>
+          </dgm:shape>
+          <dgm:presOf axis="desOrSelf" ptType="node"/>
+          <dgm:constrLst>
+            <dgm:constr type="primFontSz" val="65"/>
+            <dgm:constr type="lMarg" refType="primFontSz" fact="0.2"/>
+            <dgm:constr type="rMarg" refType="primFontSz" fact="0.2"/>
+            <dgm:constr type="tMarg" refType="primFontSz" fact="0.2"/>
+            <dgm:constr type="bMarg" refType="primFontSz" fact="0.2"/>
+          </dgm:constrLst>
+          <dgm:ruleLst>
+            <dgm:rule type="primFontSz" val="5" fact="NaN" max="NaN"/>
+          </dgm:ruleLst>
+        </dgm:layoutNode>
+        <dgm:layoutNode name="accent_7">
+          <dgm:alg type="sp"/>
+          <dgm:shape xmlns:r="http://schemas.openxmlformats.org/officeDocument/2006/relationships" r:blip="">
+            <dgm:adjLst/>
+          </dgm:shape>
+          <dgm:presOf/>
+          <dgm:constrLst/>
+          <dgm:forEach name="Name58" ref="accentRepeat"/>
+        </dgm:layoutNode>
+      </dgm:forEach>
+    </dgm:layoutNode>
+  </dgm:layoutNode>
+</dgm:layoutDef>
+</file>
+
+<file path=ppt/diagrams/quickStyle1.xml><?xml version="1.0" encoding="utf-8"?>
+<dgm:styleDef xmlns:dgm="http://schemas.openxmlformats.org/drawingml/2006/diagram" xmlns:a="http://schemas.openxmlformats.org/drawingml/2006/main" uniqueId="urn:microsoft.com/office/officeart/2005/8/quickstyle/simple1">
+  <dgm:title val=""/>
+  <dgm:desc val=""/>
+  <dgm:catLst>
+    <dgm:cat type="simple" pri="10100"/>
+  </dgm:catLst>
+  <dgm:scene3d>
+    <a:camera prst="orthographicFront"/>
+    <a:lightRig rig="threePt" dir="t"/>
+  </dgm:scene3d>
+  <dgm:styleLbl name="node0">
+    <dgm:scene3d>
+      <a:camera prst="orthographicFront"/>
+      <a:lightRig rig="threePt" dir="t"/>
+    </dgm:scene3d>
+    <dgm:sp3d/>
+    <dgm:txPr/>
+    <dgm:style>
+      <a:lnRef idx="2">
+        <a:scrgbClr r="0" g="0" b="0"/>
+      </a:lnRef>
+      <a:fillRef idx="1">
+        <a:scrgbClr r="0" g="0" b="0"/>
+      </a:fillRef>
+      <a:effectRef idx="0">
+        <a:scrgbClr r="0" g="0" b="0"/>
+      </a:effectRef>
+      <a:fontRef idx="minor">
+        <a:schemeClr val="lt1"/>
+      </a:fontRef>
+    </dgm:style>
+  </dgm:styleLbl>
+  <dgm:styleLbl name="lnNode1">
+    <dgm:scene3d>
+      <a:camera prst="orthographicFront"/>
+      <a:lightRig rig="threePt" dir="t"/>
+    </dgm:scene3d>
+    <dgm:sp3d/>
+    <dgm:txPr/>
+    <dgm:style>
+      <a:lnRef idx="2">
+        <a:scrgbClr r="0" g="0" b="0"/>
+      </a:lnRef>
+      <a:fillRef idx="1">
+        <a:scrgbClr r="0" g="0" b="0"/>
+      </a:fillRef>
+      <a:effectRef idx="0">
+        <a:scrgbClr r="0" g="0" b="0"/>
+      </a:effectRef>
+      <a:fontRef idx="minor">
+        <a:schemeClr val="lt1"/>
+      </a:fontRef>
+    </dgm:style>
+  </dgm:styleLbl>
+  <dgm:styleLbl name="vennNode1">
+    <dgm:scene3d>
+      <a:camera prst="orthographicFront"/>
+      <a:lightRig rig="threePt" dir="t"/>
+    </dgm:scene3d>
+    <dgm:sp3d/>
+    <dgm:txPr/>
+    <dgm:style>
+      <a:lnRef idx="2">
+        <a:scrgbClr r="0" g="0" b="0"/>
+      </a:lnRef>
+      <a:fillRef idx="1">
+        <a:scrgbClr r="0" g="0" b="0"/>
+      </a:fillRef>
+      <a:effectRef idx="0">
+        <a:scrgbClr r="0" g="0" b="0"/>
+      </a:effectRef>
+      <a:fontRef idx="minor">
+        <a:schemeClr val="tx1"/>
+      </a:fontRef>
+    </dgm:style>
+  </dgm:styleLbl>
+  <dgm:styleLbl name="alignNode1">
+    <dgm:scene3d>
+      <a:camera prst="orthographicFront"/>
+      <a:lightRig rig="threePt" dir="t"/>
+    </dgm:scene3d>
+    <dgm:sp3d/>
+    <dgm:txPr/>
+    <dgm:style>
+      <a:lnRef idx="2">
+        <a:scrgbClr r="0" g="0" b="0"/>
+      </a:lnRef>
+      <a:fillRef idx="1">
+        <a:scrgbClr r="0" g="0" b="0"/>
+      </a:fillRef>
+      <a:effectRef idx="0">
+        <a:scrgbClr r="0" g="0" b="0"/>
+      </a:effectRef>
+      <a:fontRef idx="minor">
+        <a:schemeClr val="lt1"/>
+      </a:fontRef>
+    </dgm:style>
+  </dgm:styleLbl>
+  <dgm:styleLbl name="node1">
+    <dgm:scene3d>
+      <a:camera prst="orthographicFront"/>
+      <a:lightRig rig="threePt" dir="t"/>
+    </dgm:scene3d>
+    <dgm:sp3d/>
+    <dgm:txPr/>
+    <dgm:style>
+      <a:lnRef idx="2">
+        <a:scrgbClr r="0" g="0" b="0"/>
+      </a:lnRef>
+      <a:fillRef idx="1">
+        <a:scrgbClr r="0" g="0" b="0"/>
+      </a:fillRef>
+      <a:effectRef idx="0">
+        <a:scrgbClr r="0" g="0" b="0"/>
+      </a:effectRef>
+      <a:fontRef idx="minor">
+        <a:schemeClr val="lt1"/>
+      </a:fontRef>
+    </dgm:style>
+  </dgm:styleLbl>
+  <dgm:styleLbl name="node2">
+    <dgm:scene3d>
+      <a:camera prst="orthographicFront"/>
+      <a:lightRig rig="threePt" dir="t"/>
+    </dgm:scene3d>
+    <dgm:sp3d/>
+    <dgm:txPr/>
+    <dgm:style>
+      <a:lnRef idx="2">
+        <a:scrgbClr r="0" g="0" b="0"/>
+      </a:lnRef>
+      <a:fillRef idx="1">
+        <a:scrgbClr r="0" g="0" b="0"/>
+      </a:fillRef>
+      <a:effectRef idx="0">
+        <a:scrgbClr r="0" g="0" b="0"/>
+      </a:effectRef>
+      <a:fontRef idx="minor">
+        <a:schemeClr val="lt1"/>
+      </a:fontRef>
+    </dgm:style>
+  </dgm:styleLbl>
+  <dgm:styleLbl name="node3">
+    <dgm:scene3d>
+      <a:camera prst="orthographicFront"/>
+      <a:lightRig rig="threePt" dir="t"/>
+    </dgm:scene3d>
+    <dgm:sp3d/>
+    <dgm:txPr/>
+    <dgm:style>
+      <a:lnRef idx="2">
+        <a:scrgbClr r="0" g="0" b="0"/>
+      </a:lnRef>
+      <a:fillRef idx="1">
+        <a:scrgbClr r="0" g="0" b="0"/>
+      </a:fillRef>
+      <a:effectRef idx="0">
+        <a:scrgbClr r="0" g="0" b="0"/>
+      </a:effectRef>
+      <a:fontRef idx="minor">
+        <a:schemeClr val="lt1"/>
+      </a:fontRef>
+    </dgm:style>
+  </dgm:styleLbl>
+  <dgm:styleLbl name="node4">
+    <dgm:scene3d>
+      <a:camera prst="orthographicFront"/>
+      <a:lightRig rig="threePt" dir="t"/>
+    </dgm:scene3d>
+    <dgm:sp3d/>
+    <dgm:txPr/>
+    <dgm:style>
+      <a:lnRef idx="2">
+        <a:scrgbClr r="0" g="0" b="0"/>
+      </a:lnRef>
+      <a:fillRef idx="1">
+        <a:scrgbClr r="0" g="0" b="0"/>
+      </a:fillRef>
+      <a:effectRef idx="0">
+        <a:scrgbClr r="0" g="0" b="0"/>
+      </a:effectRef>
+      <a:fontRef idx="minor">
+        <a:schemeClr val="lt1"/>
+      </a:fontRef>
+    </dgm:style>
+  </dgm:styleLbl>
+  <dgm:styleLbl name="fgImgPlace1">
+    <dgm:scene3d>
+      <a:camera prst="orthographicFront"/>
+      <a:lightRig rig="threePt" dir="t"/>
+    </dgm:scene3d>
+    <dgm:sp3d/>
+    <dgm:txPr/>
+    <dgm:style>
+      <a:lnRef idx="2">
+        <a:scrgbClr r="0" g="0" b="0"/>
+      </a:lnRef>
+      <a:fillRef idx="1">
+        <a:scrgbClr r="0" g="0" b="0"/>
+      </a:fillRef>
+      <a:effectRef idx="0">
+        <a:scrgbClr r="0" g="0" b="0"/>
+      </a:effectRef>
+      <a:fontRef idx="minor"/>
+    </dgm:style>
+  </dgm:styleLbl>
+  <dgm:styleLbl name="alignImgPlace1">
+    <dgm:scene3d>
+      <a:camera prst="orthographicFront"/>
+      <a:lightRig rig="threePt" dir="t"/>
+    </dgm:scene3d>
+    <dgm:sp3d/>
+    <dgm:txPr/>
+    <dgm:style>
+      <a:lnRef idx="2">
+        <a:scrgbClr r="0" g="0" b="0"/>
+      </a:lnRef>
+      <a:fillRef idx="1">
+        <a:scrgbClr r="0" g="0" b="0"/>
+      </a:fillRef>
+      <a:effectRef idx="0">
+        <a:scrgbClr r="0" g="0" b="0"/>
+      </a:effectRef>
+      <a:fontRef idx="minor"/>
+    </dgm:style>
+  </dgm:styleLbl>
+  <dgm:styleLbl name="bgImgPlace1">
+    <dgm:scene3d>
+      <a:camera prst="orthographicFront"/>
+      <a:lightRig rig="threePt" dir="t"/>
+    </dgm:scene3d>
+    <dgm:sp3d/>
+    <dgm:txPr/>
+    <dgm:style>
+      <a:lnRef idx="2">
+        <a:scrgbClr r="0" g="0" b="0"/>
+      </a:lnRef>
+      <a:fillRef idx="1">
+        <a:scrgbClr r="0" g="0" b="0"/>
+      </a:fillRef>
+      <a:effectRef idx="0">
+        <a:scrgbClr r="0" g="0" b="0"/>
+      </a:effectRef>
+      <a:fontRef idx="minor"/>
+    </dgm:style>
+  </dgm:styleLbl>
+  <dgm:styleLbl name="sibTrans2D1">
+    <dgm:scene3d>
+      <a:camera prst="orthographicFront"/>
+      <a:lightRig rig="threePt" dir="t"/>
+    </dgm:scene3d>
+    <dgm:sp3d/>
+    <dgm:txPr/>
+    <dgm:style>
+      <a:lnRef idx="0">
+        <a:scrgbClr r="0" g="0" b="0"/>
+      </a:lnRef>
+      <a:fillRef idx="1">
+        <a:scrgbClr r="0" g="0" b="0"/>
+      </a:fillRef>
+      <a:effectRef idx="0">
+        <a:scrgbClr r="0" g="0" b="0"/>
+      </a:effectRef>
+      <a:fontRef idx="minor">
+        <a:schemeClr val="lt1"/>
+      </a:fontRef>
+    </dgm:style>
+  </dgm:styleLbl>
+  <dgm:styleLbl name="fgSibTrans2D1">
+    <dgm:scene3d>
+      <a:camera prst="orthographicFront"/>
+      <a:lightRig rig="threePt" dir="t"/>
+    </dgm:scene3d>
+    <dgm:sp3d/>
+    <dgm:txPr/>
+    <dgm:style>
+      <a:lnRef idx="0">
+        <a:scrgbClr r="0" g="0" b="0"/>
+      </a:lnRef>
+      <a:fillRef idx="1">
+        <a:scrgbClr r="0" g="0" b="0"/>
+      </a:fillRef>
+      <a:effectRef idx="0">
+        <a:scrgbClr r="0" g="0" b="0"/>
+      </a:effectRef>
+      <a:fontRef idx="minor">
+        <a:schemeClr val="lt1"/>
+      </a:fontRef>
+    </dgm:style>
+  </dgm:styleLbl>
+  <dgm:styleLbl name="bgSibTrans2D1">
+    <dgm:scene3d>
+      <a:camera prst="orthographicFront"/>
+      <a:lightRig rig="threePt" dir="t"/>
+    </dgm:scene3d>
+    <dgm:sp3d/>
+    <dgm:txPr/>
+    <dgm:style>
+      <a:lnRef idx="0">
+        <a:scrgbClr r="0" g="0" b="0"/>
+      </a:lnRef>
+      <a:fillRef idx="1">
+        <a:scrgbClr r="0" g="0" b="0"/>
+      </a:fillRef>
+      <a:effectRef idx="0">
+        <a:scrgbClr r="0" g="0" b="0"/>
+      </a:effectRef>
+      <a:fontRef idx="minor">
+        <a:schemeClr val="lt1"/>
+      </a:fontRef>
+    </dgm:style>
+  </dgm:styleLbl>
+  <dgm:styleLbl name="sibTrans1D1">
+    <dgm:scene3d>
+      <a:camera prst="orthographicFront"/>
+      <a:lightRig rig="threePt" dir="t"/>
+    </dgm:scene3d>
+    <dgm:sp3d/>
+    <dgm:txPr/>
+    <dgm:style>
+      <a:lnRef idx="1">
+        <a:scrgbClr r="0" g="0" b="0"/>
+      </a:lnRef>
+      <a:fillRef idx="0">
+        <a:scrgbClr r="0" g="0" b="0"/>
+      </a:fillRef>
+      <a:effectRef idx="0">
+        <a:scrgbClr r="0" g="0" b="0"/>
+      </a:effectRef>
+      <a:fontRef idx="minor"/>
+    </dgm:style>
+  </dgm:styleLbl>
+  <dgm:styleLbl name="callout">
+    <dgm:scene3d>
+      <a:camera prst="orthographicFront"/>
+      <a:lightRig rig="threePt" dir="t"/>
+    </dgm:scene3d>
+    <dgm:sp3d/>
+    <dgm:txPr/>
+    <dgm:style>
+      <a:lnRef idx="2">
+        <a:scrgbClr r="0" g="0" b="0"/>
+      </a:lnRef>
+      <a:fillRef idx="1">
+        <a:scrgbClr r="0" g="0" b="0"/>
+      </a:fillRef>
+      <a:effectRef idx="0">
+        <a:scrgbClr r="0" g="0" b="0"/>
+      </a:effectRef>
+      <a:fontRef idx="minor"/>
+    </dgm:style>
+  </dgm:styleLbl>
+  <dgm:styleLbl name="asst0">
+    <dgm:scene3d>
+      <a:camera prst="orthographicFront"/>
+      <a:lightRig rig="threePt" dir="t"/>
+    </dgm:scene3d>
+    <dgm:sp3d/>
+    <dgm:txPr/>
+    <dgm:style>
+      <a:lnRef idx="2">
+        <a:scrgbClr r="0" g="0" b="0"/>
+      </a:lnRef>
+      <a:fillRef idx="1">
+        <a:scrgbClr r="0" g="0" b="0"/>
+      </a:fillRef>
+      <a:effectRef idx="0">
+        <a:scrgbClr r="0" g="0" b="0"/>
+      </a:effectRef>
+      <a:fontRef idx="minor">
+        <a:schemeClr val="lt1"/>
+      </a:fontRef>
+    </dgm:style>
+  </dgm:styleLbl>
+  <dgm:styleLbl name="asst1">
+    <dgm:scene3d>
+      <a:camera prst="orthographicFront"/>
+      <a:lightRig rig="threePt" dir="t"/>
+    </dgm:scene3d>
+    <dgm:sp3d/>
+    <dgm:txPr/>
+    <dgm:style>
+      <a:lnRef idx="2">
+        <a:scrgbClr r="0" g="0" b="0"/>
+      </a:lnRef>
+      <a:fillRef idx="1">
+        <a:scrgbClr r="0" g="0" b="0"/>
+      </a:fillRef>
+      <a:effectRef idx="0">
+        <a:scrgbClr r="0" g="0" b="0"/>
+      </a:effectRef>
+      <a:fontRef idx="minor">
+        <a:schemeClr val="lt1"/>
+      </a:fontRef>
+    </dgm:style>
+  </dgm:styleLbl>
+  <dgm:styleLbl name="asst2">
+    <dgm:scene3d>
+      <a:camera prst="orthographicFront"/>
+      <a:lightRig rig="threePt" dir="t"/>
+    </dgm:scene3d>
+    <dgm:sp3d/>
+    <dgm:txPr/>
+    <dgm:style>
+      <a:lnRef idx="2">
+        <a:scrgbClr r="0" g="0" b="0"/>
+      </a:lnRef>
+      <a:fillRef idx="1">
+        <a:scrgbClr r="0" g="0" b="0"/>
+      </a:fillRef>
+      <a:effectRef idx="0">
+        <a:scrgbClr r="0" g="0" b="0"/>
+      </a:effectRef>
+      <a:fontRef idx="minor">
+        <a:schemeClr val="lt1"/>
+      </a:fontRef>
+    </dgm:style>
+  </dgm:styleLbl>
+  <dgm:styleLbl name="asst3">
+    <dgm:scene3d>
+      <a:camera prst="orthographicFront"/>
+      <a:lightRig rig="threePt" dir="t"/>
+    </dgm:scene3d>
+    <dgm:sp3d/>
+    <dgm:txPr/>
+    <dgm:style>
+      <a:lnRef idx="2">
+        <a:scrgbClr r="0" g="0" b="0"/>
+      </a:lnRef>
+      <a:fillRef idx="1">
+        <a:scrgbClr r="0" g="0" b="0"/>
+      </a:fillRef>
+      <a:effectRef idx="0">
+        <a:scrgbClr r="0" g="0" b="0"/>
+      </a:effectRef>
+      <a:fontRef idx="minor">
+        <a:schemeClr val="lt1"/>
+      </a:fontRef>
+    </dgm:style>
+  </dgm:styleLbl>
+  <dgm:styleLbl name="asst4">
+    <dgm:scene3d>
+      <a:camera prst="orthographicFront"/>
+      <a:lightRig rig="threePt" dir="t"/>
+    </dgm:scene3d>
+    <dgm:sp3d/>
+    <dgm:txPr/>
+    <dgm:style>
+      <a:lnRef idx="2">
+        <a:scrgbClr r="0" g="0" b="0"/>
+      </a:lnRef>
+      <a:fillRef idx="1">
+        <a:scrgbClr r="0" g="0" b="0"/>
+      </a:fillRef>
+      <a:effectRef idx="0">
+        <a:scrgbClr r="0" g="0" b="0"/>
+      </a:effectRef>
+      <a:fontRef idx="minor">
+        <a:schemeClr val="lt1"/>
+      </a:fontRef>
+    </dgm:style>
+  </dgm:styleLbl>
+  <dgm:styleLbl name="parChTrans2D1">
+    <dgm:scene3d>
+      <a:camera prst="orthographicFront"/>
+      <a:lightRig rig="threePt" dir="t"/>
+    </dgm:scene3d>
+    <dgm:sp3d/>
+    <dgm:txPr/>
+    <dgm:style>
+      <a:lnRef idx="2">
+        <a:scrgbClr r="0" g="0" b="0"/>
+      </a:lnRef>
+      <a:fillRef idx="1">
+        <a:scrgbClr r="0" g="0" b="0"/>
+      </a:fillRef>
+      <a:effectRef idx="0">
+        <a:scrgbClr r="0" g="0" b="0"/>
+      </a:effectRef>
+      <a:fontRef idx="minor">
+        <a:schemeClr val="lt1"/>
+      </a:fontRef>
+    </dgm:style>
+  </dgm:styleLbl>
+  <dgm:styleLbl name="parChTrans2D2">
+    <dgm:scene3d>
+      <a:camera prst="orthographicFront"/>
+      <a:lightRig rig="threePt" dir="t"/>
+    </dgm:scene3d>
+    <dgm:sp3d/>
+    <dgm:txPr/>
+    <dgm:style>
+      <a:lnRef idx="2">
+        <a:scrgbClr r="0" g="0" b="0"/>
+      </a:lnRef>
+      <a:fillRef idx="1">
+        <a:scrgbClr r="0" g="0" b="0"/>
+      </a:fillRef>
+      <a:effectRef idx="0">
+        <a:scrgbClr r="0" g="0" b="0"/>
+      </a:effectRef>
+      <a:fontRef idx="minor">
+        <a:schemeClr val="lt1"/>
+      </a:fontRef>
+    </dgm:style>
+  </dgm:styleLbl>
+  <dgm:styleLbl name="parChTrans2D3">
+    <dgm:scene3d>
+      <a:camera prst="orthographicFront"/>
+      <a:lightRig rig="threePt" dir="t"/>
+    </dgm:scene3d>
+    <dgm:sp3d/>
+    <dgm:txPr/>
+    <dgm:style>
+      <a:lnRef idx="2">
+        <a:scrgbClr r="0" g="0" b="0"/>
+      </a:lnRef>
+      <a:fillRef idx="1">
+        <a:scrgbClr r="0" g="0" b="0"/>
+      </a:fillRef>
+      <a:effectRef idx="0">
+        <a:scrgbClr r="0" g="0" b="0"/>
+      </a:effectRef>
+      <a:fontRef idx="minor">
+        <a:schemeClr val="lt1"/>
+      </a:fontRef>
+    </dgm:style>
+  </dgm:styleLbl>
+  <dgm:styleLbl name="parChTrans2D4">
+    <dgm:scene3d>
+      <a:camera prst="orthographicFront"/>
+      <a:lightRig rig="threePt" dir="t"/>
+    </dgm:scene3d>
+    <dgm:sp3d/>
+    <dgm:txPr/>
+    <dgm:style>
+      <a:lnRef idx="2">
+        <a:scrgbClr r="0" g="0" b="0"/>
+      </a:lnRef>
+      <a:fillRef idx="1">
+        <a:scrgbClr r="0" g="0" b="0"/>
+      </a:fillRef>
+      <a:effectRef idx="0">
+        <a:scrgbClr r="0" g="0" b="0"/>
+      </a:effectRef>
+      <a:fontRef idx="minor">
+        <a:schemeClr val="lt1"/>
+      </a:fontRef>
+    </dgm:style>
+  </dgm:styleLbl>
+  <dgm:styleLbl name="parChTrans1D1">
+    <dgm:scene3d>
+      <a:camera prst="orthographicFront"/>
+      <a:lightRig rig="threePt" dir="t"/>
+    </dgm:scene3d>
+    <dgm:sp3d/>
+    <dgm:txPr/>
+    <dgm:style>
+      <a:lnRef idx="2">
+        <a:scrgbClr r="0" g="0" b="0"/>
+      </a:lnRef>
+      <a:fillRef idx="0">
+        <a:scrgbClr r="0" g="0" b="0"/>
+      </a:fillRef>
+      <a:effectRef idx="0">
+        <a:scrgbClr r="0" g="0" b="0"/>
+      </a:effectRef>
+      <a:fontRef idx="minor"/>
+    </dgm:style>
+  </dgm:styleLbl>
+  <dgm:styleLbl name="parChTrans1D2">
+    <dgm:scene3d>
+      <a:camera prst="orthographicFront"/>
+      <a:lightRig rig="threePt" dir="t"/>
+    </dgm:scene3d>
+    <dgm:sp3d/>
+    <dgm:txPr/>
+    <dgm:style>
+      <a:lnRef idx="2">
+        <a:scrgbClr r="0" g="0" b="0"/>
+      </a:lnRef>
+      <a:fillRef idx="0">
+        <a:scrgbClr r="0" g="0" b="0"/>
+      </a:fillRef>
+      <a:effectRef idx="0">
+        <a:scrgbClr r="0" g="0" b="0"/>
+      </a:effectRef>
+      <a:fontRef idx="minor"/>
+    </dgm:style>
+  </dgm:styleLbl>
+  <dgm:styleLbl name="parChTrans1D3">
+    <dgm:scene3d>
+      <a:camera prst="orthographicFront"/>
+      <a:lightRig rig="threePt" dir="t"/>
+    </dgm:scene3d>
+    <dgm:sp3d/>
+    <dgm:txPr/>
+    <dgm:style>
+      <a:lnRef idx="2">
+        <a:scrgbClr r="0" g="0" b="0"/>
+      </a:lnRef>
+      <a:fillRef idx="0">
+        <a:scrgbClr r="0" g="0" b="0"/>
+      </a:fillRef>
+      <a:effectRef idx="0">
+        <a:scrgbClr r="0" g="0" b="0"/>
+      </a:effectRef>
+      <a:fontRef idx="minor"/>
+    </dgm:style>
+  </dgm:styleLbl>
+  <dgm:styleLbl name="parChTrans1D4">
+    <dgm:scene3d>
+      <a:camera prst="orthographicFront"/>
+      <a:lightRig rig="threePt" dir="t"/>
+    </dgm:scene3d>
+    <dgm:sp3d/>
+    <dgm:txPr/>
+    <dgm:style>
+      <a:lnRef idx="2">
+        <a:scrgbClr r="0" g="0" b="0"/>
+      </a:lnRef>
+      <a:fillRef idx="0">
+        <a:scrgbClr r="0" g="0" b="0"/>
+      </a:fillRef>
+      <a:effectRef idx="0">
+        <a:scrgbClr r="0" g="0" b="0"/>
+      </a:effectRef>
+      <a:fontRef idx="minor"/>
+    </dgm:style>
+  </dgm:styleLbl>
+  <dgm:styleLbl name="fgAcc1">
+    <dgm:scene3d>
+      <a:camera prst="orthographicFront"/>
+      <a:lightRig rig="threePt" dir="t"/>
+    </dgm:scene3d>
+    <dgm:sp3d/>
+    <dgm:txPr/>
+    <dgm:style>
+      <a:lnRef idx="2">
+        <a:scrgbClr r="0" g="0" b="0"/>
+      </a:lnRef>
+      <a:fillRef idx="1">
+        <a:scrgbClr r="0" g="0" b="0"/>
+      </a:fillRef>
+      <a:effectRef idx="0">
+        <a:scrgbClr r="0" g="0" b="0"/>
+      </a:effectRef>
+      <a:fontRef idx="minor"/>
+    </dgm:style>
+  </dgm:styleLbl>
+  <dgm:styleLbl name="conFgAcc1">
+    <dgm:scene3d>
+      <a:camera prst="orthographicFront"/>
+      <a:lightRig rig="threePt" dir="t"/>
+    </dgm:scene3d>
+    <dgm:sp3d/>
+    <dgm:txPr/>
+    <dgm:style>
+      <a:lnRef idx="2">
+        <a:scrgbClr r="0" g="0" b="0"/>
+      </a:lnRef>
+      <a:fillRef idx="1">
+        <a:scrgbClr r="0" g="0" b="0"/>
+      </a:fillRef>
+      <a:effectRef idx="0">
+        <a:scrgbClr r="0" g="0" b="0"/>
+      </a:effectRef>
+      <a:fontRef idx="minor"/>
+    </dgm:style>
+  </dgm:styleLbl>
+  <dgm:styleLbl name="alignAcc1">
+    <dgm:scene3d>
+      <a:camera prst="orthographicFront"/>
+      <a:lightRig rig="threePt" dir="t"/>
+    </dgm:scene3d>
+    <dgm:sp3d/>
+    <dgm:txPr/>
+    <dgm:style>
+      <a:lnRef idx="2">
+        <a:scrgbClr r="0" g="0" b="0"/>
+      </a:lnRef>
+      <a:fillRef idx="1">
+        <a:scrgbClr r="0" g="0" b="0"/>
+      </a:fillRef>
+      <a:effectRef idx="0">
+        <a:scrgbClr r="0" g="0" b="0"/>
+      </a:effectRef>
+      <a:fontRef idx="minor"/>
+    </dgm:style>
+  </dgm:styleLbl>
+  <dgm:styleLbl name="trAlignAcc1">
+    <dgm:scene3d>
+      <a:camera prst="orthographicFront"/>
+      <a:lightRig rig="threePt" dir="t"/>
+    </dgm:scene3d>
+    <dgm:sp3d/>
+    <dgm:txPr/>
+    <dgm:style>
+      <a:lnRef idx="1">
+        <a:scrgbClr r="0" g="0" b="0"/>
+      </a:lnRef>
+      <a:fillRef idx="1">
+        <a:scrgbClr r="0" g="0" b="0"/>
+      </a:fillRef>
+      <a:effectRef idx="0">
+        <a:scrgbClr r="0" g="0" b="0"/>
+      </a:effectRef>
+      <a:fontRef idx="minor"/>
+    </dgm:style>
+  </dgm:styleLbl>
+  <dgm:styleLbl name="bgAcc1">
+    <dgm:scene3d>
+      <a:camera prst="orthographicFront"/>
+      <a:lightRig rig="threePt" dir="t"/>
+    </dgm:scene3d>
+    <dgm:sp3d/>
+    <dgm:txPr/>
+    <dgm:style>
+      <a:lnRef idx="2">
+        <a:scrgbClr r="0" g="0" b="0"/>
+      </a:lnRef>
+      <a:fillRef idx="1">
+        <a:scrgbClr r="0" g="0" b="0"/>
+      </a:fillRef>
+      <a:effectRef idx="0">
+        <a:scrgbClr r="0" g="0" b="0"/>
+      </a:effectRef>
+      <a:fontRef idx="minor"/>
+    </dgm:style>
+  </dgm:styleLbl>
+  <dgm:styleLbl name="solidFgAcc1">
+    <dgm:scene3d>
+      <a:camera prst="orthographicFront"/>
+      <a:lightRig rig="threePt" dir="t"/>
+    </dgm:scene3d>
+    <dgm:sp3d/>
+    <dgm:txPr/>
+    <dgm:style>
+      <a:lnRef idx="2">
+        <a:scrgbClr r="0" g="0" b="0"/>
+      </a:lnRef>
+      <a:fillRef idx="1">
+        <a:scrgbClr r="0" g="0" b="0"/>
+      </a:fillRef>
+      <a:effectRef idx="0">
+        <a:scrgbClr r="0" g="0" b="0"/>
+      </a:effectRef>
+      <a:fontRef idx="minor"/>
+    </dgm:style>
+  </dgm:styleLbl>
+  <dgm:styleLbl name="solidAlignAcc1">
+    <dgm:scene3d>
+      <a:camera prst="orthographicFront"/>
+      <a:lightRig rig="threePt" dir="t"/>
+    </dgm:scene3d>
+    <dgm:sp3d/>
+    <dgm:txPr/>
+    <dgm:style>
+      <a:lnRef idx="2">
+        <a:scrgbClr r="0" g="0" b="0"/>
+      </a:lnRef>
+      <a:fillRef idx="1">
+        <a:scrgbClr r="0" g="0" b="0"/>
+      </a:fillRef>
+      <a:effectRef idx="0">
+        <a:scrgbClr r="0" g="0" b="0"/>
+      </a:effectRef>
+      <a:fontRef idx="minor"/>
+    </dgm:style>
+  </dgm:styleLbl>
+  <dgm:styleLbl name="solidBgAcc1">
+    <dgm:scene3d>
+      <a:camera prst="orthographicFront"/>
+      <a:lightRig rig="threePt" dir="t"/>
+    </dgm:scene3d>
+    <dgm:sp3d/>
+    <dgm:txPr/>
+    <dgm:style>
+      <a:lnRef idx="2">
+        <a:scrgbClr r="0" g="0" b="0"/>
+      </a:lnRef>
+      <a:fillRef idx="1">
+        <a:scrgbClr r="0" g="0" b="0"/>
+      </a:fillRef>
+      <a:effectRef idx="0">
+        <a:scrgbClr r="0" g="0" b="0"/>
+      </a:effectRef>
+      <a:fontRef idx="minor"/>
+    </dgm:style>
+  </dgm:styleLbl>
+  <dgm:styleLbl name="fgAccFollowNode1">
+    <dgm:scene3d>
+      <a:camera prst="orthographicFront"/>
+      <a:lightRig rig="threePt" dir="t"/>
+    </dgm:scene3d>
+    <dgm:sp3d/>
+    <dgm:txPr/>
+    <dgm:style>
+      <a:lnRef idx="2">
+        <a:scrgbClr r="0" g="0" b="0"/>
+      </a:lnRef>
+      <a:fillRef idx="1">
+        <a:scrgbClr r="0" g="0" b="0"/>
+      </a:fillRef>
+      <a:effectRef idx="0">
+        <a:scrgbClr r="0" g="0" b="0"/>
+      </a:effectRef>
+      <a:fontRef idx="minor"/>
+    </dgm:style>
+  </dgm:styleLbl>
+  <dgm:styleLbl name="alignAccFollowNode1">
+    <dgm:scene3d>
+      <a:camera prst="orthographicFront"/>
+      <a:lightRig rig="threePt" dir="t"/>
+    </dgm:scene3d>
+    <dgm:sp3d/>
+    <dgm:txPr/>
+    <dgm:style>
+      <a:lnRef idx="2">
+        <a:scrgbClr r="0" g="0" b="0"/>
+      </a:lnRef>
+      <a:fillRef idx="1">
+        <a:scrgbClr r="0" g="0" b="0"/>
+      </a:fillRef>
+      <a:effectRef idx="0">
+        <a:scrgbClr r="0" g="0" b="0"/>
+      </a:effectRef>
+      <a:fontRef idx="minor"/>
+    </dgm:style>
+  </dgm:styleLbl>
+  <dgm:styleLbl name="bgAccFollowNode1">
+    <dgm:scene3d>
+      <a:camera prst="orthographicFront"/>
+      <a:lightRig rig="threePt" dir="t"/>
+    </dgm:scene3d>
+    <dgm:sp3d/>
+    <dgm:txPr/>
+    <dgm:style>
+      <a:lnRef idx="2">
+        <a:scrgbClr r="0" g="0" b="0"/>
+      </a:lnRef>
+      <a:fillRef idx="1">
+        <a:scrgbClr r="0" g="0" b="0"/>
+      </a:fillRef>
+      <a:effectRef idx="0">
+        <a:scrgbClr r="0" g="0" b="0"/>
+      </a:effectRef>
+      <a:fontRef idx="minor"/>
+    </dgm:style>
+  </dgm:styleLbl>
+  <dgm:styleLbl name="fgAcc0">
+    <dgm:scene3d>
+      <a:camera prst="orthographicFront"/>
+      <a:lightRig rig="threePt" dir="t"/>
+    </dgm:scene3d>
+    <dgm:sp3d/>
+    <dgm:txPr/>
+    <dgm:style>
+      <a:lnRef idx="2">
+        <a:scrgbClr r="0" g="0" b="0"/>
+      </a:lnRef>
+      <a:fillRef idx="1">
+        <a:scrgbClr r="0" g="0" b="0"/>
+      </a:fillRef>
+      <a:effectRef idx="0">
+        <a:scrgbClr r="0" g="0" b="0"/>
+      </a:effectRef>
+      <a:fontRef idx="minor"/>
+    </dgm:style>
+  </dgm:styleLbl>
+  <dgm:styleLbl name="fgAcc2">
+    <dgm:scene3d>
+      <a:camera prst="orthographicFront"/>
+      <a:lightRig rig="threePt" dir="t"/>
+    </dgm:scene3d>
+    <dgm:sp3d/>
+    <dgm:txPr/>
+    <dgm:style>
+      <a:lnRef idx="2">
+        <a:scrgbClr r="0" g="0" b="0"/>
+      </a:lnRef>
+      <a:fillRef idx="1">
+        <a:scrgbClr r="0" g="0" b="0"/>
+      </a:fillRef>
+      <a:effectRef idx="0">
+        <a:scrgbClr r="0" g="0" b="0"/>
+      </a:effectRef>
+      <a:fontRef idx="minor"/>
+    </dgm:style>
+  </dgm:styleLbl>
+  <dgm:styleLbl name="fgAcc3">
+    <dgm:scene3d>
+      <a:camera prst="orthographicFront"/>
+      <a:lightRig rig="threePt" dir="t"/>
+    </dgm:scene3d>
+    <dgm:sp3d/>
+    <dgm:txPr/>
+    <dgm:style>
+      <a:lnRef idx="2">
+        <a:scrgbClr r="0" g="0" b="0"/>
+      </a:lnRef>
+      <a:fillRef idx="1">
+        <a:scrgbClr r="0" g="0" b="0"/>
+      </a:fillRef>
+      <a:effectRef idx="0">
+        <a:scrgbClr r="0" g="0" b="0"/>
+      </a:effectRef>
+      <a:fontRef idx="minor"/>
+    </dgm:style>
+  </dgm:styleLbl>
+  <dgm:styleLbl name="fgAcc4">
+    <dgm:scene3d>
+      <a:camera prst="orthographicFront"/>
+      <a:lightRig rig="threePt" dir="t"/>
+    </dgm:scene3d>
+    <dgm:sp3d/>
+    <dgm:txPr/>
+    <dgm:style>
+      <a:lnRef idx="2">
+        <a:scrgbClr r="0" g="0" b="0"/>
+      </a:lnRef>
+      <a:fillRef idx="1">
+        <a:scrgbClr r="0" g="0" b="0"/>
+      </a:fillRef>
+      <a:effectRef idx="0">
+        <a:scrgbClr r="0" g="0" b="0"/>
+      </a:effectRef>
+      <a:fontRef idx="minor"/>
+    </dgm:style>
+  </dgm:styleLbl>
+  <dgm:styleLbl name="bgShp">
+    <dgm:scene3d>
+      <a:camera prst="orthographicFront"/>
+      <a:lightRig rig="threePt" dir="t"/>
+    </dgm:scene3d>
+    <dgm:sp3d/>
+    <dgm:txPr/>
+    <dgm:style>
+      <a:lnRef idx="0">
+        <a:scrgbClr r="0" g="0" b="0"/>
+      </a:lnRef>
+      <a:fillRef idx="1">
+        <a:scrgbClr r="0" g="0" b="0"/>
+      </a:fillRef>
+      <a:effectRef idx="0">
+        <a:scrgbClr r="0" g="0" b="0"/>
+      </a:effectRef>
+      <a:fontRef idx="minor"/>
+    </dgm:style>
+  </dgm:styleLbl>
+  <dgm:styleLbl name="dkBgShp">
+    <dgm:scene3d>
+      <a:camera prst="orthographicFront"/>
+      <a:lightRig rig="threePt" dir="t"/>
+    </dgm:scene3d>
+    <dgm:sp3d/>
+    <dgm:txPr/>
+    <dgm:style>
+      <a:lnRef idx="0">
+        <a:scrgbClr r="0" g="0" b="0"/>
+      </a:lnRef>
+      <a:fillRef idx="1">
+        <a:scrgbClr r="0" g="0" b="0"/>
+      </a:fillRef>
+      <a:effectRef idx="0">
+        <a:scrgbClr r="0" g="0" b="0"/>
+      </a:effectRef>
+      <a:fontRef idx="minor"/>
+    </dgm:style>
+  </dgm:styleLbl>
+  <dgm:styleLbl name="trBgShp">
+    <dgm:scene3d>
+      <a:camera prst="orthographicFront"/>
+      <a:lightRig rig="threePt" dir="t"/>
+    </dgm:scene3d>
+    <dgm:sp3d/>
+    <dgm:txPr/>
+    <dgm:style>
+      <a:lnRef idx="0">
+        <a:scrgbClr r="0" g="0" b="0"/>
+      </a:lnRef>
+      <a:fillRef idx="1">
+        <a:scrgbClr r="0" g="0" b="0"/>
+      </a:fillRef>
+      <a:effectRef idx="0">
+        <a:scrgbClr r="0" g="0" b="0"/>
+      </a:effectRef>
+      <a:fontRef idx="minor"/>
+    </dgm:style>
+  </dgm:styleLbl>
+  <dgm:styleLbl name="fgShp">
+    <dgm:scene3d>
+      <a:camera prst="orthographicFront"/>
+      <a:lightRig rig="threePt" dir="t"/>
+    </dgm:scene3d>
+    <dgm:sp3d/>
+    <dgm:txPr/>
+    <dgm:style>
+      <a:lnRef idx="2">
+        <a:scrgbClr r="0" g="0" b="0"/>
+      </a:lnRef>
+      <a:fillRef idx="1">
+        <a:scrgbClr r="0" g="0" b="0"/>
+      </a:fillRef>
+      <a:effectRef idx="0">
+        <a:scrgbClr r="0" g="0" b="0"/>
+      </a:effectRef>
+      <a:fontRef idx="minor"/>
+    </dgm:style>
+  </dgm:styleLbl>
+  <dgm:styleLbl name="revTx">
+    <dgm:scene3d>
+      <a:camera prst="orthographicFront"/>
+      <a:lightRig rig="threePt" dir="t"/>
+    </dgm:scene3d>
+    <dgm:sp3d/>
+    <dgm:txPr/>
+    <dgm:style>
+      <a:lnRef idx="0">
+        <a:scrgbClr r="0" g="0" b="0"/>
+      </a:lnRef>
+      <a:fillRef idx="0">
+        <a:scrgbClr r="0" g="0" b="0"/>
+      </a:fillRef>
+      <a:effectRef idx="0">
+        <a:scrgbClr r="0" g="0" b="0"/>
+      </a:effectRef>
+      <a:fontRef idx="minor"/>
+    </dgm:style>
+  </dgm:styleLbl>
+</dgm:styleDef>
 </file>
 
 <file path=ppt/slideLayouts/slideLayout1.xml><?xml version="1.0" encoding="utf-8"?>
@@ -200,35 +4375,35 @@
               <a:buNone/>
               <a:defRPr sz="2400"/>
             </a:lvl1pPr>
-            <a:lvl2pPr marL="457200" indent="0" algn="ctr">
+            <a:lvl2pPr marL="457189" indent="0" algn="ctr">
               <a:buNone/>
               <a:defRPr sz="2000"/>
             </a:lvl2pPr>
-            <a:lvl3pPr marL="914400" indent="0" algn="ctr">
+            <a:lvl3pPr marL="914377" indent="0" algn="ctr">
               <a:buNone/>
               <a:defRPr sz="1800"/>
             </a:lvl3pPr>
-            <a:lvl4pPr marL="1371600" indent="0" algn="ctr">
+            <a:lvl4pPr marL="1371566" indent="0" algn="ctr">
               <a:buNone/>
               <a:defRPr sz="1600"/>
             </a:lvl4pPr>
-            <a:lvl5pPr marL="1828800" indent="0" algn="ctr">
+            <a:lvl5pPr marL="1828754" indent="0" algn="ctr">
               <a:buNone/>
               <a:defRPr sz="1600"/>
             </a:lvl5pPr>
-            <a:lvl6pPr marL="2286000" indent="0" algn="ctr">
+            <a:lvl6pPr marL="2285943" indent="0" algn="ctr">
               <a:buNone/>
               <a:defRPr sz="1600"/>
             </a:lvl6pPr>
-            <a:lvl7pPr marL="2743200" indent="0" algn="ctr">
+            <a:lvl7pPr marL="2743131" indent="0" algn="ctr">
               <a:buNone/>
               <a:defRPr sz="1600"/>
             </a:lvl7pPr>
-            <a:lvl8pPr marL="3200400" indent="0" algn="ctr">
+            <a:lvl8pPr marL="3200320" indent="0" algn="ctr">
               <a:buNone/>
               <a:defRPr sz="1600"/>
             </a:lvl8pPr>
-            <a:lvl9pPr marL="3657600" indent="0" algn="ctr">
+            <a:lvl9pPr marL="3657509" indent="0" algn="ctr">
               <a:buNone/>
               <a:defRPr sz="1600"/>
             </a:lvl9pPr>
@@ -265,7 +4440,7 @@
           <a:p>
             <a:fld id="{9CBD7AB3-DE9B-4A68-A3F2-318885777724}" type="datetimeFigureOut">
               <a:rPr lang="en-IN" smtClean="0"/>
-              <a:t>04-11-2024</a:t>
+              <a:t>07-11-2024</a:t>
             </a:fld>
             <a:endParaRPr lang="en-IN"/>
           </a:p>
@@ -465,7 +4640,7 @@
           <a:p>
             <a:fld id="{9CBD7AB3-DE9B-4A68-A3F2-318885777724}" type="datetimeFigureOut">
               <a:rPr lang="en-IN" smtClean="0"/>
-              <a:t>04-11-2024</a:t>
+              <a:t>07-11-2024</a:t>
             </a:fld>
             <a:endParaRPr lang="en-IN"/>
           </a:p>
@@ -573,7 +4748,7 @@
         </p:nvSpPr>
         <p:spPr>
           <a:xfrm>
-            <a:off x="8724900" y="365125"/>
+            <a:off x="8724901" y="365125"/>
             <a:ext cx="2628900" cy="5811838"/>
           </a:xfrm>
         </p:spPr>
@@ -607,7 +4782,7 @@
         </p:nvSpPr>
         <p:spPr>
           <a:xfrm>
-            <a:off x="838200" y="365125"/>
+            <a:off x="838201" y="365125"/>
             <a:ext cx="7734300" cy="5811838"/>
           </a:xfrm>
         </p:spPr>
@@ -675,7 +4850,7 @@
           <a:p>
             <a:fld id="{9CBD7AB3-DE9B-4A68-A3F2-318885777724}" type="datetimeFigureOut">
               <a:rPr lang="en-IN" smtClean="0"/>
-              <a:t>04-11-2024</a:t>
+              <a:t>07-11-2024</a:t>
             </a:fld>
             <a:endParaRPr lang="en-IN"/>
           </a:p>
@@ -875,7 +5050,7 @@
           <a:p>
             <a:fld id="{9CBD7AB3-DE9B-4A68-A3F2-318885777724}" type="datetimeFigureOut">
               <a:rPr lang="en-IN" smtClean="0"/>
-              <a:t>04-11-2024</a:t>
+              <a:t>07-11-2024</a:t>
             </a:fld>
             <a:endParaRPr lang="en-IN"/>
           </a:p>
@@ -983,7 +5158,7 @@
         </p:nvSpPr>
         <p:spPr>
           <a:xfrm>
-            <a:off x="831850" y="1709738"/>
+            <a:off x="831851" y="1709740"/>
             <a:ext cx="10515600" cy="2852737"/>
           </a:xfrm>
         </p:spPr>
@@ -1021,7 +5196,7 @@
         </p:nvSpPr>
         <p:spPr>
           <a:xfrm>
-            <a:off x="831850" y="4589463"/>
+            <a:off x="831851" y="4589465"/>
             <a:ext cx="10515600" cy="1500187"/>
           </a:xfrm>
         </p:spPr>
@@ -1038,7 +5213,7 @@
                 </a:solidFill>
               </a:defRPr>
             </a:lvl1pPr>
-            <a:lvl2pPr marL="457200" indent="0">
+            <a:lvl2pPr marL="457189" indent="0">
               <a:buNone/>
               <a:defRPr sz="2000">
                 <a:solidFill>
@@ -1048,7 +5223,7 @@
                 </a:solidFill>
               </a:defRPr>
             </a:lvl2pPr>
-            <a:lvl3pPr marL="914400" indent="0">
+            <a:lvl3pPr marL="914377" indent="0">
               <a:buNone/>
               <a:defRPr sz="1800">
                 <a:solidFill>
@@ -1058,7 +5233,7 @@
                 </a:solidFill>
               </a:defRPr>
             </a:lvl3pPr>
-            <a:lvl4pPr marL="1371600" indent="0">
+            <a:lvl4pPr marL="1371566" indent="0">
               <a:buNone/>
               <a:defRPr sz="1600">
                 <a:solidFill>
@@ -1068,7 +5243,7 @@
                 </a:solidFill>
               </a:defRPr>
             </a:lvl4pPr>
-            <a:lvl5pPr marL="1828800" indent="0">
+            <a:lvl5pPr marL="1828754" indent="0">
               <a:buNone/>
               <a:defRPr sz="1600">
                 <a:solidFill>
@@ -1078,7 +5253,7 @@
                 </a:solidFill>
               </a:defRPr>
             </a:lvl5pPr>
-            <a:lvl6pPr marL="2286000" indent="0">
+            <a:lvl6pPr marL="2285943" indent="0">
               <a:buNone/>
               <a:defRPr sz="1600">
                 <a:solidFill>
@@ -1088,7 +5263,7 @@
                 </a:solidFill>
               </a:defRPr>
             </a:lvl6pPr>
-            <a:lvl7pPr marL="2743200" indent="0">
+            <a:lvl7pPr marL="2743131" indent="0">
               <a:buNone/>
               <a:defRPr sz="1600">
                 <a:solidFill>
@@ -1098,7 +5273,7 @@
                 </a:solidFill>
               </a:defRPr>
             </a:lvl7pPr>
-            <a:lvl8pPr marL="3200400" indent="0">
+            <a:lvl8pPr marL="3200320" indent="0">
               <a:buNone/>
               <a:defRPr sz="1600">
                 <a:solidFill>
@@ -1108,7 +5283,7 @@
                 </a:solidFill>
               </a:defRPr>
             </a:lvl8pPr>
-            <a:lvl9pPr marL="3657600" indent="0">
+            <a:lvl9pPr marL="3657509" indent="0">
               <a:buNone/>
               <a:defRPr sz="1600">
                 <a:solidFill>
@@ -1151,7 +5326,7 @@
           <a:p>
             <a:fld id="{9CBD7AB3-DE9B-4A68-A3F2-318885777724}" type="datetimeFigureOut">
               <a:rPr lang="en-IN" smtClean="0"/>
-              <a:t>04-11-2024</a:t>
+              <a:t>07-11-2024</a:t>
             </a:fld>
             <a:endParaRPr lang="en-IN"/>
           </a:p>
@@ -1419,7 +5594,7 @@
           <a:p>
             <a:fld id="{9CBD7AB3-DE9B-4A68-A3F2-318885777724}" type="datetimeFigureOut">
               <a:rPr lang="en-IN" smtClean="0"/>
-              <a:t>04-11-2024</a:t>
+              <a:t>07-11-2024</a:t>
             </a:fld>
             <a:endParaRPr lang="en-IN"/>
           </a:p>
@@ -1527,7 +5702,7 @@
         </p:nvSpPr>
         <p:spPr>
           <a:xfrm>
-            <a:off x="839788" y="365125"/>
+            <a:off x="839788" y="365127"/>
             <a:ext cx="10515600" cy="1325563"/>
           </a:xfrm>
         </p:spPr>
@@ -1561,7 +5736,7 @@
         </p:nvSpPr>
         <p:spPr>
           <a:xfrm>
-            <a:off x="839788" y="1681163"/>
+            <a:off x="839789" y="1681163"/>
             <a:ext cx="5157787" cy="823912"/>
           </a:xfrm>
         </p:spPr>
@@ -1572,35 +5747,35 @@
               <a:buNone/>
               <a:defRPr sz="2400" b="1"/>
             </a:lvl1pPr>
-            <a:lvl2pPr marL="457200" indent="0">
+            <a:lvl2pPr marL="457189" indent="0">
               <a:buNone/>
               <a:defRPr sz="2000" b="1"/>
             </a:lvl2pPr>
-            <a:lvl3pPr marL="914400" indent="0">
+            <a:lvl3pPr marL="914377" indent="0">
               <a:buNone/>
               <a:defRPr sz="1800" b="1"/>
             </a:lvl3pPr>
-            <a:lvl4pPr marL="1371600" indent="0">
+            <a:lvl4pPr marL="1371566" indent="0">
               <a:buNone/>
               <a:defRPr sz="1600" b="1"/>
             </a:lvl4pPr>
-            <a:lvl5pPr marL="1828800" indent="0">
+            <a:lvl5pPr marL="1828754" indent="0">
               <a:buNone/>
               <a:defRPr sz="1600" b="1"/>
             </a:lvl5pPr>
-            <a:lvl6pPr marL="2286000" indent="0">
+            <a:lvl6pPr marL="2285943" indent="0">
               <a:buNone/>
               <a:defRPr sz="1600" b="1"/>
             </a:lvl6pPr>
-            <a:lvl7pPr marL="2743200" indent="0">
+            <a:lvl7pPr marL="2743131" indent="0">
               <a:buNone/>
               <a:defRPr sz="1600" b="1"/>
             </a:lvl7pPr>
-            <a:lvl8pPr marL="3200400" indent="0">
+            <a:lvl8pPr marL="3200320" indent="0">
               <a:buNone/>
               <a:defRPr sz="1600" b="1"/>
             </a:lvl8pPr>
-            <a:lvl9pPr marL="3657600" indent="0">
+            <a:lvl9pPr marL="3657509" indent="0">
               <a:buNone/>
               <a:defRPr sz="1600" b="1"/>
             </a:lvl9pPr>
@@ -1632,7 +5807,7 @@
         </p:nvSpPr>
         <p:spPr>
           <a:xfrm>
-            <a:off x="839788" y="2505075"/>
+            <a:off x="839789" y="2505075"/>
             <a:ext cx="5157787" cy="3684588"/>
           </a:xfrm>
         </p:spPr>
@@ -1695,7 +5870,7 @@
         </p:nvSpPr>
         <p:spPr>
           <a:xfrm>
-            <a:off x="6172200" y="1681163"/>
+            <a:off x="6172201" y="1681163"/>
             <a:ext cx="5183188" cy="823912"/>
           </a:xfrm>
         </p:spPr>
@@ -1706,35 +5881,35 @@
               <a:buNone/>
               <a:defRPr sz="2400" b="1"/>
             </a:lvl1pPr>
-            <a:lvl2pPr marL="457200" indent="0">
+            <a:lvl2pPr marL="457189" indent="0">
               <a:buNone/>
               <a:defRPr sz="2000" b="1"/>
             </a:lvl2pPr>
-            <a:lvl3pPr marL="914400" indent="0">
+            <a:lvl3pPr marL="914377" indent="0">
               <a:buNone/>
               <a:defRPr sz="1800" b="1"/>
             </a:lvl3pPr>
-            <a:lvl4pPr marL="1371600" indent="0">
+            <a:lvl4pPr marL="1371566" indent="0">
               <a:buNone/>
               <a:defRPr sz="1600" b="1"/>
             </a:lvl4pPr>
-            <a:lvl5pPr marL="1828800" indent="0">
+            <a:lvl5pPr marL="1828754" indent="0">
               <a:buNone/>
               <a:defRPr sz="1600" b="1"/>
             </a:lvl5pPr>
-            <a:lvl6pPr marL="2286000" indent="0">
+            <a:lvl6pPr marL="2285943" indent="0">
               <a:buNone/>
               <a:defRPr sz="1600" b="1"/>
             </a:lvl6pPr>
-            <a:lvl7pPr marL="2743200" indent="0">
+            <a:lvl7pPr marL="2743131" indent="0">
               <a:buNone/>
               <a:defRPr sz="1600" b="1"/>
             </a:lvl7pPr>
-            <a:lvl8pPr marL="3200400" indent="0">
+            <a:lvl8pPr marL="3200320" indent="0">
               <a:buNone/>
               <a:defRPr sz="1600" b="1"/>
             </a:lvl8pPr>
-            <a:lvl9pPr marL="3657600" indent="0">
+            <a:lvl9pPr marL="3657509" indent="0">
               <a:buNone/>
               <a:defRPr sz="1600" b="1"/>
             </a:lvl9pPr>
@@ -1766,7 +5941,7 @@
         </p:nvSpPr>
         <p:spPr>
           <a:xfrm>
-            <a:off x="6172200" y="2505075"/>
+            <a:off x="6172201" y="2505075"/>
             <a:ext cx="5183188" cy="3684588"/>
           </a:xfrm>
         </p:spPr>
@@ -1834,7 +6009,7 @@
           <a:p>
             <a:fld id="{9CBD7AB3-DE9B-4A68-A3F2-318885777724}" type="datetimeFigureOut">
               <a:rPr lang="en-IN" smtClean="0"/>
-              <a:t>04-11-2024</a:t>
+              <a:t>07-11-2024</a:t>
             </a:fld>
             <a:endParaRPr lang="en-IN"/>
           </a:p>
@@ -1976,7 +6151,7 @@
           <a:p>
             <a:fld id="{9CBD7AB3-DE9B-4A68-A3F2-318885777724}" type="datetimeFigureOut">
               <a:rPr lang="en-IN" smtClean="0"/>
-              <a:t>04-11-2024</a:t>
+              <a:t>07-11-2024</a:t>
             </a:fld>
             <a:endParaRPr lang="en-IN"/>
           </a:p>
@@ -2089,7 +6264,7 @@
           <a:p>
             <a:fld id="{9CBD7AB3-DE9B-4A68-A3F2-318885777724}" type="datetimeFigureOut">
               <a:rPr lang="en-IN" smtClean="0"/>
-              <a:t>04-11-2024</a:t>
+              <a:t>07-11-2024</a:t>
             </a:fld>
             <a:endParaRPr lang="en-IN"/>
           </a:p>
@@ -2235,7 +6410,7 @@
         </p:nvSpPr>
         <p:spPr>
           <a:xfrm>
-            <a:off x="5183188" y="987425"/>
+            <a:off x="5183188" y="987427"/>
             <a:ext cx="6172200" cy="4873625"/>
           </a:xfrm>
         </p:spPr>
@@ -2337,35 +6512,35 @@
               <a:buNone/>
               <a:defRPr sz="1600"/>
             </a:lvl1pPr>
-            <a:lvl2pPr marL="457200" indent="0">
+            <a:lvl2pPr marL="457189" indent="0">
               <a:buNone/>
               <a:defRPr sz="1400"/>
             </a:lvl2pPr>
-            <a:lvl3pPr marL="914400" indent="0">
+            <a:lvl3pPr marL="914377" indent="0">
               <a:buNone/>
               <a:defRPr sz="1200"/>
             </a:lvl3pPr>
-            <a:lvl4pPr marL="1371600" indent="0">
+            <a:lvl4pPr marL="1371566" indent="0">
               <a:buNone/>
               <a:defRPr sz="1000"/>
             </a:lvl4pPr>
-            <a:lvl5pPr marL="1828800" indent="0">
+            <a:lvl5pPr marL="1828754" indent="0">
               <a:buNone/>
               <a:defRPr sz="1000"/>
             </a:lvl5pPr>
-            <a:lvl6pPr marL="2286000" indent="0">
+            <a:lvl6pPr marL="2285943" indent="0">
               <a:buNone/>
               <a:defRPr sz="1000"/>
             </a:lvl6pPr>
-            <a:lvl7pPr marL="2743200" indent="0">
+            <a:lvl7pPr marL="2743131" indent="0">
               <a:buNone/>
               <a:defRPr sz="1000"/>
             </a:lvl7pPr>
-            <a:lvl8pPr marL="3200400" indent="0">
+            <a:lvl8pPr marL="3200320" indent="0">
               <a:buNone/>
               <a:defRPr sz="1000"/>
             </a:lvl8pPr>
-            <a:lvl9pPr marL="3657600" indent="0">
+            <a:lvl9pPr marL="3657509" indent="0">
               <a:buNone/>
               <a:defRPr sz="1000"/>
             </a:lvl9pPr>
@@ -2402,7 +6577,7 @@
           <a:p>
             <a:fld id="{9CBD7AB3-DE9B-4A68-A3F2-318885777724}" type="datetimeFigureOut">
               <a:rPr lang="en-IN" smtClean="0"/>
-              <a:t>04-11-2024</a:t>
+              <a:t>07-11-2024</a:t>
             </a:fld>
             <a:endParaRPr lang="en-IN"/>
           </a:p>
@@ -2548,7 +6723,7 @@
         </p:nvSpPr>
         <p:spPr>
           <a:xfrm>
-            <a:off x="5183188" y="987425"/>
+            <a:off x="5183188" y="987427"/>
             <a:ext cx="6172200" cy="4873625"/>
           </a:xfrm>
         </p:spPr>
@@ -2559,35 +6734,35 @@
               <a:buNone/>
               <a:defRPr sz="3200"/>
             </a:lvl1pPr>
-            <a:lvl2pPr marL="457200" indent="0">
+            <a:lvl2pPr marL="457189" indent="0">
               <a:buNone/>
               <a:defRPr sz="2800"/>
             </a:lvl2pPr>
-            <a:lvl3pPr marL="914400" indent="0">
+            <a:lvl3pPr marL="914377" indent="0">
               <a:buNone/>
               <a:defRPr sz="2400"/>
             </a:lvl3pPr>
-            <a:lvl4pPr marL="1371600" indent="0">
+            <a:lvl4pPr marL="1371566" indent="0">
               <a:buNone/>
               <a:defRPr sz="2000"/>
             </a:lvl4pPr>
-            <a:lvl5pPr marL="1828800" indent="0">
+            <a:lvl5pPr marL="1828754" indent="0">
               <a:buNone/>
               <a:defRPr sz="2000"/>
             </a:lvl5pPr>
-            <a:lvl6pPr marL="2286000" indent="0">
+            <a:lvl6pPr marL="2285943" indent="0">
               <a:buNone/>
               <a:defRPr sz="2000"/>
             </a:lvl6pPr>
-            <a:lvl7pPr marL="2743200" indent="0">
+            <a:lvl7pPr marL="2743131" indent="0">
               <a:buNone/>
               <a:defRPr sz="2000"/>
             </a:lvl7pPr>
-            <a:lvl8pPr marL="3200400" indent="0">
+            <a:lvl8pPr marL="3200320" indent="0">
               <a:buNone/>
               <a:defRPr sz="2000"/>
             </a:lvl8pPr>
-            <a:lvl9pPr marL="3657600" indent="0">
+            <a:lvl9pPr marL="3657509" indent="0">
               <a:buNone/>
               <a:defRPr sz="2000"/>
             </a:lvl9pPr>
@@ -2626,35 +6801,35 @@
               <a:buNone/>
               <a:defRPr sz="1600"/>
             </a:lvl1pPr>
-            <a:lvl2pPr marL="457200" indent="0">
+            <a:lvl2pPr marL="457189" indent="0">
               <a:buNone/>
               <a:defRPr sz="1400"/>
             </a:lvl2pPr>
-            <a:lvl3pPr marL="914400" indent="0">
+            <a:lvl3pPr marL="914377" indent="0">
               <a:buNone/>
               <a:defRPr sz="1200"/>
             </a:lvl3pPr>
-            <a:lvl4pPr marL="1371600" indent="0">
+            <a:lvl4pPr marL="1371566" indent="0">
               <a:buNone/>
               <a:defRPr sz="1000"/>
             </a:lvl4pPr>
-            <a:lvl5pPr marL="1828800" indent="0">
+            <a:lvl5pPr marL="1828754" indent="0">
               <a:buNone/>
               <a:defRPr sz="1000"/>
             </a:lvl5pPr>
-            <a:lvl6pPr marL="2286000" indent="0">
+            <a:lvl6pPr marL="2285943" indent="0">
               <a:buNone/>
               <a:defRPr sz="1000"/>
             </a:lvl6pPr>
-            <a:lvl7pPr marL="2743200" indent="0">
+            <a:lvl7pPr marL="2743131" indent="0">
               <a:buNone/>
               <a:defRPr sz="1000"/>
             </a:lvl7pPr>
-            <a:lvl8pPr marL="3200400" indent="0">
+            <a:lvl8pPr marL="3200320" indent="0">
               <a:buNone/>
               <a:defRPr sz="1000"/>
             </a:lvl8pPr>
-            <a:lvl9pPr marL="3657600" indent="0">
+            <a:lvl9pPr marL="3657509" indent="0">
               <a:buNone/>
               <a:defRPr sz="1000"/>
             </a:lvl9pPr>
@@ -2691,7 +6866,7 @@
           <a:p>
             <a:fld id="{9CBD7AB3-DE9B-4A68-A3F2-318885777724}" type="datetimeFigureOut">
               <a:rPr lang="en-IN" smtClean="0"/>
-              <a:t>04-11-2024</a:t>
+              <a:t>07-11-2024</a:t>
             </a:fld>
             <a:endParaRPr lang="en-IN"/>
           </a:p>
@@ -2804,7 +6979,7 @@
         </p:nvSpPr>
         <p:spPr>
           <a:xfrm>
-            <a:off x="838200" y="365125"/>
+            <a:off x="838200" y="365127"/>
             <a:ext cx="10515600" cy="1325563"/>
           </a:xfrm>
           <a:prstGeom prst="rect">
@@ -2911,7 +7086,7 @@
         </p:nvSpPr>
         <p:spPr>
           <a:xfrm>
-            <a:off x="838200" y="6356350"/>
+            <a:off x="838200" y="6356352"/>
             <a:ext cx="2743200" cy="365125"/>
           </a:xfrm>
           <a:prstGeom prst="rect">
@@ -2934,7 +7109,7 @@
           <a:p>
             <a:fld id="{9CBD7AB3-DE9B-4A68-A3F2-318885777724}" type="datetimeFigureOut">
               <a:rPr lang="en-IN" smtClean="0"/>
-              <a:t>04-11-2024</a:t>
+              <a:t>07-11-2024</a:t>
             </a:fld>
             <a:endParaRPr lang="en-IN"/>
           </a:p>
@@ -2958,7 +7133,7 @@
         </p:nvSpPr>
         <p:spPr>
           <a:xfrm>
-            <a:off x="4038600" y="6356350"/>
+            <a:off x="4038600" y="6356352"/>
             <a:ext cx="4114800" cy="365125"/>
           </a:xfrm>
           <a:prstGeom prst="rect">
@@ -3001,7 +7176,7 @@
         </p:nvSpPr>
         <p:spPr>
           <a:xfrm>
-            <a:off x="8610600" y="6356350"/>
+            <a:off x="8610600" y="6356352"/>
             <a:ext cx="2743200" cy="365125"/>
           </a:xfrm>
           <a:prstGeom prst="rect">
@@ -3053,7 +7228,7 @@
   </p:sldLayoutIdLst>
   <p:txStyles>
     <p:titleStyle>
-      <a:lvl1pPr algn="l" defTabSz="914400" rtl="0" eaLnBrk="1" latinLnBrk="0" hangingPunct="1">
+      <a:lvl1pPr algn="l" defTabSz="914377" rtl="0" eaLnBrk="1" latinLnBrk="0" hangingPunct="1">
         <a:lnSpc>
           <a:spcPct val="90000"/>
         </a:lnSpc>
@@ -3072,7 +7247,7 @@
       </a:lvl1pPr>
     </p:titleStyle>
     <p:bodyStyle>
-      <a:lvl1pPr marL="228600" indent="-228600" algn="l" defTabSz="914400" rtl="0" eaLnBrk="1" latinLnBrk="0" hangingPunct="1">
+      <a:lvl1pPr marL="228594" indent="-228594" algn="l" defTabSz="914377" rtl="0" eaLnBrk="1" latinLnBrk="0" hangingPunct="1">
         <a:lnSpc>
           <a:spcPct val="90000"/>
         </a:lnSpc>
@@ -3090,7 +7265,7 @@
           <a:cs typeface="+mn-cs"/>
         </a:defRPr>
       </a:lvl1pPr>
-      <a:lvl2pPr marL="685800" indent="-228600" algn="l" defTabSz="914400" rtl="0" eaLnBrk="1" latinLnBrk="0" hangingPunct="1">
+      <a:lvl2pPr marL="685783" indent="-228594" algn="l" defTabSz="914377" rtl="0" eaLnBrk="1" latinLnBrk="0" hangingPunct="1">
         <a:lnSpc>
           <a:spcPct val="90000"/>
         </a:lnSpc>
@@ -3108,7 +7283,7 @@
           <a:cs typeface="+mn-cs"/>
         </a:defRPr>
       </a:lvl2pPr>
-      <a:lvl3pPr marL="1143000" indent="-228600" algn="l" defTabSz="914400" rtl="0" eaLnBrk="1" latinLnBrk="0" hangingPunct="1">
+      <a:lvl3pPr marL="1142971" indent="-228594" algn="l" defTabSz="914377" rtl="0" eaLnBrk="1" latinLnBrk="0" hangingPunct="1">
         <a:lnSpc>
           <a:spcPct val="90000"/>
         </a:lnSpc>
@@ -3126,7 +7301,7 @@
           <a:cs typeface="+mn-cs"/>
         </a:defRPr>
       </a:lvl3pPr>
-      <a:lvl4pPr marL="1600200" indent="-228600" algn="l" defTabSz="914400" rtl="0" eaLnBrk="1" latinLnBrk="0" hangingPunct="1">
+      <a:lvl4pPr marL="1600160" indent="-228594" algn="l" defTabSz="914377" rtl="0" eaLnBrk="1" latinLnBrk="0" hangingPunct="1">
         <a:lnSpc>
           <a:spcPct val="90000"/>
         </a:lnSpc>
@@ -3144,7 +7319,7 @@
           <a:cs typeface="+mn-cs"/>
         </a:defRPr>
       </a:lvl4pPr>
-      <a:lvl5pPr marL="2057400" indent="-228600" algn="l" defTabSz="914400" rtl="0" eaLnBrk="1" latinLnBrk="0" hangingPunct="1">
+      <a:lvl5pPr marL="2057349" indent="-228594" algn="l" defTabSz="914377" rtl="0" eaLnBrk="1" latinLnBrk="0" hangingPunct="1">
         <a:lnSpc>
           <a:spcPct val="90000"/>
         </a:lnSpc>
@@ -3162,7 +7337,7 @@
           <a:cs typeface="+mn-cs"/>
         </a:defRPr>
       </a:lvl5pPr>
-      <a:lvl6pPr marL="2514600" indent="-228600" algn="l" defTabSz="914400" rtl="0" eaLnBrk="1" latinLnBrk="0" hangingPunct="1">
+      <a:lvl6pPr marL="2514537" indent="-228594" algn="l" defTabSz="914377" rtl="0" eaLnBrk="1" latinLnBrk="0" hangingPunct="1">
         <a:lnSpc>
           <a:spcPct val="90000"/>
         </a:lnSpc>
@@ -3180,7 +7355,7 @@
           <a:cs typeface="+mn-cs"/>
         </a:defRPr>
       </a:lvl6pPr>
-      <a:lvl7pPr marL="2971800" indent="-228600" algn="l" defTabSz="914400" rtl="0" eaLnBrk="1" latinLnBrk="0" hangingPunct="1">
+      <a:lvl7pPr marL="2971726" indent="-228594" algn="l" defTabSz="914377" rtl="0" eaLnBrk="1" latinLnBrk="0" hangingPunct="1">
         <a:lnSpc>
           <a:spcPct val="90000"/>
         </a:lnSpc>
@@ -3198,7 +7373,7 @@
           <a:cs typeface="+mn-cs"/>
         </a:defRPr>
       </a:lvl7pPr>
-      <a:lvl8pPr marL="3429000" indent="-228600" algn="l" defTabSz="914400" rtl="0" eaLnBrk="1" latinLnBrk="0" hangingPunct="1">
+      <a:lvl8pPr marL="3428914" indent="-228594" algn="l" defTabSz="914377" rtl="0" eaLnBrk="1" latinLnBrk="0" hangingPunct="1">
         <a:lnSpc>
           <a:spcPct val="90000"/>
         </a:lnSpc>
@@ -3216,7 +7391,7 @@
           <a:cs typeface="+mn-cs"/>
         </a:defRPr>
       </a:lvl8pPr>
-      <a:lvl9pPr marL="3886200" indent="-228600" algn="l" defTabSz="914400" rtl="0" eaLnBrk="1" latinLnBrk="0" hangingPunct="1">
+      <a:lvl9pPr marL="3886103" indent="-228594" algn="l" defTabSz="914377" rtl="0" eaLnBrk="1" latinLnBrk="0" hangingPunct="1">
         <a:lnSpc>
           <a:spcPct val="90000"/>
         </a:lnSpc>
@@ -3239,7 +7414,7 @@
       <a:defPPr>
         <a:defRPr lang="en-US"/>
       </a:defPPr>
-      <a:lvl1pPr marL="0" algn="l" defTabSz="914400" rtl="0" eaLnBrk="1" latinLnBrk="0" hangingPunct="1">
+      <a:lvl1pPr marL="0" algn="l" defTabSz="914377" rtl="0" eaLnBrk="1" latinLnBrk="0" hangingPunct="1">
         <a:defRPr sz="1800" kern="1200">
           <a:solidFill>
             <a:schemeClr val="tx1"/>
@@ -3249,7 +7424,7 @@
           <a:cs typeface="+mn-cs"/>
         </a:defRPr>
       </a:lvl1pPr>
-      <a:lvl2pPr marL="457200" algn="l" defTabSz="914400" rtl="0" eaLnBrk="1" latinLnBrk="0" hangingPunct="1">
+      <a:lvl2pPr marL="457189" algn="l" defTabSz="914377" rtl="0" eaLnBrk="1" latinLnBrk="0" hangingPunct="1">
         <a:defRPr sz="1800" kern="1200">
           <a:solidFill>
             <a:schemeClr val="tx1"/>
@@ -3259,7 +7434,7 @@
           <a:cs typeface="+mn-cs"/>
         </a:defRPr>
       </a:lvl2pPr>
-      <a:lvl3pPr marL="914400" algn="l" defTabSz="914400" rtl="0" eaLnBrk="1" latinLnBrk="0" hangingPunct="1">
+      <a:lvl3pPr marL="914377" algn="l" defTabSz="914377" rtl="0" eaLnBrk="1" latinLnBrk="0" hangingPunct="1">
         <a:defRPr sz="1800" kern="1200">
           <a:solidFill>
             <a:schemeClr val="tx1"/>
@@ -3269,7 +7444,7 @@
           <a:cs typeface="+mn-cs"/>
         </a:defRPr>
       </a:lvl3pPr>
-      <a:lvl4pPr marL="1371600" algn="l" defTabSz="914400" rtl="0" eaLnBrk="1" latinLnBrk="0" hangingPunct="1">
+      <a:lvl4pPr marL="1371566" algn="l" defTabSz="914377" rtl="0" eaLnBrk="1" latinLnBrk="0" hangingPunct="1">
         <a:defRPr sz="1800" kern="1200">
           <a:solidFill>
             <a:schemeClr val="tx1"/>
@@ -3279,7 +7454,7 @@
           <a:cs typeface="+mn-cs"/>
         </a:defRPr>
       </a:lvl4pPr>
-      <a:lvl5pPr marL="1828800" algn="l" defTabSz="914400" rtl="0" eaLnBrk="1" latinLnBrk="0" hangingPunct="1">
+      <a:lvl5pPr marL="1828754" algn="l" defTabSz="914377" rtl="0" eaLnBrk="1" latinLnBrk="0" hangingPunct="1">
         <a:defRPr sz="1800" kern="1200">
           <a:solidFill>
             <a:schemeClr val="tx1"/>
@@ -3289,7 +7464,7 @@
           <a:cs typeface="+mn-cs"/>
         </a:defRPr>
       </a:lvl5pPr>
-      <a:lvl6pPr marL="2286000" algn="l" defTabSz="914400" rtl="0" eaLnBrk="1" latinLnBrk="0" hangingPunct="1">
+      <a:lvl6pPr marL="2285943" algn="l" defTabSz="914377" rtl="0" eaLnBrk="1" latinLnBrk="0" hangingPunct="1">
         <a:defRPr sz="1800" kern="1200">
           <a:solidFill>
             <a:schemeClr val="tx1"/>
@@ -3299,7 +7474,7 @@
           <a:cs typeface="+mn-cs"/>
         </a:defRPr>
       </a:lvl6pPr>
-      <a:lvl7pPr marL="2743200" algn="l" defTabSz="914400" rtl="0" eaLnBrk="1" latinLnBrk="0" hangingPunct="1">
+      <a:lvl7pPr marL="2743131" algn="l" defTabSz="914377" rtl="0" eaLnBrk="1" latinLnBrk="0" hangingPunct="1">
         <a:defRPr sz="1800" kern="1200">
           <a:solidFill>
             <a:schemeClr val="tx1"/>
@@ -3309,7 +7484,7 @@
           <a:cs typeface="+mn-cs"/>
         </a:defRPr>
       </a:lvl7pPr>
-      <a:lvl8pPr marL="3200400" algn="l" defTabSz="914400" rtl="0" eaLnBrk="1" latinLnBrk="0" hangingPunct="1">
+      <a:lvl8pPr marL="3200320" algn="l" defTabSz="914377" rtl="0" eaLnBrk="1" latinLnBrk="0" hangingPunct="1">
         <a:defRPr sz="1800" kern="1200">
           <a:solidFill>
             <a:schemeClr val="tx1"/>
@@ -3319,7 +7494,7 @@
           <a:cs typeface="+mn-cs"/>
         </a:defRPr>
       </a:lvl8pPr>
-      <a:lvl9pPr marL="3657600" algn="l" defTabSz="914400" rtl="0" eaLnBrk="1" latinLnBrk="0" hangingPunct="1">
+      <a:lvl9pPr marL="3657509" algn="l" defTabSz="914377" rtl="0" eaLnBrk="1" latinLnBrk="0" hangingPunct="1">
         <a:defRPr sz="1800" kern="1200">
           <a:solidFill>
             <a:schemeClr val="tx1"/>
@@ -3365,7 +7540,7 @@
         </p:nvSpPr>
         <p:spPr>
           <a:xfrm>
-            <a:off x="3956785" y="271206"/>
+            <a:off x="3956786" y="271210"/>
             <a:ext cx="4063933" cy="584775"/>
           </a:xfrm>
           <a:prstGeom prst="rect">
@@ -3401,7 +7576,7 @@
         </p:nvSpPr>
         <p:spPr>
           <a:xfrm>
-            <a:off x="3746791" y="5749816"/>
+            <a:off x="3746791" y="5749821"/>
             <a:ext cx="4483920" cy="646331"/>
           </a:xfrm>
           <a:prstGeom prst="rect">
@@ -3474,7 +7649,7 @@
         </p:blipFill>
         <p:spPr bwMode="auto">
           <a:xfrm>
-            <a:off x="2073412" y="1089522"/>
+            <a:off x="2073412" y="1089523"/>
             <a:ext cx="7920109" cy="4452861"/>
           </a:xfrm>
           <a:prstGeom prst="rect">
@@ -3513,6 +7688,1837 @@
         <p:cNvPr id="1" name="">
           <a:extLst>
             <a:ext uri="{FF2B5EF4-FFF2-40B4-BE49-F238E27FC236}">
+              <a16:creationId xmlns:a16="http://schemas.microsoft.com/office/drawing/2014/main" id="{B102658B-F961-D82F-88D1-AE6551C78538}"/>
+            </a:ext>
+          </a:extLst>
+        </p:cNvPr>
+        <p:cNvGrpSpPr/>
+        <p:nvPr/>
+      </p:nvGrpSpPr>
+      <p:grpSpPr>
+        <a:xfrm>
+          <a:off x="0" y="0"/>
+          <a:ext cx="0" cy="0"/>
+          <a:chOff x="0" y="0"/>
+          <a:chExt cx="0" cy="0"/>
+        </a:xfrm>
+      </p:grpSpPr>
+      <p:sp>
+        <p:nvSpPr>
+          <p:cNvPr id="3" name="TextBox 2">
+            <a:extLst>
+              <a:ext uri="{FF2B5EF4-FFF2-40B4-BE49-F238E27FC236}">
+                <a16:creationId xmlns:a16="http://schemas.microsoft.com/office/drawing/2014/main" id="{5968BB1D-1B13-B598-0EFA-09FFECA40078}"/>
+              </a:ext>
+            </a:extLst>
+          </p:cNvPr>
+          <p:cNvSpPr txBox="1"/>
+          <p:nvPr/>
+        </p:nvSpPr>
+        <p:spPr>
+          <a:xfrm>
+            <a:off x="2723745" y="469639"/>
+            <a:ext cx="7186307" cy="369332"/>
+          </a:xfrm>
+          <a:prstGeom prst="rect">
+            <a:avLst/>
+          </a:prstGeom>
+          <a:noFill/>
+        </p:spPr>
+        <p:txBody>
+          <a:bodyPr wrap="square">
+            <a:spAutoFit/>
+          </a:bodyPr>
+          <a:lstStyle/>
+          <a:p>
+            <a:r>
+              <a:rPr lang="en-US" sz="1800" dirty="0">
+                <a:solidFill>
+                  <a:srgbClr val="000000"/>
+                </a:solidFill>
+                <a:latin typeface="Times New Roman" panose="02020603050405020304" pitchFamily="18" charset="0"/>
+                <a:cs typeface="Times New Roman" panose="02020603050405020304" pitchFamily="18" charset="0"/>
+              </a:rPr>
+              <a:t>What are the most popular localities and properties in New York currently</a:t>
+            </a:r>
+            <a:endParaRPr lang="en-IN" dirty="0"/>
+          </a:p>
+        </p:txBody>
+      </p:sp>
+      <p:pic>
+        <p:nvPicPr>
+          <p:cNvPr id="7" name="Picture 6">
+            <a:extLst>
+              <a:ext uri="{FF2B5EF4-FFF2-40B4-BE49-F238E27FC236}">
+                <a16:creationId xmlns:a16="http://schemas.microsoft.com/office/drawing/2014/main" id="{C684069E-6B59-F9F3-CDFD-4ABDE15DF10A}"/>
+              </a:ext>
+            </a:extLst>
+          </p:cNvPr>
+          <p:cNvPicPr>
+            <a:picLocks noChangeAspect="1"/>
+          </p:cNvPicPr>
+          <p:nvPr/>
+        </p:nvPicPr>
+        <p:blipFill>
+          <a:blip r:embed="rId2"/>
+          <a:stretch>
+            <a:fillRect/>
+          </a:stretch>
+        </p:blipFill>
+        <p:spPr>
+          <a:xfrm>
+            <a:off x="113517" y="1473538"/>
+            <a:ext cx="7437030" cy="3254837"/>
+          </a:xfrm>
+          <a:prstGeom prst="rect">
+            <a:avLst/>
+          </a:prstGeom>
+        </p:spPr>
+      </p:pic>
+      <p:pic>
+        <p:nvPicPr>
+          <p:cNvPr id="9" name="Picture 8">
+            <a:extLst>
+              <a:ext uri="{FF2B5EF4-FFF2-40B4-BE49-F238E27FC236}">
+                <a16:creationId xmlns:a16="http://schemas.microsoft.com/office/drawing/2014/main" id="{4524C1E5-816E-7923-2E8E-A2C16ADFD9EB}"/>
+              </a:ext>
+            </a:extLst>
+          </p:cNvPr>
+          <p:cNvPicPr>
+            <a:picLocks noChangeAspect="1"/>
+          </p:cNvPicPr>
+          <p:nvPr/>
+        </p:nvPicPr>
+        <p:blipFill>
+          <a:blip r:embed="rId3"/>
+          <a:stretch>
+            <a:fillRect/>
+          </a:stretch>
+        </p:blipFill>
+        <p:spPr>
+          <a:xfrm>
+            <a:off x="6229302" y="3429000"/>
+            <a:ext cx="1155346" cy="623887"/>
+          </a:xfrm>
+          <a:prstGeom prst="rect">
+            <a:avLst/>
+          </a:prstGeom>
+        </p:spPr>
+      </p:pic>
+      <p:graphicFrame>
+        <p:nvGraphicFramePr>
+          <p:cNvPr id="10" name="Table 9">
+            <a:extLst>
+              <a:ext uri="{FF2B5EF4-FFF2-40B4-BE49-F238E27FC236}">
+                <a16:creationId xmlns:a16="http://schemas.microsoft.com/office/drawing/2014/main" id="{670CA544-6093-663D-2ED8-F213F4067DC2}"/>
+              </a:ext>
+            </a:extLst>
+          </p:cNvPr>
+          <p:cNvGraphicFramePr>
+            <a:graphicFrameLocks noGrp="1"/>
+          </p:cNvGraphicFramePr>
+          <p:nvPr>
+            <p:extLst>
+              <p:ext uri="{D42A27DB-BD31-4B8C-83A1-F6EECF244321}">
+                <p14:modId xmlns:p14="http://schemas.microsoft.com/office/powerpoint/2010/main" val="3319164983"/>
+              </p:ext>
+            </p:extLst>
+          </p:nvPr>
+        </p:nvGraphicFramePr>
+        <p:xfrm>
+          <a:off x="7890270" y="1906065"/>
+          <a:ext cx="4124252" cy="2605224"/>
+        </p:xfrm>
+        <a:graphic>
+          <a:graphicData uri="http://schemas.openxmlformats.org/drawingml/2006/table">
+            <a:tbl>
+              <a:tblPr>
+                <a:tableStyleId>{5940675A-B579-460E-94D1-54222C63F5DA}</a:tableStyleId>
+              </a:tblPr>
+              <a:tblGrid>
+                <a:gridCol w="1813016">
+                  <a:extLst>
+                    <a:ext uri="{9D8B030D-6E8A-4147-A177-3AD203B41FA5}">
+                      <a16:colId xmlns:a16="http://schemas.microsoft.com/office/drawing/2014/main" val="4117647120"/>
+                    </a:ext>
+                  </a:extLst>
+                </a:gridCol>
+                <a:gridCol w="1385261">
+                  <a:extLst>
+                    <a:ext uri="{9D8B030D-6E8A-4147-A177-3AD203B41FA5}">
+                      <a16:colId xmlns:a16="http://schemas.microsoft.com/office/drawing/2014/main" val="2141999741"/>
+                    </a:ext>
+                  </a:extLst>
+                </a:gridCol>
+                <a:gridCol w="925975">
+                  <a:extLst>
+                    <a:ext uri="{9D8B030D-6E8A-4147-A177-3AD203B41FA5}">
+                      <a16:colId xmlns:a16="http://schemas.microsoft.com/office/drawing/2014/main" val="4149260994"/>
+                    </a:ext>
+                  </a:extLst>
+                </a:gridCol>
+              </a:tblGrid>
+              <a:tr h="288744">
+                <a:tc>
+                  <a:txBody>
+                    <a:bodyPr/>
+                    <a:lstStyle/>
+                    <a:p>
+                      <a:pPr algn="ctr" fontAlgn="b"/>
+                      <a:r>
+                        <a:rPr lang="en-IN" sz="1050" b="1" u="none" strike="noStrike" dirty="0">
+                          <a:solidFill>
+                            <a:schemeClr val="bg1">
+                              <a:lumMod val="50000"/>
+                            </a:schemeClr>
+                          </a:solidFill>
+                          <a:effectLst/>
+                        </a:rPr>
+                        <a:t>name</a:t>
+                      </a:r>
+                      <a:endParaRPr lang="en-IN" sz="1050" b="1" i="0" u="none" strike="noStrike" dirty="0">
+                        <a:solidFill>
+                          <a:schemeClr val="bg1">
+                            <a:lumMod val="50000"/>
+                          </a:schemeClr>
+                        </a:solidFill>
+                        <a:effectLst/>
+                        <a:latin typeface="Times New Roman" panose="02020603050405020304" pitchFamily="18" charset="0"/>
+                        <a:cs typeface="Times New Roman" panose="02020603050405020304" pitchFamily="18" charset="0"/>
+                      </a:endParaRPr>
+                    </a:p>
+                  </a:txBody>
+                  <a:tcPr marL="7620" marR="7620" marT="7620" marB="0" anchor="ctr"/>
+                </a:tc>
+                <a:tc>
+                  <a:txBody>
+                    <a:bodyPr/>
+                    <a:lstStyle/>
+                    <a:p>
+                      <a:pPr algn="ctr" fontAlgn="b"/>
+                      <a:r>
+                        <a:rPr lang="en-IN" sz="1050" b="1" u="none" strike="noStrike" dirty="0" err="1">
+                          <a:solidFill>
+                            <a:schemeClr val="bg1">
+                              <a:lumMod val="50000"/>
+                            </a:schemeClr>
+                          </a:solidFill>
+                          <a:effectLst/>
+                        </a:rPr>
+                        <a:t>neighbourhood_group</a:t>
+                      </a:r>
+                      <a:endParaRPr lang="en-IN" sz="1050" b="1" i="0" u="none" strike="noStrike" dirty="0">
+                        <a:solidFill>
+                          <a:schemeClr val="bg1">
+                            <a:lumMod val="50000"/>
+                          </a:schemeClr>
+                        </a:solidFill>
+                        <a:effectLst/>
+                        <a:latin typeface="Times New Roman" panose="02020603050405020304" pitchFamily="18" charset="0"/>
+                        <a:cs typeface="Times New Roman" panose="02020603050405020304" pitchFamily="18" charset="0"/>
+                      </a:endParaRPr>
+                    </a:p>
+                  </a:txBody>
+                  <a:tcPr marL="7620" marR="7620" marT="7620" marB="0" anchor="ctr"/>
+                </a:tc>
+                <a:tc>
+                  <a:txBody>
+                    <a:bodyPr/>
+                    <a:lstStyle/>
+                    <a:p>
+                      <a:pPr algn="ctr" fontAlgn="b"/>
+                      <a:r>
+                        <a:rPr lang="en-IN" sz="1050" b="1" u="none" strike="noStrike" dirty="0">
+                          <a:solidFill>
+                            <a:schemeClr val="bg1">
+                              <a:lumMod val="50000"/>
+                            </a:schemeClr>
+                          </a:solidFill>
+                          <a:effectLst/>
+                        </a:rPr>
+                        <a:t>neighbourhood</a:t>
+                      </a:r>
+                      <a:endParaRPr lang="en-IN" sz="1050" b="1" i="0" u="none" strike="noStrike" dirty="0">
+                        <a:solidFill>
+                          <a:schemeClr val="bg1">
+                            <a:lumMod val="50000"/>
+                          </a:schemeClr>
+                        </a:solidFill>
+                        <a:effectLst/>
+                        <a:latin typeface="Times New Roman" panose="02020603050405020304" pitchFamily="18" charset="0"/>
+                        <a:cs typeface="Times New Roman" panose="02020603050405020304" pitchFamily="18" charset="0"/>
+                      </a:endParaRPr>
+                    </a:p>
+                  </a:txBody>
+                  <a:tcPr marL="7620" marR="7620" marT="7620" marB="0" anchor="ctr"/>
+                </a:tc>
+                <a:extLst>
+                  <a:ext uri="{0D108BD9-81ED-4DB2-BD59-A6C34878D82A}">
+                    <a16:rowId xmlns:a16="http://schemas.microsoft.com/office/drawing/2014/main" val="489926094"/>
+                  </a:ext>
+                </a:extLst>
+              </a:tr>
+              <a:tr h="147580">
+                <a:tc>
+                  <a:txBody>
+                    <a:bodyPr/>
+                    <a:lstStyle/>
+                    <a:p>
+                      <a:pPr algn="l" fontAlgn="b"/>
+                      <a:r>
+                        <a:rPr lang="en-US" sz="1050" b="0" u="none" strike="noStrike" dirty="0">
+                          <a:solidFill>
+                            <a:schemeClr val="bg1">
+                              <a:lumMod val="50000"/>
+                            </a:schemeClr>
+                          </a:solidFill>
+                          <a:effectLst/>
+                        </a:rPr>
+                        <a:t>Room near JFK Queen Bed</a:t>
+                      </a:r>
+                      <a:endParaRPr lang="en-US" sz="1050" b="0" i="0" u="none" strike="noStrike" dirty="0">
+                        <a:solidFill>
+                          <a:schemeClr val="bg1">
+                            <a:lumMod val="50000"/>
+                          </a:schemeClr>
+                        </a:solidFill>
+                        <a:effectLst/>
+                        <a:latin typeface="Times New Roman" panose="02020603050405020304" pitchFamily="18" charset="0"/>
+                        <a:cs typeface="Times New Roman" panose="02020603050405020304" pitchFamily="18" charset="0"/>
+                      </a:endParaRPr>
+                    </a:p>
+                  </a:txBody>
+                  <a:tcPr marL="7620" marR="7620" marT="7620" marB="0" anchor="ctr"/>
+                </a:tc>
+                <a:tc>
+                  <a:txBody>
+                    <a:bodyPr/>
+                    <a:lstStyle/>
+                    <a:p>
+                      <a:pPr algn="ctr" fontAlgn="b"/>
+                      <a:r>
+                        <a:rPr lang="en-IN" sz="1050" b="0" u="none" strike="noStrike">
+                          <a:solidFill>
+                            <a:schemeClr val="bg1">
+                              <a:lumMod val="50000"/>
+                            </a:schemeClr>
+                          </a:solidFill>
+                          <a:effectLst/>
+                        </a:rPr>
+                        <a:t>Queens</a:t>
+                      </a:r>
+                      <a:endParaRPr lang="en-IN" sz="1050" b="0" i="0" u="none" strike="noStrike">
+                        <a:solidFill>
+                          <a:schemeClr val="bg1">
+                            <a:lumMod val="50000"/>
+                          </a:schemeClr>
+                        </a:solidFill>
+                        <a:effectLst/>
+                        <a:latin typeface="Times New Roman" panose="02020603050405020304" pitchFamily="18" charset="0"/>
+                        <a:cs typeface="Times New Roman" panose="02020603050405020304" pitchFamily="18" charset="0"/>
+                      </a:endParaRPr>
+                    </a:p>
+                  </a:txBody>
+                  <a:tcPr marL="7620" marR="7620" marT="7620" marB="0" anchor="ctr"/>
+                </a:tc>
+                <a:tc>
+                  <a:txBody>
+                    <a:bodyPr/>
+                    <a:lstStyle/>
+                    <a:p>
+                      <a:pPr algn="ctr" fontAlgn="b"/>
+                      <a:r>
+                        <a:rPr lang="en-IN" sz="1050" b="0" u="none" strike="noStrike">
+                          <a:solidFill>
+                            <a:schemeClr val="bg1">
+                              <a:lumMod val="50000"/>
+                            </a:schemeClr>
+                          </a:solidFill>
+                          <a:effectLst/>
+                        </a:rPr>
+                        <a:t>Jamaica</a:t>
+                      </a:r>
+                      <a:endParaRPr lang="en-IN" sz="1050" b="0" i="0" u="none" strike="noStrike">
+                        <a:solidFill>
+                          <a:schemeClr val="bg1">
+                            <a:lumMod val="50000"/>
+                          </a:schemeClr>
+                        </a:solidFill>
+                        <a:effectLst/>
+                        <a:latin typeface="Times New Roman" panose="02020603050405020304" pitchFamily="18" charset="0"/>
+                        <a:cs typeface="Times New Roman" panose="02020603050405020304" pitchFamily="18" charset="0"/>
+                      </a:endParaRPr>
+                    </a:p>
+                  </a:txBody>
+                  <a:tcPr marL="7620" marR="7620" marT="7620" marB="0" anchor="ctr"/>
+                </a:tc>
+                <a:extLst>
+                  <a:ext uri="{0D108BD9-81ED-4DB2-BD59-A6C34878D82A}">
+                    <a16:rowId xmlns:a16="http://schemas.microsoft.com/office/drawing/2014/main" val="2635900181"/>
+                  </a:ext>
+                </a:extLst>
+              </a:tr>
+              <a:tr h="163369">
+                <a:tc>
+                  <a:txBody>
+                    <a:bodyPr/>
+                    <a:lstStyle/>
+                    <a:p>
+                      <a:pPr algn="l" fontAlgn="b"/>
+                      <a:r>
+                        <a:rPr lang="en-IN" sz="1050" b="0" u="none" strike="noStrike" dirty="0">
+                          <a:solidFill>
+                            <a:schemeClr val="bg1">
+                              <a:lumMod val="50000"/>
+                            </a:schemeClr>
+                          </a:solidFill>
+                          <a:effectLst/>
+                        </a:rPr>
+                        <a:t>Great Bedroom in Manhattan</a:t>
+                      </a:r>
+                      <a:endParaRPr lang="en-IN" sz="1050" b="0" i="0" u="none" strike="noStrike" dirty="0">
+                        <a:solidFill>
+                          <a:schemeClr val="bg1">
+                            <a:lumMod val="50000"/>
+                          </a:schemeClr>
+                        </a:solidFill>
+                        <a:effectLst/>
+                        <a:latin typeface="Times New Roman" panose="02020603050405020304" pitchFamily="18" charset="0"/>
+                        <a:cs typeface="Times New Roman" panose="02020603050405020304" pitchFamily="18" charset="0"/>
+                      </a:endParaRPr>
+                    </a:p>
+                  </a:txBody>
+                  <a:tcPr marL="7620" marR="7620" marT="7620" marB="0" anchor="ctr"/>
+                </a:tc>
+                <a:tc>
+                  <a:txBody>
+                    <a:bodyPr/>
+                    <a:lstStyle/>
+                    <a:p>
+                      <a:pPr algn="ctr" fontAlgn="b"/>
+                      <a:r>
+                        <a:rPr lang="en-IN" sz="1050" b="0" u="none" strike="noStrike">
+                          <a:solidFill>
+                            <a:schemeClr val="bg1">
+                              <a:lumMod val="50000"/>
+                            </a:schemeClr>
+                          </a:solidFill>
+                          <a:effectLst/>
+                        </a:rPr>
+                        <a:t>Manhattan</a:t>
+                      </a:r>
+                      <a:endParaRPr lang="en-IN" sz="1050" b="0" i="0" u="none" strike="noStrike">
+                        <a:solidFill>
+                          <a:schemeClr val="bg1">
+                            <a:lumMod val="50000"/>
+                          </a:schemeClr>
+                        </a:solidFill>
+                        <a:effectLst/>
+                        <a:latin typeface="Times New Roman" panose="02020603050405020304" pitchFamily="18" charset="0"/>
+                        <a:cs typeface="Times New Roman" panose="02020603050405020304" pitchFamily="18" charset="0"/>
+                      </a:endParaRPr>
+                    </a:p>
+                  </a:txBody>
+                  <a:tcPr marL="7620" marR="7620" marT="7620" marB="0" anchor="ctr"/>
+                </a:tc>
+                <a:tc>
+                  <a:txBody>
+                    <a:bodyPr/>
+                    <a:lstStyle/>
+                    <a:p>
+                      <a:pPr algn="ctr" fontAlgn="b"/>
+                      <a:r>
+                        <a:rPr lang="en-IN" sz="1050" b="0" u="none" strike="noStrike">
+                          <a:solidFill>
+                            <a:schemeClr val="bg1">
+                              <a:lumMod val="50000"/>
+                            </a:schemeClr>
+                          </a:solidFill>
+                          <a:effectLst/>
+                        </a:rPr>
+                        <a:t>Harlem</a:t>
+                      </a:r>
+                      <a:endParaRPr lang="en-IN" sz="1050" b="0" i="0" u="none" strike="noStrike">
+                        <a:solidFill>
+                          <a:schemeClr val="bg1">
+                            <a:lumMod val="50000"/>
+                          </a:schemeClr>
+                        </a:solidFill>
+                        <a:effectLst/>
+                        <a:latin typeface="Times New Roman" panose="02020603050405020304" pitchFamily="18" charset="0"/>
+                        <a:cs typeface="Times New Roman" panose="02020603050405020304" pitchFamily="18" charset="0"/>
+                      </a:endParaRPr>
+                    </a:p>
+                  </a:txBody>
+                  <a:tcPr marL="7620" marR="7620" marT="7620" marB="0" anchor="ctr"/>
+                </a:tc>
+                <a:extLst>
+                  <a:ext uri="{0D108BD9-81ED-4DB2-BD59-A6C34878D82A}">
+                    <a16:rowId xmlns:a16="http://schemas.microsoft.com/office/drawing/2014/main" val="3350847920"/>
+                  </a:ext>
+                </a:extLst>
+              </a:tr>
+              <a:tr h="163369">
+                <a:tc>
+                  <a:txBody>
+                    <a:bodyPr/>
+                    <a:lstStyle/>
+                    <a:p>
+                      <a:pPr algn="l" fontAlgn="b"/>
+                      <a:r>
+                        <a:rPr lang="en-IN" sz="1050" b="0" u="none" strike="noStrike" dirty="0">
+                          <a:solidFill>
+                            <a:schemeClr val="bg1">
+                              <a:lumMod val="50000"/>
+                            </a:schemeClr>
+                          </a:solidFill>
+                          <a:effectLst/>
+                        </a:rPr>
+                        <a:t>Beautiful Bedroom in Manhattan</a:t>
+                      </a:r>
+                      <a:endParaRPr lang="en-IN" sz="1050" b="0" i="0" u="none" strike="noStrike" dirty="0">
+                        <a:solidFill>
+                          <a:schemeClr val="bg1">
+                            <a:lumMod val="50000"/>
+                          </a:schemeClr>
+                        </a:solidFill>
+                        <a:effectLst/>
+                        <a:latin typeface="Times New Roman" panose="02020603050405020304" pitchFamily="18" charset="0"/>
+                        <a:cs typeface="Times New Roman" panose="02020603050405020304" pitchFamily="18" charset="0"/>
+                      </a:endParaRPr>
+                    </a:p>
+                  </a:txBody>
+                  <a:tcPr marL="7620" marR="7620" marT="7620" marB="0" anchor="ctr"/>
+                </a:tc>
+                <a:tc>
+                  <a:txBody>
+                    <a:bodyPr/>
+                    <a:lstStyle/>
+                    <a:p>
+                      <a:pPr algn="ctr" fontAlgn="b"/>
+                      <a:r>
+                        <a:rPr lang="en-IN" sz="1050" b="0" u="none" strike="noStrike">
+                          <a:solidFill>
+                            <a:schemeClr val="bg1">
+                              <a:lumMod val="50000"/>
+                            </a:schemeClr>
+                          </a:solidFill>
+                          <a:effectLst/>
+                        </a:rPr>
+                        <a:t>Manhattan</a:t>
+                      </a:r>
+                      <a:endParaRPr lang="en-IN" sz="1050" b="0" i="0" u="none" strike="noStrike">
+                        <a:solidFill>
+                          <a:schemeClr val="bg1">
+                            <a:lumMod val="50000"/>
+                          </a:schemeClr>
+                        </a:solidFill>
+                        <a:effectLst/>
+                        <a:latin typeface="Times New Roman" panose="02020603050405020304" pitchFamily="18" charset="0"/>
+                        <a:cs typeface="Times New Roman" panose="02020603050405020304" pitchFamily="18" charset="0"/>
+                      </a:endParaRPr>
+                    </a:p>
+                  </a:txBody>
+                  <a:tcPr marL="7620" marR="7620" marT="7620" marB="0" anchor="ctr"/>
+                </a:tc>
+                <a:tc>
+                  <a:txBody>
+                    <a:bodyPr/>
+                    <a:lstStyle/>
+                    <a:p>
+                      <a:pPr algn="ctr" fontAlgn="b"/>
+                      <a:r>
+                        <a:rPr lang="en-IN" sz="1050" b="0" u="none" strike="noStrike">
+                          <a:solidFill>
+                            <a:schemeClr val="bg1">
+                              <a:lumMod val="50000"/>
+                            </a:schemeClr>
+                          </a:solidFill>
+                          <a:effectLst/>
+                        </a:rPr>
+                        <a:t>Harlem</a:t>
+                      </a:r>
+                      <a:endParaRPr lang="en-IN" sz="1050" b="0" i="0" u="none" strike="noStrike">
+                        <a:solidFill>
+                          <a:schemeClr val="bg1">
+                            <a:lumMod val="50000"/>
+                          </a:schemeClr>
+                        </a:solidFill>
+                        <a:effectLst/>
+                        <a:latin typeface="Times New Roman" panose="02020603050405020304" pitchFamily="18" charset="0"/>
+                        <a:cs typeface="Times New Roman" panose="02020603050405020304" pitchFamily="18" charset="0"/>
+                      </a:endParaRPr>
+                    </a:p>
+                  </a:txBody>
+                  <a:tcPr marL="7620" marR="7620" marT="7620" marB="0" anchor="ctr"/>
+                </a:tc>
+                <a:extLst>
+                  <a:ext uri="{0D108BD9-81ED-4DB2-BD59-A6C34878D82A}">
+                    <a16:rowId xmlns:a16="http://schemas.microsoft.com/office/drawing/2014/main" val="3783367828"/>
+                  </a:ext>
+                </a:extLst>
+              </a:tr>
+              <a:tr h="163369">
+                <a:tc>
+                  <a:txBody>
+                    <a:bodyPr/>
+                    <a:lstStyle/>
+                    <a:p>
+                      <a:pPr algn="l" fontAlgn="b"/>
+                      <a:r>
+                        <a:rPr lang="en-IN" sz="1050" b="0" u="none" strike="noStrike" dirty="0">
+                          <a:solidFill>
+                            <a:schemeClr val="bg1">
+                              <a:lumMod val="50000"/>
+                            </a:schemeClr>
+                          </a:solidFill>
+                          <a:effectLst/>
+                        </a:rPr>
+                        <a:t>Private Bedroom in Manhattan</a:t>
+                      </a:r>
+                      <a:endParaRPr lang="en-IN" sz="1050" b="0" i="0" u="none" strike="noStrike" dirty="0">
+                        <a:solidFill>
+                          <a:schemeClr val="bg1">
+                            <a:lumMod val="50000"/>
+                          </a:schemeClr>
+                        </a:solidFill>
+                        <a:effectLst/>
+                        <a:latin typeface="Times New Roman" panose="02020603050405020304" pitchFamily="18" charset="0"/>
+                        <a:cs typeface="Times New Roman" panose="02020603050405020304" pitchFamily="18" charset="0"/>
+                      </a:endParaRPr>
+                    </a:p>
+                  </a:txBody>
+                  <a:tcPr marL="7620" marR="7620" marT="7620" marB="0" anchor="ctr"/>
+                </a:tc>
+                <a:tc>
+                  <a:txBody>
+                    <a:bodyPr/>
+                    <a:lstStyle/>
+                    <a:p>
+                      <a:pPr algn="ctr" fontAlgn="b"/>
+                      <a:r>
+                        <a:rPr lang="en-IN" sz="1050" b="0" u="none" strike="noStrike" dirty="0">
+                          <a:solidFill>
+                            <a:schemeClr val="bg1">
+                              <a:lumMod val="50000"/>
+                            </a:schemeClr>
+                          </a:solidFill>
+                          <a:effectLst/>
+                        </a:rPr>
+                        <a:t>Manhattan</a:t>
+                      </a:r>
+                      <a:endParaRPr lang="en-IN" sz="1050" b="0" i="0" u="none" strike="noStrike" dirty="0">
+                        <a:solidFill>
+                          <a:schemeClr val="bg1">
+                            <a:lumMod val="50000"/>
+                          </a:schemeClr>
+                        </a:solidFill>
+                        <a:effectLst/>
+                        <a:latin typeface="Times New Roman" panose="02020603050405020304" pitchFamily="18" charset="0"/>
+                        <a:cs typeface="Times New Roman" panose="02020603050405020304" pitchFamily="18" charset="0"/>
+                      </a:endParaRPr>
+                    </a:p>
+                  </a:txBody>
+                  <a:tcPr marL="7620" marR="7620" marT="7620" marB="0" anchor="ctr"/>
+                </a:tc>
+                <a:tc>
+                  <a:txBody>
+                    <a:bodyPr/>
+                    <a:lstStyle/>
+                    <a:p>
+                      <a:pPr algn="ctr" fontAlgn="b"/>
+                      <a:r>
+                        <a:rPr lang="en-IN" sz="1050" b="0" u="none" strike="noStrike">
+                          <a:solidFill>
+                            <a:schemeClr val="bg1">
+                              <a:lumMod val="50000"/>
+                            </a:schemeClr>
+                          </a:solidFill>
+                          <a:effectLst/>
+                        </a:rPr>
+                        <a:t>Harlem</a:t>
+                      </a:r>
+                      <a:endParaRPr lang="en-IN" sz="1050" b="0" i="0" u="none" strike="noStrike">
+                        <a:solidFill>
+                          <a:schemeClr val="bg1">
+                            <a:lumMod val="50000"/>
+                          </a:schemeClr>
+                        </a:solidFill>
+                        <a:effectLst/>
+                        <a:latin typeface="Times New Roman" panose="02020603050405020304" pitchFamily="18" charset="0"/>
+                        <a:cs typeface="Times New Roman" panose="02020603050405020304" pitchFamily="18" charset="0"/>
+                      </a:endParaRPr>
+                    </a:p>
+                  </a:txBody>
+                  <a:tcPr marL="7620" marR="7620" marT="7620" marB="0" anchor="ctr"/>
+                </a:tc>
+                <a:extLst>
+                  <a:ext uri="{0D108BD9-81ED-4DB2-BD59-A6C34878D82A}">
+                    <a16:rowId xmlns:a16="http://schemas.microsoft.com/office/drawing/2014/main" val="1577079463"/>
+                  </a:ext>
+                </a:extLst>
+              </a:tr>
+              <a:tr h="147580">
+                <a:tc>
+                  <a:txBody>
+                    <a:bodyPr/>
+                    <a:lstStyle/>
+                    <a:p>
+                      <a:pPr algn="l" fontAlgn="b"/>
+                      <a:r>
+                        <a:rPr lang="en-US" sz="1050" b="0" u="none" strike="noStrike" dirty="0">
+                          <a:solidFill>
+                            <a:schemeClr val="bg1">
+                              <a:lumMod val="50000"/>
+                            </a:schemeClr>
+                          </a:solidFill>
+                          <a:effectLst/>
+                        </a:rPr>
+                        <a:t>Room Near JFK Twin Beds</a:t>
+                      </a:r>
+                      <a:endParaRPr lang="en-US" sz="1050" b="0" i="0" u="none" strike="noStrike" dirty="0">
+                        <a:solidFill>
+                          <a:schemeClr val="bg1">
+                            <a:lumMod val="50000"/>
+                          </a:schemeClr>
+                        </a:solidFill>
+                        <a:effectLst/>
+                        <a:latin typeface="Times New Roman" panose="02020603050405020304" pitchFamily="18" charset="0"/>
+                        <a:cs typeface="Times New Roman" panose="02020603050405020304" pitchFamily="18" charset="0"/>
+                      </a:endParaRPr>
+                    </a:p>
+                  </a:txBody>
+                  <a:tcPr marL="7620" marR="7620" marT="7620" marB="0" anchor="ctr"/>
+                </a:tc>
+                <a:tc>
+                  <a:txBody>
+                    <a:bodyPr/>
+                    <a:lstStyle/>
+                    <a:p>
+                      <a:pPr algn="ctr" fontAlgn="b"/>
+                      <a:r>
+                        <a:rPr lang="en-IN" sz="1050" b="0" u="none" strike="noStrike" dirty="0">
+                          <a:solidFill>
+                            <a:schemeClr val="bg1">
+                              <a:lumMod val="50000"/>
+                            </a:schemeClr>
+                          </a:solidFill>
+                          <a:effectLst/>
+                        </a:rPr>
+                        <a:t>Queens</a:t>
+                      </a:r>
+                      <a:endParaRPr lang="en-IN" sz="1050" b="0" i="0" u="none" strike="noStrike" dirty="0">
+                        <a:solidFill>
+                          <a:schemeClr val="bg1">
+                            <a:lumMod val="50000"/>
+                          </a:schemeClr>
+                        </a:solidFill>
+                        <a:effectLst/>
+                        <a:latin typeface="Times New Roman" panose="02020603050405020304" pitchFamily="18" charset="0"/>
+                        <a:cs typeface="Times New Roman" panose="02020603050405020304" pitchFamily="18" charset="0"/>
+                      </a:endParaRPr>
+                    </a:p>
+                  </a:txBody>
+                  <a:tcPr marL="7620" marR="7620" marT="7620" marB="0" anchor="ctr"/>
+                </a:tc>
+                <a:tc>
+                  <a:txBody>
+                    <a:bodyPr/>
+                    <a:lstStyle/>
+                    <a:p>
+                      <a:pPr algn="ctr" fontAlgn="b"/>
+                      <a:r>
+                        <a:rPr lang="en-IN" sz="1050" b="0" u="none" strike="noStrike">
+                          <a:solidFill>
+                            <a:schemeClr val="bg1">
+                              <a:lumMod val="50000"/>
+                            </a:schemeClr>
+                          </a:solidFill>
+                          <a:effectLst/>
+                        </a:rPr>
+                        <a:t>Jamaica</a:t>
+                      </a:r>
+                      <a:endParaRPr lang="en-IN" sz="1050" b="0" i="0" u="none" strike="noStrike">
+                        <a:solidFill>
+                          <a:schemeClr val="bg1">
+                            <a:lumMod val="50000"/>
+                          </a:schemeClr>
+                        </a:solidFill>
+                        <a:effectLst/>
+                        <a:latin typeface="Times New Roman" panose="02020603050405020304" pitchFamily="18" charset="0"/>
+                        <a:cs typeface="Times New Roman" panose="02020603050405020304" pitchFamily="18" charset="0"/>
+                      </a:endParaRPr>
+                    </a:p>
+                  </a:txBody>
+                  <a:tcPr marL="7620" marR="7620" marT="7620" marB="0" anchor="ctr"/>
+                </a:tc>
+                <a:extLst>
+                  <a:ext uri="{0D108BD9-81ED-4DB2-BD59-A6C34878D82A}">
+                    <a16:rowId xmlns:a16="http://schemas.microsoft.com/office/drawing/2014/main" val="367427013"/>
+                  </a:ext>
+                </a:extLst>
+              </a:tr>
+              <a:tr h="288744">
+                <a:tc>
+                  <a:txBody>
+                    <a:bodyPr/>
+                    <a:lstStyle/>
+                    <a:p>
+                      <a:pPr algn="l" fontAlgn="b"/>
+                      <a:r>
+                        <a:rPr lang="en-US" sz="1050" b="0" u="none" strike="noStrike" dirty="0">
+                          <a:solidFill>
+                            <a:schemeClr val="bg1">
+                              <a:lumMod val="50000"/>
+                            </a:schemeClr>
+                          </a:solidFill>
+                          <a:effectLst/>
+                        </a:rPr>
+                        <a:t>Steps away from </a:t>
+                      </a:r>
+                      <a:r>
+                        <a:rPr lang="en-US" sz="1050" b="0" u="none" strike="noStrike" dirty="0" err="1">
+                          <a:solidFill>
+                            <a:schemeClr val="bg1">
+                              <a:lumMod val="50000"/>
+                            </a:schemeClr>
+                          </a:solidFill>
+                          <a:effectLst/>
+                        </a:rPr>
+                        <a:t>Laguardia</a:t>
+                      </a:r>
+                      <a:r>
+                        <a:rPr lang="en-US" sz="1050" b="0" u="none" strike="noStrike" dirty="0">
+                          <a:solidFill>
+                            <a:schemeClr val="bg1">
+                              <a:lumMod val="50000"/>
+                            </a:schemeClr>
+                          </a:solidFill>
+                          <a:effectLst/>
+                        </a:rPr>
+                        <a:t> airport</a:t>
+                      </a:r>
+                      <a:endParaRPr lang="en-US" sz="1050" b="0" i="0" u="none" strike="noStrike" dirty="0">
+                        <a:solidFill>
+                          <a:schemeClr val="bg1">
+                            <a:lumMod val="50000"/>
+                          </a:schemeClr>
+                        </a:solidFill>
+                        <a:effectLst/>
+                        <a:latin typeface="Times New Roman" panose="02020603050405020304" pitchFamily="18" charset="0"/>
+                        <a:cs typeface="Times New Roman" panose="02020603050405020304" pitchFamily="18" charset="0"/>
+                      </a:endParaRPr>
+                    </a:p>
+                  </a:txBody>
+                  <a:tcPr marL="7620" marR="7620" marT="7620" marB="0" anchor="ctr"/>
+                </a:tc>
+                <a:tc>
+                  <a:txBody>
+                    <a:bodyPr/>
+                    <a:lstStyle/>
+                    <a:p>
+                      <a:pPr algn="ctr" fontAlgn="b"/>
+                      <a:r>
+                        <a:rPr lang="en-IN" sz="1050" b="0" u="none" strike="noStrike" dirty="0">
+                          <a:solidFill>
+                            <a:schemeClr val="bg1">
+                              <a:lumMod val="50000"/>
+                            </a:schemeClr>
+                          </a:solidFill>
+                          <a:effectLst/>
+                        </a:rPr>
+                        <a:t>Queens</a:t>
+                      </a:r>
+                      <a:endParaRPr lang="en-IN" sz="1050" b="0" i="0" u="none" strike="noStrike" dirty="0">
+                        <a:solidFill>
+                          <a:schemeClr val="bg1">
+                            <a:lumMod val="50000"/>
+                          </a:schemeClr>
+                        </a:solidFill>
+                        <a:effectLst/>
+                        <a:latin typeface="Times New Roman" panose="02020603050405020304" pitchFamily="18" charset="0"/>
+                        <a:cs typeface="Times New Roman" panose="02020603050405020304" pitchFamily="18" charset="0"/>
+                      </a:endParaRPr>
+                    </a:p>
+                  </a:txBody>
+                  <a:tcPr marL="7620" marR="7620" marT="7620" marB="0" anchor="ctr"/>
+                </a:tc>
+                <a:tc>
+                  <a:txBody>
+                    <a:bodyPr/>
+                    <a:lstStyle/>
+                    <a:p>
+                      <a:pPr algn="ctr" fontAlgn="b"/>
+                      <a:r>
+                        <a:rPr lang="en-IN" sz="1050" b="0" u="none" strike="noStrike">
+                          <a:solidFill>
+                            <a:schemeClr val="bg1">
+                              <a:lumMod val="50000"/>
+                            </a:schemeClr>
+                          </a:solidFill>
+                          <a:effectLst/>
+                        </a:rPr>
+                        <a:t>East Elmhurst</a:t>
+                      </a:r>
+                      <a:endParaRPr lang="en-IN" sz="1050" b="0" i="0" u="none" strike="noStrike">
+                        <a:solidFill>
+                          <a:schemeClr val="bg1">
+                            <a:lumMod val="50000"/>
+                          </a:schemeClr>
+                        </a:solidFill>
+                        <a:effectLst/>
+                        <a:latin typeface="Times New Roman" panose="02020603050405020304" pitchFamily="18" charset="0"/>
+                        <a:cs typeface="Times New Roman" panose="02020603050405020304" pitchFamily="18" charset="0"/>
+                      </a:endParaRPr>
+                    </a:p>
+                  </a:txBody>
+                  <a:tcPr marL="7620" marR="7620" marT="7620" marB="0" anchor="ctr"/>
+                </a:tc>
+                <a:extLst>
+                  <a:ext uri="{0D108BD9-81ED-4DB2-BD59-A6C34878D82A}">
+                    <a16:rowId xmlns:a16="http://schemas.microsoft.com/office/drawing/2014/main" val="2417163966"/>
+                  </a:ext>
+                </a:extLst>
+              </a:tr>
+              <a:tr h="288744">
+                <a:tc>
+                  <a:txBody>
+                    <a:bodyPr/>
+                    <a:lstStyle/>
+                    <a:p>
+                      <a:pPr algn="l" fontAlgn="b"/>
+                      <a:r>
+                        <a:rPr lang="en-IN" sz="1050" b="0" u="none" strike="noStrike" dirty="0">
+                          <a:solidFill>
+                            <a:schemeClr val="bg1">
+                              <a:lumMod val="50000"/>
+                            </a:schemeClr>
+                          </a:solidFill>
+                          <a:effectLst/>
+                        </a:rPr>
+                        <a:t>Manhattan Lux </a:t>
+                      </a:r>
+                      <a:r>
+                        <a:rPr lang="en-IN" sz="1050" b="0" u="none" strike="noStrike" dirty="0" err="1">
+                          <a:solidFill>
+                            <a:schemeClr val="bg1">
+                              <a:lumMod val="50000"/>
+                            </a:schemeClr>
+                          </a:solidFill>
+                          <a:effectLst/>
+                        </a:rPr>
+                        <a:t>Loft.Like.Love.Lots.Look</a:t>
+                      </a:r>
+                      <a:r>
+                        <a:rPr lang="en-IN" sz="1050" b="0" u="none" strike="noStrike" dirty="0">
+                          <a:solidFill>
+                            <a:schemeClr val="bg1">
+                              <a:lumMod val="50000"/>
+                            </a:schemeClr>
+                          </a:solidFill>
+                          <a:effectLst/>
+                        </a:rPr>
+                        <a:t> !</a:t>
+                      </a:r>
+                      <a:endParaRPr lang="en-IN" sz="1050" b="0" i="0" u="none" strike="noStrike" dirty="0">
+                        <a:solidFill>
+                          <a:schemeClr val="bg1">
+                            <a:lumMod val="50000"/>
+                          </a:schemeClr>
+                        </a:solidFill>
+                        <a:effectLst/>
+                        <a:latin typeface="Times New Roman" panose="02020603050405020304" pitchFamily="18" charset="0"/>
+                        <a:cs typeface="Times New Roman" panose="02020603050405020304" pitchFamily="18" charset="0"/>
+                      </a:endParaRPr>
+                    </a:p>
+                  </a:txBody>
+                  <a:tcPr marL="7620" marR="7620" marT="7620" marB="0" anchor="ctr"/>
+                </a:tc>
+                <a:tc>
+                  <a:txBody>
+                    <a:bodyPr/>
+                    <a:lstStyle/>
+                    <a:p>
+                      <a:pPr algn="ctr" fontAlgn="b"/>
+                      <a:r>
+                        <a:rPr lang="en-IN" sz="1050" b="0" u="none" strike="noStrike" dirty="0">
+                          <a:solidFill>
+                            <a:schemeClr val="bg1">
+                              <a:lumMod val="50000"/>
+                            </a:schemeClr>
+                          </a:solidFill>
+                          <a:effectLst/>
+                        </a:rPr>
+                        <a:t>Manhattan</a:t>
+                      </a:r>
+                      <a:endParaRPr lang="en-IN" sz="1050" b="0" i="0" u="none" strike="noStrike" dirty="0">
+                        <a:solidFill>
+                          <a:schemeClr val="bg1">
+                            <a:lumMod val="50000"/>
+                          </a:schemeClr>
+                        </a:solidFill>
+                        <a:effectLst/>
+                        <a:latin typeface="Times New Roman" panose="02020603050405020304" pitchFamily="18" charset="0"/>
+                        <a:cs typeface="Times New Roman" panose="02020603050405020304" pitchFamily="18" charset="0"/>
+                      </a:endParaRPr>
+                    </a:p>
+                  </a:txBody>
+                  <a:tcPr marL="7620" marR="7620" marT="7620" marB="0" anchor="ctr"/>
+                </a:tc>
+                <a:tc>
+                  <a:txBody>
+                    <a:bodyPr/>
+                    <a:lstStyle/>
+                    <a:p>
+                      <a:pPr algn="ctr" fontAlgn="b"/>
+                      <a:r>
+                        <a:rPr lang="en-IN" sz="1050" b="0" u="none" strike="noStrike">
+                          <a:solidFill>
+                            <a:schemeClr val="bg1">
+                              <a:lumMod val="50000"/>
+                            </a:schemeClr>
+                          </a:solidFill>
+                          <a:effectLst/>
+                        </a:rPr>
+                        <a:t>Lower East Side</a:t>
+                      </a:r>
+                      <a:endParaRPr lang="en-IN" sz="1050" b="0" i="0" u="none" strike="noStrike">
+                        <a:solidFill>
+                          <a:schemeClr val="bg1">
+                            <a:lumMod val="50000"/>
+                          </a:schemeClr>
+                        </a:solidFill>
+                        <a:effectLst/>
+                        <a:latin typeface="Times New Roman" panose="02020603050405020304" pitchFamily="18" charset="0"/>
+                        <a:cs typeface="Times New Roman" panose="02020603050405020304" pitchFamily="18" charset="0"/>
+                      </a:endParaRPr>
+                    </a:p>
+                  </a:txBody>
+                  <a:tcPr marL="7620" marR="7620" marT="7620" marB="0" anchor="ctr"/>
+                </a:tc>
+                <a:extLst>
+                  <a:ext uri="{0D108BD9-81ED-4DB2-BD59-A6C34878D82A}">
+                    <a16:rowId xmlns:a16="http://schemas.microsoft.com/office/drawing/2014/main" val="458188040"/>
+                  </a:ext>
+                </a:extLst>
+              </a:tr>
+              <a:tr h="288744">
+                <a:tc>
+                  <a:txBody>
+                    <a:bodyPr/>
+                    <a:lstStyle/>
+                    <a:p>
+                      <a:pPr algn="l" fontAlgn="b"/>
+                      <a:r>
+                        <a:rPr lang="en-US" sz="1050" b="0" u="none" strike="noStrike" dirty="0">
+                          <a:solidFill>
+                            <a:schemeClr val="bg1">
+                              <a:lumMod val="50000"/>
+                            </a:schemeClr>
+                          </a:solidFill>
+                          <a:effectLst/>
+                        </a:rPr>
+                        <a:t>Cozy Room Family Home LGA Airport NO CLEANING FEE</a:t>
+                      </a:r>
+                      <a:endParaRPr lang="en-US" sz="1050" b="0" i="0" u="none" strike="noStrike" dirty="0">
+                        <a:solidFill>
+                          <a:schemeClr val="bg1">
+                            <a:lumMod val="50000"/>
+                          </a:schemeClr>
+                        </a:solidFill>
+                        <a:effectLst/>
+                        <a:latin typeface="Times New Roman" panose="02020603050405020304" pitchFamily="18" charset="0"/>
+                        <a:cs typeface="Times New Roman" panose="02020603050405020304" pitchFamily="18" charset="0"/>
+                      </a:endParaRPr>
+                    </a:p>
+                  </a:txBody>
+                  <a:tcPr marL="7620" marR="7620" marT="7620" marB="0" anchor="ctr"/>
+                </a:tc>
+                <a:tc>
+                  <a:txBody>
+                    <a:bodyPr/>
+                    <a:lstStyle/>
+                    <a:p>
+                      <a:pPr algn="ctr" fontAlgn="b"/>
+                      <a:r>
+                        <a:rPr lang="en-IN" sz="1050" b="0" u="none" strike="noStrike" dirty="0">
+                          <a:solidFill>
+                            <a:schemeClr val="bg1">
+                              <a:lumMod val="50000"/>
+                            </a:schemeClr>
+                          </a:solidFill>
+                          <a:effectLst/>
+                        </a:rPr>
+                        <a:t>Queens</a:t>
+                      </a:r>
+                      <a:endParaRPr lang="en-IN" sz="1050" b="0" i="0" u="none" strike="noStrike" dirty="0">
+                        <a:solidFill>
+                          <a:schemeClr val="bg1">
+                            <a:lumMod val="50000"/>
+                          </a:schemeClr>
+                        </a:solidFill>
+                        <a:effectLst/>
+                        <a:latin typeface="Times New Roman" panose="02020603050405020304" pitchFamily="18" charset="0"/>
+                        <a:cs typeface="Times New Roman" panose="02020603050405020304" pitchFamily="18" charset="0"/>
+                      </a:endParaRPr>
+                    </a:p>
+                  </a:txBody>
+                  <a:tcPr marL="7620" marR="7620" marT="7620" marB="0" anchor="ctr"/>
+                </a:tc>
+                <a:tc>
+                  <a:txBody>
+                    <a:bodyPr/>
+                    <a:lstStyle/>
+                    <a:p>
+                      <a:pPr algn="ctr" fontAlgn="b"/>
+                      <a:r>
+                        <a:rPr lang="en-IN" sz="1050" b="0" u="none" strike="noStrike" dirty="0">
+                          <a:solidFill>
+                            <a:schemeClr val="bg1">
+                              <a:lumMod val="50000"/>
+                            </a:schemeClr>
+                          </a:solidFill>
+                          <a:effectLst/>
+                        </a:rPr>
+                        <a:t>East Elmhurst</a:t>
+                      </a:r>
+                      <a:endParaRPr lang="en-IN" sz="1050" b="0" i="0" u="none" strike="noStrike" dirty="0">
+                        <a:solidFill>
+                          <a:schemeClr val="bg1">
+                            <a:lumMod val="50000"/>
+                          </a:schemeClr>
+                        </a:solidFill>
+                        <a:effectLst/>
+                        <a:latin typeface="Times New Roman" panose="02020603050405020304" pitchFamily="18" charset="0"/>
+                        <a:cs typeface="Times New Roman" panose="02020603050405020304" pitchFamily="18" charset="0"/>
+                      </a:endParaRPr>
+                    </a:p>
+                  </a:txBody>
+                  <a:tcPr marL="7620" marR="7620" marT="7620" marB="0" anchor="ctr"/>
+                </a:tc>
+                <a:extLst>
+                  <a:ext uri="{0D108BD9-81ED-4DB2-BD59-A6C34878D82A}">
+                    <a16:rowId xmlns:a16="http://schemas.microsoft.com/office/drawing/2014/main" val="2165640442"/>
+                  </a:ext>
+                </a:extLst>
+              </a:tr>
+              <a:tr h="288744">
+                <a:tc>
+                  <a:txBody>
+                    <a:bodyPr/>
+                    <a:lstStyle/>
+                    <a:p>
+                      <a:pPr algn="l" fontAlgn="b"/>
+                      <a:r>
+                        <a:rPr lang="en-IN" sz="1050" b="0" u="none" strike="noStrike" dirty="0">
+                          <a:solidFill>
+                            <a:schemeClr val="bg1">
+                              <a:lumMod val="50000"/>
+                            </a:schemeClr>
+                          </a:solidFill>
+                          <a:effectLst/>
+                        </a:rPr>
+                        <a:t>Private brownstone studio Brooklyn</a:t>
+                      </a:r>
+                      <a:endParaRPr lang="en-IN" sz="1050" b="0" i="0" u="none" strike="noStrike" dirty="0">
+                        <a:solidFill>
+                          <a:schemeClr val="bg1">
+                            <a:lumMod val="50000"/>
+                          </a:schemeClr>
+                        </a:solidFill>
+                        <a:effectLst/>
+                        <a:latin typeface="Times New Roman" panose="02020603050405020304" pitchFamily="18" charset="0"/>
+                        <a:cs typeface="Times New Roman" panose="02020603050405020304" pitchFamily="18" charset="0"/>
+                      </a:endParaRPr>
+                    </a:p>
+                  </a:txBody>
+                  <a:tcPr marL="7620" marR="7620" marT="7620" marB="0" anchor="ctr"/>
+                </a:tc>
+                <a:tc>
+                  <a:txBody>
+                    <a:bodyPr/>
+                    <a:lstStyle/>
+                    <a:p>
+                      <a:pPr algn="ctr" fontAlgn="b"/>
+                      <a:r>
+                        <a:rPr lang="en-IN" sz="1050" b="0" u="none" strike="noStrike" dirty="0">
+                          <a:solidFill>
+                            <a:schemeClr val="bg1">
+                              <a:lumMod val="50000"/>
+                            </a:schemeClr>
+                          </a:solidFill>
+                          <a:effectLst/>
+                        </a:rPr>
+                        <a:t>Brooklyn</a:t>
+                      </a:r>
+                      <a:endParaRPr lang="en-IN" sz="1050" b="0" i="0" u="none" strike="noStrike" dirty="0">
+                        <a:solidFill>
+                          <a:schemeClr val="bg1">
+                            <a:lumMod val="50000"/>
+                          </a:schemeClr>
+                        </a:solidFill>
+                        <a:effectLst/>
+                        <a:latin typeface="Times New Roman" panose="02020603050405020304" pitchFamily="18" charset="0"/>
+                        <a:cs typeface="Times New Roman" panose="02020603050405020304" pitchFamily="18" charset="0"/>
+                      </a:endParaRPr>
+                    </a:p>
+                  </a:txBody>
+                  <a:tcPr marL="7620" marR="7620" marT="7620" marB="0" anchor="ctr"/>
+                </a:tc>
+                <a:tc>
+                  <a:txBody>
+                    <a:bodyPr/>
+                    <a:lstStyle/>
+                    <a:p>
+                      <a:pPr algn="ctr" fontAlgn="b"/>
+                      <a:r>
+                        <a:rPr lang="en-IN" sz="1050" b="0" u="none" strike="noStrike" dirty="0">
+                          <a:solidFill>
+                            <a:schemeClr val="bg1">
+                              <a:lumMod val="50000"/>
+                            </a:schemeClr>
+                          </a:solidFill>
+                          <a:effectLst/>
+                        </a:rPr>
+                        <a:t>Park Slope</a:t>
+                      </a:r>
+                      <a:endParaRPr lang="en-IN" sz="1050" b="0" i="0" u="none" strike="noStrike" dirty="0">
+                        <a:solidFill>
+                          <a:schemeClr val="bg1">
+                            <a:lumMod val="50000"/>
+                          </a:schemeClr>
+                        </a:solidFill>
+                        <a:effectLst/>
+                        <a:latin typeface="Times New Roman" panose="02020603050405020304" pitchFamily="18" charset="0"/>
+                        <a:cs typeface="Times New Roman" panose="02020603050405020304" pitchFamily="18" charset="0"/>
+                      </a:endParaRPr>
+                    </a:p>
+                  </a:txBody>
+                  <a:tcPr marL="7620" marR="7620" marT="7620" marB="0" anchor="ctr"/>
+                </a:tc>
+                <a:extLst>
+                  <a:ext uri="{0D108BD9-81ED-4DB2-BD59-A6C34878D82A}">
+                    <a16:rowId xmlns:a16="http://schemas.microsoft.com/office/drawing/2014/main" val="2050449909"/>
+                  </a:ext>
+                </a:extLst>
+              </a:tr>
+              <a:tr h="147580">
+                <a:tc>
+                  <a:txBody>
+                    <a:bodyPr/>
+                    <a:lstStyle/>
+                    <a:p>
+                      <a:pPr algn="l" fontAlgn="b"/>
+                      <a:r>
+                        <a:rPr lang="en-US" sz="1050" b="0" u="none" strike="noStrike" dirty="0">
+                          <a:solidFill>
+                            <a:schemeClr val="bg1">
+                              <a:lumMod val="50000"/>
+                            </a:schemeClr>
+                          </a:solidFill>
+                          <a:effectLst/>
+                        </a:rPr>
+                        <a:t>LG Private Room/Family Friendly</a:t>
+                      </a:r>
+                      <a:endParaRPr lang="en-US" sz="1050" b="0" i="0" u="none" strike="noStrike" dirty="0">
+                        <a:solidFill>
+                          <a:schemeClr val="bg1">
+                            <a:lumMod val="50000"/>
+                          </a:schemeClr>
+                        </a:solidFill>
+                        <a:effectLst/>
+                        <a:latin typeface="Times New Roman" panose="02020603050405020304" pitchFamily="18" charset="0"/>
+                        <a:cs typeface="Times New Roman" panose="02020603050405020304" pitchFamily="18" charset="0"/>
+                      </a:endParaRPr>
+                    </a:p>
+                  </a:txBody>
+                  <a:tcPr marL="7620" marR="7620" marT="7620" marB="0" anchor="ctr"/>
+                </a:tc>
+                <a:tc>
+                  <a:txBody>
+                    <a:bodyPr/>
+                    <a:lstStyle/>
+                    <a:p>
+                      <a:pPr algn="ctr" fontAlgn="b"/>
+                      <a:r>
+                        <a:rPr lang="en-IN" sz="1050" b="0" u="none" strike="noStrike">
+                          <a:solidFill>
+                            <a:schemeClr val="bg1">
+                              <a:lumMod val="50000"/>
+                            </a:schemeClr>
+                          </a:solidFill>
+                          <a:effectLst/>
+                        </a:rPr>
+                        <a:t>Brooklyn</a:t>
+                      </a:r>
+                      <a:endParaRPr lang="en-IN" sz="1050" b="0" i="0" u="none" strike="noStrike">
+                        <a:solidFill>
+                          <a:schemeClr val="bg1">
+                            <a:lumMod val="50000"/>
+                          </a:schemeClr>
+                        </a:solidFill>
+                        <a:effectLst/>
+                        <a:latin typeface="Times New Roman" panose="02020603050405020304" pitchFamily="18" charset="0"/>
+                        <a:cs typeface="Times New Roman" panose="02020603050405020304" pitchFamily="18" charset="0"/>
+                      </a:endParaRPr>
+                    </a:p>
+                  </a:txBody>
+                  <a:tcPr marL="7620" marR="7620" marT="7620" marB="0" anchor="ctr"/>
+                </a:tc>
+                <a:tc>
+                  <a:txBody>
+                    <a:bodyPr/>
+                    <a:lstStyle/>
+                    <a:p>
+                      <a:pPr algn="ctr" fontAlgn="b"/>
+                      <a:r>
+                        <a:rPr lang="en-IN" sz="1050" b="0" u="none" strike="noStrike" dirty="0">
+                          <a:solidFill>
+                            <a:schemeClr val="bg1">
+                              <a:lumMod val="50000"/>
+                            </a:schemeClr>
+                          </a:solidFill>
+                          <a:effectLst/>
+                        </a:rPr>
+                        <a:t>Bushwick</a:t>
+                      </a:r>
+                      <a:endParaRPr lang="en-IN" sz="1050" b="0" i="0" u="none" strike="noStrike" dirty="0">
+                        <a:solidFill>
+                          <a:schemeClr val="bg1">
+                            <a:lumMod val="50000"/>
+                          </a:schemeClr>
+                        </a:solidFill>
+                        <a:effectLst/>
+                        <a:latin typeface="Times New Roman" panose="02020603050405020304" pitchFamily="18" charset="0"/>
+                        <a:cs typeface="Times New Roman" panose="02020603050405020304" pitchFamily="18" charset="0"/>
+                      </a:endParaRPr>
+                    </a:p>
+                  </a:txBody>
+                  <a:tcPr marL="7620" marR="7620" marT="7620" marB="0" anchor="ctr"/>
+                </a:tc>
+                <a:extLst>
+                  <a:ext uri="{0D108BD9-81ED-4DB2-BD59-A6C34878D82A}">
+                    <a16:rowId xmlns:a16="http://schemas.microsoft.com/office/drawing/2014/main" val="593048718"/>
+                  </a:ext>
+                </a:extLst>
+              </a:tr>
+            </a:tbl>
+          </a:graphicData>
+        </a:graphic>
+      </p:graphicFrame>
+      <p:sp>
+        <p:nvSpPr>
+          <p:cNvPr id="11" name="TextBox 10">
+            <a:extLst>
+              <a:ext uri="{FF2B5EF4-FFF2-40B4-BE49-F238E27FC236}">
+                <a16:creationId xmlns:a16="http://schemas.microsoft.com/office/drawing/2014/main" id="{0B6922F1-478D-2BD5-D4DF-766847BBB985}"/>
+              </a:ext>
+            </a:extLst>
+          </p:cNvPr>
+          <p:cNvSpPr txBox="1"/>
+          <p:nvPr/>
+        </p:nvSpPr>
+        <p:spPr>
+          <a:xfrm>
+            <a:off x="7988645" y="1473538"/>
+            <a:ext cx="4089838" cy="307777"/>
+          </a:xfrm>
+          <a:prstGeom prst="rect">
+            <a:avLst/>
+          </a:prstGeom>
+          <a:noFill/>
+        </p:spPr>
+        <p:txBody>
+          <a:bodyPr wrap="none" rtlCol="0">
+            <a:spAutoFit/>
+          </a:bodyPr>
+          <a:lstStyle/>
+          <a:p>
+            <a:r>
+              <a:rPr lang="en-US" sz="1400" dirty="0"/>
+              <a:t>Top 10 Properties in New York by number of reviews</a:t>
+            </a:r>
+            <a:endParaRPr lang="en-IN" sz="1400" dirty="0"/>
+          </a:p>
+        </p:txBody>
+      </p:sp>
+    </p:spTree>
+    <p:extLst>
+      <p:ext uri="{BB962C8B-B14F-4D97-AF65-F5344CB8AC3E}">
+        <p14:creationId xmlns:p14="http://schemas.microsoft.com/office/powerpoint/2010/main" val="169861895"/>
+      </p:ext>
+    </p:extLst>
+  </p:cSld>
+  <p:clrMapOvr>
+    <a:masterClrMapping/>
+  </p:clrMapOvr>
+</p:sld>
+</file>
+
+<file path=ppt/slides/slide11.xml><?xml version="1.0" encoding="utf-8"?>
+<p:sld xmlns:a="http://schemas.openxmlformats.org/drawingml/2006/main" xmlns:r="http://schemas.openxmlformats.org/officeDocument/2006/relationships" xmlns:p="http://schemas.openxmlformats.org/presentationml/2006/main">
+  <p:cSld>
+    <p:spTree>
+      <p:nvGrpSpPr>
+        <p:cNvPr id="1" name="">
+          <a:extLst>
+            <a:ext uri="{FF2B5EF4-FFF2-40B4-BE49-F238E27FC236}">
+              <a16:creationId xmlns:a16="http://schemas.microsoft.com/office/drawing/2014/main" id="{3088F35B-0763-AB65-CE51-BAF6B9DBC4D5}"/>
+            </a:ext>
+          </a:extLst>
+        </p:cNvPr>
+        <p:cNvGrpSpPr/>
+        <p:nvPr/>
+      </p:nvGrpSpPr>
+      <p:grpSpPr>
+        <a:xfrm>
+          <a:off x="0" y="0"/>
+          <a:ext cx="0" cy="0"/>
+          <a:chOff x="0" y="0"/>
+          <a:chExt cx="0" cy="0"/>
+        </a:xfrm>
+      </p:grpSpPr>
+      <p:sp>
+        <p:nvSpPr>
+          <p:cNvPr id="3" name="TextBox 2">
+            <a:extLst>
+              <a:ext uri="{FF2B5EF4-FFF2-40B4-BE49-F238E27FC236}">
+                <a16:creationId xmlns:a16="http://schemas.microsoft.com/office/drawing/2014/main" id="{08104845-322F-643D-AFB5-7D594F2D6085}"/>
+              </a:ext>
+            </a:extLst>
+          </p:cNvPr>
+          <p:cNvSpPr txBox="1"/>
+          <p:nvPr/>
+        </p:nvSpPr>
+        <p:spPr>
+          <a:xfrm>
+            <a:off x="3048778" y="2690336"/>
+            <a:ext cx="6097554" cy="1477328"/>
+          </a:xfrm>
+          <a:prstGeom prst="rect">
+            <a:avLst/>
+          </a:prstGeom>
+          <a:noFill/>
+        </p:spPr>
+        <p:txBody>
+          <a:bodyPr wrap="square">
+            <a:spAutoFit/>
+          </a:bodyPr>
+          <a:lstStyle/>
+          <a:p>
+            <a:r>
+              <a:rPr lang="en-US" b="1" dirty="0"/>
+              <a:t>Key Visuals</a:t>
+            </a:r>
+            <a:r>
+              <a:rPr lang="en-US" dirty="0"/>
+              <a:t>:</a:t>
+            </a:r>
+          </a:p>
+          <a:p>
+            <a:pPr>
+              <a:buFont typeface="Arial" panose="020B0604020202020204" pitchFamily="34" charset="0"/>
+              <a:buChar char="•"/>
+            </a:pPr>
+            <a:r>
+              <a:rPr lang="en-US" dirty="0"/>
+              <a:t>Clustered maps showing demand hotspots.</a:t>
+            </a:r>
+          </a:p>
+          <a:p>
+            <a:pPr>
+              <a:buFont typeface="Arial" panose="020B0604020202020204" pitchFamily="34" charset="0"/>
+              <a:buChar char="•"/>
+            </a:pPr>
+            <a:r>
+              <a:rPr lang="en-US" dirty="0"/>
+              <a:t>Charts showing the distribution of listings across host types.</a:t>
+            </a:r>
+          </a:p>
+          <a:p>
+            <a:pPr>
+              <a:buFont typeface="Arial" panose="020B0604020202020204" pitchFamily="34" charset="0"/>
+              <a:buChar char="•"/>
+            </a:pPr>
+            <a:r>
+              <a:rPr lang="en-US" dirty="0"/>
+              <a:t>Price sensitivity and preference visualizations for targeted pricing strategies.</a:t>
+            </a:r>
+          </a:p>
+        </p:txBody>
+      </p:sp>
+    </p:spTree>
+    <p:extLst>
+      <p:ext uri="{BB962C8B-B14F-4D97-AF65-F5344CB8AC3E}">
+        <p14:creationId xmlns:p14="http://schemas.microsoft.com/office/powerpoint/2010/main" val="1422611148"/>
+      </p:ext>
+    </p:extLst>
+  </p:cSld>
+  <p:clrMapOvr>
+    <a:masterClrMapping/>
+  </p:clrMapOvr>
+</p:sld>
+</file>
+
+<file path=ppt/slides/slide12.xml><?xml version="1.0" encoding="utf-8"?>
+<p:sld xmlns:a="http://schemas.openxmlformats.org/drawingml/2006/main" xmlns:r="http://schemas.openxmlformats.org/officeDocument/2006/relationships" xmlns:p="http://schemas.openxmlformats.org/presentationml/2006/main">
+  <p:cSld>
+    <p:spTree>
+      <p:nvGrpSpPr>
+        <p:cNvPr id="1" name=""/>
+        <p:cNvGrpSpPr/>
+        <p:nvPr/>
+      </p:nvGrpSpPr>
+      <p:grpSpPr>
+        <a:xfrm>
+          <a:off x="0" y="0"/>
+          <a:ext cx="0" cy="0"/>
+          <a:chOff x="0" y="0"/>
+          <a:chExt cx="0" cy="0"/>
+        </a:xfrm>
+      </p:grpSpPr>
+      <p:pic>
+        <p:nvPicPr>
+          <p:cNvPr id="3" name="Picture 2">
+            <a:extLst>
+              <a:ext uri="{FF2B5EF4-FFF2-40B4-BE49-F238E27FC236}">
+                <a16:creationId xmlns:a16="http://schemas.microsoft.com/office/drawing/2014/main" id="{B12F9729-580C-441E-50BA-B61762782852}"/>
+              </a:ext>
+            </a:extLst>
+          </p:cNvPr>
+          <p:cNvPicPr>
+            <a:picLocks noChangeAspect="1"/>
+          </p:cNvPicPr>
+          <p:nvPr/>
+        </p:nvPicPr>
+        <p:blipFill>
+          <a:blip r:embed="rId2"/>
+          <a:stretch>
+            <a:fillRect/>
+          </a:stretch>
+        </p:blipFill>
+        <p:spPr>
+          <a:xfrm>
+            <a:off x="495785" y="2095556"/>
+            <a:ext cx="5600215" cy="3103149"/>
+          </a:xfrm>
+          <a:prstGeom prst="rect">
+            <a:avLst/>
+          </a:prstGeom>
+        </p:spPr>
+      </p:pic>
+    </p:spTree>
+    <p:extLst>
+      <p:ext uri="{BB962C8B-B14F-4D97-AF65-F5344CB8AC3E}">
+        <p14:creationId xmlns:p14="http://schemas.microsoft.com/office/powerpoint/2010/main" val="1326083106"/>
+      </p:ext>
+    </p:extLst>
+  </p:cSld>
+  <p:clrMapOvr>
+    <a:masterClrMapping/>
+  </p:clrMapOvr>
+</p:sld>
+</file>
+
+<file path=ppt/slides/slide13.xml><?xml version="1.0" encoding="utf-8"?>
+<p:sld xmlns:a="http://schemas.openxmlformats.org/drawingml/2006/main" xmlns:r="http://schemas.openxmlformats.org/officeDocument/2006/relationships" xmlns:p="http://schemas.openxmlformats.org/presentationml/2006/main">
+  <p:cSld>
+    <p:spTree>
+      <p:nvGrpSpPr>
+        <p:cNvPr id="1" name="">
+          <a:extLst>
+            <a:ext uri="{FF2B5EF4-FFF2-40B4-BE49-F238E27FC236}">
+              <a16:creationId xmlns:a16="http://schemas.microsoft.com/office/drawing/2014/main" id="{C8CB9BD5-1166-9044-3493-05A01D2F3867}"/>
+            </a:ext>
+          </a:extLst>
+        </p:cNvPr>
+        <p:cNvGrpSpPr/>
+        <p:nvPr/>
+      </p:nvGrpSpPr>
+      <p:grpSpPr>
+        <a:xfrm>
+          <a:off x="0" y="0"/>
+          <a:ext cx="0" cy="0"/>
+          <a:chOff x="0" y="0"/>
+          <a:chExt cx="0" cy="0"/>
+        </a:xfrm>
+      </p:grpSpPr>
+      <p:sp>
+        <p:nvSpPr>
+          <p:cNvPr id="3" name="TextBox 2">
+            <a:extLst>
+              <a:ext uri="{FF2B5EF4-FFF2-40B4-BE49-F238E27FC236}">
+                <a16:creationId xmlns:a16="http://schemas.microsoft.com/office/drawing/2014/main" id="{33EB37D9-4957-342B-2480-6E631048FF73}"/>
+              </a:ext>
+            </a:extLst>
+          </p:cNvPr>
+          <p:cNvSpPr txBox="1"/>
+          <p:nvPr/>
+        </p:nvSpPr>
+        <p:spPr>
+          <a:xfrm>
+            <a:off x="4293123" y="184666"/>
+            <a:ext cx="3805849" cy="369332"/>
+          </a:xfrm>
+          <a:prstGeom prst="rect">
+            <a:avLst/>
+          </a:prstGeom>
+          <a:noFill/>
+        </p:spPr>
+        <p:txBody>
+          <a:bodyPr wrap="square">
+            <a:spAutoFit/>
+          </a:bodyPr>
+          <a:lstStyle/>
+          <a:p>
+            <a:pPr>
+              <a:spcAft>
+                <a:spcPts val="675"/>
+              </a:spcAft>
+            </a:pPr>
+            <a:r>
+              <a:rPr lang="en-US" sz="1800" dirty="0">
+                <a:solidFill>
+                  <a:srgbClr val="000000"/>
+                </a:solidFill>
+                <a:latin typeface="Times New Roman" panose="02020603050405020304" pitchFamily="18" charset="0"/>
+                <a:cs typeface="Times New Roman" panose="02020603050405020304" pitchFamily="18" charset="0"/>
+              </a:rPr>
+              <a:t>Unpopular Properties with No Review</a:t>
+            </a:r>
+          </a:p>
+        </p:txBody>
+      </p:sp>
+      <p:pic>
+        <p:nvPicPr>
+          <p:cNvPr id="4" name="Picture 3">
+            <a:extLst>
+              <a:ext uri="{FF2B5EF4-FFF2-40B4-BE49-F238E27FC236}">
+                <a16:creationId xmlns:a16="http://schemas.microsoft.com/office/drawing/2014/main" id="{A36BE614-CBB0-6E3D-2469-CD60590D9F2D}"/>
+              </a:ext>
+            </a:extLst>
+          </p:cNvPr>
+          <p:cNvPicPr>
+            <a:picLocks noChangeAspect="1"/>
+          </p:cNvPicPr>
+          <p:nvPr/>
+        </p:nvPicPr>
+        <p:blipFill>
+          <a:blip r:embed="rId2"/>
+          <a:srcRect r="507" b="30135"/>
+          <a:stretch/>
+        </p:blipFill>
+        <p:spPr>
+          <a:xfrm>
+            <a:off x="7906239" y="1285387"/>
+            <a:ext cx="3831624" cy="3874441"/>
+          </a:xfrm>
+          <a:prstGeom prst="rect">
+            <a:avLst/>
+          </a:prstGeom>
+        </p:spPr>
+      </p:pic>
+      <p:pic>
+        <p:nvPicPr>
+          <p:cNvPr id="6" name="Picture 5">
+            <a:extLst>
+              <a:ext uri="{FF2B5EF4-FFF2-40B4-BE49-F238E27FC236}">
+                <a16:creationId xmlns:a16="http://schemas.microsoft.com/office/drawing/2014/main" id="{DA28EB1F-74CD-1F74-9E6B-43242B97F287}"/>
+              </a:ext>
+            </a:extLst>
+          </p:cNvPr>
+          <p:cNvPicPr>
+            <a:picLocks noChangeAspect="1"/>
+          </p:cNvPicPr>
+          <p:nvPr/>
+        </p:nvPicPr>
+        <p:blipFill>
+          <a:blip r:embed="rId3"/>
+          <a:stretch>
+            <a:fillRect/>
+          </a:stretch>
+        </p:blipFill>
+        <p:spPr>
+          <a:xfrm>
+            <a:off x="536216" y="650932"/>
+            <a:ext cx="6909612" cy="5837736"/>
+          </a:xfrm>
+          <a:prstGeom prst="rect">
+            <a:avLst/>
+          </a:prstGeom>
+        </p:spPr>
+      </p:pic>
+      <p:sp>
+        <p:nvSpPr>
+          <p:cNvPr id="8" name="TextBox 7">
+            <a:extLst>
+              <a:ext uri="{FF2B5EF4-FFF2-40B4-BE49-F238E27FC236}">
+                <a16:creationId xmlns:a16="http://schemas.microsoft.com/office/drawing/2014/main" id="{DD6FD1FF-28ED-0A58-E0CC-FA1EAAF31D5F}"/>
+              </a:ext>
+            </a:extLst>
+          </p:cNvPr>
+          <p:cNvSpPr txBox="1"/>
+          <p:nvPr/>
+        </p:nvSpPr>
+        <p:spPr>
+          <a:xfrm>
+            <a:off x="8376558" y="909572"/>
+            <a:ext cx="3279226" cy="261610"/>
+          </a:xfrm>
+          <a:prstGeom prst="rect">
+            <a:avLst/>
+          </a:prstGeom>
+          <a:noFill/>
+        </p:spPr>
+        <p:txBody>
+          <a:bodyPr wrap="square">
+            <a:spAutoFit/>
+          </a:bodyPr>
+          <a:lstStyle/>
+          <a:p>
+            <a:pPr algn="ctr"/>
+            <a:r>
+              <a:rPr lang="en-US" sz="1100" dirty="0">
+                <a:solidFill>
+                  <a:srgbClr val="000000"/>
+                </a:solidFill>
+                <a:latin typeface="Times New Roman" panose="02020603050405020304" pitchFamily="18" charset="0"/>
+                <a:cs typeface="Times New Roman" panose="02020603050405020304" pitchFamily="18" charset="0"/>
+              </a:rPr>
+              <a:t>Top 20 Unpopular Properties </a:t>
+            </a:r>
+            <a:endParaRPr lang="en-IN" sz="1100" dirty="0"/>
+          </a:p>
+        </p:txBody>
+      </p:sp>
+    </p:spTree>
+    <p:extLst>
+      <p:ext uri="{BB962C8B-B14F-4D97-AF65-F5344CB8AC3E}">
+        <p14:creationId xmlns:p14="http://schemas.microsoft.com/office/powerpoint/2010/main" val="2550452855"/>
+      </p:ext>
+    </p:extLst>
+  </p:cSld>
+  <p:clrMapOvr>
+    <a:masterClrMapping/>
+  </p:clrMapOvr>
+</p:sld>
+</file>
+
+<file path=ppt/slides/slide14.xml><?xml version="1.0" encoding="utf-8"?>
+<p:sld xmlns:a="http://schemas.openxmlformats.org/drawingml/2006/main" xmlns:r="http://schemas.openxmlformats.org/officeDocument/2006/relationships" xmlns:p="http://schemas.openxmlformats.org/presentationml/2006/main">
+  <p:cSld>
+    <p:spTree>
+      <p:nvGrpSpPr>
+        <p:cNvPr id="1" name=""/>
+        <p:cNvGrpSpPr/>
+        <p:nvPr/>
+      </p:nvGrpSpPr>
+      <p:grpSpPr>
+        <a:xfrm>
+          <a:off x="0" y="0"/>
+          <a:ext cx="0" cy="0"/>
+          <a:chOff x="0" y="0"/>
+          <a:chExt cx="0" cy="0"/>
+        </a:xfrm>
+      </p:grpSpPr>
+      <p:pic>
+        <p:nvPicPr>
+          <p:cNvPr id="2" name="Picture 1">
+            <a:extLst>
+              <a:ext uri="{FF2B5EF4-FFF2-40B4-BE49-F238E27FC236}">
+                <a16:creationId xmlns:a16="http://schemas.microsoft.com/office/drawing/2014/main" id="{43C41925-CADD-37E1-6D06-5EB96C069822}"/>
+              </a:ext>
+            </a:extLst>
+          </p:cNvPr>
+          <p:cNvPicPr>
+            <a:picLocks noChangeAspect="1"/>
+          </p:cNvPicPr>
+          <p:nvPr/>
+        </p:nvPicPr>
+        <p:blipFill>
+          <a:blip r:embed="rId2"/>
+          <a:stretch>
+            <a:fillRect/>
+          </a:stretch>
+        </p:blipFill>
+        <p:spPr>
+          <a:xfrm>
+            <a:off x="6378501" y="720000"/>
+            <a:ext cx="5740713" cy="6120000"/>
+          </a:xfrm>
+          <a:prstGeom prst="rect">
+            <a:avLst/>
+          </a:prstGeom>
+        </p:spPr>
+      </p:pic>
+      <p:pic>
+        <p:nvPicPr>
+          <p:cNvPr id="1026" name="Picture 2">
+            <a:extLst>
+              <a:ext uri="{FF2B5EF4-FFF2-40B4-BE49-F238E27FC236}">
+                <a16:creationId xmlns:a16="http://schemas.microsoft.com/office/drawing/2014/main" id="{34CBEF39-172A-88C2-600C-C14FE63060F7}"/>
+              </a:ext>
+            </a:extLst>
+          </p:cNvPr>
+          <p:cNvPicPr>
+            <a:picLocks noChangeAspect="1" noChangeArrowheads="1"/>
+          </p:cNvPicPr>
+          <p:nvPr/>
+        </p:nvPicPr>
+        <p:blipFill>
+          <a:blip r:embed="rId3">
+            <a:extLst>
+              <a:ext uri="{28A0092B-C50C-407E-A947-70E740481C1C}">
+                <a14:useLocalDpi xmlns:a14="http://schemas.microsoft.com/office/drawing/2010/main" val="0"/>
+              </a:ext>
+            </a:extLst>
+          </a:blip>
+          <a:srcRect/>
+          <a:stretch>
+            <a:fillRect/>
+          </a:stretch>
+        </p:blipFill>
+        <p:spPr bwMode="auto">
+          <a:xfrm>
+            <a:off x="385415" y="681139"/>
+            <a:ext cx="5710585" cy="6120000"/>
+          </a:xfrm>
+          <a:prstGeom prst="rect">
+            <a:avLst/>
+          </a:prstGeom>
+          <a:noFill/>
+          <a:extLst>
+            <a:ext uri="{909E8E84-426E-40DD-AFC4-6F175D3DCCD1}">
+              <a14:hiddenFill xmlns:a14="http://schemas.microsoft.com/office/drawing/2010/main">
+                <a:solidFill>
+                  <a:srgbClr val="FFFFFF"/>
+                </a:solidFill>
+              </a14:hiddenFill>
+            </a:ext>
+          </a:extLst>
+        </p:spPr>
+      </p:pic>
+    </p:spTree>
+    <p:extLst>
+      <p:ext uri="{BB962C8B-B14F-4D97-AF65-F5344CB8AC3E}">
+        <p14:creationId xmlns:p14="http://schemas.microsoft.com/office/powerpoint/2010/main" val="937660178"/>
+      </p:ext>
+    </p:extLst>
+  </p:cSld>
+  <p:clrMapOvr>
+    <a:masterClrMapping/>
+  </p:clrMapOvr>
+</p:sld>
+</file>
+
+<file path=ppt/slides/slide15.xml><?xml version="1.0" encoding="utf-8"?>
+<p:sld xmlns:a="http://schemas.openxmlformats.org/drawingml/2006/main" xmlns:r="http://schemas.openxmlformats.org/officeDocument/2006/relationships" xmlns:p="http://schemas.openxmlformats.org/presentationml/2006/main">
+  <p:cSld>
+    <p:spTree>
+      <p:nvGrpSpPr>
+        <p:cNvPr id="1" name="">
+          <a:extLst>
+            <a:ext uri="{FF2B5EF4-FFF2-40B4-BE49-F238E27FC236}">
               <a16:creationId xmlns:a16="http://schemas.microsoft.com/office/drawing/2014/main" id="{8B1B5728-33D9-7A80-2DEF-376E1813D861}"/>
             </a:ext>
           </a:extLst>
@@ -3542,7 +9548,7 @@
         </p:nvSpPr>
         <p:spPr>
           <a:xfrm>
-            <a:off x="4518997" y="298580"/>
+            <a:off x="4518998" y="298580"/>
             <a:ext cx="2040943" cy="523220"/>
           </a:xfrm>
           <a:prstGeom prst="rect">
@@ -3644,100 +9650,34 @@
           </a:p>
         </p:txBody>
       </p:sp>
-      <p:sp>
-        <p:nvSpPr>
-          <p:cNvPr id="3" name="TextBox 2">
+      <p:graphicFrame>
+        <p:nvGraphicFramePr>
+          <p:cNvPr id="6" name="Diagram 5">
             <a:extLst>
               <a:ext uri="{FF2B5EF4-FFF2-40B4-BE49-F238E27FC236}">
-                <a16:creationId xmlns:a16="http://schemas.microsoft.com/office/drawing/2014/main" id="{A6BDB9E8-7178-8A2B-E556-E56DDCC1854B}"/>
+                <a16:creationId xmlns:a16="http://schemas.microsoft.com/office/drawing/2014/main" id="{A06A1E46-2E01-3A4F-CFA3-7B4BFD64E02D}"/>
               </a:ext>
             </a:extLst>
           </p:cNvPr>
-          <p:cNvSpPr txBox="1"/>
-          <p:nvPr/>
-        </p:nvSpPr>
-        <p:spPr>
-          <a:xfrm>
-            <a:off x="4577186" y="1586203"/>
-            <a:ext cx="2533066" cy="2246769"/>
-          </a:xfrm>
-          <a:prstGeom prst="rect">
-            <a:avLst/>
-          </a:prstGeom>
-          <a:noFill/>
-        </p:spPr>
-        <p:txBody>
-          <a:bodyPr wrap="none" rtlCol="0">
-            <a:spAutoFit/>
-          </a:bodyPr>
-          <a:lstStyle/>
-          <a:p>
-            <a:pPr marL="285750" indent="-285750">
-              <a:buFont typeface="Arial" panose="020B0604020202020204" pitchFamily="34" charset="0"/>
-              <a:buChar char="•"/>
-            </a:pPr>
-            <a:r>
-              <a:rPr lang="en-US" sz="2800" dirty="0">
-                <a:latin typeface="Times New Roman" panose="02020603050405020304" pitchFamily="18" charset="0"/>
-                <a:cs typeface="Times New Roman" panose="02020603050405020304" pitchFamily="18" charset="0"/>
-              </a:rPr>
-              <a:t>Objective</a:t>
-            </a:r>
-          </a:p>
-          <a:p>
-            <a:pPr marL="285750" indent="-285750">
-              <a:buFont typeface="Arial" panose="020B0604020202020204" pitchFamily="34" charset="0"/>
-              <a:buChar char="•"/>
-            </a:pPr>
-            <a:r>
-              <a:rPr lang="en-US" sz="2800" dirty="0">
-                <a:latin typeface="Times New Roman" panose="02020603050405020304" pitchFamily="18" charset="0"/>
-                <a:cs typeface="Times New Roman" panose="02020603050405020304" pitchFamily="18" charset="0"/>
-              </a:rPr>
-              <a:t>Background</a:t>
-            </a:r>
-          </a:p>
-          <a:p>
-            <a:pPr marL="285750" indent="-285750">
-              <a:buFont typeface="Arial" panose="020B0604020202020204" pitchFamily="34" charset="0"/>
-              <a:buChar char="•"/>
-            </a:pPr>
-            <a:r>
-              <a:rPr lang="en-US" sz="2800" dirty="0">
-                <a:latin typeface="Times New Roman" panose="02020603050405020304" pitchFamily="18" charset="0"/>
-                <a:cs typeface="Times New Roman" panose="02020603050405020304" pitchFamily="18" charset="0"/>
-              </a:rPr>
-              <a:t>Data Cleaning</a:t>
-            </a:r>
-          </a:p>
-          <a:p>
-            <a:pPr marL="285750" indent="-285750">
-              <a:buFont typeface="Arial" panose="020B0604020202020204" pitchFamily="34" charset="0"/>
-              <a:buChar char="•"/>
-            </a:pPr>
-            <a:r>
-              <a:rPr lang="en-IN" sz="2800" dirty="0">
-                <a:latin typeface="Times New Roman" panose="02020603050405020304" pitchFamily="18" charset="0"/>
-                <a:cs typeface="Times New Roman" panose="02020603050405020304" pitchFamily="18" charset="0"/>
-              </a:rPr>
-              <a:t>Key Insights</a:t>
-            </a:r>
-          </a:p>
-          <a:p>
-            <a:pPr marL="285750" indent="-285750">
-              <a:buFont typeface="Arial" panose="020B0604020202020204" pitchFamily="34" charset="0"/>
-              <a:buChar char="•"/>
-            </a:pPr>
-            <a:r>
-              <a:rPr lang="en-IN" sz="2800" dirty="0">
-                <a:latin typeface="Times New Roman" panose="02020603050405020304" pitchFamily="18" charset="0"/>
-                <a:cs typeface="Times New Roman" panose="02020603050405020304" pitchFamily="18" charset="0"/>
-              </a:rPr>
-              <a:t>Appendix</a:t>
-            </a:r>
-          </a:p>
-        </p:txBody>
-      </p:sp>
+          <p:cNvGraphicFramePr/>
+          <p:nvPr>
+            <p:extLst>
+              <p:ext uri="{D42A27DB-BD31-4B8C-83A1-F6EECF244321}">
+                <p14:modId xmlns:p14="http://schemas.microsoft.com/office/powerpoint/2010/main" val="1698493302"/>
+              </p:ext>
+            </p:extLst>
+          </p:nvPr>
+        </p:nvGraphicFramePr>
+        <p:xfrm>
+          <a:off x="2055017" y="915436"/>
+          <a:ext cx="7245388" cy="5027127"/>
+        </p:xfrm>
+        <a:graphic>
+          <a:graphicData uri="http://schemas.openxmlformats.org/drawingml/2006/diagram">
+            <dgm:relIds xmlns:dgm="http://schemas.openxmlformats.org/drawingml/2006/diagram" xmlns:r="http://schemas.openxmlformats.org/officeDocument/2006/relationships" r:dm="rId2" r:lo="rId3" r:qs="rId4" r:cs="rId5"/>
+          </a:graphicData>
+        </a:graphic>
+      </p:graphicFrame>
     </p:spTree>
     <p:extLst>
       <p:ext uri="{BB962C8B-B14F-4D97-AF65-F5344CB8AC3E}">
@@ -3788,7 +9728,7 @@
         </p:nvSpPr>
         <p:spPr>
           <a:xfrm>
-            <a:off x="4460032" y="333182"/>
+            <a:off x="4460033" y="333182"/>
             <a:ext cx="2752531" cy="523220"/>
           </a:xfrm>
           <a:prstGeom prst="rect">
@@ -3827,8 +9767,8 @@
         </p:nvSpPr>
         <p:spPr>
           <a:xfrm>
-            <a:off x="1763486" y="1341337"/>
-            <a:ext cx="10207690" cy="3798476"/>
+            <a:off x="1666209" y="952232"/>
+            <a:ext cx="10207691" cy="5268237"/>
           </a:xfrm>
           <a:prstGeom prst="rect">
             <a:avLst/>
@@ -3841,7 +9781,10 @@
           </a:bodyPr>
           <a:lstStyle/>
           <a:p>
-            <a:pPr marL="285750" indent="-285750" algn="l">
+            <a:pPr marL="285744" indent="-285744">
+              <a:lnSpc>
+                <a:spcPct val="150000"/>
+              </a:lnSpc>
               <a:spcAft>
                 <a:spcPts val="675"/>
               </a:spcAft>
@@ -3849,11 +9792,10 @@
               <a:buChar char="•"/>
             </a:pPr>
             <a:r>
-              <a:rPr lang="en-US" sz="2500" b="0" i="0" dirty="0">
+              <a:rPr lang="en-US" sz="2500" dirty="0">
                 <a:solidFill>
                   <a:srgbClr val="000000"/>
                 </a:solidFill>
-                <a:effectLst/>
                 <a:latin typeface="Times New Roman" panose="02020603050405020304" pitchFamily="18" charset="0"/>
                 <a:cs typeface="Times New Roman" panose="02020603050405020304" pitchFamily="18" charset="0"/>
               </a:rPr>
@@ -3861,7 +9803,10 @@
             </a:r>
           </a:p>
           <a:p>
-            <a:pPr marL="285750" indent="-285750" algn="l">
+            <a:pPr marL="285744" indent="-285744">
+              <a:lnSpc>
+                <a:spcPct val="150000"/>
+              </a:lnSpc>
               <a:spcAft>
                 <a:spcPts val="675"/>
               </a:spcAft>
@@ -3869,11 +9814,10 @@
               <a:buChar char="•"/>
             </a:pPr>
             <a:r>
-              <a:rPr lang="en-US" sz="2500" b="0" i="0" dirty="0">
+              <a:rPr lang="en-US" sz="2500" dirty="0">
                 <a:solidFill>
                   <a:srgbClr val="000000"/>
                 </a:solidFill>
-                <a:effectLst/>
                 <a:latin typeface="Times New Roman" panose="02020603050405020304" pitchFamily="18" charset="0"/>
                 <a:cs typeface="Times New Roman" panose="02020603050405020304" pitchFamily="18" charset="0"/>
               </a:rPr>
@@ -3881,7 +9825,10 @@
             </a:r>
           </a:p>
           <a:p>
-            <a:pPr marL="285750" indent="-285750" algn="l">
+            <a:pPr marL="285744" indent="-285744">
+              <a:lnSpc>
+                <a:spcPct val="150000"/>
+              </a:lnSpc>
               <a:spcAft>
                 <a:spcPts val="675"/>
               </a:spcAft>
@@ -3889,11 +9836,10 @@
               <a:buChar char="•"/>
             </a:pPr>
             <a:r>
-              <a:rPr lang="en-US" sz="2500" b="0" i="0" dirty="0">
+              <a:rPr lang="en-US" sz="2500" dirty="0">
                 <a:solidFill>
                   <a:srgbClr val="000000"/>
                 </a:solidFill>
-                <a:effectLst/>
                 <a:latin typeface="Times New Roman" panose="02020603050405020304" pitchFamily="18" charset="0"/>
                 <a:cs typeface="Times New Roman" panose="02020603050405020304" pitchFamily="18" charset="0"/>
               </a:rPr>
@@ -3901,7 +9847,10 @@
             </a:r>
           </a:p>
           <a:p>
-            <a:pPr marL="285750" indent="-285750" algn="l">
+            <a:pPr marL="285744" indent="-285744">
+              <a:lnSpc>
+                <a:spcPct val="150000"/>
+              </a:lnSpc>
               <a:spcAft>
                 <a:spcPts val="675"/>
               </a:spcAft>
@@ -3909,11 +9858,10 @@
               <a:buChar char="•"/>
             </a:pPr>
             <a:r>
-              <a:rPr lang="en-US" sz="2500" b="0" i="0" dirty="0">
+              <a:rPr lang="en-US" sz="2500" dirty="0">
                 <a:solidFill>
                   <a:srgbClr val="000000"/>
                 </a:solidFill>
-                <a:effectLst/>
                 <a:latin typeface="Times New Roman" panose="02020603050405020304" pitchFamily="18" charset="0"/>
                 <a:cs typeface="Times New Roman" panose="02020603050405020304" pitchFamily="18" charset="0"/>
               </a:rPr>
@@ -3921,7 +9869,10 @@
             </a:r>
           </a:p>
           <a:p>
-            <a:pPr marL="285750" indent="-285750" algn="l">
+            <a:pPr marL="285744" indent="-285744">
+              <a:lnSpc>
+                <a:spcPct val="150000"/>
+              </a:lnSpc>
               <a:spcAft>
                 <a:spcPts val="675"/>
               </a:spcAft>
@@ -3929,33 +9880,30 @@
               <a:buChar char="•"/>
             </a:pPr>
             <a:r>
-              <a:rPr lang="en-US" sz="2500" b="0" i="0" dirty="0">
+              <a:rPr lang="en-US" sz="2500" dirty="0">
                 <a:solidFill>
                   <a:srgbClr val="000000"/>
                 </a:solidFill>
-                <a:effectLst/>
                 <a:latin typeface="Times New Roman" panose="02020603050405020304" pitchFamily="18" charset="0"/>
                 <a:cs typeface="Times New Roman" panose="02020603050405020304" pitchFamily="18" charset="0"/>
               </a:rPr>
               <a:t>The various kinds of properties that exist </a:t>
             </a:r>
             <a:r>
-              <a:rPr lang="en-US" sz="2500" b="0" i="0" dirty="0" err="1">
+              <a:rPr lang="en-US" sz="2500" dirty="0" err="1">
                 <a:solidFill>
                   <a:srgbClr val="000000"/>
                 </a:solidFill>
-                <a:effectLst/>
                 <a:latin typeface="Times New Roman" panose="02020603050405020304" pitchFamily="18" charset="0"/>
                 <a:cs typeface="Times New Roman" panose="02020603050405020304" pitchFamily="18" charset="0"/>
               </a:rPr>
               <a:t>w.r.t.</a:t>
             </a:r>
             <a:r>
-              <a:rPr lang="en-US" sz="2500" b="0" i="0" dirty="0">
+              <a:rPr lang="en-US" sz="2500" dirty="0">
                 <a:solidFill>
                   <a:srgbClr val="000000"/>
                 </a:solidFill>
-                <a:effectLst/>
                 <a:latin typeface="Times New Roman" panose="02020603050405020304" pitchFamily="18" charset="0"/>
                 <a:cs typeface="Times New Roman" panose="02020603050405020304" pitchFamily="18" charset="0"/>
               </a:rPr>
@@ -3963,7 +9911,10 @@
             </a:r>
           </a:p>
           <a:p>
-            <a:pPr marL="285750" indent="-285750" algn="l">
+            <a:pPr marL="285744" indent="-285744">
+              <a:lnSpc>
+                <a:spcPct val="150000"/>
+              </a:lnSpc>
               <a:spcAft>
                 <a:spcPts val="675"/>
               </a:spcAft>
@@ -3971,11 +9922,10 @@
               <a:buChar char="•"/>
             </a:pPr>
             <a:r>
-              <a:rPr lang="en-US" sz="2500" b="0" i="0" dirty="0">
+              <a:rPr lang="en-US" sz="2500" dirty="0">
                 <a:solidFill>
                   <a:srgbClr val="000000"/>
                 </a:solidFill>
-                <a:effectLst/>
                 <a:latin typeface="Times New Roman" panose="02020603050405020304" pitchFamily="18" charset="0"/>
                 <a:cs typeface="Times New Roman" panose="02020603050405020304" pitchFamily="18" charset="0"/>
               </a:rPr>
@@ -3983,7 +9933,10 @@
             </a:r>
           </a:p>
           <a:p>
-            <a:pPr marL="285750" indent="-285750" algn="l">
+            <a:pPr marL="285744" indent="-285744">
+              <a:lnSpc>
+                <a:spcPct val="150000"/>
+              </a:lnSpc>
               <a:spcAft>
                 <a:spcPts val="675"/>
               </a:spcAft>
@@ -3991,11 +9944,10 @@
               <a:buChar char="•"/>
             </a:pPr>
             <a:r>
-              <a:rPr lang="en-US" sz="2500" b="0" i="0" dirty="0">
+              <a:rPr lang="en-US" sz="2500" dirty="0">
                 <a:solidFill>
                   <a:srgbClr val="000000"/>
                 </a:solidFill>
-                <a:effectLst/>
                 <a:latin typeface="Times New Roman" panose="02020603050405020304" pitchFamily="18" charset="0"/>
                 <a:cs typeface="Times New Roman" panose="02020603050405020304" pitchFamily="18" charset="0"/>
               </a:rPr>
@@ -4003,7 +9955,10 @@
             </a:r>
           </a:p>
           <a:p>
-            <a:pPr marL="285750" indent="-285750" algn="l">
+            <a:pPr marL="285744" indent="-285744">
+              <a:lnSpc>
+                <a:spcPct val="150000"/>
+              </a:lnSpc>
               <a:spcAft>
                 <a:spcPts val="675"/>
               </a:spcAft>
@@ -4011,11 +9966,10 @@
               <a:buChar char="•"/>
             </a:pPr>
             <a:r>
-              <a:rPr lang="en-US" sz="2500" b="0" i="0" dirty="0">
+              <a:rPr lang="en-US" sz="2500" dirty="0">
                 <a:solidFill>
                   <a:srgbClr val="000000"/>
                 </a:solidFill>
-                <a:effectLst/>
                 <a:latin typeface="Times New Roman" panose="02020603050405020304" pitchFamily="18" charset="0"/>
                 <a:cs typeface="Times New Roman" panose="02020603050405020304" pitchFamily="18" charset="0"/>
               </a:rPr>
@@ -4074,7 +10028,7 @@
         </p:nvSpPr>
         <p:spPr>
           <a:xfrm>
-            <a:off x="4686800" y="279920"/>
+            <a:off x="4686804" y="279920"/>
             <a:ext cx="2818400" cy="523220"/>
           </a:xfrm>
           <a:prstGeom prst="rect">
@@ -4112,7 +10066,7 @@
         </p:nvSpPr>
         <p:spPr>
           <a:xfrm>
-            <a:off x="1919772" y="1293665"/>
+            <a:off x="1919776" y="1293666"/>
             <a:ext cx="8847753" cy="3076291"/>
           </a:xfrm>
           <a:prstGeom prst="rect">
@@ -4126,7 +10080,7 @@
           </a:bodyPr>
           <a:lstStyle/>
           <a:p>
-            <a:pPr marL="285750" indent="-285750" algn="l">
+            <a:pPr marL="285744" indent="-285744">
               <a:lnSpc>
                 <a:spcPct val="200000"/>
               </a:lnSpc>
@@ -4141,22 +10095,11 @@
                 <a:latin typeface="Times New Roman" panose="02020603050405020304" pitchFamily="18" charset="0"/>
                 <a:cs typeface="Times New Roman" panose="02020603050405020304" pitchFamily="18" charset="0"/>
               </a:rPr>
-              <a:t>P</a:t>
+              <a:t>Past few months, Airbnb has seen a major decline in revenue. </a:t>
             </a:r>
-            <a:r>
-              <a:rPr lang="en-US" sz="2000" b="0" i="0" dirty="0">
-                <a:solidFill>
-                  <a:srgbClr val="000000"/>
-                </a:solidFill>
-                <a:effectLst/>
-                <a:latin typeface="Times New Roman" panose="02020603050405020304" pitchFamily="18" charset="0"/>
-                <a:cs typeface="Times New Roman" panose="02020603050405020304" pitchFamily="18" charset="0"/>
-              </a:rPr>
-              <a:t>ast few months, Airbnb has seen a major decline in revenue. </a:t>
-            </a:r>
-          </a:p>
-          <a:p>
-            <a:pPr marL="285750" indent="-285750" algn="l">
+          </a:p>
+          <a:p>
+            <a:pPr marL="285744" indent="-285744">
               <a:lnSpc>
                 <a:spcPct val="200000"/>
               </a:lnSpc>
@@ -4164,11 +10107,10 @@
               <a:buChar char="•"/>
             </a:pPr>
             <a:r>
-              <a:rPr lang="en-US" sz="2000" b="0" i="0" dirty="0">
+              <a:rPr lang="en-US" sz="2000" dirty="0">
                 <a:solidFill>
                   <a:srgbClr val="000000"/>
                 </a:solidFill>
-                <a:effectLst/>
                 <a:latin typeface="Times New Roman" panose="02020603050405020304" pitchFamily="18" charset="0"/>
                 <a:cs typeface="Times New Roman" panose="02020603050405020304" pitchFamily="18" charset="0"/>
               </a:rPr>
@@ -4176,7 +10118,7 @@
             </a:r>
           </a:p>
           <a:p>
-            <a:pPr marL="285750" indent="-285750" algn="l">
+            <a:pPr marL="285744" indent="-285744">
               <a:lnSpc>
                 <a:spcPct val="200000"/>
               </a:lnSpc>
@@ -4184,11 +10126,10 @@
               <a:buChar char="•"/>
             </a:pPr>
             <a:r>
-              <a:rPr lang="en-US" sz="2000" b="0" i="0" dirty="0">
+              <a:rPr lang="en-US" sz="2000" dirty="0">
                 <a:solidFill>
                   <a:srgbClr val="000000"/>
                 </a:solidFill>
-                <a:effectLst/>
                 <a:latin typeface="Times New Roman" panose="02020603050405020304" pitchFamily="18" charset="0"/>
                 <a:cs typeface="Times New Roman" panose="02020603050405020304" pitchFamily="18" charset="0"/>
               </a:rPr>
@@ -4247,7 +10188,7 @@
         </p:nvSpPr>
         <p:spPr>
           <a:xfrm>
-            <a:off x="4518997" y="298580"/>
+            <a:off x="4519001" y="298580"/>
             <a:ext cx="3154005" cy="523220"/>
           </a:xfrm>
           <a:prstGeom prst="rect">
@@ -4321,7 +10262,7 @@
         </p:nvSpPr>
         <p:spPr>
           <a:xfrm>
-            <a:off x="3740419" y="121298"/>
+            <a:off x="3740419" y="121301"/>
             <a:ext cx="4839402" cy="400110"/>
           </a:xfrm>
           <a:prstGeom prst="rect">
@@ -4367,8 +10308,8 @@
         </p:blipFill>
         <p:spPr>
           <a:xfrm>
-            <a:off x="88641" y="1092258"/>
-            <a:ext cx="7990114" cy="4827211"/>
+            <a:off x="88641" y="1092259"/>
+            <a:ext cx="7990115" cy="4827211"/>
           </a:xfrm>
           <a:prstGeom prst="rect">
             <a:avLst/>
@@ -4396,8 +10337,8 @@
         </p:blipFill>
         <p:spPr>
           <a:xfrm>
-            <a:off x="8098972" y="1479386"/>
-            <a:ext cx="3984171" cy="3633790"/>
+            <a:off x="8098973" y="1479389"/>
+            <a:ext cx="3984171" cy="3633791"/>
           </a:xfrm>
           <a:prstGeom prst="rect">
             <a:avLst/>
@@ -4418,7 +10359,7 @@
         </p:nvSpPr>
         <p:spPr>
           <a:xfrm>
-            <a:off x="9267177" y="1092258"/>
+            <a:off x="9267178" y="1092259"/>
             <a:ext cx="1570815" cy="276999"/>
           </a:xfrm>
           <a:prstGeom prst="rect">
@@ -4484,8 +10425,8 @@
         </p:nvSpPr>
         <p:spPr>
           <a:xfrm>
-            <a:off x="3431334" y="239877"/>
-            <a:ext cx="6097554" cy="369332"/>
+            <a:off x="3431333" y="239878"/>
+            <a:ext cx="6097555" cy="369332"/>
           </a:xfrm>
           <a:prstGeom prst="rect">
             <a:avLst/>
@@ -4493,20 +10434,23 @@
           <a:noFill/>
         </p:spPr>
         <p:txBody>
-          <a:bodyPr wrap="square">
+          <a:bodyPr wrap="none" rtlCol="0">
             <a:spAutoFit/>
           </a:bodyPr>
-          <a:lstStyle/>
-          <a:p>
-            <a:r>
-              <a:rPr lang="en-US" sz="1800" b="0" i="0" dirty="0">
-                <a:solidFill>
-                  <a:srgbClr val="000000"/>
-                </a:solidFill>
-                <a:effectLst/>
+          <a:lstStyle>
+            <a:defPPr>
+              <a:defRPr lang="en-US"/>
+            </a:defPPr>
+            <a:lvl1pPr>
+              <a:defRPr sz="2000" b="1">
                 <a:latin typeface="Times New Roman" panose="02020603050405020304" pitchFamily="18" charset="0"/>
                 <a:cs typeface="Times New Roman" panose="02020603050405020304" pitchFamily="18" charset="0"/>
-              </a:rPr>
+              </a:defRPr>
+            </a:lvl1pPr>
+          </a:lstStyle>
+          <a:p>
+            <a:r>
+              <a:rPr lang="en-US" dirty="0"/>
               <a:t>The categorization of customers based on their preferences</a:t>
             </a:r>
             <a:endParaRPr lang="en-IN" dirty="0"/>
@@ -4535,38 +10479,8 @@
         </p:blipFill>
         <p:spPr>
           <a:xfrm>
-            <a:off x="553083" y="2239347"/>
+            <a:off x="553088" y="2239352"/>
             <a:ext cx="5326225" cy="2919321"/>
-          </a:xfrm>
-          <a:prstGeom prst="rect">
-            <a:avLst/>
-          </a:prstGeom>
-        </p:spPr>
-      </p:pic>
-      <p:pic>
-        <p:nvPicPr>
-          <p:cNvPr id="7" name="Picture 6">
-            <a:extLst>
-              <a:ext uri="{FF2B5EF4-FFF2-40B4-BE49-F238E27FC236}">
-                <a16:creationId xmlns:a16="http://schemas.microsoft.com/office/drawing/2014/main" id="{DA6184A7-134E-4D7D-2498-B662BA5C1C5D}"/>
-              </a:ext>
-            </a:extLst>
-          </p:cNvPr>
-          <p:cNvPicPr>
-            <a:picLocks noChangeAspect="1"/>
-          </p:cNvPicPr>
-          <p:nvPr/>
-        </p:nvPicPr>
-        <p:blipFill>
-          <a:blip r:embed="rId3"/>
-          <a:stretch>
-            <a:fillRect/>
-          </a:stretch>
-        </p:blipFill>
-        <p:spPr>
-          <a:xfrm>
-            <a:off x="6454452" y="1997912"/>
-            <a:ext cx="5326225" cy="2919320"/>
           </a:xfrm>
           <a:prstGeom prst="rect">
             <a:avLst/>
@@ -4620,6 +10534,36 @@
           </a:p>
         </p:txBody>
       </p:sp>
+      <p:pic>
+        <p:nvPicPr>
+          <p:cNvPr id="9" name="Picture 8">
+            <a:extLst>
+              <a:ext uri="{FF2B5EF4-FFF2-40B4-BE49-F238E27FC236}">
+                <a16:creationId xmlns:a16="http://schemas.microsoft.com/office/drawing/2014/main" id="{2C6E0E12-9461-15AA-4653-C052F89B9832}"/>
+              </a:ext>
+            </a:extLst>
+          </p:cNvPr>
+          <p:cNvPicPr>
+            <a:picLocks noChangeAspect="1"/>
+          </p:cNvPicPr>
+          <p:nvPr/>
+        </p:nvPicPr>
+        <p:blipFill>
+          <a:blip r:embed="rId3"/>
+          <a:stretch>
+            <a:fillRect/>
+          </a:stretch>
+        </p:blipFill>
+        <p:spPr>
+          <a:xfrm>
+            <a:off x="6480111" y="2349627"/>
+            <a:ext cx="4860792" cy="2698760"/>
+          </a:xfrm>
+          <a:prstGeom prst="rect">
+            <a:avLst/>
+          </a:prstGeom>
+        </p:spPr>
+      </p:pic>
     </p:spTree>
     <p:extLst>
       <p:ext uri="{BB962C8B-B14F-4D97-AF65-F5344CB8AC3E}">
@@ -4656,6 +10600,128 @@
           <a:chExt cx="0" cy="0"/>
         </a:xfrm>
       </p:grpSpPr>
+      <p:sp>
+        <p:nvSpPr>
+          <p:cNvPr id="3" name="TextBox 2">
+            <a:extLst>
+              <a:ext uri="{FF2B5EF4-FFF2-40B4-BE49-F238E27FC236}">
+                <a16:creationId xmlns:a16="http://schemas.microsoft.com/office/drawing/2014/main" id="{5DC1C0B7-9498-1873-9198-88F3C9796E4D}"/>
+              </a:ext>
+            </a:extLst>
+          </p:cNvPr>
+          <p:cNvSpPr txBox="1"/>
+          <p:nvPr/>
+        </p:nvSpPr>
+        <p:spPr>
+          <a:xfrm>
+            <a:off x="3151415" y="222676"/>
+            <a:ext cx="6617736" cy="369332"/>
+          </a:xfrm>
+          <a:prstGeom prst="rect">
+            <a:avLst/>
+          </a:prstGeom>
+          <a:noFill/>
+        </p:spPr>
+        <p:txBody>
+          <a:bodyPr wrap="square">
+            <a:spAutoFit/>
+          </a:bodyPr>
+          <a:lstStyle/>
+          <a:p>
+            <a:r>
+              <a:rPr lang="en-US" sz="1800" dirty="0">
+                <a:solidFill>
+                  <a:srgbClr val="000000"/>
+                </a:solidFill>
+                <a:latin typeface="Times New Roman" panose="02020603050405020304" pitchFamily="18" charset="0"/>
+                <a:cs typeface="Times New Roman" panose="02020603050405020304" pitchFamily="18" charset="0"/>
+              </a:rPr>
+              <a:t>The various kinds of properties that exist </a:t>
+            </a:r>
+            <a:r>
+              <a:rPr lang="en-US" sz="1800" dirty="0" err="1">
+                <a:solidFill>
+                  <a:srgbClr val="000000"/>
+                </a:solidFill>
+                <a:latin typeface="Times New Roman" panose="02020603050405020304" pitchFamily="18" charset="0"/>
+                <a:cs typeface="Times New Roman" panose="02020603050405020304" pitchFamily="18" charset="0"/>
+              </a:rPr>
+              <a:t>w.r.t.</a:t>
+            </a:r>
+            <a:r>
+              <a:rPr lang="en-US" sz="1800" dirty="0">
+                <a:solidFill>
+                  <a:srgbClr val="000000"/>
+                </a:solidFill>
+                <a:latin typeface="Times New Roman" panose="02020603050405020304" pitchFamily="18" charset="0"/>
+                <a:cs typeface="Times New Roman" panose="02020603050405020304" pitchFamily="18" charset="0"/>
+              </a:rPr>
+              <a:t> customer preferences</a:t>
+            </a:r>
+            <a:endParaRPr lang="en-IN" dirty="0"/>
+          </a:p>
+        </p:txBody>
+      </p:sp>
+      <p:pic>
+        <p:nvPicPr>
+          <p:cNvPr id="5" name="Picture 4">
+            <a:extLst>
+              <a:ext uri="{FF2B5EF4-FFF2-40B4-BE49-F238E27FC236}">
+                <a16:creationId xmlns:a16="http://schemas.microsoft.com/office/drawing/2014/main" id="{8506B2B8-A1E4-C859-71AD-3F3AA8FECF1A}"/>
+              </a:ext>
+            </a:extLst>
+          </p:cNvPr>
+          <p:cNvPicPr>
+            <a:picLocks noChangeAspect="1"/>
+          </p:cNvPicPr>
+          <p:nvPr/>
+        </p:nvPicPr>
+        <p:blipFill>
+          <a:blip r:embed="rId2"/>
+          <a:stretch>
+            <a:fillRect/>
+          </a:stretch>
+        </p:blipFill>
+        <p:spPr>
+          <a:xfrm>
+            <a:off x="539036" y="2023853"/>
+            <a:ext cx="5511359" cy="3630498"/>
+          </a:xfrm>
+          <a:prstGeom prst="rect">
+            <a:avLst/>
+          </a:prstGeom>
+        </p:spPr>
+      </p:pic>
+      <p:pic>
+        <p:nvPicPr>
+          <p:cNvPr id="9" name="Picture 8">
+            <a:extLst>
+              <a:ext uri="{FF2B5EF4-FFF2-40B4-BE49-F238E27FC236}">
+                <a16:creationId xmlns:a16="http://schemas.microsoft.com/office/drawing/2014/main" id="{0FFB7F4C-9BC4-685A-6629-B1B6E5F68826}"/>
+              </a:ext>
+            </a:extLst>
+          </p:cNvPr>
+          <p:cNvPicPr>
+            <a:picLocks noChangeAspect="1"/>
+          </p:cNvPicPr>
+          <p:nvPr/>
+        </p:nvPicPr>
+        <p:blipFill>
+          <a:blip r:embed="rId3"/>
+          <a:stretch>
+            <a:fillRect/>
+          </a:stretch>
+        </p:blipFill>
+        <p:spPr>
+          <a:xfrm>
+            <a:off x="6141608" y="2258008"/>
+            <a:ext cx="5342944" cy="3396343"/>
+          </a:xfrm>
+          <a:prstGeom prst="rect">
+            <a:avLst/>
+          </a:prstGeom>
+        </p:spPr>
+      </p:pic>
     </p:spTree>
     <p:extLst>
       <p:ext uri="{BB962C8B-B14F-4D97-AF65-F5344CB8AC3E}">
@@ -4692,6 +10758,268 @@
           <a:chExt cx="0" cy="0"/>
         </a:xfrm>
       </p:grpSpPr>
+      <p:sp>
+        <p:nvSpPr>
+          <p:cNvPr id="3" name="TextBox 2">
+            <a:extLst>
+              <a:ext uri="{FF2B5EF4-FFF2-40B4-BE49-F238E27FC236}">
+                <a16:creationId xmlns:a16="http://schemas.microsoft.com/office/drawing/2014/main" id="{41FFBB0A-8FED-8846-9A84-49673F6362AE}"/>
+              </a:ext>
+            </a:extLst>
+          </p:cNvPr>
+          <p:cNvSpPr txBox="1"/>
+          <p:nvPr/>
+        </p:nvSpPr>
+        <p:spPr>
+          <a:xfrm>
+            <a:off x="3119997" y="80839"/>
+            <a:ext cx="7669764" cy="369332"/>
+          </a:xfrm>
+          <a:prstGeom prst="rect">
+            <a:avLst/>
+          </a:prstGeom>
+          <a:noFill/>
+        </p:spPr>
+        <p:txBody>
+          <a:bodyPr wrap="square">
+            <a:spAutoFit/>
+          </a:bodyPr>
+          <a:lstStyle/>
+          <a:p>
+            <a:r>
+              <a:rPr lang="en-US" sz="1800" b="1" dirty="0">
+                <a:solidFill>
+                  <a:srgbClr val="000000"/>
+                </a:solidFill>
+                <a:latin typeface="Times New Roman" panose="02020603050405020304" pitchFamily="18" charset="0"/>
+                <a:cs typeface="Times New Roman" panose="02020603050405020304" pitchFamily="18" charset="0"/>
+              </a:rPr>
+              <a:t>Adjustments in the existing properties to make it more customer-oriented</a:t>
+            </a:r>
+            <a:endParaRPr lang="en-IN" b="1" dirty="0"/>
+          </a:p>
+        </p:txBody>
+      </p:sp>
+      <p:pic>
+        <p:nvPicPr>
+          <p:cNvPr id="5" name="Picture 4">
+            <a:extLst>
+              <a:ext uri="{FF2B5EF4-FFF2-40B4-BE49-F238E27FC236}">
+                <a16:creationId xmlns:a16="http://schemas.microsoft.com/office/drawing/2014/main" id="{9BCBCDCF-57EC-163E-B5C1-DA158FC4A26D}"/>
+              </a:ext>
+            </a:extLst>
+          </p:cNvPr>
+          <p:cNvPicPr>
+            <a:picLocks noChangeAspect="1"/>
+          </p:cNvPicPr>
+          <p:nvPr/>
+        </p:nvPicPr>
+        <p:blipFill>
+          <a:blip r:embed="rId2"/>
+          <a:stretch>
+            <a:fillRect/>
+          </a:stretch>
+        </p:blipFill>
+        <p:spPr>
+          <a:xfrm>
+            <a:off x="619709" y="1600531"/>
+            <a:ext cx="4495800" cy="4991100"/>
+          </a:xfrm>
+          <a:prstGeom prst="rect">
+            <a:avLst/>
+          </a:prstGeom>
+        </p:spPr>
+      </p:pic>
+      <p:pic>
+        <p:nvPicPr>
+          <p:cNvPr id="11" name="Picture 10">
+            <a:extLst>
+              <a:ext uri="{FF2B5EF4-FFF2-40B4-BE49-F238E27FC236}">
+                <a16:creationId xmlns:a16="http://schemas.microsoft.com/office/drawing/2014/main" id="{4F09F723-7D8F-3E3C-0FB3-EABE3FABAE76}"/>
+              </a:ext>
+            </a:extLst>
+          </p:cNvPr>
+          <p:cNvPicPr>
+            <a:picLocks noChangeAspect="1"/>
+          </p:cNvPicPr>
+          <p:nvPr/>
+        </p:nvPicPr>
+        <p:blipFill>
+          <a:blip r:embed="rId3"/>
+          <a:srcRect b="1418"/>
+          <a:stretch/>
+        </p:blipFill>
+        <p:spPr>
+          <a:xfrm>
+            <a:off x="6163714" y="1600531"/>
+            <a:ext cx="3157567" cy="5135756"/>
+          </a:xfrm>
+          <a:prstGeom prst="rect">
+            <a:avLst/>
+          </a:prstGeom>
+        </p:spPr>
+      </p:pic>
+      <p:sp>
+        <p:nvSpPr>
+          <p:cNvPr id="12" name="Arc 11">
+            <a:extLst>
+              <a:ext uri="{FF2B5EF4-FFF2-40B4-BE49-F238E27FC236}">
+                <a16:creationId xmlns:a16="http://schemas.microsoft.com/office/drawing/2014/main" id="{0F9CEB31-9B5E-6CE8-F42B-69D7987C5419}"/>
+              </a:ext>
+            </a:extLst>
+          </p:cNvPr>
+          <p:cNvSpPr/>
+          <p:nvPr/>
+        </p:nvSpPr>
+        <p:spPr>
+          <a:xfrm>
+            <a:off x="7719394" y="2581443"/>
+            <a:ext cx="743670" cy="260265"/>
+          </a:xfrm>
+          <a:prstGeom prst="arc">
+            <a:avLst/>
+          </a:prstGeom>
+          <a:ln>
+            <a:headEnd type="triangle"/>
+          </a:ln>
+        </p:spPr>
+        <p:style>
+          <a:lnRef idx="1">
+            <a:schemeClr val="accent1"/>
+          </a:lnRef>
+          <a:fillRef idx="0">
+            <a:schemeClr val="accent1"/>
+          </a:fillRef>
+          <a:effectRef idx="0">
+            <a:schemeClr val="accent1"/>
+          </a:effectRef>
+          <a:fontRef idx="minor">
+            <a:schemeClr val="tx1"/>
+          </a:fontRef>
+        </p:style>
+        <p:txBody>
+          <a:bodyPr rtlCol="0" anchor="ctr"/>
+          <a:lstStyle/>
+          <a:p>
+            <a:pPr algn="ctr"/>
+            <a:endParaRPr lang="en-IN"/>
+          </a:p>
+        </p:txBody>
+      </p:sp>
+      <p:sp>
+        <p:nvSpPr>
+          <p:cNvPr id="13" name="TextBox 12">
+            <a:extLst>
+              <a:ext uri="{FF2B5EF4-FFF2-40B4-BE49-F238E27FC236}">
+                <a16:creationId xmlns:a16="http://schemas.microsoft.com/office/drawing/2014/main" id="{BC4D2AC7-8B3E-11EB-05FE-0EFABFF3E3BB}"/>
+              </a:ext>
+            </a:extLst>
+          </p:cNvPr>
+          <p:cNvSpPr txBox="1"/>
+          <p:nvPr/>
+        </p:nvSpPr>
+        <p:spPr>
+          <a:xfrm>
+            <a:off x="8114556" y="2687883"/>
+            <a:ext cx="1555234" cy="215444"/>
+          </a:xfrm>
+          <a:prstGeom prst="rect">
+            <a:avLst/>
+          </a:prstGeom>
+          <a:noFill/>
+        </p:spPr>
+        <p:txBody>
+          <a:bodyPr wrap="none" rtlCol="0">
+            <a:spAutoFit/>
+          </a:bodyPr>
+          <a:lstStyle/>
+          <a:p>
+            <a:r>
+              <a:rPr lang="en-US" sz="800" dirty="0">
+                <a:latin typeface="Segoe Print" panose="02000600000000000000" pitchFamily="2" charset="0"/>
+              </a:rPr>
+              <a:t>Average Room Availability</a:t>
+            </a:r>
+            <a:endParaRPr lang="en-IN" sz="800" dirty="0">
+              <a:latin typeface="Segoe Print" panose="02000600000000000000" pitchFamily="2" charset="0"/>
+            </a:endParaRPr>
+          </a:p>
+        </p:txBody>
+      </p:sp>
+      <p:pic>
+        <p:nvPicPr>
+          <p:cNvPr id="14" name="Picture 13">
+            <a:extLst>
+              <a:ext uri="{FF2B5EF4-FFF2-40B4-BE49-F238E27FC236}">
+                <a16:creationId xmlns:a16="http://schemas.microsoft.com/office/drawing/2014/main" id="{E94CD154-7B3D-54FB-2CE8-D85E829A0F72}"/>
+              </a:ext>
+            </a:extLst>
+          </p:cNvPr>
+          <p:cNvPicPr>
+            <a:picLocks noChangeAspect="1"/>
+          </p:cNvPicPr>
+          <p:nvPr/>
+        </p:nvPicPr>
+        <p:blipFill>
+          <a:blip r:embed="rId4"/>
+          <a:stretch>
+            <a:fillRect/>
+          </a:stretch>
+        </p:blipFill>
+        <p:spPr>
+          <a:xfrm>
+            <a:off x="9115313" y="1880444"/>
+            <a:ext cx="1377431" cy="527527"/>
+          </a:xfrm>
+          <a:prstGeom prst="rect">
+            <a:avLst/>
+          </a:prstGeom>
+        </p:spPr>
+      </p:pic>
+      <p:sp>
+        <p:nvSpPr>
+          <p:cNvPr id="15" name="TextBox 14">
+            <a:extLst>
+              <a:ext uri="{FF2B5EF4-FFF2-40B4-BE49-F238E27FC236}">
+                <a16:creationId xmlns:a16="http://schemas.microsoft.com/office/drawing/2014/main" id="{0B71A265-95D6-E909-5450-3BF8690EB4A5}"/>
+              </a:ext>
+            </a:extLst>
+          </p:cNvPr>
+          <p:cNvSpPr txBox="1"/>
+          <p:nvPr/>
+        </p:nvSpPr>
+        <p:spPr>
+          <a:xfrm>
+            <a:off x="619709" y="902825"/>
+            <a:ext cx="7920373" cy="369332"/>
+          </a:xfrm>
+          <a:prstGeom prst="rect">
+            <a:avLst/>
+          </a:prstGeom>
+          <a:noFill/>
+        </p:spPr>
+        <p:txBody>
+          <a:bodyPr wrap="none" rtlCol="0">
+            <a:spAutoFit/>
+          </a:bodyPr>
+          <a:lstStyle/>
+          <a:p>
+            <a:r>
+              <a:rPr lang="en-US" dirty="0"/>
+              <a:t>For Adjustment in existing properties in </a:t>
+            </a:r>
+            <a:r>
+              <a:rPr lang="en-US" dirty="0" err="1"/>
+              <a:t>NewYork</a:t>
+            </a:r>
+            <a:r>
+              <a:rPr lang="en-US" dirty="0"/>
+              <a:t> city for more customer oriented. </a:t>
+            </a:r>
+            <a:endParaRPr lang="en-IN" dirty="0"/>
+          </a:p>
+        </p:txBody>
+      </p:sp>
     </p:spTree>
     <p:extLst>
       <p:ext uri="{BB962C8B-B14F-4D97-AF65-F5344CB8AC3E}">

--- a/Presentation_1_Analyst.pptx
+++ b/Presentation_1_Analyst.pptx
@@ -4,6 +4,9 @@
   <p:sldMasterIdLst>
     <p:sldMasterId id="2147483648" r:id="rId1"/>
   </p:sldMasterIdLst>
+  <p:notesMasterIdLst>
+    <p:notesMasterId r:id="rId18"/>
+  </p:notesMasterIdLst>
   <p:sldIdLst>
     <p:sldId id="256" r:id="rId2"/>
     <p:sldId id="257" r:id="rId3"/>
@@ -12,14 +15,15 @@
     <p:sldId id="260" r:id="rId6"/>
     <p:sldId id="261" r:id="rId7"/>
     <p:sldId id="263" r:id="rId8"/>
-    <p:sldId id="264" r:id="rId9"/>
-    <p:sldId id="265" r:id="rId10"/>
-    <p:sldId id="270" r:id="rId11"/>
-    <p:sldId id="266" r:id="rId12"/>
-    <p:sldId id="271" r:id="rId13"/>
-    <p:sldId id="267" r:id="rId14"/>
-    <p:sldId id="272" r:id="rId15"/>
-    <p:sldId id="262" r:id="rId16"/>
+    <p:sldId id="275" r:id="rId9"/>
+    <p:sldId id="264" r:id="rId10"/>
+    <p:sldId id="265" r:id="rId11"/>
+    <p:sldId id="270" r:id="rId12"/>
+    <p:sldId id="267" r:id="rId13"/>
+    <p:sldId id="273" r:id="rId14"/>
+    <p:sldId id="274" r:id="rId15"/>
+    <p:sldId id="272" r:id="rId16"/>
+    <p:sldId id="262" r:id="rId17"/>
   </p:sldIdLst>
   <p:sldSz cx="12192000" cy="6858000"/>
   <p:notesSz cx="6858000" cy="9144000"/>
@@ -1256,7 +1260,7 @@
   <dgm:whole/>
   <dgm:extLst>
     <a:ext uri="http://schemas.microsoft.com/office/drawing/2008/diagram">
-      <dsp:dataModelExt xmlns:dsp="http://schemas.microsoft.com/office/drawing/2008/diagram" relId="rId6" minVer="http://schemas.openxmlformats.org/drawingml/2006/diagram"/>
+      <dsp:dataModelExt xmlns:dsp="http://schemas.microsoft.com/office/drawing/2008/diagram" relId="rId7" minVer="http://schemas.openxmlformats.org/drawingml/2006/diagram"/>
     </a:ext>
   </dgm:extLst>
 </dgm:dataModel>
@@ -4291,6 +4295,440 @@
 </dgm:styleDef>
 </file>
 
+<file path=ppt/notesMasters/notesMaster1.xml><?xml version="1.0" encoding="utf-8"?>
+<p:notesMaster xmlns:a="http://schemas.openxmlformats.org/drawingml/2006/main" xmlns:r="http://schemas.openxmlformats.org/officeDocument/2006/relationships" xmlns:p="http://schemas.openxmlformats.org/presentationml/2006/main">
+  <p:cSld>
+    <p:bg>
+      <p:bgRef idx="1001">
+        <a:schemeClr val="bg1"/>
+      </p:bgRef>
+    </p:bg>
+    <p:spTree>
+      <p:nvGrpSpPr>
+        <p:cNvPr id="1" name=""/>
+        <p:cNvGrpSpPr/>
+        <p:nvPr/>
+      </p:nvGrpSpPr>
+      <p:grpSpPr>
+        <a:xfrm>
+          <a:off x="0" y="0"/>
+          <a:ext cx="0" cy="0"/>
+          <a:chOff x="0" y="0"/>
+          <a:chExt cx="0" cy="0"/>
+        </a:xfrm>
+      </p:grpSpPr>
+      <p:sp>
+        <p:nvSpPr>
+          <p:cNvPr id="2" name="Header Placeholder 1"/>
+          <p:cNvSpPr>
+            <a:spLocks noGrp="1"/>
+          </p:cNvSpPr>
+          <p:nvPr>
+            <p:ph type="hdr" sz="quarter"/>
+          </p:nvPr>
+        </p:nvSpPr>
+        <p:spPr>
+          <a:xfrm>
+            <a:off x="0" y="0"/>
+            <a:ext cx="2971800" cy="458788"/>
+          </a:xfrm>
+          <a:prstGeom prst="rect">
+            <a:avLst/>
+          </a:prstGeom>
+        </p:spPr>
+        <p:txBody>
+          <a:bodyPr vert="horz" lIns="91440" tIns="45720" rIns="91440" bIns="45720" rtlCol="0"/>
+          <a:lstStyle>
+            <a:lvl1pPr algn="l">
+              <a:defRPr sz="1200"/>
+            </a:lvl1pPr>
+          </a:lstStyle>
+          <a:p>
+            <a:endParaRPr lang="en-IN"/>
+          </a:p>
+        </p:txBody>
+      </p:sp>
+      <p:sp>
+        <p:nvSpPr>
+          <p:cNvPr id="3" name="Date Placeholder 2"/>
+          <p:cNvSpPr>
+            <a:spLocks noGrp="1"/>
+          </p:cNvSpPr>
+          <p:nvPr>
+            <p:ph type="dt" idx="1"/>
+          </p:nvPr>
+        </p:nvSpPr>
+        <p:spPr>
+          <a:xfrm>
+            <a:off x="3884613" y="0"/>
+            <a:ext cx="2971800" cy="458788"/>
+          </a:xfrm>
+          <a:prstGeom prst="rect">
+            <a:avLst/>
+          </a:prstGeom>
+        </p:spPr>
+        <p:txBody>
+          <a:bodyPr vert="horz" lIns="91440" tIns="45720" rIns="91440" bIns="45720" rtlCol="0"/>
+          <a:lstStyle>
+            <a:lvl1pPr algn="r">
+              <a:defRPr sz="1200"/>
+            </a:lvl1pPr>
+          </a:lstStyle>
+          <a:p>
+            <a:fld id="{E2F0EFF8-F691-4E06-9A06-7A99E0C916F7}" type="datetimeFigureOut">
+              <a:rPr lang="en-IN" smtClean="0"/>
+              <a:t>08-11-2024</a:t>
+            </a:fld>
+            <a:endParaRPr lang="en-IN"/>
+          </a:p>
+        </p:txBody>
+      </p:sp>
+      <p:sp>
+        <p:nvSpPr>
+          <p:cNvPr id="4" name="Slide Image Placeholder 3"/>
+          <p:cNvSpPr>
+            <a:spLocks noGrp="1" noRot="1" noChangeAspect="1"/>
+          </p:cNvSpPr>
+          <p:nvPr>
+            <p:ph type="sldImg" idx="2"/>
+          </p:nvPr>
+        </p:nvSpPr>
+        <p:spPr>
+          <a:xfrm>
+            <a:off x="685800" y="1143000"/>
+            <a:ext cx="5486400" cy="3086100"/>
+          </a:xfrm>
+          <a:prstGeom prst="rect">
+            <a:avLst/>
+          </a:prstGeom>
+          <a:noFill/>
+          <a:ln w="12700">
+            <a:solidFill>
+              <a:prstClr val="black"/>
+            </a:solidFill>
+          </a:ln>
+        </p:spPr>
+        <p:txBody>
+          <a:bodyPr vert="horz" lIns="91440" tIns="45720" rIns="91440" bIns="45720" rtlCol="0" anchor="ctr"/>
+          <a:lstStyle/>
+          <a:p>
+            <a:endParaRPr lang="en-IN"/>
+          </a:p>
+        </p:txBody>
+      </p:sp>
+      <p:sp>
+        <p:nvSpPr>
+          <p:cNvPr id="5" name="Notes Placeholder 4"/>
+          <p:cNvSpPr>
+            <a:spLocks noGrp="1"/>
+          </p:cNvSpPr>
+          <p:nvPr>
+            <p:ph type="body" sz="quarter" idx="3"/>
+          </p:nvPr>
+        </p:nvSpPr>
+        <p:spPr>
+          <a:xfrm>
+            <a:off x="685800" y="4400550"/>
+            <a:ext cx="5486400" cy="3600450"/>
+          </a:xfrm>
+          <a:prstGeom prst="rect">
+            <a:avLst/>
+          </a:prstGeom>
+        </p:spPr>
+        <p:txBody>
+          <a:bodyPr vert="horz" lIns="91440" tIns="45720" rIns="91440" bIns="45720" rtlCol="0"/>
+          <a:lstStyle/>
+          <a:p>
+            <a:pPr lvl="0"/>
+            <a:r>
+              <a:rPr lang="en-US"/>
+              <a:t>Click to edit Master text styles</a:t>
+            </a:r>
+          </a:p>
+          <a:p>
+            <a:pPr lvl="1"/>
+            <a:r>
+              <a:rPr lang="en-US"/>
+              <a:t>Second level</a:t>
+            </a:r>
+          </a:p>
+          <a:p>
+            <a:pPr lvl="2"/>
+            <a:r>
+              <a:rPr lang="en-US"/>
+              <a:t>Third level</a:t>
+            </a:r>
+          </a:p>
+          <a:p>
+            <a:pPr lvl="3"/>
+            <a:r>
+              <a:rPr lang="en-US"/>
+              <a:t>Fourth level</a:t>
+            </a:r>
+          </a:p>
+          <a:p>
+            <a:pPr lvl="4"/>
+            <a:r>
+              <a:rPr lang="en-US"/>
+              <a:t>Fifth level</a:t>
+            </a:r>
+            <a:endParaRPr lang="en-IN"/>
+          </a:p>
+        </p:txBody>
+      </p:sp>
+      <p:sp>
+        <p:nvSpPr>
+          <p:cNvPr id="6" name="Footer Placeholder 5"/>
+          <p:cNvSpPr>
+            <a:spLocks noGrp="1"/>
+          </p:cNvSpPr>
+          <p:nvPr>
+            <p:ph type="ftr" sz="quarter" idx="4"/>
+          </p:nvPr>
+        </p:nvSpPr>
+        <p:spPr>
+          <a:xfrm>
+            <a:off x="0" y="8685213"/>
+            <a:ext cx="2971800" cy="458787"/>
+          </a:xfrm>
+          <a:prstGeom prst="rect">
+            <a:avLst/>
+          </a:prstGeom>
+        </p:spPr>
+        <p:txBody>
+          <a:bodyPr vert="horz" lIns="91440" tIns="45720" rIns="91440" bIns="45720" rtlCol="0" anchor="b"/>
+          <a:lstStyle>
+            <a:lvl1pPr algn="l">
+              <a:defRPr sz="1200"/>
+            </a:lvl1pPr>
+          </a:lstStyle>
+          <a:p>
+            <a:endParaRPr lang="en-IN"/>
+          </a:p>
+        </p:txBody>
+      </p:sp>
+      <p:sp>
+        <p:nvSpPr>
+          <p:cNvPr id="7" name="Slide Number Placeholder 6"/>
+          <p:cNvSpPr>
+            <a:spLocks noGrp="1"/>
+          </p:cNvSpPr>
+          <p:nvPr>
+            <p:ph type="sldNum" sz="quarter" idx="5"/>
+          </p:nvPr>
+        </p:nvSpPr>
+        <p:spPr>
+          <a:xfrm>
+            <a:off x="3884613" y="8685213"/>
+            <a:ext cx="2971800" cy="458787"/>
+          </a:xfrm>
+          <a:prstGeom prst="rect">
+            <a:avLst/>
+          </a:prstGeom>
+        </p:spPr>
+        <p:txBody>
+          <a:bodyPr vert="horz" lIns="91440" tIns="45720" rIns="91440" bIns="45720" rtlCol="0" anchor="b"/>
+          <a:lstStyle>
+            <a:lvl1pPr algn="r">
+              <a:defRPr sz="1200"/>
+            </a:lvl1pPr>
+          </a:lstStyle>
+          <a:p>
+            <a:fld id="{1C3F8E49-8E11-4C7D-BF45-F9945672CA91}" type="slidenum">
+              <a:rPr lang="en-IN" smtClean="0"/>
+              <a:t>‹#›</a:t>
+            </a:fld>
+            <a:endParaRPr lang="en-IN"/>
+          </a:p>
+        </p:txBody>
+      </p:sp>
+    </p:spTree>
+    <p:extLst>
+      <p:ext uri="{BB962C8B-B14F-4D97-AF65-F5344CB8AC3E}">
+        <p14:creationId xmlns:p14="http://schemas.microsoft.com/office/powerpoint/2010/main" val="2054182095"/>
+      </p:ext>
+    </p:extLst>
+  </p:cSld>
+  <p:clrMap bg1="lt1" tx1="dk1" bg2="lt2" tx2="dk2" accent1="accent1" accent2="accent2" accent3="accent3" accent4="accent4" accent5="accent5" accent6="accent6" hlink="hlink" folHlink="folHlink"/>
+  <p:notesStyle>
+    <a:lvl1pPr marL="0" algn="l" defTabSz="914400" rtl="0" eaLnBrk="1" latinLnBrk="0" hangingPunct="1">
+      <a:defRPr sz="1200" kern="1200">
+        <a:solidFill>
+          <a:schemeClr val="tx1"/>
+        </a:solidFill>
+        <a:latin typeface="+mn-lt"/>
+        <a:ea typeface="+mn-ea"/>
+        <a:cs typeface="+mn-cs"/>
+      </a:defRPr>
+    </a:lvl1pPr>
+    <a:lvl2pPr marL="457200" algn="l" defTabSz="914400" rtl="0" eaLnBrk="1" latinLnBrk="0" hangingPunct="1">
+      <a:defRPr sz="1200" kern="1200">
+        <a:solidFill>
+          <a:schemeClr val="tx1"/>
+        </a:solidFill>
+        <a:latin typeface="+mn-lt"/>
+        <a:ea typeface="+mn-ea"/>
+        <a:cs typeface="+mn-cs"/>
+      </a:defRPr>
+    </a:lvl2pPr>
+    <a:lvl3pPr marL="914400" algn="l" defTabSz="914400" rtl="0" eaLnBrk="1" latinLnBrk="0" hangingPunct="1">
+      <a:defRPr sz="1200" kern="1200">
+        <a:solidFill>
+          <a:schemeClr val="tx1"/>
+        </a:solidFill>
+        <a:latin typeface="+mn-lt"/>
+        <a:ea typeface="+mn-ea"/>
+        <a:cs typeface="+mn-cs"/>
+      </a:defRPr>
+    </a:lvl3pPr>
+    <a:lvl4pPr marL="1371600" algn="l" defTabSz="914400" rtl="0" eaLnBrk="1" latinLnBrk="0" hangingPunct="1">
+      <a:defRPr sz="1200" kern="1200">
+        <a:solidFill>
+          <a:schemeClr val="tx1"/>
+        </a:solidFill>
+        <a:latin typeface="+mn-lt"/>
+        <a:ea typeface="+mn-ea"/>
+        <a:cs typeface="+mn-cs"/>
+      </a:defRPr>
+    </a:lvl4pPr>
+    <a:lvl5pPr marL="1828800" algn="l" defTabSz="914400" rtl="0" eaLnBrk="1" latinLnBrk="0" hangingPunct="1">
+      <a:defRPr sz="1200" kern="1200">
+        <a:solidFill>
+          <a:schemeClr val="tx1"/>
+        </a:solidFill>
+        <a:latin typeface="+mn-lt"/>
+        <a:ea typeface="+mn-ea"/>
+        <a:cs typeface="+mn-cs"/>
+      </a:defRPr>
+    </a:lvl5pPr>
+    <a:lvl6pPr marL="2286000" algn="l" defTabSz="914400" rtl="0" eaLnBrk="1" latinLnBrk="0" hangingPunct="1">
+      <a:defRPr sz="1200" kern="1200">
+        <a:solidFill>
+          <a:schemeClr val="tx1"/>
+        </a:solidFill>
+        <a:latin typeface="+mn-lt"/>
+        <a:ea typeface="+mn-ea"/>
+        <a:cs typeface="+mn-cs"/>
+      </a:defRPr>
+    </a:lvl6pPr>
+    <a:lvl7pPr marL="2743200" algn="l" defTabSz="914400" rtl="0" eaLnBrk="1" latinLnBrk="0" hangingPunct="1">
+      <a:defRPr sz="1200" kern="1200">
+        <a:solidFill>
+          <a:schemeClr val="tx1"/>
+        </a:solidFill>
+        <a:latin typeface="+mn-lt"/>
+        <a:ea typeface="+mn-ea"/>
+        <a:cs typeface="+mn-cs"/>
+      </a:defRPr>
+    </a:lvl7pPr>
+    <a:lvl8pPr marL="3200400" algn="l" defTabSz="914400" rtl="0" eaLnBrk="1" latinLnBrk="0" hangingPunct="1">
+      <a:defRPr sz="1200" kern="1200">
+        <a:solidFill>
+          <a:schemeClr val="tx1"/>
+        </a:solidFill>
+        <a:latin typeface="+mn-lt"/>
+        <a:ea typeface="+mn-ea"/>
+        <a:cs typeface="+mn-cs"/>
+      </a:defRPr>
+    </a:lvl8pPr>
+    <a:lvl9pPr marL="3657600" algn="l" defTabSz="914400" rtl="0" eaLnBrk="1" latinLnBrk="0" hangingPunct="1">
+      <a:defRPr sz="1200" kern="1200">
+        <a:solidFill>
+          <a:schemeClr val="tx1"/>
+        </a:solidFill>
+        <a:latin typeface="+mn-lt"/>
+        <a:ea typeface="+mn-ea"/>
+        <a:cs typeface="+mn-cs"/>
+      </a:defRPr>
+    </a:lvl9pPr>
+  </p:notesStyle>
+</p:notesMaster>
+</file>
+
+<file path=ppt/notesSlides/notesSlide1.xml><?xml version="1.0" encoding="utf-8"?>
+<p:notes xmlns:a="http://schemas.openxmlformats.org/drawingml/2006/main" xmlns:r="http://schemas.openxmlformats.org/officeDocument/2006/relationships" xmlns:p="http://schemas.openxmlformats.org/presentationml/2006/main">
+  <p:cSld>
+    <p:spTree>
+      <p:nvGrpSpPr>
+        <p:cNvPr id="1" name=""/>
+        <p:cNvGrpSpPr/>
+        <p:nvPr/>
+      </p:nvGrpSpPr>
+      <p:grpSpPr>
+        <a:xfrm>
+          <a:off x="0" y="0"/>
+          <a:ext cx="0" cy="0"/>
+          <a:chOff x="0" y="0"/>
+          <a:chExt cx="0" cy="0"/>
+        </a:xfrm>
+      </p:grpSpPr>
+      <p:sp>
+        <p:nvSpPr>
+          <p:cNvPr id="2" name="Slide Image Placeholder 1"/>
+          <p:cNvSpPr>
+            <a:spLocks noGrp="1" noRot="1" noChangeAspect="1"/>
+          </p:cNvSpPr>
+          <p:nvPr>
+            <p:ph type="sldImg"/>
+          </p:nvPr>
+        </p:nvSpPr>
+        <p:spPr/>
+      </p:sp>
+      <p:sp>
+        <p:nvSpPr>
+          <p:cNvPr id="3" name="Notes Placeholder 2"/>
+          <p:cNvSpPr>
+            <a:spLocks noGrp="1"/>
+          </p:cNvSpPr>
+          <p:nvPr>
+            <p:ph type="body" idx="1"/>
+          </p:nvPr>
+        </p:nvSpPr>
+        <p:spPr/>
+        <p:txBody>
+          <a:bodyPr/>
+          <a:lstStyle/>
+          <a:p>
+            <a:endParaRPr lang="en-IN" dirty="0"/>
+          </a:p>
+        </p:txBody>
+      </p:sp>
+      <p:sp>
+        <p:nvSpPr>
+          <p:cNvPr id="4" name="Slide Number Placeholder 3"/>
+          <p:cNvSpPr>
+            <a:spLocks noGrp="1"/>
+          </p:cNvSpPr>
+          <p:nvPr>
+            <p:ph type="sldNum" sz="quarter" idx="5"/>
+          </p:nvPr>
+        </p:nvSpPr>
+        <p:spPr/>
+        <p:txBody>
+          <a:bodyPr/>
+          <a:lstStyle/>
+          <a:p>
+            <a:fld id="{1C3F8E49-8E11-4C7D-BF45-F9945672CA91}" type="slidenum">
+              <a:rPr lang="en-IN" smtClean="0"/>
+              <a:t>2</a:t>
+            </a:fld>
+            <a:endParaRPr lang="en-IN"/>
+          </a:p>
+        </p:txBody>
+      </p:sp>
+    </p:spTree>
+    <p:extLst>
+      <p:ext uri="{BB962C8B-B14F-4D97-AF65-F5344CB8AC3E}">
+        <p14:creationId xmlns:p14="http://schemas.microsoft.com/office/powerpoint/2010/main" val="3392562436"/>
+      </p:ext>
+    </p:extLst>
+  </p:cSld>
+  <p:clrMapOvr>
+    <a:masterClrMapping/>
+  </p:clrMapOvr>
+</p:notes>
+</file>
+
 <file path=ppt/slideLayouts/slideLayout1.xml><?xml version="1.0" encoding="utf-8"?>
 <p:sldLayout xmlns:a="http://schemas.openxmlformats.org/drawingml/2006/main" xmlns:r="http://schemas.openxmlformats.org/officeDocument/2006/relationships" xmlns:p="http://schemas.openxmlformats.org/presentationml/2006/main" type="title" preserve="1">
   <p:cSld name="Title Slide">
@@ -4440,7 +4878,7 @@
           <a:p>
             <a:fld id="{9CBD7AB3-DE9B-4A68-A3F2-318885777724}" type="datetimeFigureOut">
               <a:rPr lang="en-IN" smtClean="0"/>
-              <a:t>07-11-2024</a:t>
+              <a:t>08-11-2024</a:t>
             </a:fld>
             <a:endParaRPr lang="en-IN"/>
           </a:p>
@@ -4640,7 +5078,7 @@
           <a:p>
             <a:fld id="{9CBD7AB3-DE9B-4A68-A3F2-318885777724}" type="datetimeFigureOut">
               <a:rPr lang="en-IN" smtClean="0"/>
-              <a:t>07-11-2024</a:t>
+              <a:t>08-11-2024</a:t>
             </a:fld>
             <a:endParaRPr lang="en-IN"/>
           </a:p>
@@ -4850,7 +5288,7 @@
           <a:p>
             <a:fld id="{9CBD7AB3-DE9B-4A68-A3F2-318885777724}" type="datetimeFigureOut">
               <a:rPr lang="en-IN" smtClean="0"/>
-              <a:t>07-11-2024</a:t>
+              <a:t>08-11-2024</a:t>
             </a:fld>
             <a:endParaRPr lang="en-IN"/>
           </a:p>
@@ -5050,7 +5488,7 @@
           <a:p>
             <a:fld id="{9CBD7AB3-DE9B-4A68-A3F2-318885777724}" type="datetimeFigureOut">
               <a:rPr lang="en-IN" smtClean="0"/>
-              <a:t>07-11-2024</a:t>
+              <a:t>08-11-2024</a:t>
             </a:fld>
             <a:endParaRPr lang="en-IN"/>
           </a:p>
@@ -5326,7 +5764,7 @@
           <a:p>
             <a:fld id="{9CBD7AB3-DE9B-4A68-A3F2-318885777724}" type="datetimeFigureOut">
               <a:rPr lang="en-IN" smtClean="0"/>
-              <a:t>07-11-2024</a:t>
+              <a:t>08-11-2024</a:t>
             </a:fld>
             <a:endParaRPr lang="en-IN"/>
           </a:p>
@@ -5594,7 +6032,7 @@
           <a:p>
             <a:fld id="{9CBD7AB3-DE9B-4A68-A3F2-318885777724}" type="datetimeFigureOut">
               <a:rPr lang="en-IN" smtClean="0"/>
-              <a:t>07-11-2024</a:t>
+              <a:t>08-11-2024</a:t>
             </a:fld>
             <a:endParaRPr lang="en-IN"/>
           </a:p>
@@ -6009,7 +6447,7 @@
           <a:p>
             <a:fld id="{9CBD7AB3-DE9B-4A68-A3F2-318885777724}" type="datetimeFigureOut">
               <a:rPr lang="en-IN" smtClean="0"/>
-              <a:t>07-11-2024</a:t>
+              <a:t>08-11-2024</a:t>
             </a:fld>
             <a:endParaRPr lang="en-IN"/>
           </a:p>
@@ -6151,7 +6589,7 @@
           <a:p>
             <a:fld id="{9CBD7AB3-DE9B-4A68-A3F2-318885777724}" type="datetimeFigureOut">
               <a:rPr lang="en-IN" smtClean="0"/>
-              <a:t>07-11-2024</a:t>
+              <a:t>08-11-2024</a:t>
             </a:fld>
             <a:endParaRPr lang="en-IN"/>
           </a:p>
@@ -6264,7 +6702,7 @@
           <a:p>
             <a:fld id="{9CBD7AB3-DE9B-4A68-A3F2-318885777724}" type="datetimeFigureOut">
               <a:rPr lang="en-IN" smtClean="0"/>
-              <a:t>07-11-2024</a:t>
+              <a:t>08-11-2024</a:t>
             </a:fld>
             <a:endParaRPr lang="en-IN"/>
           </a:p>
@@ -6577,7 +7015,7 @@
           <a:p>
             <a:fld id="{9CBD7AB3-DE9B-4A68-A3F2-318885777724}" type="datetimeFigureOut">
               <a:rPr lang="en-IN" smtClean="0"/>
-              <a:t>07-11-2024</a:t>
+              <a:t>08-11-2024</a:t>
             </a:fld>
             <a:endParaRPr lang="en-IN"/>
           </a:p>
@@ -6866,7 +7304,7 @@
           <a:p>
             <a:fld id="{9CBD7AB3-DE9B-4A68-A3F2-318885777724}" type="datetimeFigureOut">
               <a:rPr lang="en-IN" smtClean="0"/>
-              <a:t>07-11-2024</a:t>
+              <a:t>08-11-2024</a:t>
             </a:fld>
             <a:endParaRPr lang="en-IN"/>
           </a:p>
@@ -7109,7 +7547,7 @@
           <a:p>
             <a:fld id="{9CBD7AB3-DE9B-4A68-A3F2-318885777724}" type="datetimeFigureOut">
               <a:rPr lang="en-IN" smtClean="0"/>
-              <a:t>07-11-2024</a:t>
+              <a:t>08-11-2024</a:t>
             </a:fld>
             <a:endParaRPr lang="en-IN"/>
           </a:p>
@@ -7541,7 +7979,7 @@
         <p:spPr>
           <a:xfrm>
             <a:off x="3956786" y="271210"/>
-            <a:ext cx="4063933" cy="584775"/>
+            <a:ext cx="4527201" cy="584775"/>
           </a:xfrm>
           <a:prstGeom prst="rect">
             <a:avLst/>
@@ -7555,10 +7993,16 @@
           <a:lstStyle/>
           <a:p>
             <a:r>
-              <a:rPr lang="en-US" sz="3200" b="1" dirty="0"/>
+              <a:rPr lang="en-US" sz="3200" b="1" dirty="0">
+                <a:latin typeface="Times New Roman" panose="02020603050405020304" pitchFamily="18" charset="0"/>
+                <a:cs typeface="Times New Roman" panose="02020603050405020304" pitchFamily="18" charset="0"/>
+              </a:rPr>
               <a:t>Airbnb NYC Case Study</a:t>
             </a:r>
-            <a:endParaRPr lang="en-IN" sz="3200" b="1" dirty="0"/>
+            <a:endParaRPr lang="en-IN" sz="3200" b="1" dirty="0">
+              <a:latin typeface="Times New Roman" panose="02020603050405020304" pitchFamily="18" charset="0"/>
+              <a:cs typeface="Times New Roman" panose="02020603050405020304" pitchFamily="18" charset="0"/>
+            </a:endParaRPr>
           </a:p>
         </p:txBody>
       </p:sp>
@@ -7576,8 +8020,8 @@
         </p:nvSpPr>
         <p:spPr>
           <a:xfrm>
-            <a:off x="3746791" y="5749821"/>
-            <a:ext cx="4483920" cy="646331"/>
+            <a:off x="3746792" y="5934534"/>
+            <a:ext cx="4624023" cy="646331"/>
           </a:xfrm>
           <a:prstGeom prst="rect">
             <a:avLst/>
@@ -7591,32 +8035,53 @@
           <a:lstStyle/>
           <a:p>
             <a:r>
-              <a:rPr lang="en-US" dirty="0"/>
+              <a:rPr lang="en-US" dirty="0">
+                <a:latin typeface="Times New Roman" panose="02020603050405020304" pitchFamily="18" charset="0"/>
+                <a:cs typeface="Times New Roman" panose="02020603050405020304" pitchFamily="18" charset="0"/>
+              </a:rPr>
               <a:t>Presented By:</a:t>
             </a:r>
           </a:p>
           <a:p>
             <a:r>
-              <a:rPr lang="en-US" dirty="0"/>
+              <a:rPr lang="en-US" dirty="0">
+                <a:latin typeface="Times New Roman" panose="02020603050405020304" pitchFamily="18" charset="0"/>
+                <a:cs typeface="Times New Roman" panose="02020603050405020304" pitchFamily="18" charset="0"/>
+              </a:rPr>
               <a:t>Ajinkya </a:t>
             </a:r>
             <a:r>
-              <a:rPr lang="en-US" dirty="0" err="1"/>
+              <a:rPr lang="en-US" dirty="0" err="1">
+                <a:latin typeface="Times New Roman" panose="02020603050405020304" pitchFamily="18" charset="0"/>
+                <a:cs typeface="Times New Roman" panose="02020603050405020304" pitchFamily="18" charset="0"/>
+              </a:rPr>
               <a:t>Bandri</a:t>
             </a:r>
             <a:r>
-              <a:rPr lang="en-US" dirty="0"/>
+              <a:rPr lang="en-US" dirty="0">
+                <a:latin typeface="Times New Roman" panose="02020603050405020304" pitchFamily="18" charset="0"/>
+                <a:cs typeface="Times New Roman" panose="02020603050405020304" pitchFamily="18" charset="0"/>
+              </a:rPr>
               <a:t>, Barbie </a:t>
             </a:r>
             <a:r>
-              <a:rPr lang="en-US" dirty="0" err="1"/>
+              <a:rPr lang="en-US" dirty="0" err="1">
+                <a:latin typeface="Times New Roman" panose="02020603050405020304" pitchFamily="18" charset="0"/>
+                <a:cs typeface="Times New Roman" panose="02020603050405020304" pitchFamily="18" charset="0"/>
+              </a:rPr>
               <a:t>Choudhari</a:t>
             </a:r>
             <a:r>
-              <a:rPr lang="en-US" dirty="0"/>
+              <a:rPr lang="en-US" dirty="0">
+                <a:latin typeface="Times New Roman" panose="02020603050405020304" pitchFamily="18" charset="0"/>
+                <a:cs typeface="Times New Roman" panose="02020603050405020304" pitchFamily="18" charset="0"/>
+              </a:rPr>
               <a:t>, Sagar Barge</a:t>
             </a:r>
-            <a:endParaRPr lang="en-IN" dirty="0"/>
+            <a:endParaRPr lang="en-IN" dirty="0">
+              <a:latin typeface="Times New Roman" panose="02020603050405020304" pitchFamily="18" charset="0"/>
+              <a:cs typeface="Times New Roman" panose="02020603050405020304" pitchFamily="18" charset="0"/>
+            </a:endParaRPr>
           </a:p>
         </p:txBody>
       </p:sp>
@@ -7649,8 +8114,8 @@
         </p:blipFill>
         <p:spPr bwMode="auto">
           <a:xfrm>
-            <a:off x="2073412" y="1089523"/>
-            <a:ext cx="7920109" cy="4452861"/>
+            <a:off x="1715060" y="932198"/>
+            <a:ext cx="8761880" cy="4926123"/>
           </a:xfrm>
           <a:prstGeom prst="rect">
             <a:avLst/>
@@ -7688,6 +8153,341 @@
         <p:cNvPr id="1" name="">
           <a:extLst>
             <a:ext uri="{FF2B5EF4-FFF2-40B4-BE49-F238E27FC236}">
+              <a16:creationId xmlns:a16="http://schemas.microsoft.com/office/drawing/2014/main" id="{739F925A-F3AF-E4E4-F2EE-CF27B32C601D}"/>
+            </a:ext>
+          </a:extLst>
+        </p:cNvPr>
+        <p:cNvGrpSpPr/>
+        <p:nvPr/>
+      </p:nvGrpSpPr>
+      <p:grpSpPr>
+        <a:xfrm>
+          <a:off x="0" y="0"/>
+          <a:ext cx="0" cy="0"/>
+          <a:chOff x="0" y="0"/>
+          <a:chExt cx="0" cy="0"/>
+        </a:xfrm>
+      </p:grpSpPr>
+      <p:sp>
+        <p:nvSpPr>
+          <p:cNvPr id="3" name="TextBox 2">
+            <a:extLst>
+              <a:ext uri="{FF2B5EF4-FFF2-40B4-BE49-F238E27FC236}">
+                <a16:creationId xmlns:a16="http://schemas.microsoft.com/office/drawing/2014/main" id="{41FFBB0A-8FED-8846-9A84-49673F6362AE}"/>
+              </a:ext>
+            </a:extLst>
+          </p:cNvPr>
+          <p:cNvSpPr txBox="1"/>
+          <p:nvPr/>
+        </p:nvSpPr>
+        <p:spPr>
+          <a:xfrm>
+            <a:off x="3119997" y="80839"/>
+            <a:ext cx="7669764" cy="369332"/>
+          </a:xfrm>
+          <a:prstGeom prst="rect">
+            <a:avLst/>
+          </a:prstGeom>
+          <a:noFill/>
+        </p:spPr>
+        <p:txBody>
+          <a:bodyPr wrap="square">
+            <a:spAutoFit/>
+          </a:bodyPr>
+          <a:lstStyle/>
+          <a:p>
+            <a:r>
+              <a:rPr lang="en-US" sz="1800" b="1" dirty="0">
+                <a:solidFill>
+                  <a:srgbClr val="000000"/>
+                </a:solidFill>
+                <a:latin typeface="Times New Roman" panose="02020603050405020304" pitchFamily="18" charset="0"/>
+                <a:cs typeface="Times New Roman" panose="02020603050405020304" pitchFamily="18" charset="0"/>
+              </a:rPr>
+              <a:t>Adjustments in the existing properties to make it more customer-oriented</a:t>
+            </a:r>
+            <a:endParaRPr lang="en-IN" b="1" dirty="0"/>
+          </a:p>
+        </p:txBody>
+      </p:sp>
+      <p:pic>
+        <p:nvPicPr>
+          <p:cNvPr id="5" name="Picture 4">
+            <a:extLst>
+              <a:ext uri="{FF2B5EF4-FFF2-40B4-BE49-F238E27FC236}">
+                <a16:creationId xmlns:a16="http://schemas.microsoft.com/office/drawing/2014/main" id="{9BCBCDCF-57EC-163E-B5C1-DA158FC4A26D}"/>
+              </a:ext>
+            </a:extLst>
+          </p:cNvPr>
+          <p:cNvPicPr>
+            <a:picLocks noChangeAspect="1"/>
+          </p:cNvPicPr>
+          <p:nvPr/>
+        </p:nvPicPr>
+        <p:blipFill>
+          <a:blip r:embed="rId2"/>
+          <a:stretch>
+            <a:fillRect/>
+          </a:stretch>
+        </p:blipFill>
+        <p:spPr>
+          <a:xfrm>
+            <a:off x="1670259" y="2239347"/>
+            <a:ext cx="3979213" cy="4417601"/>
+          </a:xfrm>
+          <a:prstGeom prst="rect">
+            <a:avLst/>
+          </a:prstGeom>
+        </p:spPr>
+      </p:pic>
+      <p:pic>
+        <p:nvPicPr>
+          <p:cNvPr id="11" name="Picture 10">
+            <a:extLst>
+              <a:ext uri="{FF2B5EF4-FFF2-40B4-BE49-F238E27FC236}">
+                <a16:creationId xmlns:a16="http://schemas.microsoft.com/office/drawing/2014/main" id="{4F09F723-7D8F-3E3C-0FB3-EABE3FABAE76}"/>
+              </a:ext>
+            </a:extLst>
+          </p:cNvPr>
+          <p:cNvPicPr>
+            <a:picLocks noChangeAspect="1"/>
+          </p:cNvPicPr>
+          <p:nvPr/>
+        </p:nvPicPr>
+        <p:blipFill>
+          <a:blip r:embed="rId3"/>
+          <a:srcRect b="1418"/>
+          <a:stretch/>
+        </p:blipFill>
+        <p:spPr>
+          <a:xfrm>
+            <a:off x="6797095" y="2020046"/>
+            <a:ext cx="2850861" cy="4636902"/>
+          </a:xfrm>
+          <a:prstGeom prst="rect">
+            <a:avLst/>
+          </a:prstGeom>
+        </p:spPr>
+      </p:pic>
+      <p:sp>
+        <p:nvSpPr>
+          <p:cNvPr id="12" name="Arc 11">
+            <a:extLst>
+              <a:ext uri="{FF2B5EF4-FFF2-40B4-BE49-F238E27FC236}">
+                <a16:creationId xmlns:a16="http://schemas.microsoft.com/office/drawing/2014/main" id="{0F9CEB31-9B5E-6CE8-F42B-69D7987C5419}"/>
+              </a:ext>
+            </a:extLst>
+          </p:cNvPr>
+          <p:cNvSpPr/>
+          <p:nvPr/>
+        </p:nvSpPr>
+        <p:spPr>
+          <a:xfrm>
+            <a:off x="8167270" y="2852037"/>
+            <a:ext cx="743670" cy="260265"/>
+          </a:xfrm>
+          <a:prstGeom prst="arc">
+            <a:avLst/>
+          </a:prstGeom>
+          <a:ln>
+            <a:headEnd type="triangle"/>
+          </a:ln>
+        </p:spPr>
+        <p:style>
+          <a:lnRef idx="1">
+            <a:schemeClr val="accent1"/>
+          </a:lnRef>
+          <a:fillRef idx="0">
+            <a:schemeClr val="accent1"/>
+          </a:fillRef>
+          <a:effectRef idx="0">
+            <a:schemeClr val="accent1"/>
+          </a:effectRef>
+          <a:fontRef idx="minor">
+            <a:schemeClr val="tx1"/>
+          </a:fontRef>
+        </p:style>
+        <p:txBody>
+          <a:bodyPr rtlCol="0" anchor="ctr"/>
+          <a:lstStyle/>
+          <a:p>
+            <a:pPr algn="ctr"/>
+            <a:endParaRPr lang="en-IN"/>
+          </a:p>
+        </p:txBody>
+      </p:sp>
+      <p:sp>
+        <p:nvSpPr>
+          <p:cNvPr id="13" name="TextBox 12">
+            <a:extLst>
+              <a:ext uri="{FF2B5EF4-FFF2-40B4-BE49-F238E27FC236}">
+                <a16:creationId xmlns:a16="http://schemas.microsoft.com/office/drawing/2014/main" id="{BC4D2AC7-8B3E-11EB-05FE-0EFABFF3E3BB}"/>
+              </a:ext>
+            </a:extLst>
+          </p:cNvPr>
+          <p:cNvSpPr txBox="1"/>
+          <p:nvPr/>
+        </p:nvSpPr>
+        <p:spPr>
+          <a:xfrm>
+            <a:off x="8534439" y="2958477"/>
+            <a:ext cx="1555234" cy="215444"/>
+          </a:xfrm>
+          <a:prstGeom prst="rect">
+            <a:avLst/>
+          </a:prstGeom>
+          <a:noFill/>
+        </p:spPr>
+        <p:txBody>
+          <a:bodyPr wrap="none" rtlCol="0">
+            <a:spAutoFit/>
+          </a:bodyPr>
+          <a:lstStyle/>
+          <a:p>
+            <a:r>
+              <a:rPr lang="en-US" sz="800" dirty="0">
+                <a:latin typeface="Segoe Print" panose="02000600000000000000" pitchFamily="2" charset="0"/>
+              </a:rPr>
+              <a:t>Average Room Availability</a:t>
+            </a:r>
+            <a:endParaRPr lang="en-IN" sz="800" dirty="0">
+              <a:latin typeface="Segoe Print" panose="02000600000000000000" pitchFamily="2" charset="0"/>
+            </a:endParaRPr>
+          </a:p>
+        </p:txBody>
+      </p:sp>
+      <p:pic>
+        <p:nvPicPr>
+          <p:cNvPr id="14" name="Picture 13">
+            <a:extLst>
+              <a:ext uri="{FF2B5EF4-FFF2-40B4-BE49-F238E27FC236}">
+                <a16:creationId xmlns:a16="http://schemas.microsoft.com/office/drawing/2014/main" id="{E94CD154-7B3D-54FB-2CE8-D85E829A0F72}"/>
+              </a:ext>
+            </a:extLst>
+          </p:cNvPr>
+          <p:cNvPicPr>
+            <a:picLocks noChangeAspect="1"/>
+          </p:cNvPicPr>
+          <p:nvPr/>
+        </p:nvPicPr>
+        <p:blipFill>
+          <a:blip r:embed="rId4"/>
+          <a:stretch>
+            <a:fillRect/>
+          </a:stretch>
+        </p:blipFill>
+        <p:spPr>
+          <a:xfrm>
+            <a:off x="9871096" y="1945761"/>
+            <a:ext cx="1377431" cy="527527"/>
+          </a:xfrm>
+          <a:prstGeom prst="rect">
+            <a:avLst/>
+          </a:prstGeom>
+        </p:spPr>
+      </p:pic>
+      <p:sp>
+        <p:nvSpPr>
+          <p:cNvPr id="15" name="TextBox 14">
+            <a:extLst>
+              <a:ext uri="{FF2B5EF4-FFF2-40B4-BE49-F238E27FC236}">
+                <a16:creationId xmlns:a16="http://schemas.microsoft.com/office/drawing/2014/main" id="{0B71A265-95D6-E909-5450-3BF8690EB4A5}"/>
+              </a:ext>
+            </a:extLst>
+          </p:cNvPr>
+          <p:cNvSpPr txBox="1"/>
+          <p:nvPr/>
+        </p:nvSpPr>
+        <p:spPr>
+          <a:xfrm>
+            <a:off x="671081" y="577815"/>
+            <a:ext cx="10020692" cy="1289071"/>
+          </a:xfrm>
+          <a:prstGeom prst="rect">
+            <a:avLst/>
+          </a:prstGeom>
+          <a:noFill/>
+        </p:spPr>
+        <p:txBody>
+          <a:bodyPr wrap="none" rtlCol="0">
+            <a:spAutoFit/>
+          </a:bodyPr>
+          <a:lstStyle/>
+          <a:p>
+            <a:pPr marL="285750" indent="-285750">
+              <a:lnSpc>
+                <a:spcPct val="150000"/>
+              </a:lnSpc>
+              <a:buFont typeface="Arial" panose="020B0604020202020204" pitchFamily="34" charset="0"/>
+              <a:buChar char="•"/>
+            </a:pPr>
+            <a:r>
+              <a:rPr lang="en-US" dirty="0">
+                <a:latin typeface="Times New Roman" panose="02020603050405020304" pitchFamily="18" charset="0"/>
+                <a:cs typeface="Times New Roman" panose="02020603050405020304" pitchFamily="18" charset="0"/>
+              </a:rPr>
+              <a:t>Entire Home/apt &amp; Private Rooms have strong customer preference, Both contributing 98% room type.</a:t>
+            </a:r>
+          </a:p>
+          <a:p>
+            <a:pPr marL="285750" indent="-285750">
+              <a:lnSpc>
+                <a:spcPct val="150000"/>
+              </a:lnSpc>
+              <a:buFont typeface="Arial" panose="020B0604020202020204" pitchFamily="34" charset="0"/>
+              <a:buChar char="•"/>
+            </a:pPr>
+            <a:r>
+              <a:rPr lang="en-US" dirty="0">
+                <a:latin typeface="Times New Roman" panose="02020603050405020304" pitchFamily="18" charset="0"/>
+                <a:cs typeface="Times New Roman" panose="02020603050405020304" pitchFamily="18" charset="0"/>
+              </a:rPr>
+              <a:t>But their average availability is very low (111days), we can increase availability.</a:t>
+            </a:r>
+          </a:p>
+          <a:p>
+            <a:pPr marL="285750" indent="-285750">
+              <a:lnSpc>
+                <a:spcPct val="150000"/>
+              </a:lnSpc>
+              <a:buFont typeface="Arial" panose="020B0604020202020204" pitchFamily="34" charset="0"/>
+              <a:buChar char="•"/>
+            </a:pPr>
+            <a:r>
+              <a:rPr lang="en-US" dirty="0">
+                <a:latin typeface="Times New Roman" panose="02020603050405020304" pitchFamily="18" charset="0"/>
+                <a:cs typeface="Times New Roman" panose="02020603050405020304" pitchFamily="18" charset="0"/>
+              </a:rPr>
+              <a:t>Shared room availability is high but demand is very low.</a:t>
+            </a:r>
+            <a:endParaRPr lang="en-IN" dirty="0">
+              <a:latin typeface="Times New Roman" panose="02020603050405020304" pitchFamily="18" charset="0"/>
+              <a:cs typeface="Times New Roman" panose="02020603050405020304" pitchFamily="18" charset="0"/>
+            </a:endParaRPr>
+          </a:p>
+        </p:txBody>
+      </p:sp>
+    </p:spTree>
+    <p:extLst>
+      <p:ext uri="{BB962C8B-B14F-4D97-AF65-F5344CB8AC3E}">
+        <p14:creationId xmlns:p14="http://schemas.microsoft.com/office/powerpoint/2010/main" val="3986521595"/>
+      </p:ext>
+    </p:extLst>
+  </p:cSld>
+  <p:clrMapOvr>
+    <a:masterClrMapping/>
+  </p:clrMapOvr>
+</p:sld>
+</file>
+
+<file path=ppt/slides/slide11.xml><?xml version="1.0" encoding="utf-8"?>
+<p:sld xmlns:a="http://schemas.openxmlformats.org/drawingml/2006/main" xmlns:r="http://schemas.openxmlformats.org/officeDocument/2006/relationships" xmlns:p="http://schemas.openxmlformats.org/presentationml/2006/main">
+  <p:cSld>
+    <p:spTree>
+      <p:nvGrpSpPr>
+        <p:cNvPr id="1" name="">
+          <a:extLst>
+            <a:ext uri="{FF2B5EF4-FFF2-40B4-BE49-F238E27FC236}">
               <a16:creationId xmlns:a16="http://schemas.microsoft.com/office/drawing/2014/main" id="{B102658B-F961-D82F-88D1-AE6551C78538}"/>
             </a:ext>
           </a:extLst>
@@ -7717,8 +8517,8 @@
         </p:nvSpPr>
         <p:spPr>
           <a:xfrm>
-            <a:off x="2723745" y="469639"/>
-            <a:ext cx="7186307" cy="369332"/>
+            <a:off x="3005559" y="176497"/>
+            <a:ext cx="6180881" cy="369332"/>
           </a:xfrm>
           <a:prstGeom prst="rect">
             <a:avLst/>
@@ -7732,16 +8532,26 @@
           <a:lstStyle/>
           <a:p>
             <a:r>
-              <a:rPr lang="en-US" sz="1800" dirty="0">
+              <a:rPr lang="en-US" b="1" dirty="0">
                 <a:solidFill>
                   <a:srgbClr val="000000"/>
                 </a:solidFill>
                 <a:latin typeface="Times New Roman" panose="02020603050405020304" pitchFamily="18" charset="0"/>
                 <a:cs typeface="Times New Roman" panose="02020603050405020304" pitchFamily="18" charset="0"/>
               </a:rPr>
-              <a:t>What are the most popular localities and properties in New York currently</a:t>
+              <a:t>M</a:t>
             </a:r>
-            <a:endParaRPr lang="en-IN" dirty="0"/>
+            <a:r>
+              <a:rPr lang="en-US" sz="1800" b="1" dirty="0">
+                <a:solidFill>
+                  <a:srgbClr val="000000"/>
+                </a:solidFill>
+                <a:latin typeface="Times New Roman" panose="02020603050405020304" pitchFamily="18" charset="0"/>
+                <a:cs typeface="Times New Roman" panose="02020603050405020304" pitchFamily="18" charset="0"/>
+              </a:rPr>
+              <a:t>ost popular localities and properties in New York currently</a:t>
+            </a:r>
+            <a:endParaRPr lang="en-IN" b="1" dirty="0"/>
           </a:p>
         </p:txBody>
       </p:sp>
@@ -7767,8 +8577,8 @@
         </p:blipFill>
         <p:spPr>
           <a:xfrm>
-            <a:off x="113517" y="1473538"/>
-            <a:ext cx="7437030" cy="3254837"/>
+            <a:off x="90367" y="2369988"/>
+            <a:ext cx="7767356" cy="3508298"/>
           </a:xfrm>
           <a:prstGeom prst="rect">
             <a:avLst/>
@@ -7797,7 +8607,7 @@
         </p:blipFill>
         <p:spPr>
           <a:xfrm>
-            <a:off x="6229302" y="3429000"/>
+            <a:off x="6518669" y="4603242"/>
             <a:ext cx="1155346" cy="623887"/>
           </a:xfrm>
           <a:prstGeom prst="rect">
@@ -7805,12 +8615,97 @@
           </a:prstGeom>
         </p:spPr>
       </p:pic>
+      <p:sp>
+        <p:nvSpPr>
+          <p:cNvPr id="2" name="TextBox 1">
+            <a:extLst>
+              <a:ext uri="{FF2B5EF4-FFF2-40B4-BE49-F238E27FC236}">
+                <a16:creationId xmlns:a16="http://schemas.microsoft.com/office/drawing/2014/main" id="{8DC68B8C-3DE5-0331-4AE1-7AFF65A56F74}"/>
+              </a:ext>
+            </a:extLst>
+          </p:cNvPr>
+          <p:cNvSpPr txBox="1"/>
+          <p:nvPr/>
+        </p:nvSpPr>
+        <p:spPr>
+          <a:xfrm>
+            <a:off x="1178374" y="772972"/>
+            <a:ext cx="9501447" cy="1156086"/>
+          </a:xfrm>
+          <a:prstGeom prst="rect">
+            <a:avLst/>
+          </a:prstGeom>
+          <a:noFill/>
+        </p:spPr>
+        <p:txBody>
+          <a:bodyPr wrap="none" rtlCol="0">
+            <a:spAutoFit/>
+          </a:bodyPr>
+          <a:lstStyle/>
+          <a:p>
+            <a:pPr marL="285750" indent="-285750">
+              <a:lnSpc>
+                <a:spcPct val="150000"/>
+              </a:lnSpc>
+              <a:buFont typeface="Arial" panose="020B0604020202020204" pitchFamily="34" charset="0"/>
+              <a:buChar char="•"/>
+            </a:pPr>
+            <a:r>
+              <a:rPr lang="en-US" sz="1600" dirty="0">
+                <a:latin typeface="Times New Roman" panose="02020603050405020304" pitchFamily="18" charset="0"/>
+                <a:cs typeface="Times New Roman" panose="02020603050405020304" pitchFamily="18" charset="0"/>
+              </a:rPr>
+              <a:t>Popular Neighborhoods: Bedford-Stuyvesant, Williamsburg, Harlem, Bushwick, Hell’s Kitchen</a:t>
+            </a:r>
+          </a:p>
+          <a:p>
+            <a:pPr marL="285750" indent="-285750">
+              <a:lnSpc>
+                <a:spcPct val="150000"/>
+              </a:lnSpc>
+              <a:buFont typeface="Arial" panose="020B0604020202020204" pitchFamily="34" charset="0"/>
+              <a:buChar char="•"/>
+            </a:pPr>
+            <a:r>
+              <a:rPr lang="en-US" sz="1600" dirty="0">
+                <a:latin typeface="Times New Roman" panose="02020603050405020304" pitchFamily="18" charset="0"/>
+                <a:cs typeface="Times New Roman" panose="02020603050405020304" pitchFamily="18" charset="0"/>
+              </a:rPr>
+              <a:t>Popular Neighborhoods Groups:  Brooklyn, Manhattan</a:t>
+            </a:r>
+            <a:endParaRPr lang="en-IN" sz="1600" dirty="0">
+              <a:latin typeface="Times New Roman" panose="02020603050405020304" pitchFamily="18" charset="0"/>
+              <a:cs typeface="Times New Roman" panose="02020603050405020304" pitchFamily="18" charset="0"/>
+            </a:endParaRPr>
+          </a:p>
+          <a:p>
+            <a:pPr marL="285750" indent="-285750">
+              <a:lnSpc>
+                <a:spcPct val="150000"/>
+              </a:lnSpc>
+              <a:buFont typeface="Arial" panose="020B0604020202020204" pitchFamily="34" charset="0"/>
+              <a:buChar char="•"/>
+            </a:pPr>
+            <a:r>
+              <a:rPr lang="en-US" sz="1600" dirty="0">
+                <a:latin typeface="Times New Roman" panose="02020603050405020304" pitchFamily="18" charset="0"/>
+                <a:cs typeface="Times New Roman" panose="02020603050405020304" pitchFamily="18" charset="0"/>
+              </a:rPr>
+              <a:t>Top Properties: Room near JFK Queen Bed, Great Bedroom in Manhattan, Beautiful Bedroom in Manhattan  </a:t>
+            </a:r>
+            <a:endParaRPr lang="en-IN" sz="1600" dirty="0">
+              <a:latin typeface="Times New Roman" panose="02020603050405020304" pitchFamily="18" charset="0"/>
+              <a:cs typeface="Times New Roman" panose="02020603050405020304" pitchFamily="18" charset="0"/>
+            </a:endParaRPr>
+          </a:p>
+        </p:txBody>
+      </p:sp>
       <p:graphicFrame>
         <p:nvGraphicFramePr>
-          <p:cNvPr id="10" name="Table 9">
+          <p:cNvPr id="6" name="Table 5">
             <a:extLst>
               <a:ext uri="{FF2B5EF4-FFF2-40B4-BE49-F238E27FC236}">
-                <a16:creationId xmlns:a16="http://schemas.microsoft.com/office/drawing/2014/main" id="{670CA544-6093-663D-2ED8-F213F4067DC2}"/>
+                <a16:creationId xmlns:a16="http://schemas.microsoft.com/office/drawing/2014/main" id="{FA866512-39D5-2089-ABF1-B8B73008C407}"/>
               </a:ext>
             </a:extLst>
           </p:cNvPr>
@@ -7820,1185 +8715,2028 @@
           <p:nvPr>
             <p:extLst>
               <p:ext uri="{D42A27DB-BD31-4B8C-83A1-F6EECF244321}">
-                <p14:modId xmlns:p14="http://schemas.microsoft.com/office/powerpoint/2010/main" val="3319164983"/>
+                <p14:modId xmlns:p14="http://schemas.microsoft.com/office/powerpoint/2010/main" val="356229993"/>
               </p:ext>
             </p:extLst>
           </p:nvPr>
         </p:nvGraphicFramePr>
         <p:xfrm>
-          <a:off x="7890270" y="1906065"/>
-          <a:ext cx="4124252" cy="2605224"/>
+          <a:off x="7987586" y="2542289"/>
+          <a:ext cx="3934338" cy="3732528"/>
         </p:xfrm>
         <a:graphic>
           <a:graphicData uri="http://schemas.openxmlformats.org/drawingml/2006/table">
             <a:tbl>
               <a:tblPr>
-                <a:tableStyleId>{5940675A-B579-460E-94D1-54222C63F5DA}</a:tableStyleId>
+                <a:tableStyleId>{5C22544A-7EE6-4342-B048-85BDC9FD1C3A}</a:tableStyleId>
               </a:tblPr>
               <a:tblGrid>
-                <a:gridCol w="1813016">
+                <a:gridCol w="365581">
                   <a:extLst>
                     <a:ext uri="{9D8B030D-6E8A-4147-A177-3AD203B41FA5}">
-                      <a16:colId xmlns:a16="http://schemas.microsoft.com/office/drawing/2014/main" val="4117647120"/>
+                      <a16:colId xmlns:a16="http://schemas.microsoft.com/office/drawing/2014/main" val="1556461569"/>
                     </a:ext>
                   </a:extLst>
                 </a:gridCol>
-                <a:gridCol w="1385261">
+                <a:gridCol w="1421862">
                   <a:extLst>
                     <a:ext uri="{9D8B030D-6E8A-4147-A177-3AD203B41FA5}">
-                      <a16:colId xmlns:a16="http://schemas.microsoft.com/office/drawing/2014/main" val="2141999741"/>
+                      <a16:colId xmlns:a16="http://schemas.microsoft.com/office/drawing/2014/main" val="3541788432"/>
                     </a:ext>
                   </a:extLst>
                 </a:gridCol>
-                <a:gridCol w="925975">
+                <a:gridCol w="1070449">
                   <a:extLst>
                     <a:ext uri="{9D8B030D-6E8A-4147-A177-3AD203B41FA5}">
-                      <a16:colId xmlns:a16="http://schemas.microsoft.com/office/drawing/2014/main" val="4149260994"/>
+                      <a16:colId xmlns:a16="http://schemas.microsoft.com/office/drawing/2014/main" val="837127484"/>
+                    </a:ext>
+                  </a:extLst>
+                </a:gridCol>
+                <a:gridCol w="1076446">
+                  <a:extLst>
+                    <a:ext uri="{9D8B030D-6E8A-4147-A177-3AD203B41FA5}">
+                      <a16:colId xmlns:a16="http://schemas.microsoft.com/office/drawing/2014/main" val="2805778298"/>
                     </a:ext>
                   </a:extLst>
                 </a:gridCol>
               </a:tblGrid>
-              <a:tr h="288744">
+              <a:tr h="117152">
                 <a:tc>
                   <a:txBody>
                     <a:bodyPr/>
                     <a:lstStyle/>
                     <a:p>
-                      <a:pPr algn="ctr" fontAlgn="b"/>
+                      <a:pPr algn="ctr" fontAlgn="ctr"/>
                       <a:r>
-                        <a:rPr lang="en-IN" sz="1050" b="1" u="none" strike="noStrike" dirty="0">
-                          <a:solidFill>
-                            <a:schemeClr val="bg1">
-                              <a:lumMod val="50000"/>
-                            </a:schemeClr>
-                          </a:solidFill>
+                        <a:rPr lang="en-IN" sz="800" u="none" strike="noStrike">
                           <a:effectLst/>
                         </a:rPr>
-                        <a:t>name</a:t>
+                        <a:t>Rank</a:t>
                       </a:r>
-                      <a:endParaRPr lang="en-IN" sz="1050" b="1" i="0" u="none" strike="noStrike" dirty="0">
+                      <a:endParaRPr lang="en-IN" sz="800" b="0" i="0" u="none" strike="noStrike">
                         <a:solidFill>
-                          <a:schemeClr val="bg1">
-                            <a:lumMod val="50000"/>
-                          </a:schemeClr>
+                          <a:srgbClr val="000000"/>
                         </a:solidFill>
                         <a:effectLst/>
-                        <a:latin typeface="Times New Roman" panose="02020603050405020304" pitchFamily="18" charset="0"/>
-                        <a:cs typeface="Times New Roman" panose="02020603050405020304" pitchFamily="18" charset="0"/>
+                        <a:latin typeface="Calibri" panose="020F0502020204030204" pitchFamily="34" charset="0"/>
                       </a:endParaRPr>
                     </a:p>
                   </a:txBody>
-                  <a:tcPr marL="7620" marR="7620" marT="7620" marB="0" anchor="ctr"/>
+                  <a:tcPr marL="5622" marR="5622" marT="5622" marB="0" anchor="ctr"/>
                 </a:tc>
                 <a:tc>
                   <a:txBody>
                     <a:bodyPr/>
                     <a:lstStyle/>
                     <a:p>
-                      <a:pPr algn="ctr" fontAlgn="b"/>
+                      <a:pPr algn="ctr" fontAlgn="ctr"/>
                       <a:r>
-                        <a:rPr lang="en-IN" sz="1050" b="1" u="none" strike="noStrike" dirty="0" err="1">
-                          <a:solidFill>
-                            <a:schemeClr val="bg1">
-                              <a:lumMod val="50000"/>
-                            </a:schemeClr>
-                          </a:solidFill>
+                        <a:rPr lang="en-IN" sz="800" u="none" strike="noStrike">
                           <a:effectLst/>
                         </a:rPr>
-                        <a:t>neighbourhood_group</a:t>
+                        <a:t>name</a:t>
                       </a:r>
-                      <a:endParaRPr lang="en-IN" sz="1050" b="1" i="0" u="none" strike="noStrike" dirty="0">
+                      <a:endParaRPr lang="en-IN" sz="800" b="0" i="0" u="none" strike="noStrike">
                         <a:solidFill>
-                          <a:schemeClr val="bg1">
-                            <a:lumMod val="50000"/>
-                          </a:schemeClr>
+                          <a:srgbClr val="000000"/>
                         </a:solidFill>
                         <a:effectLst/>
-                        <a:latin typeface="Times New Roman" panose="02020603050405020304" pitchFamily="18" charset="0"/>
-                        <a:cs typeface="Times New Roman" panose="02020603050405020304" pitchFamily="18" charset="0"/>
+                        <a:latin typeface="Calibri" panose="020F0502020204030204" pitchFamily="34" charset="0"/>
                       </a:endParaRPr>
                     </a:p>
                   </a:txBody>
-                  <a:tcPr marL="7620" marR="7620" marT="7620" marB="0" anchor="ctr"/>
+                  <a:tcPr marL="5622" marR="5622" marT="5622" marB="0" anchor="ctr"/>
                 </a:tc>
                 <a:tc>
                   <a:txBody>
                     <a:bodyPr/>
                     <a:lstStyle/>
                     <a:p>
-                      <a:pPr algn="ctr" fontAlgn="b"/>
+                      <a:pPr algn="ctr" fontAlgn="ctr"/>
                       <a:r>
-                        <a:rPr lang="en-IN" sz="1050" b="1" u="none" strike="noStrike" dirty="0">
-                          <a:solidFill>
-                            <a:schemeClr val="bg1">
-                              <a:lumMod val="50000"/>
-                            </a:schemeClr>
-                          </a:solidFill>
+                        <a:rPr lang="en-IN" sz="800" u="none" strike="noStrike">
                           <a:effectLst/>
                         </a:rPr>
-                        <a:t>neighbourhood</a:t>
+                        <a:t>neighbourhood_group</a:t>
                       </a:r>
-                      <a:endParaRPr lang="en-IN" sz="1050" b="1" i="0" u="none" strike="noStrike" dirty="0">
+                      <a:endParaRPr lang="en-IN" sz="800" b="0" i="0" u="none" strike="noStrike">
                         <a:solidFill>
-                          <a:schemeClr val="bg1">
-                            <a:lumMod val="50000"/>
-                          </a:schemeClr>
+                          <a:srgbClr val="000000"/>
                         </a:solidFill>
                         <a:effectLst/>
-                        <a:latin typeface="Times New Roman" panose="02020603050405020304" pitchFamily="18" charset="0"/>
-                        <a:cs typeface="Times New Roman" panose="02020603050405020304" pitchFamily="18" charset="0"/>
+                        <a:latin typeface="Calibri" panose="020F0502020204030204" pitchFamily="34" charset="0"/>
                       </a:endParaRPr>
                     </a:p>
                   </a:txBody>
-                  <a:tcPr marL="7620" marR="7620" marT="7620" marB="0" anchor="ctr"/>
-                </a:tc>
-                <a:extLst>
-                  <a:ext uri="{0D108BD9-81ED-4DB2-BD59-A6C34878D82A}">
-                    <a16:rowId xmlns:a16="http://schemas.microsoft.com/office/drawing/2014/main" val="489926094"/>
-                  </a:ext>
-                </a:extLst>
-              </a:tr>
-              <a:tr h="147580">
-                <a:tc>
-                  <a:txBody>
-                    <a:bodyPr/>
-                    <a:lstStyle/>
-                    <a:p>
-                      <a:pPr algn="l" fontAlgn="b"/>
-                      <a:r>
-                        <a:rPr lang="en-US" sz="1050" b="0" u="none" strike="noStrike" dirty="0">
-                          <a:solidFill>
-                            <a:schemeClr val="bg1">
-                              <a:lumMod val="50000"/>
-                            </a:schemeClr>
-                          </a:solidFill>
-                          <a:effectLst/>
-                        </a:rPr>
-                        <a:t>Room near JFK Queen Bed</a:t>
-                      </a:r>
-                      <a:endParaRPr lang="en-US" sz="1050" b="0" i="0" u="none" strike="noStrike" dirty="0">
-                        <a:solidFill>
-                          <a:schemeClr val="bg1">
-                            <a:lumMod val="50000"/>
-                          </a:schemeClr>
-                        </a:solidFill>
-                        <a:effectLst/>
-                        <a:latin typeface="Times New Roman" panose="02020603050405020304" pitchFamily="18" charset="0"/>
-                        <a:cs typeface="Times New Roman" panose="02020603050405020304" pitchFamily="18" charset="0"/>
-                      </a:endParaRPr>
-                    </a:p>
-                  </a:txBody>
-                  <a:tcPr marL="7620" marR="7620" marT="7620" marB="0" anchor="ctr"/>
+                  <a:tcPr marL="5622" marR="5622" marT="5622" marB="0" anchor="ctr"/>
                 </a:tc>
                 <a:tc>
                   <a:txBody>
                     <a:bodyPr/>
                     <a:lstStyle/>
                     <a:p>
-                      <a:pPr algn="ctr" fontAlgn="b"/>
+                      <a:pPr algn="ctr" fontAlgn="ctr"/>
                       <a:r>
-                        <a:rPr lang="en-IN" sz="1050" b="0" u="none" strike="noStrike">
-                          <a:solidFill>
-                            <a:schemeClr val="bg1">
-                              <a:lumMod val="50000"/>
-                            </a:schemeClr>
-                          </a:solidFill>
+                        <a:rPr lang="en-IN" sz="800" u="none" strike="noStrike">
                           <a:effectLst/>
                         </a:rPr>
-                        <a:t>Queens</a:t>
+                        <a:t>neighbourhood</a:t>
                       </a:r>
-                      <a:endParaRPr lang="en-IN" sz="1050" b="0" i="0" u="none" strike="noStrike">
+                      <a:endParaRPr lang="en-IN" sz="800" b="0" i="0" u="none" strike="noStrike">
                         <a:solidFill>
-                          <a:schemeClr val="bg1">
-                            <a:lumMod val="50000"/>
-                          </a:schemeClr>
+                          <a:srgbClr val="000000"/>
                         </a:solidFill>
                         <a:effectLst/>
-                        <a:latin typeface="Times New Roman" panose="02020603050405020304" pitchFamily="18" charset="0"/>
-                        <a:cs typeface="Times New Roman" panose="02020603050405020304" pitchFamily="18" charset="0"/>
+                        <a:latin typeface="Calibri" panose="020F0502020204030204" pitchFamily="34" charset="0"/>
                       </a:endParaRPr>
                     </a:p>
                   </a:txBody>
-                  <a:tcPr marL="7620" marR="7620" marT="7620" marB="0" anchor="ctr"/>
+                  <a:tcPr marL="5622" marR="5622" marT="5622" marB="0" anchor="ctr"/>
+                </a:tc>
+                <a:extLst>
+                  <a:ext uri="{0D108BD9-81ED-4DB2-BD59-A6C34878D82A}">
+                    <a16:rowId xmlns:a16="http://schemas.microsoft.com/office/drawing/2014/main" val="3509874011"/>
+                  </a:ext>
+                </a:extLst>
+              </a:tr>
+              <a:tr h="143028">
+                <a:tc>
+                  <a:txBody>
+                    <a:bodyPr/>
+                    <a:lstStyle/>
+                    <a:p>
+                      <a:pPr algn="ctr" fontAlgn="ctr"/>
+                      <a:r>
+                        <a:rPr lang="en-IN" sz="800" u="none" strike="noStrike">
+                          <a:effectLst/>
+                        </a:rPr>
+                        <a:t>1</a:t>
+                      </a:r>
+                      <a:endParaRPr lang="en-IN" sz="800" b="0" i="0" u="none" strike="noStrike">
+                        <a:solidFill>
+                          <a:srgbClr val="000000"/>
+                        </a:solidFill>
+                        <a:effectLst/>
+                        <a:latin typeface="Calibri" panose="020F0502020204030204" pitchFamily="34" charset="0"/>
+                      </a:endParaRPr>
+                    </a:p>
+                  </a:txBody>
+                  <a:tcPr marL="5622" marR="5622" marT="5622" marB="0" anchor="ctr"/>
                 </a:tc>
                 <a:tc>
                   <a:txBody>
                     <a:bodyPr/>
                     <a:lstStyle/>
                     <a:p>
-                      <a:pPr algn="ctr" fontAlgn="b"/>
+                      <a:pPr algn="ctr" fontAlgn="ctr"/>
                       <a:r>
-                        <a:rPr lang="en-IN" sz="1050" b="0" u="none" strike="noStrike">
-                          <a:solidFill>
-                            <a:schemeClr val="bg1">
-                              <a:lumMod val="50000"/>
-                            </a:schemeClr>
-                          </a:solidFill>
+                        <a:rPr lang="en-US" sz="800" u="none" strike="noStrike">
                           <a:effectLst/>
                         </a:rPr>
-                        <a:t>Jamaica</a:t>
+                        <a:t>Room near JFK Queen Bed</a:t>
                       </a:r>
-                      <a:endParaRPr lang="en-IN" sz="1050" b="0" i="0" u="none" strike="noStrike">
+                      <a:endParaRPr lang="en-US" sz="800" b="0" i="0" u="none" strike="noStrike">
                         <a:solidFill>
-                          <a:schemeClr val="bg1">
-                            <a:lumMod val="50000"/>
-                          </a:schemeClr>
+                          <a:srgbClr val="000000"/>
                         </a:solidFill>
                         <a:effectLst/>
-                        <a:latin typeface="Times New Roman" panose="02020603050405020304" pitchFamily="18" charset="0"/>
-                        <a:cs typeface="Times New Roman" panose="02020603050405020304" pitchFamily="18" charset="0"/>
+                        <a:latin typeface="Calibri" panose="020F0502020204030204" pitchFamily="34" charset="0"/>
                       </a:endParaRPr>
                     </a:p>
                   </a:txBody>
-                  <a:tcPr marL="7620" marR="7620" marT="7620" marB="0" anchor="ctr"/>
-                </a:tc>
-                <a:extLst>
-                  <a:ext uri="{0D108BD9-81ED-4DB2-BD59-A6C34878D82A}">
-                    <a16:rowId xmlns:a16="http://schemas.microsoft.com/office/drawing/2014/main" val="2635900181"/>
-                  </a:ext>
-                </a:extLst>
-              </a:tr>
-              <a:tr h="163369">
-                <a:tc>
-                  <a:txBody>
-                    <a:bodyPr/>
-                    <a:lstStyle/>
-                    <a:p>
-                      <a:pPr algn="l" fontAlgn="b"/>
-                      <a:r>
-                        <a:rPr lang="en-IN" sz="1050" b="0" u="none" strike="noStrike" dirty="0">
-                          <a:solidFill>
-                            <a:schemeClr val="bg1">
-                              <a:lumMod val="50000"/>
-                            </a:schemeClr>
-                          </a:solidFill>
-                          <a:effectLst/>
-                        </a:rPr>
-                        <a:t>Great Bedroom in Manhattan</a:t>
-                      </a:r>
-                      <a:endParaRPr lang="en-IN" sz="1050" b="0" i="0" u="none" strike="noStrike" dirty="0">
-                        <a:solidFill>
-                          <a:schemeClr val="bg1">
-                            <a:lumMod val="50000"/>
-                          </a:schemeClr>
-                        </a:solidFill>
-                        <a:effectLst/>
-                        <a:latin typeface="Times New Roman" panose="02020603050405020304" pitchFamily="18" charset="0"/>
-                        <a:cs typeface="Times New Roman" panose="02020603050405020304" pitchFamily="18" charset="0"/>
-                      </a:endParaRPr>
-                    </a:p>
-                  </a:txBody>
-                  <a:tcPr marL="7620" marR="7620" marT="7620" marB="0" anchor="ctr"/>
+                  <a:tcPr marL="5622" marR="5622" marT="5622" marB="0" anchor="ctr"/>
                 </a:tc>
                 <a:tc>
                   <a:txBody>
                     <a:bodyPr/>
                     <a:lstStyle/>
                     <a:p>
-                      <a:pPr algn="ctr" fontAlgn="b"/>
+                      <a:pPr algn="ctr" fontAlgn="ctr"/>
                       <a:r>
-                        <a:rPr lang="en-IN" sz="1050" b="0" u="none" strike="noStrike">
-                          <a:solidFill>
-                            <a:schemeClr val="bg1">
-                              <a:lumMod val="50000"/>
-                            </a:schemeClr>
-                          </a:solidFill>
+                        <a:rPr lang="en-IN" sz="800" u="none" strike="noStrike">
                           <a:effectLst/>
                         </a:rPr>
-                        <a:t>Manhattan</a:t>
+                        <a:t>Queens</a:t>
                       </a:r>
-                      <a:endParaRPr lang="en-IN" sz="1050" b="0" i="0" u="none" strike="noStrike">
+                      <a:endParaRPr lang="en-IN" sz="800" b="0" i="0" u="none" strike="noStrike">
                         <a:solidFill>
-                          <a:schemeClr val="bg1">
-                            <a:lumMod val="50000"/>
-                          </a:schemeClr>
+                          <a:srgbClr val="000000"/>
                         </a:solidFill>
                         <a:effectLst/>
-                        <a:latin typeface="Times New Roman" panose="02020603050405020304" pitchFamily="18" charset="0"/>
-                        <a:cs typeface="Times New Roman" panose="02020603050405020304" pitchFamily="18" charset="0"/>
+                        <a:latin typeface="Calibri" panose="020F0502020204030204" pitchFamily="34" charset="0"/>
                       </a:endParaRPr>
                     </a:p>
                   </a:txBody>
-                  <a:tcPr marL="7620" marR="7620" marT="7620" marB="0" anchor="ctr"/>
+                  <a:tcPr marL="5622" marR="5622" marT="5622" marB="0" anchor="ctr"/>
                 </a:tc>
                 <a:tc>
                   <a:txBody>
                     <a:bodyPr/>
                     <a:lstStyle/>
                     <a:p>
-                      <a:pPr algn="ctr" fontAlgn="b"/>
+                      <a:pPr algn="ctr" fontAlgn="ctr"/>
                       <a:r>
-                        <a:rPr lang="en-IN" sz="1050" b="0" u="none" strike="noStrike">
-                          <a:solidFill>
-                            <a:schemeClr val="bg1">
-                              <a:lumMod val="50000"/>
-                            </a:schemeClr>
-                          </a:solidFill>
+                        <a:rPr lang="en-IN" sz="800" u="none" strike="noStrike">
                           <a:effectLst/>
                         </a:rPr>
-                        <a:t>Harlem</a:t>
+                        <a:t>Jamaica</a:t>
                       </a:r>
-                      <a:endParaRPr lang="en-IN" sz="1050" b="0" i="0" u="none" strike="noStrike">
+                      <a:endParaRPr lang="en-IN" sz="800" b="0" i="0" u="none" strike="noStrike">
                         <a:solidFill>
-                          <a:schemeClr val="bg1">
-                            <a:lumMod val="50000"/>
-                          </a:schemeClr>
+                          <a:srgbClr val="000000"/>
                         </a:solidFill>
                         <a:effectLst/>
-                        <a:latin typeface="Times New Roman" panose="02020603050405020304" pitchFamily="18" charset="0"/>
-                        <a:cs typeface="Times New Roman" panose="02020603050405020304" pitchFamily="18" charset="0"/>
+                        <a:latin typeface="Calibri" panose="020F0502020204030204" pitchFamily="34" charset="0"/>
                       </a:endParaRPr>
                     </a:p>
                   </a:txBody>
-                  <a:tcPr marL="7620" marR="7620" marT="7620" marB="0" anchor="ctr"/>
+                  <a:tcPr marL="5622" marR="5622" marT="5622" marB="0" anchor="ctr"/>
                 </a:tc>
                 <a:extLst>
                   <a:ext uri="{0D108BD9-81ED-4DB2-BD59-A6C34878D82A}">
-                    <a16:rowId xmlns:a16="http://schemas.microsoft.com/office/drawing/2014/main" val="3350847920"/>
+                    <a16:rowId xmlns:a16="http://schemas.microsoft.com/office/drawing/2014/main" val="3620376175"/>
                   </a:ext>
                 </a:extLst>
               </a:tr>
-              <a:tr h="163369">
+              <a:tr h="117152">
                 <a:tc>
                   <a:txBody>
                     <a:bodyPr/>
                     <a:lstStyle/>
                     <a:p>
-                      <a:pPr algn="l" fontAlgn="b"/>
+                      <a:pPr algn="ctr" fontAlgn="ctr"/>
                       <a:r>
-                        <a:rPr lang="en-IN" sz="1050" b="0" u="none" strike="noStrike" dirty="0">
-                          <a:solidFill>
-                            <a:schemeClr val="bg1">
-                              <a:lumMod val="50000"/>
-                            </a:schemeClr>
-                          </a:solidFill>
+                        <a:rPr lang="en-IN" sz="800" u="none" strike="noStrike">
                           <a:effectLst/>
                         </a:rPr>
-                        <a:t>Beautiful Bedroom in Manhattan</a:t>
+                        <a:t>2</a:t>
                       </a:r>
-                      <a:endParaRPr lang="en-IN" sz="1050" b="0" i="0" u="none" strike="noStrike" dirty="0">
+                      <a:endParaRPr lang="en-IN" sz="800" b="0" i="0" u="none" strike="noStrike">
                         <a:solidFill>
-                          <a:schemeClr val="bg1">
-                            <a:lumMod val="50000"/>
-                          </a:schemeClr>
+                          <a:srgbClr val="000000"/>
                         </a:solidFill>
                         <a:effectLst/>
-                        <a:latin typeface="Times New Roman" panose="02020603050405020304" pitchFamily="18" charset="0"/>
-                        <a:cs typeface="Times New Roman" panose="02020603050405020304" pitchFamily="18" charset="0"/>
+                        <a:latin typeface="Calibri" panose="020F0502020204030204" pitchFamily="34" charset="0"/>
                       </a:endParaRPr>
                     </a:p>
                   </a:txBody>
-                  <a:tcPr marL="7620" marR="7620" marT="7620" marB="0" anchor="ctr"/>
+                  <a:tcPr marL="5622" marR="5622" marT="5622" marB="0" anchor="ctr"/>
                 </a:tc>
                 <a:tc>
                   <a:txBody>
                     <a:bodyPr/>
                     <a:lstStyle/>
                     <a:p>
-                      <a:pPr algn="ctr" fontAlgn="b"/>
+                      <a:pPr algn="ctr" fontAlgn="ctr"/>
                       <a:r>
-                        <a:rPr lang="en-IN" sz="1050" b="0" u="none" strike="noStrike">
-                          <a:solidFill>
-                            <a:schemeClr val="bg1">
-                              <a:lumMod val="50000"/>
-                            </a:schemeClr>
-                          </a:solidFill>
+                        <a:rPr lang="en-IN" sz="800" u="none" strike="noStrike">
                           <a:effectLst/>
                         </a:rPr>
-                        <a:t>Manhattan</a:t>
+                        <a:t>Great Bedroom in Manhattan</a:t>
                       </a:r>
-                      <a:endParaRPr lang="en-IN" sz="1050" b="0" i="0" u="none" strike="noStrike">
+                      <a:endParaRPr lang="en-IN" sz="800" b="0" i="0" u="none" strike="noStrike">
                         <a:solidFill>
-                          <a:schemeClr val="bg1">
-                            <a:lumMod val="50000"/>
-                          </a:schemeClr>
+                          <a:srgbClr val="000000"/>
                         </a:solidFill>
                         <a:effectLst/>
-                        <a:latin typeface="Times New Roman" panose="02020603050405020304" pitchFamily="18" charset="0"/>
-                        <a:cs typeface="Times New Roman" panose="02020603050405020304" pitchFamily="18" charset="0"/>
+                        <a:latin typeface="Calibri" panose="020F0502020204030204" pitchFamily="34" charset="0"/>
                       </a:endParaRPr>
                     </a:p>
                   </a:txBody>
-                  <a:tcPr marL="7620" marR="7620" marT="7620" marB="0" anchor="ctr"/>
+                  <a:tcPr marL="5622" marR="5622" marT="5622" marB="0" anchor="ctr"/>
                 </a:tc>
                 <a:tc>
                   <a:txBody>
                     <a:bodyPr/>
                     <a:lstStyle/>
                     <a:p>
-                      <a:pPr algn="ctr" fontAlgn="b"/>
+                      <a:pPr algn="ctr" fontAlgn="ctr"/>
                       <a:r>
-                        <a:rPr lang="en-IN" sz="1050" b="0" u="none" strike="noStrike">
-                          <a:solidFill>
-                            <a:schemeClr val="bg1">
-                              <a:lumMod val="50000"/>
-                            </a:schemeClr>
-                          </a:solidFill>
+                        <a:rPr lang="en-IN" sz="800" u="none" strike="noStrike">
                           <a:effectLst/>
                         </a:rPr>
-                        <a:t>Harlem</a:t>
+                        <a:t>Manhattan</a:t>
                       </a:r>
-                      <a:endParaRPr lang="en-IN" sz="1050" b="0" i="0" u="none" strike="noStrike">
+                      <a:endParaRPr lang="en-IN" sz="800" b="0" i="0" u="none" strike="noStrike">
                         <a:solidFill>
-                          <a:schemeClr val="bg1">
-                            <a:lumMod val="50000"/>
-                          </a:schemeClr>
+                          <a:srgbClr val="000000"/>
                         </a:solidFill>
                         <a:effectLst/>
-                        <a:latin typeface="Times New Roman" panose="02020603050405020304" pitchFamily="18" charset="0"/>
-                        <a:cs typeface="Times New Roman" panose="02020603050405020304" pitchFamily="18" charset="0"/>
+                        <a:latin typeface="Calibri" panose="020F0502020204030204" pitchFamily="34" charset="0"/>
                       </a:endParaRPr>
                     </a:p>
                   </a:txBody>
-                  <a:tcPr marL="7620" marR="7620" marT="7620" marB="0" anchor="ctr"/>
-                </a:tc>
-                <a:extLst>
-                  <a:ext uri="{0D108BD9-81ED-4DB2-BD59-A6C34878D82A}">
-                    <a16:rowId xmlns:a16="http://schemas.microsoft.com/office/drawing/2014/main" val="3783367828"/>
-                  </a:ext>
-                </a:extLst>
-              </a:tr>
-              <a:tr h="163369">
-                <a:tc>
-                  <a:txBody>
-                    <a:bodyPr/>
-                    <a:lstStyle/>
-                    <a:p>
-                      <a:pPr algn="l" fontAlgn="b"/>
-                      <a:r>
-                        <a:rPr lang="en-IN" sz="1050" b="0" u="none" strike="noStrike" dirty="0">
-                          <a:solidFill>
-                            <a:schemeClr val="bg1">
-                              <a:lumMod val="50000"/>
-                            </a:schemeClr>
-                          </a:solidFill>
-                          <a:effectLst/>
-                        </a:rPr>
-                        <a:t>Private Bedroom in Manhattan</a:t>
-                      </a:r>
-                      <a:endParaRPr lang="en-IN" sz="1050" b="0" i="0" u="none" strike="noStrike" dirty="0">
-                        <a:solidFill>
-                          <a:schemeClr val="bg1">
-                            <a:lumMod val="50000"/>
-                          </a:schemeClr>
-                        </a:solidFill>
-                        <a:effectLst/>
-                        <a:latin typeface="Times New Roman" panose="02020603050405020304" pitchFamily="18" charset="0"/>
-                        <a:cs typeface="Times New Roman" panose="02020603050405020304" pitchFamily="18" charset="0"/>
-                      </a:endParaRPr>
-                    </a:p>
-                  </a:txBody>
-                  <a:tcPr marL="7620" marR="7620" marT="7620" marB="0" anchor="ctr"/>
+                  <a:tcPr marL="5622" marR="5622" marT="5622" marB="0" anchor="ctr"/>
                 </a:tc>
                 <a:tc>
                   <a:txBody>
                     <a:bodyPr/>
                     <a:lstStyle/>
                     <a:p>
-                      <a:pPr algn="ctr" fontAlgn="b"/>
+                      <a:pPr algn="ctr" fontAlgn="ctr"/>
                       <a:r>
-                        <a:rPr lang="en-IN" sz="1050" b="0" u="none" strike="noStrike" dirty="0">
-                          <a:solidFill>
-                            <a:schemeClr val="bg1">
-                              <a:lumMod val="50000"/>
-                            </a:schemeClr>
-                          </a:solidFill>
+                        <a:rPr lang="en-IN" sz="800" u="none" strike="noStrike">
                           <a:effectLst/>
                         </a:rPr>
-                        <a:t>Manhattan</a:t>
+                        <a:t>Harlem</a:t>
                       </a:r>
-                      <a:endParaRPr lang="en-IN" sz="1050" b="0" i="0" u="none" strike="noStrike" dirty="0">
+                      <a:endParaRPr lang="en-IN" sz="800" b="0" i="0" u="none" strike="noStrike">
                         <a:solidFill>
-                          <a:schemeClr val="bg1">
-                            <a:lumMod val="50000"/>
-                          </a:schemeClr>
+                          <a:srgbClr val="000000"/>
                         </a:solidFill>
                         <a:effectLst/>
-                        <a:latin typeface="Times New Roman" panose="02020603050405020304" pitchFamily="18" charset="0"/>
-                        <a:cs typeface="Times New Roman" panose="02020603050405020304" pitchFamily="18" charset="0"/>
+                        <a:latin typeface="Calibri" panose="020F0502020204030204" pitchFamily="34" charset="0"/>
                       </a:endParaRPr>
                     </a:p>
                   </a:txBody>
-                  <a:tcPr marL="7620" marR="7620" marT="7620" marB="0" anchor="ctr"/>
+                  <a:tcPr marL="5622" marR="5622" marT="5622" marB="0" anchor="ctr"/>
+                </a:tc>
+                <a:extLst>
+                  <a:ext uri="{0D108BD9-81ED-4DB2-BD59-A6C34878D82A}">
+                    <a16:rowId xmlns:a16="http://schemas.microsoft.com/office/drawing/2014/main" val="3831741212"/>
+                  </a:ext>
+                </a:extLst>
+              </a:tr>
+              <a:tr h="158752">
+                <a:tc>
+                  <a:txBody>
+                    <a:bodyPr/>
+                    <a:lstStyle/>
+                    <a:p>
+                      <a:pPr algn="ctr" fontAlgn="ctr"/>
+                      <a:r>
+                        <a:rPr lang="en-IN" sz="800" u="none" strike="noStrike">
+                          <a:effectLst/>
+                        </a:rPr>
+                        <a:t>3</a:t>
+                      </a:r>
+                      <a:endParaRPr lang="en-IN" sz="800" b="0" i="0" u="none" strike="noStrike">
+                        <a:solidFill>
+                          <a:srgbClr val="000000"/>
+                        </a:solidFill>
+                        <a:effectLst/>
+                        <a:latin typeface="Calibri" panose="020F0502020204030204" pitchFamily="34" charset="0"/>
+                      </a:endParaRPr>
+                    </a:p>
+                  </a:txBody>
+                  <a:tcPr marL="5622" marR="5622" marT="5622" marB="0" anchor="ctr"/>
                 </a:tc>
                 <a:tc>
                   <a:txBody>
                     <a:bodyPr/>
                     <a:lstStyle/>
                     <a:p>
-                      <a:pPr algn="ctr" fontAlgn="b"/>
+                      <a:pPr algn="ctr" fontAlgn="ctr"/>
                       <a:r>
-                        <a:rPr lang="en-IN" sz="1050" b="0" u="none" strike="noStrike">
-                          <a:solidFill>
-                            <a:schemeClr val="bg1">
-                              <a:lumMod val="50000"/>
-                            </a:schemeClr>
-                          </a:solidFill>
+                        <a:rPr lang="en-IN" sz="800" u="none" strike="noStrike">
                           <a:effectLst/>
                         </a:rPr>
-                        <a:t>Harlem</a:t>
+                        <a:t>Beautiful Bedroom in Manhattan</a:t>
                       </a:r>
-                      <a:endParaRPr lang="en-IN" sz="1050" b="0" i="0" u="none" strike="noStrike">
+                      <a:endParaRPr lang="en-IN" sz="800" b="0" i="0" u="none" strike="noStrike">
                         <a:solidFill>
-                          <a:schemeClr val="bg1">
-                            <a:lumMod val="50000"/>
-                          </a:schemeClr>
+                          <a:srgbClr val="000000"/>
                         </a:solidFill>
                         <a:effectLst/>
-                        <a:latin typeface="Times New Roman" panose="02020603050405020304" pitchFamily="18" charset="0"/>
-                        <a:cs typeface="Times New Roman" panose="02020603050405020304" pitchFamily="18" charset="0"/>
+                        <a:latin typeface="Calibri" panose="020F0502020204030204" pitchFamily="34" charset="0"/>
                       </a:endParaRPr>
                     </a:p>
                   </a:txBody>
-                  <a:tcPr marL="7620" marR="7620" marT="7620" marB="0" anchor="ctr"/>
-                </a:tc>
-                <a:extLst>
-                  <a:ext uri="{0D108BD9-81ED-4DB2-BD59-A6C34878D82A}">
-                    <a16:rowId xmlns:a16="http://schemas.microsoft.com/office/drawing/2014/main" val="1577079463"/>
-                  </a:ext>
-                </a:extLst>
-              </a:tr>
-              <a:tr h="147580">
-                <a:tc>
-                  <a:txBody>
-                    <a:bodyPr/>
-                    <a:lstStyle/>
-                    <a:p>
-                      <a:pPr algn="l" fontAlgn="b"/>
-                      <a:r>
-                        <a:rPr lang="en-US" sz="1050" b="0" u="none" strike="noStrike" dirty="0">
-                          <a:solidFill>
-                            <a:schemeClr val="bg1">
-                              <a:lumMod val="50000"/>
-                            </a:schemeClr>
-                          </a:solidFill>
-                          <a:effectLst/>
-                        </a:rPr>
-                        <a:t>Room Near JFK Twin Beds</a:t>
-                      </a:r>
-                      <a:endParaRPr lang="en-US" sz="1050" b="0" i="0" u="none" strike="noStrike" dirty="0">
-                        <a:solidFill>
-                          <a:schemeClr val="bg1">
-                            <a:lumMod val="50000"/>
-                          </a:schemeClr>
-                        </a:solidFill>
-                        <a:effectLst/>
-                        <a:latin typeface="Times New Roman" panose="02020603050405020304" pitchFamily="18" charset="0"/>
-                        <a:cs typeface="Times New Roman" panose="02020603050405020304" pitchFamily="18" charset="0"/>
-                      </a:endParaRPr>
-                    </a:p>
-                  </a:txBody>
-                  <a:tcPr marL="7620" marR="7620" marT="7620" marB="0" anchor="ctr"/>
+                  <a:tcPr marL="5622" marR="5622" marT="5622" marB="0" anchor="ctr"/>
                 </a:tc>
                 <a:tc>
                   <a:txBody>
                     <a:bodyPr/>
                     <a:lstStyle/>
                     <a:p>
-                      <a:pPr algn="ctr" fontAlgn="b"/>
+                      <a:pPr algn="ctr" fontAlgn="ctr"/>
                       <a:r>
-                        <a:rPr lang="en-IN" sz="1050" b="0" u="none" strike="noStrike" dirty="0">
-                          <a:solidFill>
-                            <a:schemeClr val="bg1">
-                              <a:lumMod val="50000"/>
-                            </a:schemeClr>
-                          </a:solidFill>
+                        <a:rPr lang="en-IN" sz="800" u="none" strike="noStrike">
                           <a:effectLst/>
                         </a:rPr>
-                        <a:t>Queens</a:t>
+                        <a:t>Manhattan</a:t>
                       </a:r>
-                      <a:endParaRPr lang="en-IN" sz="1050" b="0" i="0" u="none" strike="noStrike" dirty="0">
+                      <a:endParaRPr lang="en-IN" sz="800" b="0" i="0" u="none" strike="noStrike">
                         <a:solidFill>
-                          <a:schemeClr val="bg1">
-                            <a:lumMod val="50000"/>
-                          </a:schemeClr>
+                          <a:srgbClr val="000000"/>
                         </a:solidFill>
                         <a:effectLst/>
-                        <a:latin typeface="Times New Roman" panose="02020603050405020304" pitchFamily="18" charset="0"/>
-                        <a:cs typeface="Times New Roman" panose="02020603050405020304" pitchFamily="18" charset="0"/>
+                        <a:latin typeface="Calibri" panose="020F0502020204030204" pitchFamily="34" charset="0"/>
                       </a:endParaRPr>
                     </a:p>
                   </a:txBody>
-                  <a:tcPr marL="7620" marR="7620" marT="7620" marB="0" anchor="ctr"/>
+                  <a:tcPr marL="5622" marR="5622" marT="5622" marB="0" anchor="ctr"/>
                 </a:tc>
                 <a:tc>
                   <a:txBody>
                     <a:bodyPr/>
                     <a:lstStyle/>
                     <a:p>
-                      <a:pPr algn="ctr" fontAlgn="b"/>
+                      <a:pPr algn="ctr" fontAlgn="ctr"/>
                       <a:r>
-                        <a:rPr lang="en-IN" sz="1050" b="0" u="none" strike="noStrike">
-                          <a:solidFill>
-                            <a:schemeClr val="bg1">
-                              <a:lumMod val="50000"/>
-                            </a:schemeClr>
-                          </a:solidFill>
+                        <a:rPr lang="en-IN" sz="800" u="none" strike="noStrike">
                           <a:effectLst/>
                         </a:rPr>
-                        <a:t>Jamaica</a:t>
+                        <a:t>Harlem</a:t>
                       </a:r>
-                      <a:endParaRPr lang="en-IN" sz="1050" b="0" i="0" u="none" strike="noStrike">
+                      <a:endParaRPr lang="en-IN" sz="800" b="0" i="0" u="none" strike="noStrike">
                         <a:solidFill>
-                          <a:schemeClr val="bg1">
-                            <a:lumMod val="50000"/>
-                          </a:schemeClr>
+                          <a:srgbClr val="000000"/>
                         </a:solidFill>
                         <a:effectLst/>
-                        <a:latin typeface="Times New Roman" panose="02020603050405020304" pitchFamily="18" charset="0"/>
-                        <a:cs typeface="Times New Roman" panose="02020603050405020304" pitchFamily="18" charset="0"/>
+                        <a:latin typeface="Calibri" panose="020F0502020204030204" pitchFamily="34" charset="0"/>
                       </a:endParaRPr>
                     </a:p>
                   </a:txBody>
-                  <a:tcPr marL="7620" marR="7620" marT="7620" marB="0" anchor="ctr"/>
+                  <a:tcPr marL="5622" marR="5622" marT="5622" marB="0" anchor="ctr"/>
                 </a:tc>
                 <a:extLst>
                   <a:ext uri="{0D108BD9-81ED-4DB2-BD59-A6C34878D82A}">
-                    <a16:rowId xmlns:a16="http://schemas.microsoft.com/office/drawing/2014/main" val="367427013"/>
+                    <a16:rowId xmlns:a16="http://schemas.microsoft.com/office/drawing/2014/main" val="2290608139"/>
                   </a:ext>
                 </a:extLst>
               </a:tr>
-              <a:tr h="288744">
+              <a:tr h="117152">
                 <a:tc>
                   <a:txBody>
                     <a:bodyPr/>
                     <a:lstStyle/>
                     <a:p>
-                      <a:pPr algn="l" fontAlgn="b"/>
+                      <a:pPr algn="ctr" fontAlgn="ctr"/>
                       <a:r>
-                        <a:rPr lang="en-US" sz="1050" b="0" u="none" strike="noStrike" dirty="0">
-                          <a:solidFill>
-                            <a:schemeClr val="bg1">
-                              <a:lumMod val="50000"/>
-                            </a:schemeClr>
-                          </a:solidFill>
+                        <a:rPr lang="en-IN" sz="800" u="none" strike="noStrike">
                           <a:effectLst/>
                         </a:rPr>
-                        <a:t>Steps away from </a:t>
+                        <a:t>4</a:t>
                       </a:r>
-                      <a:r>
-                        <a:rPr lang="en-US" sz="1050" b="0" u="none" strike="noStrike" dirty="0" err="1">
-                          <a:solidFill>
-                            <a:schemeClr val="bg1">
-                              <a:lumMod val="50000"/>
-                            </a:schemeClr>
-                          </a:solidFill>
-                          <a:effectLst/>
-                        </a:rPr>
-                        <a:t>Laguardia</a:t>
-                      </a:r>
-                      <a:r>
-                        <a:rPr lang="en-US" sz="1050" b="0" u="none" strike="noStrike" dirty="0">
-                          <a:solidFill>
-                            <a:schemeClr val="bg1">
-                              <a:lumMod val="50000"/>
-                            </a:schemeClr>
-                          </a:solidFill>
-                          <a:effectLst/>
-                        </a:rPr>
-                        <a:t> airport</a:t>
-                      </a:r>
-                      <a:endParaRPr lang="en-US" sz="1050" b="0" i="0" u="none" strike="noStrike" dirty="0">
+                      <a:endParaRPr lang="en-IN" sz="800" b="0" i="0" u="none" strike="noStrike">
                         <a:solidFill>
-                          <a:schemeClr val="bg1">
-                            <a:lumMod val="50000"/>
-                          </a:schemeClr>
+                          <a:srgbClr val="000000"/>
                         </a:solidFill>
                         <a:effectLst/>
-                        <a:latin typeface="Times New Roman" panose="02020603050405020304" pitchFamily="18" charset="0"/>
-                        <a:cs typeface="Times New Roman" panose="02020603050405020304" pitchFamily="18" charset="0"/>
+                        <a:latin typeface="Calibri" panose="020F0502020204030204" pitchFamily="34" charset="0"/>
                       </a:endParaRPr>
                     </a:p>
                   </a:txBody>
-                  <a:tcPr marL="7620" marR="7620" marT="7620" marB="0" anchor="ctr"/>
+                  <a:tcPr marL="5622" marR="5622" marT="5622" marB="0" anchor="ctr"/>
                 </a:tc>
                 <a:tc>
                   <a:txBody>
                     <a:bodyPr/>
                     <a:lstStyle/>
                     <a:p>
-                      <a:pPr algn="ctr" fontAlgn="b"/>
+                      <a:pPr algn="ctr" fontAlgn="ctr"/>
                       <a:r>
-                        <a:rPr lang="en-IN" sz="1050" b="0" u="none" strike="noStrike" dirty="0">
-                          <a:solidFill>
-                            <a:schemeClr val="bg1">
-                              <a:lumMod val="50000"/>
-                            </a:schemeClr>
-                          </a:solidFill>
+                        <a:rPr lang="en-IN" sz="800" u="none" strike="noStrike">
                           <a:effectLst/>
                         </a:rPr>
-                        <a:t>Queens</a:t>
+                        <a:t>Private Bedroom in Manhattan</a:t>
                       </a:r>
-                      <a:endParaRPr lang="en-IN" sz="1050" b="0" i="0" u="none" strike="noStrike" dirty="0">
+                      <a:endParaRPr lang="en-IN" sz="800" b="0" i="0" u="none" strike="noStrike">
                         <a:solidFill>
-                          <a:schemeClr val="bg1">
-                            <a:lumMod val="50000"/>
-                          </a:schemeClr>
+                          <a:srgbClr val="000000"/>
                         </a:solidFill>
                         <a:effectLst/>
-                        <a:latin typeface="Times New Roman" panose="02020603050405020304" pitchFamily="18" charset="0"/>
-                        <a:cs typeface="Times New Roman" panose="02020603050405020304" pitchFamily="18" charset="0"/>
+                        <a:latin typeface="Calibri" panose="020F0502020204030204" pitchFamily="34" charset="0"/>
                       </a:endParaRPr>
                     </a:p>
                   </a:txBody>
-                  <a:tcPr marL="7620" marR="7620" marT="7620" marB="0" anchor="ctr"/>
+                  <a:tcPr marL="5622" marR="5622" marT="5622" marB="0" anchor="ctr"/>
                 </a:tc>
                 <a:tc>
                   <a:txBody>
                     <a:bodyPr/>
                     <a:lstStyle/>
                     <a:p>
-                      <a:pPr algn="ctr" fontAlgn="b"/>
+                      <a:pPr algn="ctr" fontAlgn="ctr"/>
                       <a:r>
-                        <a:rPr lang="en-IN" sz="1050" b="0" u="none" strike="noStrike">
-                          <a:solidFill>
-                            <a:schemeClr val="bg1">
-                              <a:lumMod val="50000"/>
-                            </a:schemeClr>
-                          </a:solidFill>
+                        <a:rPr lang="en-IN" sz="800" u="none" strike="noStrike">
                           <a:effectLst/>
                         </a:rPr>
-                        <a:t>East Elmhurst</a:t>
+                        <a:t>Manhattan</a:t>
                       </a:r>
-                      <a:endParaRPr lang="en-IN" sz="1050" b="0" i="0" u="none" strike="noStrike">
+                      <a:endParaRPr lang="en-IN" sz="800" b="0" i="0" u="none" strike="noStrike">
                         <a:solidFill>
-                          <a:schemeClr val="bg1">
-                            <a:lumMod val="50000"/>
-                          </a:schemeClr>
+                          <a:srgbClr val="000000"/>
                         </a:solidFill>
                         <a:effectLst/>
-                        <a:latin typeface="Times New Roman" panose="02020603050405020304" pitchFamily="18" charset="0"/>
-                        <a:cs typeface="Times New Roman" panose="02020603050405020304" pitchFamily="18" charset="0"/>
+                        <a:latin typeface="Calibri" panose="020F0502020204030204" pitchFamily="34" charset="0"/>
                       </a:endParaRPr>
                     </a:p>
                   </a:txBody>
-                  <a:tcPr marL="7620" marR="7620" marT="7620" marB="0" anchor="ctr"/>
-                </a:tc>
-                <a:extLst>
-                  <a:ext uri="{0D108BD9-81ED-4DB2-BD59-A6C34878D82A}">
-                    <a16:rowId xmlns:a16="http://schemas.microsoft.com/office/drawing/2014/main" val="2417163966"/>
-                  </a:ext>
-                </a:extLst>
-              </a:tr>
-              <a:tr h="288744">
-                <a:tc>
-                  <a:txBody>
-                    <a:bodyPr/>
-                    <a:lstStyle/>
-                    <a:p>
-                      <a:pPr algn="l" fontAlgn="b"/>
-                      <a:r>
-                        <a:rPr lang="en-IN" sz="1050" b="0" u="none" strike="noStrike" dirty="0">
-                          <a:solidFill>
-                            <a:schemeClr val="bg1">
-                              <a:lumMod val="50000"/>
-                            </a:schemeClr>
-                          </a:solidFill>
-                          <a:effectLst/>
-                        </a:rPr>
-                        <a:t>Manhattan Lux </a:t>
-                      </a:r>
-                      <a:r>
-                        <a:rPr lang="en-IN" sz="1050" b="0" u="none" strike="noStrike" dirty="0" err="1">
-                          <a:solidFill>
-                            <a:schemeClr val="bg1">
-                              <a:lumMod val="50000"/>
-                            </a:schemeClr>
-                          </a:solidFill>
-                          <a:effectLst/>
-                        </a:rPr>
-                        <a:t>Loft.Like.Love.Lots.Look</a:t>
-                      </a:r>
-                      <a:r>
-                        <a:rPr lang="en-IN" sz="1050" b="0" u="none" strike="noStrike" dirty="0">
-                          <a:solidFill>
-                            <a:schemeClr val="bg1">
-                              <a:lumMod val="50000"/>
-                            </a:schemeClr>
-                          </a:solidFill>
-                          <a:effectLst/>
-                        </a:rPr>
-                        <a:t> !</a:t>
-                      </a:r>
-                      <a:endParaRPr lang="en-IN" sz="1050" b="0" i="0" u="none" strike="noStrike" dirty="0">
-                        <a:solidFill>
-                          <a:schemeClr val="bg1">
-                            <a:lumMod val="50000"/>
-                          </a:schemeClr>
-                        </a:solidFill>
-                        <a:effectLst/>
-                        <a:latin typeface="Times New Roman" panose="02020603050405020304" pitchFamily="18" charset="0"/>
-                        <a:cs typeface="Times New Roman" panose="02020603050405020304" pitchFamily="18" charset="0"/>
-                      </a:endParaRPr>
-                    </a:p>
-                  </a:txBody>
-                  <a:tcPr marL="7620" marR="7620" marT="7620" marB="0" anchor="ctr"/>
+                  <a:tcPr marL="5622" marR="5622" marT="5622" marB="0" anchor="ctr"/>
                 </a:tc>
                 <a:tc>
                   <a:txBody>
                     <a:bodyPr/>
                     <a:lstStyle/>
                     <a:p>
-                      <a:pPr algn="ctr" fontAlgn="b"/>
+                      <a:pPr algn="ctr" fontAlgn="ctr"/>
                       <a:r>
-                        <a:rPr lang="en-IN" sz="1050" b="0" u="none" strike="noStrike" dirty="0">
-                          <a:solidFill>
-                            <a:schemeClr val="bg1">
-                              <a:lumMod val="50000"/>
-                            </a:schemeClr>
-                          </a:solidFill>
+                        <a:rPr lang="en-IN" sz="800" u="none" strike="noStrike">
                           <a:effectLst/>
                         </a:rPr>
-                        <a:t>Manhattan</a:t>
+                        <a:t>Harlem</a:t>
                       </a:r>
-                      <a:endParaRPr lang="en-IN" sz="1050" b="0" i="0" u="none" strike="noStrike" dirty="0">
+                      <a:endParaRPr lang="en-IN" sz="800" b="0" i="0" u="none" strike="noStrike">
                         <a:solidFill>
-                          <a:schemeClr val="bg1">
-                            <a:lumMod val="50000"/>
-                          </a:schemeClr>
+                          <a:srgbClr val="000000"/>
                         </a:solidFill>
                         <a:effectLst/>
-                        <a:latin typeface="Times New Roman" panose="02020603050405020304" pitchFamily="18" charset="0"/>
-                        <a:cs typeface="Times New Roman" panose="02020603050405020304" pitchFamily="18" charset="0"/>
+                        <a:latin typeface="Calibri" panose="020F0502020204030204" pitchFamily="34" charset="0"/>
                       </a:endParaRPr>
                     </a:p>
                   </a:txBody>
-                  <a:tcPr marL="7620" marR="7620" marT="7620" marB="0" anchor="ctr"/>
+                  <a:tcPr marL="5622" marR="5622" marT="5622" marB="0" anchor="ctr"/>
+                </a:tc>
+                <a:extLst>
+                  <a:ext uri="{0D108BD9-81ED-4DB2-BD59-A6C34878D82A}">
+                    <a16:rowId xmlns:a16="http://schemas.microsoft.com/office/drawing/2014/main" val="1730132859"/>
+                  </a:ext>
+                </a:extLst>
+              </a:tr>
+              <a:tr h="117152">
+                <a:tc>
+                  <a:txBody>
+                    <a:bodyPr/>
+                    <a:lstStyle/>
+                    <a:p>
+                      <a:pPr algn="ctr" fontAlgn="ctr"/>
+                      <a:r>
+                        <a:rPr lang="en-IN" sz="800" u="none" strike="noStrike">
+                          <a:effectLst/>
+                        </a:rPr>
+                        <a:t>5</a:t>
+                      </a:r>
+                      <a:endParaRPr lang="en-IN" sz="800" b="0" i="0" u="none" strike="noStrike">
+                        <a:solidFill>
+                          <a:srgbClr val="000000"/>
+                        </a:solidFill>
+                        <a:effectLst/>
+                        <a:latin typeface="Calibri" panose="020F0502020204030204" pitchFamily="34" charset="0"/>
+                      </a:endParaRPr>
+                    </a:p>
+                  </a:txBody>
+                  <a:tcPr marL="5622" marR="5622" marT="5622" marB="0" anchor="ctr"/>
                 </a:tc>
                 <a:tc>
                   <a:txBody>
                     <a:bodyPr/>
                     <a:lstStyle/>
                     <a:p>
-                      <a:pPr algn="ctr" fontAlgn="b"/>
+                      <a:pPr algn="ctr" fontAlgn="ctr"/>
                       <a:r>
-                        <a:rPr lang="en-IN" sz="1050" b="0" u="none" strike="noStrike">
-                          <a:solidFill>
-                            <a:schemeClr val="bg1">
-                              <a:lumMod val="50000"/>
-                            </a:schemeClr>
-                          </a:solidFill>
+                        <a:rPr lang="en-US" sz="800" u="none" strike="noStrike">
                           <a:effectLst/>
                         </a:rPr>
-                        <a:t>Lower East Side</a:t>
+                        <a:t>Room Near JFK Twin Beds</a:t>
                       </a:r>
-                      <a:endParaRPr lang="en-IN" sz="1050" b="0" i="0" u="none" strike="noStrike">
+                      <a:endParaRPr lang="en-US" sz="800" b="0" i="0" u="none" strike="noStrike">
                         <a:solidFill>
-                          <a:schemeClr val="bg1">
-                            <a:lumMod val="50000"/>
-                          </a:schemeClr>
+                          <a:srgbClr val="000000"/>
                         </a:solidFill>
                         <a:effectLst/>
-                        <a:latin typeface="Times New Roman" panose="02020603050405020304" pitchFamily="18" charset="0"/>
-                        <a:cs typeface="Times New Roman" panose="02020603050405020304" pitchFamily="18" charset="0"/>
+                        <a:latin typeface="Calibri" panose="020F0502020204030204" pitchFamily="34" charset="0"/>
                       </a:endParaRPr>
                     </a:p>
                   </a:txBody>
-                  <a:tcPr marL="7620" marR="7620" marT="7620" marB="0" anchor="ctr"/>
-                </a:tc>
-                <a:extLst>
-                  <a:ext uri="{0D108BD9-81ED-4DB2-BD59-A6C34878D82A}">
-                    <a16:rowId xmlns:a16="http://schemas.microsoft.com/office/drawing/2014/main" val="458188040"/>
-                  </a:ext>
-                </a:extLst>
-              </a:tr>
-              <a:tr h="288744">
-                <a:tc>
-                  <a:txBody>
-                    <a:bodyPr/>
-                    <a:lstStyle/>
-                    <a:p>
-                      <a:pPr algn="l" fontAlgn="b"/>
-                      <a:r>
-                        <a:rPr lang="en-US" sz="1050" b="0" u="none" strike="noStrike" dirty="0">
-                          <a:solidFill>
-                            <a:schemeClr val="bg1">
-                              <a:lumMod val="50000"/>
-                            </a:schemeClr>
-                          </a:solidFill>
-                          <a:effectLst/>
-                        </a:rPr>
-                        <a:t>Cozy Room Family Home LGA Airport NO CLEANING FEE</a:t>
-                      </a:r>
-                      <a:endParaRPr lang="en-US" sz="1050" b="0" i="0" u="none" strike="noStrike" dirty="0">
-                        <a:solidFill>
-                          <a:schemeClr val="bg1">
-                            <a:lumMod val="50000"/>
-                          </a:schemeClr>
-                        </a:solidFill>
-                        <a:effectLst/>
-                        <a:latin typeface="Times New Roman" panose="02020603050405020304" pitchFamily="18" charset="0"/>
-                        <a:cs typeface="Times New Roman" panose="02020603050405020304" pitchFamily="18" charset="0"/>
-                      </a:endParaRPr>
-                    </a:p>
-                  </a:txBody>
-                  <a:tcPr marL="7620" marR="7620" marT="7620" marB="0" anchor="ctr"/>
+                  <a:tcPr marL="5622" marR="5622" marT="5622" marB="0" anchor="ctr"/>
                 </a:tc>
                 <a:tc>
                   <a:txBody>
                     <a:bodyPr/>
                     <a:lstStyle/>
                     <a:p>
-                      <a:pPr algn="ctr" fontAlgn="b"/>
+                      <a:pPr algn="ctr" fontAlgn="ctr"/>
                       <a:r>
-                        <a:rPr lang="en-IN" sz="1050" b="0" u="none" strike="noStrike" dirty="0">
-                          <a:solidFill>
-                            <a:schemeClr val="bg1">
-                              <a:lumMod val="50000"/>
-                            </a:schemeClr>
-                          </a:solidFill>
+                        <a:rPr lang="en-IN" sz="800" u="none" strike="noStrike">
                           <a:effectLst/>
                         </a:rPr>
                         <a:t>Queens</a:t>
                       </a:r>
-                      <a:endParaRPr lang="en-IN" sz="1050" b="0" i="0" u="none" strike="noStrike" dirty="0">
+                      <a:endParaRPr lang="en-IN" sz="800" b="0" i="0" u="none" strike="noStrike">
                         <a:solidFill>
-                          <a:schemeClr val="bg1">
-                            <a:lumMod val="50000"/>
-                          </a:schemeClr>
+                          <a:srgbClr val="000000"/>
                         </a:solidFill>
                         <a:effectLst/>
-                        <a:latin typeface="Times New Roman" panose="02020603050405020304" pitchFamily="18" charset="0"/>
-                        <a:cs typeface="Times New Roman" panose="02020603050405020304" pitchFamily="18" charset="0"/>
+                        <a:latin typeface="Calibri" panose="020F0502020204030204" pitchFamily="34" charset="0"/>
                       </a:endParaRPr>
                     </a:p>
                   </a:txBody>
-                  <a:tcPr marL="7620" marR="7620" marT="7620" marB="0" anchor="ctr"/>
+                  <a:tcPr marL="5622" marR="5622" marT="5622" marB="0" anchor="ctr"/>
                 </a:tc>
                 <a:tc>
                   <a:txBody>
                     <a:bodyPr/>
                     <a:lstStyle/>
                     <a:p>
-                      <a:pPr algn="ctr" fontAlgn="b"/>
+                      <a:pPr algn="ctr" fontAlgn="ctr"/>
                       <a:r>
-                        <a:rPr lang="en-IN" sz="1050" b="0" u="none" strike="noStrike" dirty="0">
-                          <a:solidFill>
-                            <a:schemeClr val="bg1">
-                              <a:lumMod val="50000"/>
-                            </a:schemeClr>
-                          </a:solidFill>
+                        <a:rPr lang="en-IN" sz="800" u="none" strike="noStrike">
                           <a:effectLst/>
                         </a:rPr>
-                        <a:t>East Elmhurst</a:t>
+                        <a:t>Jamaica</a:t>
                       </a:r>
-                      <a:endParaRPr lang="en-IN" sz="1050" b="0" i="0" u="none" strike="noStrike" dirty="0">
+                      <a:endParaRPr lang="en-IN" sz="800" b="0" i="0" u="none" strike="noStrike">
                         <a:solidFill>
-                          <a:schemeClr val="bg1">
-                            <a:lumMod val="50000"/>
-                          </a:schemeClr>
+                          <a:srgbClr val="000000"/>
                         </a:solidFill>
                         <a:effectLst/>
-                        <a:latin typeface="Times New Roman" panose="02020603050405020304" pitchFamily="18" charset="0"/>
-                        <a:cs typeface="Times New Roman" panose="02020603050405020304" pitchFamily="18" charset="0"/>
+                        <a:latin typeface="Calibri" panose="020F0502020204030204" pitchFamily="34" charset="0"/>
                       </a:endParaRPr>
                     </a:p>
                   </a:txBody>
-                  <a:tcPr marL="7620" marR="7620" marT="7620" marB="0" anchor="ctr"/>
+                  <a:tcPr marL="5622" marR="5622" marT="5622" marB="0" anchor="ctr"/>
                 </a:tc>
                 <a:extLst>
                   <a:ext uri="{0D108BD9-81ED-4DB2-BD59-A6C34878D82A}">
-                    <a16:rowId xmlns:a16="http://schemas.microsoft.com/office/drawing/2014/main" val="2165640442"/>
+                    <a16:rowId xmlns:a16="http://schemas.microsoft.com/office/drawing/2014/main" val="2111766869"/>
                   </a:ext>
                 </a:extLst>
               </a:tr>
-              <a:tr h="288744">
+              <a:tr h="158752">
                 <a:tc>
                   <a:txBody>
                     <a:bodyPr/>
                     <a:lstStyle/>
                     <a:p>
-                      <a:pPr algn="l" fontAlgn="b"/>
+                      <a:pPr algn="ctr" fontAlgn="ctr"/>
                       <a:r>
-                        <a:rPr lang="en-IN" sz="1050" b="0" u="none" strike="noStrike" dirty="0">
-                          <a:solidFill>
-                            <a:schemeClr val="bg1">
-                              <a:lumMod val="50000"/>
-                            </a:schemeClr>
-                          </a:solidFill>
+                        <a:rPr lang="en-IN" sz="800" u="none" strike="noStrike">
                           <a:effectLst/>
                         </a:rPr>
-                        <a:t>Private brownstone studio Brooklyn</a:t>
+                        <a:t>6</a:t>
                       </a:r>
-                      <a:endParaRPr lang="en-IN" sz="1050" b="0" i="0" u="none" strike="noStrike" dirty="0">
+                      <a:endParaRPr lang="en-IN" sz="800" b="0" i="0" u="none" strike="noStrike">
                         <a:solidFill>
-                          <a:schemeClr val="bg1">
-                            <a:lumMod val="50000"/>
-                          </a:schemeClr>
+                          <a:srgbClr val="000000"/>
                         </a:solidFill>
                         <a:effectLst/>
-                        <a:latin typeface="Times New Roman" panose="02020603050405020304" pitchFamily="18" charset="0"/>
-                        <a:cs typeface="Times New Roman" panose="02020603050405020304" pitchFamily="18" charset="0"/>
+                        <a:latin typeface="Calibri" panose="020F0502020204030204" pitchFamily="34" charset="0"/>
                       </a:endParaRPr>
                     </a:p>
                   </a:txBody>
-                  <a:tcPr marL="7620" marR="7620" marT="7620" marB="0" anchor="ctr"/>
+                  <a:tcPr marL="5622" marR="5622" marT="5622" marB="0" anchor="ctr"/>
                 </a:tc>
                 <a:tc>
                   <a:txBody>
                     <a:bodyPr/>
                     <a:lstStyle/>
                     <a:p>
-                      <a:pPr algn="ctr" fontAlgn="b"/>
+                      <a:pPr algn="ctr" fontAlgn="ctr"/>
                       <a:r>
-                        <a:rPr lang="en-IN" sz="1050" b="0" u="none" strike="noStrike" dirty="0">
-                          <a:solidFill>
-                            <a:schemeClr val="bg1">
-                              <a:lumMod val="50000"/>
-                            </a:schemeClr>
-                          </a:solidFill>
+                        <a:rPr lang="en-US" sz="800" u="none" strike="noStrike">
                           <a:effectLst/>
                         </a:rPr>
-                        <a:t>Brooklyn</a:t>
+                        <a:t>Steps away from Laguardia airport</a:t>
                       </a:r>
-                      <a:endParaRPr lang="en-IN" sz="1050" b="0" i="0" u="none" strike="noStrike" dirty="0">
+                      <a:endParaRPr lang="en-US" sz="800" b="0" i="0" u="none" strike="noStrike">
                         <a:solidFill>
-                          <a:schemeClr val="bg1">
-                            <a:lumMod val="50000"/>
-                          </a:schemeClr>
+                          <a:srgbClr val="000000"/>
                         </a:solidFill>
                         <a:effectLst/>
-                        <a:latin typeface="Times New Roman" panose="02020603050405020304" pitchFamily="18" charset="0"/>
-                        <a:cs typeface="Times New Roman" panose="02020603050405020304" pitchFamily="18" charset="0"/>
+                        <a:latin typeface="Calibri" panose="020F0502020204030204" pitchFamily="34" charset="0"/>
                       </a:endParaRPr>
                     </a:p>
                   </a:txBody>
-                  <a:tcPr marL="7620" marR="7620" marT="7620" marB="0" anchor="ctr"/>
+                  <a:tcPr marL="5622" marR="5622" marT="5622" marB="0" anchor="ctr"/>
                 </a:tc>
                 <a:tc>
                   <a:txBody>
                     <a:bodyPr/>
                     <a:lstStyle/>
                     <a:p>
-                      <a:pPr algn="ctr" fontAlgn="b"/>
+                      <a:pPr algn="ctr" fontAlgn="ctr"/>
                       <a:r>
-                        <a:rPr lang="en-IN" sz="1050" b="0" u="none" strike="noStrike" dirty="0">
-                          <a:solidFill>
-                            <a:schemeClr val="bg1">
-                              <a:lumMod val="50000"/>
-                            </a:schemeClr>
-                          </a:solidFill>
+                        <a:rPr lang="en-IN" sz="800" u="none" strike="noStrike">
                           <a:effectLst/>
                         </a:rPr>
-                        <a:t>Park Slope</a:t>
+                        <a:t>Queens</a:t>
                       </a:r>
-                      <a:endParaRPr lang="en-IN" sz="1050" b="0" i="0" u="none" strike="noStrike" dirty="0">
+                      <a:endParaRPr lang="en-IN" sz="800" b="0" i="0" u="none" strike="noStrike">
                         <a:solidFill>
-                          <a:schemeClr val="bg1">
-                            <a:lumMod val="50000"/>
-                          </a:schemeClr>
+                          <a:srgbClr val="000000"/>
                         </a:solidFill>
                         <a:effectLst/>
-                        <a:latin typeface="Times New Roman" panose="02020603050405020304" pitchFamily="18" charset="0"/>
-                        <a:cs typeface="Times New Roman" panose="02020603050405020304" pitchFamily="18" charset="0"/>
+                        <a:latin typeface="Calibri" panose="020F0502020204030204" pitchFamily="34" charset="0"/>
                       </a:endParaRPr>
                     </a:p>
                   </a:txBody>
-                  <a:tcPr marL="7620" marR="7620" marT="7620" marB="0" anchor="ctr"/>
-                </a:tc>
-                <a:extLst>
-                  <a:ext uri="{0D108BD9-81ED-4DB2-BD59-A6C34878D82A}">
-                    <a16:rowId xmlns:a16="http://schemas.microsoft.com/office/drawing/2014/main" val="2050449909"/>
-                  </a:ext>
-                </a:extLst>
-              </a:tr>
-              <a:tr h="147580">
-                <a:tc>
-                  <a:txBody>
-                    <a:bodyPr/>
-                    <a:lstStyle/>
-                    <a:p>
-                      <a:pPr algn="l" fontAlgn="b"/>
-                      <a:r>
-                        <a:rPr lang="en-US" sz="1050" b="0" u="none" strike="noStrike" dirty="0">
-                          <a:solidFill>
-                            <a:schemeClr val="bg1">
-                              <a:lumMod val="50000"/>
-                            </a:schemeClr>
-                          </a:solidFill>
-                          <a:effectLst/>
-                        </a:rPr>
-                        <a:t>LG Private Room/Family Friendly</a:t>
-                      </a:r>
-                      <a:endParaRPr lang="en-US" sz="1050" b="0" i="0" u="none" strike="noStrike" dirty="0">
-                        <a:solidFill>
-                          <a:schemeClr val="bg1">
-                            <a:lumMod val="50000"/>
-                          </a:schemeClr>
-                        </a:solidFill>
-                        <a:effectLst/>
-                        <a:latin typeface="Times New Roman" panose="02020603050405020304" pitchFamily="18" charset="0"/>
-                        <a:cs typeface="Times New Roman" panose="02020603050405020304" pitchFamily="18" charset="0"/>
-                      </a:endParaRPr>
-                    </a:p>
-                  </a:txBody>
-                  <a:tcPr marL="7620" marR="7620" marT="7620" marB="0" anchor="ctr"/>
+                  <a:tcPr marL="5622" marR="5622" marT="5622" marB="0" anchor="ctr"/>
                 </a:tc>
                 <a:tc>
                   <a:txBody>
                     <a:bodyPr/>
                     <a:lstStyle/>
                     <a:p>
-                      <a:pPr algn="ctr" fontAlgn="b"/>
+                      <a:pPr algn="ctr" fontAlgn="ctr"/>
                       <a:r>
-                        <a:rPr lang="en-IN" sz="1050" b="0" u="none" strike="noStrike">
-                          <a:solidFill>
-                            <a:schemeClr val="bg1">
-                              <a:lumMod val="50000"/>
-                            </a:schemeClr>
-                          </a:solidFill>
+                        <a:rPr lang="en-IN" sz="800" u="none" strike="noStrike">
                           <a:effectLst/>
                         </a:rPr>
-                        <a:t>Brooklyn</a:t>
+                        <a:t>East Elmhurst</a:t>
                       </a:r>
-                      <a:endParaRPr lang="en-IN" sz="1050" b="0" i="0" u="none" strike="noStrike">
+                      <a:endParaRPr lang="en-IN" sz="800" b="0" i="0" u="none" strike="noStrike">
                         <a:solidFill>
-                          <a:schemeClr val="bg1">
-                            <a:lumMod val="50000"/>
-                          </a:schemeClr>
+                          <a:srgbClr val="000000"/>
                         </a:solidFill>
                         <a:effectLst/>
-                        <a:latin typeface="Times New Roman" panose="02020603050405020304" pitchFamily="18" charset="0"/>
-                        <a:cs typeface="Times New Roman" panose="02020603050405020304" pitchFamily="18" charset="0"/>
+                        <a:latin typeface="Calibri" panose="020F0502020204030204" pitchFamily="34" charset="0"/>
                       </a:endParaRPr>
                     </a:p>
                   </a:txBody>
-                  <a:tcPr marL="7620" marR="7620" marT="7620" marB="0" anchor="ctr"/>
+                  <a:tcPr marL="5622" marR="5622" marT="5622" marB="0" anchor="ctr"/>
+                </a:tc>
+                <a:extLst>
+                  <a:ext uri="{0D108BD9-81ED-4DB2-BD59-A6C34878D82A}">
+                    <a16:rowId xmlns:a16="http://schemas.microsoft.com/office/drawing/2014/main" val="1215178911"/>
+                  </a:ext>
+                </a:extLst>
+              </a:tr>
+              <a:tr h="229140">
+                <a:tc>
+                  <a:txBody>
+                    <a:bodyPr/>
+                    <a:lstStyle/>
+                    <a:p>
+                      <a:pPr algn="ctr" fontAlgn="ctr"/>
+                      <a:r>
+                        <a:rPr lang="en-IN" sz="800" u="none" strike="noStrike">
+                          <a:effectLst/>
+                        </a:rPr>
+                        <a:t>7</a:t>
+                      </a:r>
+                      <a:endParaRPr lang="en-IN" sz="800" b="0" i="0" u="none" strike="noStrike">
+                        <a:solidFill>
+                          <a:srgbClr val="000000"/>
+                        </a:solidFill>
+                        <a:effectLst/>
+                        <a:latin typeface="Calibri" panose="020F0502020204030204" pitchFamily="34" charset="0"/>
+                      </a:endParaRPr>
+                    </a:p>
+                  </a:txBody>
+                  <a:tcPr marL="5622" marR="5622" marT="5622" marB="0" anchor="ctr"/>
                 </a:tc>
                 <a:tc>
                   <a:txBody>
                     <a:bodyPr/>
                     <a:lstStyle/>
                     <a:p>
-                      <a:pPr algn="ctr" fontAlgn="b"/>
+                      <a:pPr algn="ctr" fontAlgn="ctr"/>
                       <a:r>
-                        <a:rPr lang="en-IN" sz="1050" b="0" u="none" strike="noStrike" dirty="0">
-                          <a:solidFill>
-                            <a:schemeClr val="bg1">
-                              <a:lumMod val="50000"/>
-                            </a:schemeClr>
-                          </a:solidFill>
+                        <a:rPr lang="en-IN" sz="800" u="none" strike="noStrike">
+                          <a:effectLst/>
+                        </a:rPr>
+                        <a:t>Manhattan Lux Loft.Like.Love.Lots.Look !</a:t>
+                      </a:r>
+                      <a:endParaRPr lang="en-IN" sz="800" b="0" i="0" u="none" strike="noStrike">
+                        <a:solidFill>
+                          <a:srgbClr val="000000"/>
+                        </a:solidFill>
+                        <a:effectLst/>
+                        <a:latin typeface="Calibri" panose="020F0502020204030204" pitchFamily="34" charset="0"/>
+                      </a:endParaRPr>
+                    </a:p>
+                  </a:txBody>
+                  <a:tcPr marL="5622" marR="5622" marT="5622" marB="0" anchor="ctr"/>
+                </a:tc>
+                <a:tc>
+                  <a:txBody>
+                    <a:bodyPr/>
+                    <a:lstStyle/>
+                    <a:p>
+                      <a:pPr algn="ctr" fontAlgn="ctr"/>
+                      <a:r>
+                        <a:rPr lang="en-IN" sz="800" u="none" strike="noStrike">
+                          <a:effectLst/>
+                        </a:rPr>
+                        <a:t>Manhattan</a:t>
+                      </a:r>
+                      <a:endParaRPr lang="en-IN" sz="800" b="0" i="0" u="none" strike="noStrike">
+                        <a:solidFill>
+                          <a:srgbClr val="000000"/>
+                        </a:solidFill>
+                        <a:effectLst/>
+                        <a:latin typeface="Calibri" panose="020F0502020204030204" pitchFamily="34" charset="0"/>
+                      </a:endParaRPr>
+                    </a:p>
+                  </a:txBody>
+                  <a:tcPr marL="5622" marR="5622" marT="5622" marB="0" anchor="ctr"/>
+                </a:tc>
+                <a:tc>
+                  <a:txBody>
+                    <a:bodyPr/>
+                    <a:lstStyle/>
+                    <a:p>
+                      <a:pPr algn="ctr" fontAlgn="ctr"/>
+                      <a:r>
+                        <a:rPr lang="en-IN" sz="800" u="none" strike="noStrike">
+                          <a:effectLst/>
+                        </a:rPr>
+                        <a:t>Lower East Side</a:t>
+                      </a:r>
+                      <a:endParaRPr lang="en-IN" sz="800" b="0" i="0" u="none" strike="noStrike">
+                        <a:solidFill>
+                          <a:srgbClr val="000000"/>
+                        </a:solidFill>
+                        <a:effectLst/>
+                        <a:latin typeface="Calibri" panose="020F0502020204030204" pitchFamily="34" charset="0"/>
+                      </a:endParaRPr>
+                    </a:p>
+                  </a:txBody>
+                  <a:tcPr marL="5622" marR="5622" marT="5622" marB="0" anchor="ctr"/>
+                </a:tc>
+                <a:extLst>
+                  <a:ext uri="{0D108BD9-81ED-4DB2-BD59-A6C34878D82A}">
+                    <a16:rowId xmlns:a16="http://schemas.microsoft.com/office/drawing/2014/main" val="1090669053"/>
+                  </a:ext>
+                </a:extLst>
+              </a:tr>
+              <a:tr h="229140">
+                <a:tc>
+                  <a:txBody>
+                    <a:bodyPr/>
+                    <a:lstStyle/>
+                    <a:p>
+                      <a:pPr algn="ctr" fontAlgn="ctr"/>
+                      <a:r>
+                        <a:rPr lang="en-IN" sz="800" u="none" strike="noStrike">
+                          <a:effectLst/>
+                        </a:rPr>
+                        <a:t>8</a:t>
+                      </a:r>
+                      <a:endParaRPr lang="en-IN" sz="800" b="0" i="0" u="none" strike="noStrike">
+                        <a:solidFill>
+                          <a:srgbClr val="000000"/>
+                        </a:solidFill>
+                        <a:effectLst/>
+                        <a:latin typeface="Calibri" panose="020F0502020204030204" pitchFamily="34" charset="0"/>
+                      </a:endParaRPr>
+                    </a:p>
+                  </a:txBody>
+                  <a:tcPr marL="5622" marR="5622" marT="5622" marB="0" anchor="ctr"/>
+                </a:tc>
+                <a:tc>
+                  <a:txBody>
+                    <a:bodyPr/>
+                    <a:lstStyle/>
+                    <a:p>
+                      <a:pPr algn="ctr" fontAlgn="ctr"/>
+                      <a:r>
+                        <a:rPr lang="en-US" sz="800" u="none" strike="noStrike">
+                          <a:effectLst/>
+                        </a:rPr>
+                        <a:t>Cozy Room Family Home LGA Airport NO CLEANING FEE</a:t>
+                      </a:r>
+                      <a:endParaRPr lang="en-US" sz="800" b="0" i="0" u="none" strike="noStrike">
+                        <a:solidFill>
+                          <a:srgbClr val="000000"/>
+                        </a:solidFill>
+                        <a:effectLst/>
+                        <a:latin typeface="Calibri" panose="020F0502020204030204" pitchFamily="34" charset="0"/>
+                      </a:endParaRPr>
+                    </a:p>
+                  </a:txBody>
+                  <a:tcPr marL="5622" marR="5622" marT="5622" marB="0" anchor="ctr"/>
+                </a:tc>
+                <a:tc>
+                  <a:txBody>
+                    <a:bodyPr/>
+                    <a:lstStyle/>
+                    <a:p>
+                      <a:pPr algn="ctr" fontAlgn="ctr"/>
+                      <a:r>
+                        <a:rPr lang="en-IN" sz="800" u="none" strike="noStrike">
+                          <a:effectLst/>
+                        </a:rPr>
+                        <a:t>Queens</a:t>
+                      </a:r>
+                      <a:endParaRPr lang="en-IN" sz="800" b="0" i="0" u="none" strike="noStrike">
+                        <a:solidFill>
+                          <a:srgbClr val="000000"/>
+                        </a:solidFill>
+                        <a:effectLst/>
+                        <a:latin typeface="Calibri" panose="020F0502020204030204" pitchFamily="34" charset="0"/>
+                      </a:endParaRPr>
+                    </a:p>
+                  </a:txBody>
+                  <a:tcPr marL="5622" marR="5622" marT="5622" marB="0" anchor="ctr"/>
+                </a:tc>
+                <a:tc>
+                  <a:txBody>
+                    <a:bodyPr/>
+                    <a:lstStyle/>
+                    <a:p>
+                      <a:pPr algn="ctr" fontAlgn="ctr"/>
+                      <a:r>
+                        <a:rPr lang="en-IN" sz="800" u="none" strike="noStrike">
+                          <a:effectLst/>
+                        </a:rPr>
+                        <a:t>East Elmhurst</a:t>
+                      </a:r>
+                      <a:endParaRPr lang="en-IN" sz="800" b="0" i="0" u="none" strike="noStrike">
+                        <a:solidFill>
+                          <a:srgbClr val="000000"/>
+                        </a:solidFill>
+                        <a:effectLst/>
+                        <a:latin typeface="Calibri" panose="020F0502020204030204" pitchFamily="34" charset="0"/>
+                      </a:endParaRPr>
+                    </a:p>
+                  </a:txBody>
+                  <a:tcPr marL="5622" marR="5622" marT="5622" marB="0" anchor="ctr"/>
+                </a:tc>
+                <a:extLst>
+                  <a:ext uri="{0D108BD9-81ED-4DB2-BD59-A6C34878D82A}">
+                    <a16:rowId xmlns:a16="http://schemas.microsoft.com/office/drawing/2014/main" val="1690186256"/>
+                  </a:ext>
+                </a:extLst>
+              </a:tr>
+              <a:tr h="229140">
+                <a:tc>
+                  <a:txBody>
+                    <a:bodyPr/>
+                    <a:lstStyle/>
+                    <a:p>
+                      <a:pPr algn="ctr" fontAlgn="ctr"/>
+                      <a:r>
+                        <a:rPr lang="en-IN" sz="800" u="none" strike="noStrike">
+                          <a:effectLst/>
+                        </a:rPr>
+                        <a:t>9</a:t>
+                      </a:r>
+                      <a:endParaRPr lang="en-IN" sz="800" b="0" i="0" u="none" strike="noStrike">
+                        <a:solidFill>
+                          <a:srgbClr val="000000"/>
+                        </a:solidFill>
+                        <a:effectLst/>
+                        <a:latin typeface="Calibri" panose="020F0502020204030204" pitchFamily="34" charset="0"/>
+                      </a:endParaRPr>
+                    </a:p>
+                  </a:txBody>
+                  <a:tcPr marL="5622" marR="5622" marT="5622" marB="0" anchor="ctr"/>
+                </a:tc>
+                <a:tc>
+                  <a:txBody>
+                    <a:bodyPr/>
+                    <a:lstStyle/>
+                    <a:p>
+                      <a:pPr algn="ctr" fontAlgn="ctr"/>
+                      <a:r>
+                        <a:rPr lang="en-IN" sz="800" u="none" strike="noStrike">
+                          <a:effectLst/>
+                        </a:rPr>
+                        <a:t>Private brownstone studio Brooklyn</a:t>
+                      </a:r>
+                      <a:endParaRPr lang="en-IN" sz="800" b="0" i="0" u="none" strike="noStrike">
+                        <a:solidFill>
+                          <a:srgbClr val="000000"/>
+                        </a:solidFill>
+                        <a:effectLst/>
+                        <a:latin typeface="Calibri" panose="020F0502020204030204" pitchFamily="34" charset="0"/>
+                      </a:endParaRPr>
+                    </a:p>
+                  </a:txBody>
+                  <a:tcPr marL="5622" marR="5622" marT="5622" marB="0" anchor="ctr"/>
+                </a:tc>
+                <a:tc>
+                  <a:txBody>
+                    <a:bodyPr/>
+                    <a:lstStyle/>
+                    <a:p>
+                      <a:pPr algn="ctr" fontAlgn="ctr"/>
+                      <a:r>
+                        <a:rPr lang="en-IN" sz="800" u="none" strike="noStrike">
+                          <a:effectLst/>
+                        </a:rPr>
+                        <a:t>Brooklyn</a:t>
+                      </a:r>
+                      <a:endParaRPr lang="en-IN" sz="800" b="0" i="0" u="none" strike="noStrike">
+                        <a:solidFill>
+                          <a:srgbClr val="000000"/>
+                        </a:solidFill>
+                        <a:effectLst/>
+                        <a:latin typeface="Calibri" panose="020F0502020204030204" pitchFamily="34" charset="0"/>
+                      </a:endParaRPr>
+                    </a:p>
+                  </a:txBody>
+                  <a:tcPr marL="5622" marR="5622" marT="5622" marB="0" anchor="ctr"/>
+                </a:tc>
+                <a:tc>
+                  <a:txBody>
+                    <a:bodyPr/>
+                    <a:lstStyle/>
+                    <a:p>
+                      <a:pPr algn="ctr" fontAlgn="ctr"/>
+                      <a:r>
+                        <a:rPr lang="en-IN" sz="800" u="none" strike="noStrike">
+                          <a:effectLst/>
+                        </a:rPr>
+                        <a:t>Park Slope</a:t>
+                      </a:r>
+                      <a:endParaRPr lang="en-IN" sz="800" b="0" i="0" u="none" strike="noStrike">
+                        <a:solidFill>
+                          <a:srgbClr val="000000"/>
+                        </a:solidFill>
+                        <a:effectLst/>
+                        <a:latin typeface="Calibri" panose="020F0502020204030204" pitchFamily="34" charset="0"/>
+                      </a:endParaRPr>
+                    </a:p>
+                  </a:txBody>
+                  <a:tcPr marL="5622" marR="5622" marT="5622" marB="0" anchor="ctr"/>
+                </a:tc>
+                <a:extLst>
+                  <a:ext uri="{0D108BD9-81ED-4DB2-BD59-A6C34878D82A}">
+                    <a16:rowId xmlns:a16="http://schemas.microsoft.com/office/drawing/2014/main" val="821528533"/>
+                  </a:ext>
+                </a:extLst>
+              </a:tr>
+              <a:tr h="130793">
+                <a:tc>
+                  <a:txBody>
+                    <a:bodyPr/>
+                    <a:lstStyle/>
+                    <a:p>
+                      <a:pPr algn="ctr" fontAlgn="ctr"/>
+                      <a:r>
+                        <a:rPr lang="en-IN" sz="800" u="none" strike="noStrike">
+                          <a:effectLst/>
+                        </a:rPr>
+                        <a:t>10</a:t>
+                      </a:r>
+                      <a:endParaRPr lang="en-IN" sz="800" b="0" i="0" u="none" strike="noStrike">
+                        <a:solidFill>
+                          <a:srgbClr val="000000"/>
+                        </a:solidFill>
+                        <a:effectLst/>
+                        <a:latin typeface="Calibri" panose="020F0502020204030204" pitchFamily="34" charset="0"/>
+                      </a:endParaRPr>
+                    </a:p>
+                  </a:txBody>
+                  <a:tcPr marL="5622" marR="5622" marT="5622" marB="0" anchor="ctr"/>
+                </a:tc>
+                <a:tc>
+                  <a:txBody>
+                    <a:bodyPr/>
+                    <a:lstStyle/>
+                    <a:p>
+                      <a:pPr algn="ctr" fontAlgn="ctr"/>
+                      <a:r>
+                        <a:rPr lang="en-US" sz="800" u="none" strike="noStrike">
+                          <a:effectLst/>
+                        </a:rPr>
+                        <a:t>LG Private Room/Family Friendly</a:t>
+                      </a:r>
+                      <a:endParaRPr lang="en-US" sz="800" b="0" i="0" u="none" strike="noStrike">
+                        <a:solidFill>
+                          <a:srgbClr val="000000"/>
+                        </a:solidFill>
+                        <a:effectLst/>
+                        <a:latin typeface="Calibri" panose="020F0502020204030204" pitchFamily="34" charset="0"/>
+                      </a:endParaRPr>
+                    </a:p>
+                  </a:txBody>
+                  <a:tcPr marL="5622" marR="5622" marT="5622" marB="0" anchor="ctr"/>
+                </a:tc>
+                <a:tc>
+                  <a:txBody>
+                    <a:bodyPr/>
+                    <a:lstStyle/>
+                    <a:p>
+                      <a:pPr algn="ctr" fontAlgn="ctr"/>
+                      <a:r>
+                        <a:rPr lang="en-IN" sz="800" u="none" strike="noStrike">
+                          <a:effectLst/>
+                        </a:rPr>
+                        <a:t>Brooklyn</a:t>
+                      </a:r>
+                      <a:endParaRPr lang="en-IN" sz="800" b="0" i="0" u="none" strike="noStrike">
+                        <a:solidFill>
+                          <a:srgbClr val="000000"/>
+                        </a:solidFill>
+                        <a:effectLst/>
+                        <a:latin typeface="Calibri" panose="020F0502020204030204" pitchFamily="34" charset="0"/>
+                      </a:endParaRPr>
+                    </a:p>
+                  </a:txBody>
+                  <a:tcPr marL="5622" marR="5622" marT="5622" marB="0" anchor="ctr"/>
+                </a:tc>
+                <a:tc>
+                  <a:txBody>
+                    <a:bodyPr/>
+                    <a:lstStyle/>
+                    <a:p>
+                      <a:pPr algn="ctr" fontAlgn="ctr"/>
+                      <a:r>
+                        <a:rPr lang="en-IN" sz="800" u="none" strike="noStrike">
                           <a:effectLst/>
                         </a:rPr>
                         <a:t>Bushwick</a:t>
                       </a:r>
-                      <a:endParaRPr lang="en-IN" sz="1050" b="0" i="0" u="none" strike="noStrike" dirty="0">
+                      <a:endParaRPr lang="en-IN" sz="800" b="0" i="0" u="none" strike="noStrike">
                         <a:solidFill>
-                          <a:schemeClr val="bg1">
-                            <a:lumMod val="50000"/>
-                          </a:schemeClr>
+                          <a:srgbClr val="000000"/>
                         </a:solidFill>
                         <a:effectLst/>
-                        <a:latin typeface="Times New Roman" panose="02020603050405020304" pitchFamily="18" charset="0"/>
-                        <a:cs typeface="Times New Roman" panose="02020603050405020304" pitchFamily="18" charset="0"/>
+                        <a:latin typeface="Calibri" panose="020F0502020204030204" pitchFamily="34" charset="0"/>
                       </a:endParaRPr>
                     </a:p>
                   </a:txBody>
-                  <a:tcPr marL="7620" marR="7620" marT="7620" marB="0" anchor="ctr"/>
+                  <a:tcPr marL="5622" marR="5622" marT="5622" marB="0" anchor="ctr"/>
                 </a:tc>
                 <a:extLst>
                   <a:ext uri="{0D108BD9-81ED-4DB2-BD59-A6C34878D82A}">
-                    <a16:rowId xmlns:a16="http://schemas.microsoft.com/office/drawing/2014/main" val="593048718"/>
+                    <a16:rowId xmlns:a16="http://schemas.microsoft.com/office/drawing/2014/main" val="4282585670"/>
+                  </a:ext>
+                </a:extLst>
+              </a:tr>
+              <a:tr h="158752">
+                <a:tc>
+                  <a:txBody>
+                    <a:bodyPr/>
+                    <a:lstStyle/>
+                    <a:p>
+                      <a:pPr algn="ctr" fontAlgn="ctr"/>
+                      <a:r>
+                        <a:rPr lang="en-IN" sz="800" u="none" strike="noStrike">
+                          <a:effectLst/>
+                        </a:rPr>
+                        <a:t>11</a:t>
+                      </a:r>
+                      <a:endParaRPr lang="en-IN" sz="800" b="0" i="0" u="none" strike="noStrike">
+                        <a:solidFill>
+                          <a:srgbClr val="000000"/>
+                        </a:solidFill>
+                        <a:effectLst/>
+                        <a:latin typeface="Calibri" panose="020F0502020204030204" pitchFamily="34" charset="0"/>
+                      </a:endParaRPr>
+                    </a:p>
+                  </a:txBody>
+                  <a:tcPr marL="5622" marR="5622" marT="5622" marB="0" anchor="ctr"/>
+                </a:tc>
+                <a:tc>
+                  <a:txBody>
+                    <a:bodyPr/>
+                    <a:lstStyle/>
+                    <a:p>
+                      <a:pPr algn="ctr" fontAlgn="ctr"/>
+                      <a:r>
+                        <a:rPr lang="en-US" sz="800" u="none" strike="noStrike" dirty="0">
+                          <a:effectLst/>
+                        </a:rPr>
+                        <a:t>My Little Guest Room in Flushing</a:t>
+                      </a:r>
+                      <a:endParaRPr lang="en-US" sz="800" b="0" i="0" u="none" strike="noStrike" dirty="0">
+                        <a:solidFill>
+                          <a:srgbClr val="000000"/>
+                        </a:solidFill>
+                        <a:effectLst/>
+                        <a:latin typeface="Calibri" panose="020F0502020204030204" pitchFamily="34" charset="0"/>
+                      </a:endParaRPr>
+                    </a:p>
+                  </a:txBody>
+                  <a:tcPr marL="5622" marR="5622" marT="5622" marB="0" anchor="ctr"/>
+                </a:tc>
+                <a:tc>
+                  <a:txBody>
+                    <a:bodyPr/>
+                    <a:lstStyle/>
+                    <a:p>
+                      <a:pPr algn="ctr" fontAlgn="ctr"/>
+                      <a:r>
+                        <a:rPr lang="en-IN" sz="800" u="none" strike="noStrike">
+                          <a:effectLst/>
+                        </a:rPr>
+                        <a:t>Queens</a:t>
+                      </a:r>
+                      <a:endParaRPr lang="en-IN" sz="800" b="0" i="0" u="none" strike="noStrike">
+                        <a:solidFill>
+                          <a:srgbClr val="000000"/>
+                        </a:solidFill>
+                        <a:effectLst/>
+                        <a:latin typeface="Calibri" panose="020F0502020204030204" pitchFamily="34" charset="0"/>
+                      </a:endParaRPr>
+                    </a:p>
+                  </a:txBody>
+                  <a:tcPr marL="5622" marR="5622" marT="5622" marB="0" anchor="ctr"/>
+                </a:tc>
+                <a:tc>
+                  <a:txBody>
+                    <a:bodyPr/>
+                    <a:lstStyle/>
+                    <a:p>
+                      <a:pPr algn="ctr" fontAlgn="ctr"/>
+                      <a:r>
+                        <a:rPr lang="en-IN" sz="800" u="none" strike="noStrike">
+                          <a:effectLst/>
+                        </a:rPr>
+                        <a:t>Flushing</a:t>
+                      </a:r>
+                      <a:endParaRPr lang="en-IN" sz="800" b="0" i="0" u="none" strike="noStrike">
+                        <a:solidFill>
+                          <a:srgbClr val="000000"/>
+                        </a:solidFill>
+                        <a:effectLst/>
+                        <a:latin typeface="Calibri" panose="020F0502020204030204" pitchFamily="34" charset="0"/>
+                      </a:endParaRPr>
+                    </a:p>
+                  </a:txBody>
+                  <a:tcPr marL="5622" marR="5622" marT="5622" marB="0" anchor="ctr"/>
+                </a:tc>
+                <a:extLst>
+                  <a:ext uri="{0D108BD9-81ED-4DB2-BD59-A6C34878D82A}">
+                    <a16:rowId xmlns:a16="http://schemas.microsoft.com/office/drawing/2014/main" val="2509929493"/>
+                  </a:ext>
+                </a:extLst>
+              </a:tr>
+              <a:tr h="117152">
+                <a:tc>
+                  <a:txBody>
+                    <a:bodyPr/>
+                    <a:lstStyle/>
+                    <a:p>
+                      <a:pPr algn="ctr" fontAlgn="ctr"/>
+                      <a:r>
+                        <a:rPr lang="en-IN" sz="800" u="none" strike="noStrike">
+                          <a:effectLst/>
+                        </a:rPr>
+                        <a:t>12</a:t>
+                      </a:r>
+                      <a:endParaRPr lang="en-IN" sz="800" b="0" i="0" u="none" strike="noStrike">
+                        <a:solidFill>
+                          <a:srgbClr val="000000"/>
+                        </a:solidFill>
+                        <a:effectLst/>
+                        <a:latin typeface="Calibri" panose="020F0502020204030204" pitchFamily="34" charset="0"/>
+                      </a:endParaRPr>
+                    </a:p>
+                  </a:txBody>
+                  <a:tcPr marL="5622" marR="5622" marT="5622" marB="0" anchor="ctr"/>
+                </a:tc>
+                <a:tc>
+                  <a:txBody>
+                    <a:bodyPr/>
+                    <a:lstStyle/>
+                    <a:p>
+                      <a:pPr algn="ctr" fontAlgn="ctr"/>
+                      <a:r>
+                        <a:rPr lang="en-US" sz="800" u="none" strike="noStrike">
+                          <a:effectLst/>
+                        </a:rPr>
+                        <a:t>Park Slope Green Guest House</a:t>
+                      </a:r>
+                      <a:endParaRPr lang="en-US" sz="800" b="0" i="0" u="none" strike="noStrike">
+                        <a:solidFill>
+                          <a:srgbClr val="000000"/>
+                        </a:solidFill>
+                        <a:effectLst/>
+                        <a:latin typeface="Calibri" panose="020F0502020204030204" pitchFamily="34" charset="0"/>
+                      </a:endParaRPr>
+                    </a:p>
+                  </a:txBody>
+                  <a:tcPr marL="5622" marR="5622" marT="5622" marB="0" anchor="ctr"/>
+                </a:tc>
+                <a:tc>
+                  <a:txBody>
+                    <a:bodyPr/>
+                    <a:lstStyle/>
+                    <a:p>
+                      <a:pPr algn="ctr" fontAlgn="ctr"/>
+                      <a:r>
+                        <a:rPr lang="en-IN" sz="800" u="none" strike="noStrike">
+                          <a:effectLst/>
+                        </a:rPr>
+                        <a:t>Brooklyn</a:t>
+                      </a:r>
+                      <a:endParaRPr lang="en-IN" sz="800" b="0" i="0" u="none" strike="noStrike">
+                        <a:solidFill>
+                          <a:srgbClr val="000000"/>
+                        </a:solidFill>
+                        <a:effectLst/>
+                        <a:latin typeface="Calibri" panose="020F0502020204030204" pitchFamily="34" charset="0"/>
+                      </a:endParaRPr>
+                    </a:p>
+                  </a:txBody>
+                  <a:tcPr marL="5622" marR="5622" marT="5622" marB="0" anchor="ctr"/>
+                </a:tc>
+                <a:tc>
+                  <a:txBody>
+                    <a:bodyPr/>
+                    <a:lstStyle/>
+                    <a:p>
+                      <a:pPr algn="ctr" fontAlgn="ctr"/>
+                      <a:r>
+                        <a:rPr lang="en-IN" sz="800" u="none" strike="noStrike">
+                          <a:effectLst/>
+                        </a:rPr>
+                        <a:t>South Slope</a:t>
+                      </a:r>
+                      <a:endParaRPr lang="en-IN" sz="800" b="0" i="0" u="none" strike="noStrike">
+                        <a:solidFill>
+                          <a:srgbClr val="000000"/>
+                        </a:solidFill>
+                        <a:effectLst/>
+                        <a:latin typeface="Calibri" panose="020F0502020204030204" pitchFamily="34" charset="0"/>
+                      </a:endParaRPr>
+                    </a:p>
+                  </a:txBody>
+                  <a:tcPr marL="5622" marR="5622" marT="5622" marB="0" anchor="ctr"/>
+                </a:tc>
+                <a:extLst>
+                  <a:ext uri="{0D108BD9-81ED-4DB2-BD59-A6C34878D82A}">
+                    <a16:rowId xmlns:a16="http://schemas.microsoft.com/office/drawing/2014/main" val="1087146420"/>
+                  </a:ext>
+                </a:extLst>
+              </a:tr>
+              <a:tr h="158752">
+                <a:tc>
+                  <a:txBody>
+                    <a:bodyPr/>
+                    <a:lstStyle/>
+                    <a:p>
+                      <a:pPr algn="ctr" fontAlgn="ctr"/>
+                      <a:r>
+                        <a:rPr lang="en-IN" sz="800" u="none" strike="noStrike">
+                          <a:effectLst/>
+                        </a:rPr>
+                        <a:t>13</a:t>
+                      </a:r>
+                      <a:endParaRPr lang="en-IN" sz="800" b="0" i="0" u="none" strike="noStrike">
+                        <a:solidFill>
+                          <a:srgbClr val="000000"/>
+                        </a:solidFill>
+                        <a:effectLst/>
+                        <a:latin typeface="Calibri" panose="020F0502020204030204" pitchFamily="34" charset="0"/>
+                      </a:endParaRPr>
+                    </a:p>
+                  </a:txBody>
+                  <a:tcPr marL="5622" marR="5622" marT="5622" marB="0" anchor="ctr"/>
+                </a:tc>
+                <a:tc>
+                  <a:txBody>
+                    <a:bodyPr/>
+                    <a:lstStyle/>
+                    <a:p>
+                      <a:pPr algn="ctr" fontAlgn="ctr"/>
+                      <a:r>
+                        <a:rPr lang="en-US" sz="800" u="none" strike="noStrike">
+                          <a:effectLst/>
+                        </a:rPr>
+                        <a:t>Bright LARGE BED near Manhattan</a:t>
+                      </a:r>
+                      <a:endParaRPr lang="en-US" sz="800" b="0" i="0" u="none" strike="noStrike">
+                        <a:solidFill>
+                          <a:srgbClr val="000000"/>
+                        </a:solidFill>
+                        <a:effectLst/>
+                        <a:latin typeface="Calibri" panose="020F0502020204030204" pitchFamily="34" charset="0"/>
+                      </a:endParaRPr>
+                    </a:p>
+                  </a:txBody>
+                  <a:tcPr marL="5622" marR="5622" marT="5622" marB="0" anchor="ctr"/>
+                </a:tc>
+                <a:tc>
+                  <a:txBody>
+                    <a:bodyPr/>
+                    <a:lstStyle/>
+                    <a:p>
+                      <a:pPr algn="ctr" fontAlgn="ctr"/>
+                      <a:r>
+                        <a:rPr lang="en-IN" sz="800" u="none" strike="noStrike">
+                          <a:effectLst/>
+                        </a:rPr>
+                        <a:t>Queens</a:t>
+                      </a:r>
+                      <a:endParaRPr lang="en-IN" sz="800" b="0" i="0" u="none" strike="noStrike">
+                        <a:solidFill>
+                          <a:srgbClr val="000000"/>
+                        </a:solidFill>
+                        <a:effectLst/>
+                        <a:latin typeface="Calibri" panose="020F0502020204030204" pitchFamily="34" charset="0"/>
+                      </a:endParaRPr>
+                    </a:p>
+                  </a:txBody>
+                  <a:tcPr marL="5622" marR="5622" marT="5622" marB="0" anchor="ctr"/>
+                </a:tc>
+                <a:tc>
+                  <a:txBody>
+                    <a:bodyPr/>
+                    <a:lstStyle/>
+                    <a:p>
+                      <a:pPr algn="ctr" fontAlgn="ctr"/>
+                      <a:r>
+                        <a:rPr lang="en-IN" sz="800" u="none" strike="noStrike">
+                          <a:effectLst/>
+                        </a:rPr>
+                        <a:t>East Elmhurst</a:t>
+                      </a:r>
+                      <a:endParaRPr lang="en-IN" sz="800" b="0" i="0" u="none" strike="noStrike">
+                        <a:solidFill>
+                          <a:srgbClr val="000000"/>
+                        </a:solidFill>
+                        <a:effectLst/>
+                        <a:latin typeface="Calibri" panose="020F0502020204030204" pitchFamily="34" charset="0"/>
+                      </a:endParaRPr>
+                    </a:p>
+                  </a:txBody>
+                  <a:tcPr marL="5622" marR="5622" marT="5622" marB="0" anchor="ctr"/>
+                </a:tc>
+                <a:extLst>
+                  <a:ext uri="{0D108BD9-81ED-4DB2-BD59-A6C34878D82A}">
+                    <a16:rowId xmlns:a16="http://schemas.microsoft.com/office/drawing/2014/main" val="1542666216"/>
+                  </a:ext>
+                </a:extLst>
+              </a:tr>
+              <a:tr h="229140">
+                <a:tc>
+                  <a:txBody>
+                    <a:bodyPr/>
+                    <a:lstStyle/>
+                    <a:p>
+                      <a:pPr algn="ctr" fontAlgn="ctr"/>
+                      <a:r>
+                        <a:rPr lang="en-IN" sz="800" u="none" strike="noStrike">
+                          <a:effectLst/>
+                        </a:rPr>
+                        <a:t>14</a:t>
+                      </a:r>
+                      <a:endParaRPr lang="en-IN" sz="800" b="0" i="0" u="none" strike="noStrike">
+                        <a:solidFill>
+                          <a:srgbClr val="000000"/>
+                        </a:solidFill>
+                        <a:effectLst/>
+                        <a:latin typeface="Calibri" panose="020F0502020204030204" pitchFamily="34" charset="0"/>
+                      </a:endParaRPr>
+                    </a:p>
+                  </a:txBody>
+                  <a:tcPr marL="5622" marR="5622" marT="5622" marB="0" anchor="ctr"/>
+                </a:tc>
+                <a:tc>
+                  <a:txBody>
+                    <a:bodyPr/>
+                    <a:lstStyle/>
+                    <a:p>
+                      <a:pPr algn="ctr" fontAlgn="ctr"/>
+                      <a:r>
+                        <a:rPr lang="en-US" sz="800" u="none" strike="noStrike">
+                          <a:effectLst/>
+                        </a:rPr>
+                        <a:t>Only Steps away from LaGuardia arpt</a:t>
+                      </a:r>
+                      <a:endParaRPr lang="en-US" sz="800" b="0" i="0" u="none" strike="noStrike">
+                        <a:solidFill>
+                          <a:srgbClr val="000000"/>
+                        </a:solidFill>
+                        <a:effectLst/>
+                        <a:latin typeface="Calibri" panose="020F0502020204030204" pitchFamily="34" charset="0"/>
+                      </a:endParaRPr>
+                    </a:p>
+                  </a:txBody>
+                  <a:tcPr marL="5622" marR="5622" marT="5622" marB="0" anchor="ctr"/>
+                </a:tc>
+                <a:tc>
+                  <a:txBody>
+                    <a:bodyPr/>
+                    <a:lstStyle/>
+                    <a:p>
+                      <a:pPr algn="ctr" fontAlgn="ctr"/>
+                      <a:r>
+                        <a:rPr lang="en-IN" sz="800" u="none" strike="noStrike">
+                          <a:effectLst/>
+                        </a:rPr>
+                        <a:t>Queens</a:t>
+                      </a:r>
+                      <a:endParaRPr lang="en-IN" sz="800" b="0" i="0" u="none" strike="noStrike">
+                        <a:solidFill>
+                          <a:srgbClr val="000000"/>
+                        </a:solidFill>
+                        <a:effectLst/>
+                        <a:latin typeface="Calibri" panose="020F0502020204030204" pitchFamily="34" charset="0"/>
+                      </a:endParaRPr>
+                    </a:p>
+                  </a:txBody>
+                  <a:tcPr marL="5622" marR="5622" marT="5622" marB="0" anchor="ctr"/>
+                </a:tc>
+                <a:tc>
+                  <a:txBody>
+                    <a:bodyPr/>
+                    <a:lstStyle/>
+                    <a:p>
+                      <a:pPr algn="ctr" fontAlgn="ctr"/>
+                      <a:r>
+                        <a:rPr lang="en-IN" sz="800" u="none" strike="noStrike">
+                          <a:effectLst/>
+                        </a:rPr>
+                        <a:t>East Elmhurst</a:t>
+                      </a:r>
+                      <a:endParaRPr lang="en-IN" sz="800" b="0" i="0" u="none" strike="noStrike">
+                        <a:solidFill>
+                          <a:srgbClr val="000000"/>
+                        </a:solidFill>
+                        <a:effectLst/>
+                        <a:latin typeface="Calibri" panose="020F0502020204030204" pitchFamily="34" charset="0"/>
+                      </a:endParaRPr>
+                    </a:p>
+                  </a:txBody>
+                  <a:tcPr marL="5622" marR="5622" marT="5622" marB="0" anchor="ctr"/>
+                </a:tc>
+                <a:extLst>
+                  <a:ext uri="{0D108BD9-81ED-4DB2-BD59-A6C34878D82A}">
+                    <a16:rowId xmlns:a16="http://schemas.microsoft.com/office/drawing/2014/main" val="2728055797"/>
+                  </a:ext>
+                </a:extLst>
+              </a:tr>
+              <a:tr h="229140">
+                <a:tc>
+                  <a:txBody>
+                    <a:bodyPr/>
+                    <a:lstStyle/>
+                    <a:p>
+                      <a:pPr algn="ctr" fontAlgn="ctr"/>
+                      <a:r>
+                        <a:rPr lang="en-IN" sz="800" u="none" strike="noStrike">
+                          <a:effectLst/>
+                        </a:rPr>
+                        <a:t>15</a:t>
+                      </a:r>
+                      <a:endParaRPr lang="en-IN" sz="800" b="0" i="0" u="none" strike="noStrike">
+                        <a:solidFill>
+                          <a:srgbClr val="000000"/>
+                        </a:solidFill>
+                        <a:effectLst/>
+                        <a:latin typeface="Calibri" panose="020F0502020204030204" pitchFamily="34" charset="0"/>
+                      </a:endParaRPr>
+                    </a:p>
+                  </a:txBody>
+                  <a:tcPr marL="5622" marR="5622" marT="5622" marB="0" anchor="ctr"/>
+                </a:tc>
+                <a:tc>
+                  <a:txBody>
+                    <a:bodyPr/>
+                    <a:lstStyle/>
+                    <a:p>
+                      <a:pPr algn="ctr" fontAlgn="ctr"/>
+                      <a:r>
+                        <a:rPr lang="en-US" sz="800" u="none" strike="noStrike">
+                          <a:effectLst/>
+                        </a:rPr>
+                        <a:t>PRIVATE Room on Historic Sugar Hill</a:t>
+                      </a:r>
+                      <a:endParaRPr lang="en-US" sz="800" b="0" i="0" u="none" strike="noStrike">
+                        <a:solidFill>
+                          <a:srgbClr val="000000"/>
+                        </a:solidFill>
+                        <a:effectLst/>
+                        <a:latin typeface="Calibri" panose="020F0502020204030204" pitchFamily="34" charset="0"/>
+                      </a:endParaRPr>
+                    </a:p>
+                  </a:txBody>
+                  <a:tcPr marL="5622" marR="5622" marT="5622" marB="0" anchor="ctr"/>
+                </a:tc>
+                <a:tc>
+                  <a:txBody>
+                    <a:bodyPr/>
+                    <a:lstStyle/>
+                    <a:p>
+                      <a:pPr algn="ctr" fontAlgn="ctr"/>
+                      <a:r>
+                        <a:rPr lang="en-IN" sz="800" u="none" strike="noStrike">
+                          <a:effectLst/>
+                        </a:rPr>
+                        <a:t>Manhattan</a:t>
+                      </a:r>
+                      <a:endParaRPr lang="en-IN" sz="800" b="0" i="0" u="none" strike="noStrike">
+                        <a:solidFill>
+                          <a:srgbClr val="000000"/>
+                        </a:solidFill>
+                        <a:effectLst/>
+                        <a:latin typeface="Calibri" panose="020F0502020204030204" pitchFamily="34" charset="0"/>
+                      </a:endParaRPr>
+                    </a:p>
+                  </a:txBody>
+                  <a:tcPr marL="5622" marR="5622" marT="5622" marB="0" anchor="ctr"/>
+                </a:tc>
+                <a:tc>
+                  <a:txBody>
+                    <a:bodyPr/>
+                    <a:lstStyle/>
+                    <a:p>
+                      <a:pPr algn="ctr" fontAlgn="ctr"/>
+                      <a:r>
+                        <a:rPr lang="en-IN" sz="800" u="none" strike="noStrike">
+                          <a:effectLst/>
+                        </a:rPr>
+                        <a:t>Harlem</a:t>
+                      </a:r>
+                      <a:endParaRPr lang="en-IN" sz="800" b="0" i="0" u="none" strike="noStrike">
+                        <a:solidFill>
+                          <a:srgbClr val="000000"/>
+                        </a:solidFill>
+                        <a:effectLst/>
+                        <a:latin typeface="Calibri" panose="020F0502020204030204" pitchFamily="34" charset="0"/>
+                      </a:endParaRPr>
+                    </a:p>
+                  </a:txBody>
+                  <a:tcPr marL="5622" marR="5622" marT="5622" marB="0" anchor="ctr"/>
+                </a:tc>
+                <a:extLst>
+                  <a:ext uri="{0D108BD9-81ED-4DB2-BD59-A6C34878D82A}">
+                    <a16:rowId xmlns:a16="http://schemas.microsoft.com/office/drawing/2014/main" val="1807220087"/>
+                  </a:ext>
+                </a:extLst>
+              </a:tr>
+              <a:tr h="117152">
+                <a:tc>
+                  <a:txBody>
+                    <a:bodyPr/>
+                    <a:lstStyle/>
+                    <a:p>
+                      <a:pPr algn="ctr" fontAlgn="ctr"/>
+                      <a:r>
+                        <a:rPr lang="en-IN" sz="800" u="none" strike="noStrike">
+                          <a:effectLst/>
+                        </a:rPr>
+                        <a:t>16</a:t>
+                      </a:r>
+                      <a:endParaRPr lang="en-IN" sz="800" b="0" i="0" u="none" strike="noStrike">
+                        <a:solidFill>
+                          <a:srgbClr val="000000"/>
+                        </a:solidFill>
+                        <a:effectLst/>
+                        <a:latin typeface="Calibri" panose="020F0502020204030204" pitchFamily="34" charset="0"/>
+                      </a:endParaRPr>
+                    </a:p>
+                  </a:txBody>
+                  <a:tcPr marL="5622" marR="5622" marT="5622" marB="0" anchor="ctr"/>
+                </a:tc>
+                <a:tc>
+                  <a:txBody>
+                    <a:bodyPr/>
+                    <a:lstStyle/>
+                    <a:p>
+                      <a:pPr algn="ctr" fontAlgn="ctr"/>
+                      <a:r>
+                        <a:rPr lang="en-IN" sz="800" u="none" strike="noStrike">
+                          <a:effectLst/>
+                        </a:rPr>
+                        <a:t>yahmanscrashpads</a:t>
+                      </a:r>
+                      <a:endParaRPr lang="en-IN" sz="800" b="0" i="0" u="none" strike="noStrike">
+                        <a:solidFill>
+                          <a:srgbClr val="000000"/>
+                        </a:solidFill>
+                        <a:effectLst/>
+                        <a:latin typeface="Calibri" panose="020F0502020204030204" pitchFamily="34" charset="0"/>
+                      </a:endParaRPr>
+                    </a:p>
+                  </a:txBody>
+                  <a:tcPr marL="5622" marR="5622" marT="5622" marB="0" anchor="ctr"/>
+                </a:tc>
+                <a:tc>
+                  <a:txBody>
+                    <a:bodyPr/>
+                    <a:lstStyle/>
+                    <a:p>
+                      <a:pPr algn="ctr" fontAlgn="ctr"/>
+                      <a:r>
+                        <a:rPr lang="en-IN" sz="800" u="none" strike="noStrike">
+                          <a:effectLst/>
+                        </a:rPr>
+                        <a:t>Queens</a:t>
+                      </a:r>
+                      <a:endParaRPr lang="en-IN" sz="800" b="0" i="0" u="none" strike="noStrike">
+                        <a:solidFill>
+                          <a:srgbClr val="000000"/>
+                        </a:solidFill>
+                        <a:effectLst/>
+                        <a:latin typeface="Calibri" panose="020F0502020204030204" pitchFamily="34" charset="0"/>
+                      </a:endParaRPr>
+                    </a:p>
+                  </a:txBody>
+                  <a:tcPr marL="5622" marR="5622" marT="5622" marB="0" anchor="ctr"/>
+                </a:tc>
+                <a:tc>
+                  <a:txBody>
+                    <a:bodyPr/>
+                    <a:lstStyle/>
+                    <a:p>
+                      <a:pPr algn="ctr" fontAlgn="ctr"/>
+                      <a:r>
+                        <a:rPr lang="en-IN" sz="800" u="none" strike="noStrike">
+                          <a:effectLst/>
+                        </a:rPr>
+                        <a:t>Jamaica</a:t>
+                      </a:r>
+                      <a:endParaRPr lang="en-IN" sz="800" b="0" i="0" u="none" strike="noStrike">
+                        <a:solidFill>
+                          <a:srgbClr val="000000"/>
+                        </a:solidFill>
+                        <a:effectLst/>
+                        <a:latin typeface="Calibri" panose="020F0502020204030204" pitchFamily="34" charset="0"/>
+                      </a:endParaRPr>
+                    </a:p>
+                  </a:txBody>
+                  <a:tcPr marL="5622" marR="5622" marT="5622" marB="0" anchor="ctr"/>
+                </a:tc>
+                <a:extLst>
+                  <a:ext uri="{0D108BD9-81ED-4DB2-BD59-A6C34878D82A}">
+                    <a16:rowId xmlns:a16="http://schemas.microsoft.com/office/drawing/2014/main" val="2749995682"/>
+                  </a:ext>
+                </a:extLst>
+              </a:tr>
+              <a:tr h="130793">
+                <a:tc>
+                  <a:txBody>
+                    <a:bodyPr/>
+                    <a:lstStyle/>
+                    <a:p>
+                      <a:pPr algn="ctr" fontAlgn="ctr"/>
+                      <a:r>
+                        <a:rPr lang="en-IN" sz="800" u="none" strike="noStrike">
+                          <a:effectLst/>
+                        </a:rPr>
+                        <a:t>17</a:t>
+                      </a:r>
+                      <a:endParaRPr lang="en-IN" sz="800" b="0" i="0" u="none" strike="noStrike">
+                        <a:solidFill>
+                          <a:srgbClr val="000000"/>
+                        </a:solidFill>
+                        <a:effectLst/>
+                        <a:latin typeface="Calibri" panose="020F0502020204030204" pitchFamily="34" charset="0"/>
+                      </a:endParaRPr>
+                    </a:p>
+                  </a:txBody>
+                  <a:tcPr marL="5622" marR="5622" marT="5622" marB="0" anchor="ctr"/>
+                </a:tc>
+                <a:tc>
+                  <a:txBody>
+                    <a:bodyPr/>
+                    <a:lstStyle/>
+                    <a:p>
+                      <a:pPr algn="ctr" fontAlgn="ctr"/>
+                      <a:r>
+                        <a:rPr lang="en-US" sz="800" u="none" strike="noStrike">
+                          <a:effectLst/>
+                        </a:rPr>
+                        <a:t>Cozy Room in Lively East Village</a:t>
+                      </a:r>
+                      <a:endParaRPr lang="en-US" sz="800" b="0" i="0" u="none" strike="noStrike">
+                        <a:solidFill>
+                          <a:srgbClr val="000000"/>
+                        </a:solidFill>
+                        <a:effectLst/>
+                        <a:latin typeface="Calibri" panose="020F0502020204030204" pitchFamily="34" charset="0"/>
+                      </a:endParaRPr>
+                    </a:p>
+                  </a:txBody>
+                  <a:tcPr marL="5622" marR="5622" marT="5622" marB="0" anchor="ctr"/>
+                </a:tc>
+                <a:tc>
+                  <a:txBody>
+                    <a:bodyPr/>
+                    <a:lstStyle/>
+                    <a:p>
+                      <a:pPr algn="ctr" fontAlgn="ctr"/>
+                      <a:r>
+                        <a:rPr lang="en-IN" sz="800" u="none" strike="noStrike">
+                          <a:effectLst/>
+                        </a:rPr>
+                        <a:t>Manhattan</a:t>
+                      </a:r>
+                      <a:endParaRPr lang="en-IN" sz="800" b="0" i="0" u="none" strike="noStrike">
+                        <a:solidFill>
+                          <a:srgbClr val="000000"/>
+                        </a:solidFill>
+                        <a:effectLst/>
+                        <a:latin typeface="Calibri" panose="020F0502020204030204" pitchFamily="34" charset="0"/>
+                      </a:endParaRPr>
+                    </a:p>
+                  </a:txBody>
+                  <a:tcPr marL="5622" marR="5622" marT="5622" marB="0" anchor="ctr"/>
+                </a:tc>
+                <a:tc>
+                  <a:txBody>
+                    <a:bodyPr/>
+                    <a:lstStyle/>
+                    <a:p>
+                      <a:pPr algn="ctr" fontAlgn="ctr"/>
+                      <a:r>
+                        <a:rPr lang="en-IN" sz="800" u="none" strike="noStrike">
+                          <a:effectLst/>
+                        </a:rPr>
+                        <a:t>East Village</a:t>
+                      </a:r>
+                      <a:endParaRPr lang="en-IN" sz="800" b="0" i="0" u="none" strike="noStrike">
+                        <a:solidFill>
+                          <a:srgbClr val="000000"/>
+                        </a:solidFill>
+                        <a:effectLst/>
+                        <a:latin typeface="Calibri" panose="020F0502020204030204" pitchFamily="34" charset="0"/>
+                      </a:endParaRPr>
+                    </a:p>
+                  </a:txBody>
+                  <a:tcPr marL="5622" marR="5622" marT="5622" marB="0" anchor="ctr"/>
+                </a:tc>
+                <a:extLst>
+                  <a:ext uri="{0D108BD9-81ED-4DB2-BD59-A6C34878D82A}">
+                    <a16:rowId xmlns:a16="http://schemas.microsoft.com/office/drawing/2014/main" val="1293670102"/>
+                  </a:ext>
+                </a:extLst>
+              </a:tr>
+              <a:tr h="229140">
+                <a:tc>
+                  <a:txBody>
+                    <a:bodyPr/>
+                    <a:lstStyle/>
+                    <a:p>
+                      <a:pPr algn="ctr" fontAlgn="ctr"/>
+                      <a:r>
+                        <a:rPr lang="en-IN" sz="800" u="none" strike="noStrike">
+                          <a:effectLst/>
+                        </a:rPr>
+                        <a:t>18</a:t>
+                      </a:r>
+                      <a:endParaRPr lang="en-IN" sz="800" b="0" i="0" u="none" strike="noStrike">
+                        <a:solidFill>
+                          <a:srgbClr val="000000"/>
+                        </a:solidFill>
+                        <a:effectLst/>
+                        <a:latin typeface="Calibri" panose="020F0502020204030204" pitchFamily="34" charset="0"/>
+                      </a:endParaRPr>
+                    </a:p>
+                  </a:txBody>
+                  <a:tcPr marL="5622" marR="5622" marT="5622" marB="0" anchor="ctr"/>
+                </a:tc>
+                <a:tc>
+                  <a:txBody>
+                    <a:bodyPr/>
+                    <a:lstStyle/>
+                    <a:p>
+                      <a:pPr algn="ctr" fontAlgn="ctr"/>
+                      <a:r>
+                        <a:rPr lang="en-US" sz="800" u="none" strike="noStrike">
+                          <a:effectLst/>
+                        </a:rPr>
+                        <a:t>Room steps away from LaGuardia airport</a:t>
+                      </a:r>
+                      <a:endParaRPr lang="en-US" sz="800" b="0" i="0" u="none" strike="noStrike">
+                        <a:solidFill>
+                          <a:srgbClr val="000000"/>
+                        </a:solidFill>
+                        <a:effectLst/>
+                        <a:latin typeface="Calibri" panose="020F0502020204030204" pitchFamily="34" charset="0"/>
+                      </a:endParaRPr>
+                    </a:p>
+                  </a:txBody>
+                  <a:tcPr marL="5622" marR="5622" marT="5622" marB="0" anchor="ctr"/>
+                </a:tc>
+                <a:tc>
+                  <a:txBody>
+                    <a:bodyPr/>
+                    <a:lstStyle/>
+                    <a:p>
+                      <a:pPr algn="ctr" fontAlgn="ctr"/>
+                      <a:r>
+                        <a:rPr lang="en-IN" sz="800" u="none" strike="noStrike">
+                          <a:effectLst/>
+                        </a:rPr>
+                        <a:t>Queens</a:t>
+                      </a:r>
+                      <a:endParaRPr lang="en-IN" sz="800" b="0" i="0" u="none" strike="noStrike">
+                        <a:solidFill>
+                          <a:srgbClr val="000000"/>
+                        </a:solidFill>
+                        <a:effectLst/>
+                        <a:latin typeface="Calibri" panose="020F0502020204030204" pitchFamily="34" charset="0"/>
+                      </a:endParaRPr>
+                    </a:p>
+                  </a:txBody>
+                  <a:tcPr marL="5622" marR="5622" marT="5622" marB="0" anchor="ctr"/>
+                </a:tc>
+                <a:tc>
+                  <a:txBody>
+                    <a:bodyPr/>
+                    <a:lstStyle/>
+                    <a:p>
+                      <a:pPr algn="ctr" fontAlgn="ctr"/>
+                      <a:r>
+                        <a:rPr lang="en-IN" sz="800" u="none" strike="noStrike">
+                          <a:effectLst/>
+                        </a:rPr>
+                        <a:t>East Elmhurst</a:t>
+                      </a:r>
+                      <a:endParaRPr lang="en-IN" sz="800" b="0" i="0" u="none" strike="noStrike">
+                        <a:solidFill>
+                          <a:srgbClr val="000000"/>
+                        </a:solidFill>
+                        <a:effectLst/>
+                        <a:latin typeface="Calibri" panose="020F0502020204030204" pitchFamily="34" charset="0"/>
+                      </a:endParaRPr>
+                    </a:p>
+                  </a:txBody>
+                  <a:tcPr marL="5622" marR="5622" marT="5622" marB="0" anchor="ctr"/>
+                </a:tc>
+                <a:extLst>
+                  <a:ext uri="{0D108BD9-81ED-4DB2-BD59-A6C34878D82A}">
+                    <a16:rowId xmlns:a16="http://schemas.microsoft.com/office/drawing/2014/main" val="2054414320"/>
+                  </a:ext>
+                </a:extLst>
+              </a:tr>
+              <a:tr h="158752">
+                <a:tc>
+                  <a:txBody>
+                    <a:bodyPr/>
+                    <a:lstStyle/>
+                    <a:p>
+                      <a:pPr algn="ctr" fontAlgn="ctr"/>
+                      <a:r>
+                        <a:rPr lang="en-IN" sz="800" u="none" strike="noStrike">
+                          <a:effectLst/>
+                        </a:rPr>
+                        <a:t>19</a:t>
+                      </a:r>
+                      <a:endParaRPr lang="en-IN" sz="800" b="0" i="0" u="none" strike="noStrike">
+                        <a:solidFill>
+                          <a:srgbClr val="000000"/>
+                        </a:solidFill>
+                        <a:effectLst/>
+                        <a:latin typeface="Calibri" panose="020F0502020204030204" pitchFamily="34" charset="0"/>
+                      </a:endParaRPr>
+                    </a:p>
+                  </a:txBody>
+                  <a:tcPr marL="5622" marR="5622" marT="5622" marB="0" anchor="ctr"/>
+                </a:tc>
+                <a:tc>
+                  <a:txBody>
+                    <a:bodyPr/>
+                    <a:lstStyle/>
+                    <a:p>
+                      <a:pPr algn="ctr" fontAlgn="ctr"/>
+                      <a:r>
+                        <a:rPr lang="it-IT" sz="800" u="none" strike="noStrike">
+                          <a:effectLst/>
+                        </a:rPr>
+                        <a:t>TriBeCa 2500 Sq Ft w/ Priv Elevator</a:t>
+                      </a:r>
+                      <a:endParaRPr lang="it-IT" sz="800" b="0" i="0" u="none" strike="noStrike">
+                        <a:solidFill>
+                          <a:srgbClr val="000000"/>
+                        </a:solidFill>
+                        <a:effectLst/>
+                        <a:latin typeface="Calibri" panose="020F0502020204030204" pitchFamily="34" charset="0"/>
+                      </a:endParaRPr>
+                    </a:p>
+                  </a:txBody>
+                  <a:tcPr marL="5622" marR="5622" marT="5622" marB="0" anchor="ctr"/>
+                </a:tc>
+                <a:tc>
+                  <a:txBody>
+                    <a:bodyPr/>
+                    <a:lstStyle/>
+                    <a:p>
+                      <a:pPr algn="ctr" fontAlgn="ctr"/>
+                      <a:r>
+                        <a:rPr lang="en-IN" sz="800" u="none" strike="noStrike" dirty="0">
+                          <a:effectLst/>
+                        </a:rPr>
+                        <a:t>Manhattan</a:t>
+                      </a:r>
+                      <a:endParaRPr lang="en-IN" sz="800" b="0" i="0" u="none" strike="noStrike" dirty="0">
+                        <a:solidFill>
+                          <a:srgbClr val="000000"/>
+                        </a:solidFill>
+                        <a:effectLst/>
+                        <a:latin typeface="Calibri" panose="020F0502020204030204" pitchFamily="34" charset="0"/>
+                      </a:endParaRPr>
+                    </a:p>
+                  </a:txBody>
+                  <a:tcPr marL="5622" marR="5622" marT="5622" marB="0" anchor="ctr"/>
+                </a:tc>
+                <a:tc>
+                  <a:txBody>
+                    <a:bodyPr/>
+                    <a:lstStyle/>
+                    <a:p>
+                      <a:pPr algn="ctr" fontAlgn="ctr"/>
+                      <a:r>
+                        <a:rPr lang="en-IN" sz="800" u="none" strike="noStrike" dirty="0">
+                          <a:effectLst/>
+                        </a:rPr>
+                        <a:t>Tribeca</a:t>
+                      </a:r>
+                      <a:endParaRPr lang="en-IN" sz="800" b="0" i="0" u="none" strike="noStrike" dirty="0">
+                        <a:solidFill>
+                          <a:srgbClr val="000000"/>
+                        </a:solidFill>
+                        <a:effectLst/>
+                        <a:latin typeface="Calibri" panose="020F0502020204030204" pitchFamily="34" charset="0"/>
+                      </a:endParaRPr>
+                    </a:p>
+                  </a:txBody>
+                  <a:tcPr marL="5622" marR="5622" marT="5622" marB="0" anchor="ctr"/>
+                </a:tc>
+                <a:extLst>
+                  <a:ext uri="{0D108BD9-81ED-4DB2-BD59-A6C34878D82A}">
+                    <a16:rowId xmlns:a16="http://schemas.microsoft.com/office/drawing/2014/main" val="3770792778"/>
                   </a:ext>
                 </a:extLst>
               </a:tr>
@@ -9008,7 +10746,7 @@
       </p:graphicFrame>
       <p:sp>
         <p:nvSpPr>
-          <p:cNvPr id="11" name="TextBox 10">
+          <p:cNvPr id="8" name="TextBox 7">
             <a:extLst>
               <a:ext uri="{FF2B5EF4-FFF2-40B4-BE49-F238E27FC236}">
                 <a16:creationId xmlns:a16="http://schemas.microsoft.com/office/drawing/2014/main" id="{0B6922F1-478D-2BD5-D4DF-766847BBB985}"/>
@@ -9020,8 +10758,8 @@
         </p:nvSpPr>
         <p:spPr>
           <a:xfrm>
-            <a:off x="7988645" y="1473538"/>
-            <a:ext cx="4089838" cy="307777"/>
+            <a:off x="7987586" y="2231488"/>
+            <a:ext cx="3856697" cy="276999"/>
           </a:xfrm>
           <a:prstGeom prst="rect">
             <a:avLst/>
@@ -9035,10 +10773,10 @@
           <a:lstStyle/>
           <a:p>
             <a:r>
-              <a:rPr lang="en-US" sz="1400" dirty="0"/>
-              <a:t>Top 10 Properties in New York by number of reviews</a:t>
+              <a:rPr lang="en-US" sz="1200" dirty="0"/>
+              <a:t>Name Top 20 Properties in New York by number of reviews</a:t>
             </a:r>
-            <a:endParaRPr lang="en-IN" sz="1400" dirty="0"/>
+            <a:endParaRPr lang="en-IN" sz="1200" dirty="0"/>
           </a:p>
         </p:txBody>
       </p:sp>
@@ -9055,172 +10793,7 @@
 </p:sld>
 </file>
 
-<file path=ppt/slides/slide11.xml><?xml version="1.0" encoding="utf-8"?>
-<p:sld xmlns:a="http://schemas.openxmlformats.org/drawingml/2006/main" xmlns:r="http://schemas.openxmlformats.org/officeDocument/2006/relationships" xmlns:p="http://schemas.openxmlformats.org/presentationml/2006/main">
-  <p:cSld>
-    <p:spTree>
-      <p:nvGrpSpPr>
-        <p:cNvPr id="1" name="">
-          <a:extLst>
-            <a:ext uri="{FF2B5EF4-FFF2-40B4-BE49-F238E27FC236}">
-              <a16:creationId xmlns:a16="http://schemas.microsoft.com/office/drawing/2014/main" id="{3088F35B-0763-AB65-CE51-BAF6B9DBC4D5}"/>
-            </a:ext>
-          </a:extLst>
-        </p:cNvPr>
-        <p:cNvGrpSpPr/>
-        <p:nvPr/>
-      </p:nvGrpSpPr>
-      <p:grpSpPr>
-        <a:xfrm>
-          <a:off x="0" y="0"/>
-          <a:ext cx="0" cy="0"/>
-          <a:chOff x="0" y="0"/>
-          <a:chExt cx="0" cy="0"/>
-        </a:xfrm>
-      </p:grpSpPr>
-      <p:sp>
-        <p:nvSpPr>
-          <p:cNvPr id="3" name="TextBox 2">
-            <a:extLst>
-              <a:ext uri="{FF2B5EF4-FFF2-40B4-BE49-F238E27FC236}">
-                <a16:creationId xmlns:a16="http://schemas.microsoft.com/office/drawing/2014/main" id="{08104845-322F-643D-AFB5-7D594F2D6085}"/>
-              </a:ext>
-            </a:extLst>
-          </p:cNvPr>
-          <p:cNvSpPr txBox="1"/>
-          <p:nvPr/>
-        </p:nvSpPr>
-        <p:spPr>
-          <a:xfrm>
-            <a:off x="3048778" y="2690336"/>
-            <a:ext cx="6097554" cy="1477328"/>
-          </a:xfrm>
-          <a:prstGeom prst="rect">
-            <a:avLst/>
-          </a:prstGeom>
-          <a:noFill/>
-        </p:spPr>
-        <p:txBody>
-          <a:bodyPr wrap="square">
-            <a:spAutoFit/>
-          </a:bodyPr>
-          <a:lstStyle/>
-          <a:p>
-            <a:r>
-              <a:rPr lang="en-US" b="1" dirty="0"/>
-              <a:t>Key Visuals</a:t>
-            </a:r>
-            <a:r>
-              <a:rPr lang="en-US" dirty="0"/>
-              <a:t>:</a:t>
-            </a:r>
-          </a:p>
-          <a:p>
-            <a:pPr>
-              <a:buFont typeface="Arial" panose="020B0604020202020204" pitchFamily="34" charset="0"/>
-              <a:buChar char="•"/>
-            </a:pPr>
-            <a:r>
-              <a:rPr lang="en-US" dirty="0"/>
-              <a:t>Clustered maps showing demand hotspots.</a:t>
-            </a:r>
-          </a:p>
-          <a:p>
-            <a:pPr>
-              <a:buFont typeface="Arial" panose="020B0604020202020204" pitchFamily="34" charset="0"/>
-              <a:buChar char="•"/>
-            </a:pPr>
-            <a:r>
-              <a:rPr lang="en-US" dirty="0"/>
-              <a:t>Charts showing the distribution of listings across host types.</a:t>
-            </a:r>
-          </a:p>
-          <a:p>
-            <a:pPr>
-              <a:buFont typeface="Arial" panose="020B0604020202020204" pitchFamily="34" charset="0"/>
-              <a:buChar char="•"/>
-            </a:pPr>
-            <a:r>
-              <a:rPr lang="en-US" dirty="0"/>
-              <a:t>Price sensitivity and preference visualizations for targeted pricing strategies.</a:t>
-            </a:r>
-          </a:p>
-        </p:txBody>
-      </p:sp>
-    </p:spTree>
-    <p:extLst>
-      <p:ext uri="{BB962C8B-B14F-4D97-AF65-F5344CB8AC3E}">
-        <p14:creationId xmlns:p14="http://schemas.microsoft.com/office/powerpoint/2010/main" val="1422611148"/>
-      </p:ext>
-    </p:extLst>
-  </p:cSld>
-  <p:clrMapOvr>
-    <a:masterClrMapping/>
-  </p:clrMapOvr>
-</p:sld>
-</file>
-
 <file path=ppt/slides/slide12.xml><?xml version="1.0" encoding="utf-8"?>
-<p:sld xmlns:a="http://schemas.openxmlformats.org/drawingml/2006/main" xmlns:r="http://schemas.openxmlformats.org/officeDocument/2006/relationships" xmlns:p="http://schemas.openxmlformats.org/presentationml/2006/main">
-  <p:cSld>
-    <p:spTree>
-      <p:nvGrpSpPr>
-        <p:cNvPr id="1" name=""/>
-        <p:cNvGrpSpPr/>
-        <p:nvPr/>
-      </p:nvGrpSpPr>
-      <p:grpSpPr>
-        <a:xfrm>
-          <a:off x="0" y="0"/>
-          <a:ext cx="0" cy="0"/>
-          <a:chOff x="0" y="0"/>
-          <a:chExt cx="0" cy="0"/>
-        </a:xfrm>
-      </p:grpSpPr>
-      <p:pic>
-        <p:nvPicPr>
-          <p:cNvPr id="3" name="Picture 2">
-            <a:extLst>
-              <a:ext uri="{FF2B5EF4-FFF2-40B4-BE49-F238E27FC236}">
-                <a16:creationId xmlns:a16="http://schemas.microsoft.com/office/drawing/2014/main" id="{B12F9729-580C-441E-50BA-B61762782852}"/>
-              </a:ext>
-            </a:extLst>
-          </p:cNvPr>
-          <p:cNvPicPr>
-            <a:picLocks noChangeAspect="1"/>
-          </p:cNvPicPr>
-          <p:nvPr/>
-        </p:nvPicPr>
-        <p:blipFill>
-          <a:blip r:embed="rId2"/>
-          <a:stretch>
-            <a:fillRect/>
-          </a:stretch>
-        </p:blipFill>
-        <p:spPr>
-          <a:xfrm>
-            <a:off x="495785" y="2095556"/>
-            <a:ext cx="5600215" cy="3103149"/>
-          </a:xfrm>
-          <a:prstGeom prst="rect">
-            <a:avLst/>
-          </a:prstGeom>
-        </p:spPr>
-      </p:pic>
-    </p:spTree>
-    <p:extLst>
-      <p:ext uri="{BB962C8B-B14F-4D97-AF65-F5344CB8AC3E}">
-        <p14:creationId xmlns:p14="http://schemas.microsoft.com/office/powerpoint/2010/main" val="1326083106"/>
-      </p:ext>
-    </p:extLst>
-  </p:cSld>
-  <p:clrMapOvr>
-    <a:masterClrMapping/>
-  </p:clrMapOvr>
-</p:sld>
-</file>
-
-<file path=ppt/slides/slide13.xml><?xml version="1.0" encoding="utf-8"?>
 <p:sld xmlns:a="http://schemas.openxmlformats.org/drawingml/2006/main" xmlns:r="http://schemas.openxmlformats.org/officeDocument/2006/relationships" xmlns:p="http://schemas.openxmlformats.org/presentationml/2006/main">
   <p:cSld>
     <p:spTree>
@@ -9257,8 +10830,8 @@
         </p:nvSpPr>
         <p:spPr>
           <a:xfrm>
-            <a:off x="4293123" y="184666"/>
-            <a:ext cx="3805849" cy="369332"/>
+            <a:off x="5637685" y="84950"/>
+            <a:ext cx="2464578" cy="369332"/>
           </a:xfrm>
           <a:prstGeom prst="rect">
             <a:avLst/>
@@ -9277,14 +10850,14 @@
               </a:spcAft>
             </a:pPr>
             <a:r>
-              <a:rPr lang="en-US" sz="1800" dirty="0">
+              <a:rPr lang="en-US" sz="1800" b="1" dirty="0">
                 <a:solidFill>
                   <a:srgbClr val="000000"/>
                 </a:solidFill>
                 <a:latin typeface="Times New Roman" panose="02020603050405020304" pitchFamily="18" charset="0"/>
                 <a:cs typeface="Times New Roman" panose="02020603050405020304" pitchFamily="18" charset="0"/>
               </a:rPr>
-              <a:t>Unpopular Properties with No Review</a:t>
+              <a:t>Unpopular Properties</a:t>
             </a:r>
           </a:p>
         </p:txBody>
@@ -9310,12 +10883,19 @@
         </p:blipFill>
         <p:spPr>
           <a:xfrm>
-            <a:off x="7906239" y="1285387"/>
+            <a:off x="8282553" y="2338287"/>
             <a:ext cx="3831624" cy="3874441"/>
           </a:xfrm>
           <a:prstGeom prst="rect">
             <a:avLst/>
           </a:prstGeom>
+          <a:ln>
+            <a:solidFill>
+              <a:schemeClr val="bg1">
+                <a:lumMod val="50000"/>
+              </a:schemeClr>
+            </a:solidFill>
+          </a:ln>
         </p:spPr>
       </p:pic>
       <p:pic>
@@ -9340,12 +10920,19 @@
         </p:blipFill>
         <p:spPr>
           <a:xfrm>
-            <a:off x="536216" y="650932"/>
-            <a:ext cx="6909612" cy="5837736"/>
+            <a:off x="208019" y="2304378"/>
+            <a:ext cx="4374764" cy="3696114"/>
           </a:xfrm>
           <a:prstGeom prst="rect">
             <a:avLst/>
           </a:prstGeom>
+          <a:ln>
+            <a:solidFill>
+              <a:schemeClr val="bg1">
+                <a:lumMod val="50000"/>
+              </a:schemeClr>
+            </a:solidFill>
+          </a:ln>
         </p:spPr>
       </p:pic>
       <p:sp>
@@ -9362,7 +10949,7 @@
         </p:nvSpPr>
         <p:spPr>
           <a:xfrm>
-            <a:off x="8376558" y="909572"/>
+            <a:off x="8494879" y="2072292"/>
             <a:ext cx="3279226" cy="261610"/>
           </a:xfrm>
           <a:prstGeom prst="rect">
@@ -9386,6 +10973,1890 @@
                 <a:cs typeface="Times New Roman" panose="02020603050405020304" pitchFamily="18" charset="0"/>
               </a:rPr>
               <a:t>Top 20 Unpopular Properties </a:t>
+            </a:r>
+            <a:endParaRPr lang="en-IN" sz="1100" dirty="0"/>
+          </a:p>
+        </p:txBody>
+      </p:sp>
+      <p:sp>
+        <p:nvSpPr>
+          <p:cNvPr id="13" name="TextBox 12">
+            <a:extLst>
+              <a:ext uri="{FF2B5EF4-FFF2-40B4-BE49-F238E27FC236}">
+                <a16:creationId xmlns:a16="http://schemas.microsoft.com/office/drawing/2014/main" id="{0E6F1579-7019-B208-6513-1BA2429E26DB}"/>
+              </a:ext>
+            </a:extLst>
+          </p:cNvPr>
+          <p:cNvSpPr txBox="1"/>
+          <p:nvPr/>
+        </p:nvSpPr>
+        <p:spPr>
+          <a:xfrm>
+            <a:off x="1362269" y="783771"/>
+            <a:ext cx="237566" cy="369332"/>
+          </a:xfrm>
+          <a:prstGeom prst="rect">
+            <a:avLst/>
+          </a:prstGeom>
+          <a:noFill/>
+        </p:spPr>
+        <p:txBody>
+          <a:bodyPr wrap="none" rtlCol="0">
+            <a:spAutoFit/>
+          </a:bodyPr>
+          <a:lstStyle/>
+          <a:p>
+            <a:r>
+              <a:rPr lang="en-US" dirty="0"/>
+              <a:t> </a:t>
+            </a:r>
+            <a:endParaRPr lang="en-IN" dirty="0"/>
+          </a:p>
+        </p:txBody>
+      </p:sp>
+      <p:sp>
+        <p:nvSpPr>
+          <p:cNvPr id="14" name="TextBox 13">
+            <a:extLst>
+              <a:ext uri="{FF2B5EF4-FFF2-40B4-BE49-F238E27FC236}">
+                <a16:creationId xmlns:a16="http://schemas.microsoft.com/office/drawing/2014/main" id="{B8BFD553-6D59-E5A1-E4E2-E601523AC4E8}"/>
+              </a:ext>
+            </a:extLst>
+          </p:cNvPr>
+          <p:cNvSpPr txBox="1"/>
+          <p:nvPr/>
+        </p:nvSpPr>
+        <p:spPr>
+          <a:xfrm>
+            <a:off x="4014064" y="645272"/>
+            <a:ext cx="6692858" cy="923330"/>
+          </a:xfrm>
+          <a:prstGeom prst="rect">
+            <a:avLst/>
+          </a:prstGeom>
+          <a:noFill/>
+        </p:spPr>
+        <p:txBody>
+          <a:bodyPr wrap="none" rtlCol="0">
+            <a:spAutoFit/>
+          </a:bodyPr>
+          <a:lstStyle/>
+          <a:p>
+            <a:pPr marL="285750" indent="-285750">
+              <a:buFont typeface="Arial" panose="020B0604020202020204" pitchFamily="34" charset="0"/>
+              <a:buChar char="•"/>
+            </a:pPr>
+            <a:r>
+              <a:rPr lang="en-US" dirty="0">
+                <a:solidFill>
+                  <a:srgbClr val="000000"/>
+                </a:solidFill>
+                <a:latin typeface="Times New Roman" panose="02020603050405020304" pitchFamily="18" charset="0"/>
+                <a:cs typeface="Times New Roman" panose="02020603050405020304" pitchFamily="18" charset="0"/>
+              </a:rPr>
+              <a:t>Sorted </a:t>
+            </a:r>
+            <a:r>
+              <a:rPr lang="en-US" sz="1800" dirty="0">
+                <a:solidFill>
+                  <a:srgbClr val="000000"/>
+                </a:solidFill>
+                <a:latin typeface="Times New Roman" panose="02020603050405020304" pitchFamily="18" charset="0"/>
+                <a:cs typeface="Times New Roman" panose="02020603050405020304" pitchFamily="18" charset="0"/>
+              </a:rPr>
+              <a:t>Unpopular Properties with No Review</a:t>
+            </a:r>
+          </a:p>
+          <a:p>
+            <a:pPr marL="285750" indent="-285750">
+              <a:buFont typeface="Arial" panose="020B0604020202020204" pitchFamily="34" charset="0"/>
+              <a:buChar char="•"/>
+            </a:pPr>
+            <a:r>
+              <a:rPr lang="en-US" dirty="0">
+                <a:solidFill>
+                  <a:srgbClr val="000000"/>
+                </a:solidFill>
+                <a:latin typeface="Times New Roman" panose="02020603050405020304" pitchFamily="18" charset="0"/>
+                <a:cs typeface="Times New Roman" panose="02020603050405020304" pitchFamily="18" charset="0"/>
+              </a:rPr>
+              <a:t>Total Number of unpopular properties 10050</a:t>
+            </a:r>
+          </a:p>
+          <a:p>
+            <a:pPr marL="285750" indent="-285750">
+              <a:buFont typeface="Arial" panose="020B0604020202020204" pitchFamily="34" charset="0"/>
+              <a:buChar char="•"/>
+            </a:pPr>
+            <a:r>
+              <a:rPr lang="en-US" sz="1800" dirty="0">
+                <a:solidFill>
+                  <a:srgbClr val="000000"/>
+                </a:solidFill>
+                <a:latin typeface="Times New Roman" panose="02020603050405020304" pitchFamily="18" charset="0"/>
+                <a:cs typeface="Times New Roman" panose="02020603050405020304" pitchFamily="18" charset="0"/>
+              </a:rPr>
+              <a:t>Localities with higher number of low review properties: Manhattan</a:t>
+            </a:r>
+          </a:p>
+        </p:txBody>
+      </p:sp>
+      <p:graphicFrame>
+        <p:nvGraphicFramePr>
+          <p:cNvPr id="2" name="Table 1">
+            <a:extLst>
+              <a:ext uri="{FF2B5EF4-FFF2-40B4-BE49-F238E27FC236}">
+                <a16:creationId xmlns:a16="http://schemas.microsoft.com/office/drawing/2014/main" id="{3C896946-4A54-6A84-3CF2-8758E298BDDF}"/>
+              </a:ext>
+            </a:extLst>
+          </p:cNvPr>
+          <p:cNvGraphicFramePr>
+            <a:graphicFrameLocks noGrp="1"/>
+          </p:cNvGraphicFramePr>
+          <p:nvPr>
+            <p:extLst>
+              <p:ext uri="{D42A27DB-BD31-4B8C-83A1-F6EECF244321}">
+                <p14:modId xmlns:p14="http://schemas.microsoft.com/office/powerpoint/2010/main" val="213723773"/>
+              </p:ext>
+            </p:extLst>
+          </p:nvPr>
+        </p:nvGraphicFramePr>
+        <p:xfrm>
+          <a:off x="4681766" y="2333902"/>
+          <a:ext cx="3420497" cy="3365028"/>
+        </p:xfrm>
+        <a:graphic>
+          <a:graphicData uri="http://schemas.openxmlformats.org/drawingml/2006/table">
+            <a:tbl>
+              <a:tblPr>
+                <a:tableStyleId>{073A0DAA-6AF3-43AB-8588-CEC1D06C72B9}</a:tableStyleId>
+              </a:tblPr>
+              <a:tblGrid>
+                <a:gridCol w="377434">
+                  <a:extLst>
+                    <a:ext uri="{9D8B030D-6E8A-4147-A177-3AD203B41FA5}">
+                      <a16:colId xmlns:a16="http://schemas.microsoft.com/office/drawing/2014/main" val="3003832594"/>
+                    </a:ext>
+                  </a:extLst>
+                </a:gridCol>
+                <a:gridCol w="817774">
+                  <a:extLst>
+                    <a:ext uri="{9D8B030D-6E8A-4147-A177-3AD203B41FA5}">
+                      <a16:colId xmlns:a16="http://schemas.microsoft.com/office/drawing/2014/main" val="1964323153"/>
+                    </a:ext>
+                  </a:extLst>
+                </a:gridCol>
+                <a:gridCol w="888543">
+                  <a:extLst>
+                    <a:ext uri="{9D8B030D-6E8A-4147-A177-3AD203B41FA5}">
+                      <a16:colId xmlns:a16="http://schemas.microsoft.com/office/drawing/2014/main" val="1026195279"/>
+                    </a:ext>
+                  </a:extLst>
+                </a:gridCol>
+                <a:gridCol w="699826">
+                  <a:extLst>
+                    <a:ext uri="{9D8B030D-6E8A-4147-A177-3AD203B41FA5}">
+                      <a16:colId xmlns:a16="http://schemas.microsoft.com/office/drawing/2014/main" val="1256416445"/>
+                    </a:ext>
+                  </a:extLst>
+                </a:gridCol>
+                <a:gridCol w="636920">
+                  <a:extLst>
+                    <a:ext uri="{9D8B030D-6E8A-4147-A177-3AD203B41FA5}">
+                      <a16:colId xmlns:a16="http://schemas.microsoft.com/office/drawing/2014/main" val="1855470438"/>
+                    </a:ext>
+                  </a:extLst>
+                </a:gridCol>
+              </a:tblGrid>
+              <a:tr h="827466">
+                <a:tc>
+                  <a:txBody>
+                    <a:bodyPr/>
+                    <a:lstStyle/>
+                    <a:p>
+                      <a:pPr algn="ctr" fontAlgn="ctr"/>
+                      <a:r>
+                        <a:rPr lang="en-IN" sz="1100" u="none" strike="noStrike" dirty="0" err="1">
+                          <a:solidFill>
+                            <a:schemeClr val="tx1">
+                              <a:lumMod val="75000"/>
+                              <a:lumOff val="25000"/>
+                            </a:schemeClr>
+                          </a:solidFill>
+                          <a:effectLst/>
+                        </a:rPr>
+                        <a:t>Sr.No</a:t>
+                      </a:r>
+                      <a:r>
+                        <a:rPr lang="en-IN" sz="1100" u="none" strike="noStrike" dirty="0">
+                          <a:solidFill>
+                            <a:schemeClr val="tx1">
+                              <a:lumMod val="75000"/>
+                              <a:lumOff val="25000"/>
+                            </a:schemeClr>
+                          </a:solidFill>
+                          <a:effectLst/>
+                        </a:rPr>
+                        <a:t>.</a:t>
+                      </a:r>
+                      <a:endParaRPr lang="en-IN" sz="1100" b="1" i="0" u="none" strike="noStrike" dirty="0">
+                        <a:solidFill>
+                          <a:schemeClr val="tx1">
+                            <a:lumMod val="75000"/>
+                            <a:lumOff val="25000"/>
+                          </a:schemeClr>
+                        </a:solidFill>
+                        <a:effectLst/>
+                        <a:latin typeface="Calibri" panose="020F0502020204030204" pitchFamily="34" charset="0"/>
+                      </a:endParaRPr>
+                    </a:p>
+                  </a:txBody>
+                  <a:tcPr marL="7620" marR="7620" marT="7620" marB="0" anchor="ctr">
+                    <a:lnL w="12700" cap="flat" cmpd="sng" algn="ctr">
+                      <a:solidFill>
+                        <a:schemeClr val="tx1"/>
+                      </a:solidFill>
+                      <a:prstDash val="solid"/>
+                      <a:round/>
+                      <a:headEnd type="none" w="med" len="med"/>
+                      <a:tailEnd type="none" w="med" len="med"/>
+                    </a:lnL>
+                    <a:lnT w="12700" cap="flat" cmpd="sng" algn="ctr">
+                      <a:solidFill>
+                        <a:schemeClr val="tx1"/>
+                      </a:solidFill>
+                      <a:prstDash val="solid"/>
+                      <a:round/>
+                      <a:headEnd type="none" w="med" len="med"/>
+                      <a:tailEnd type="none" w="med" len="med"/>
+                    </a:lnT>
+                    <a:solidFill>
+                      <a:schemeClr val="accent3">
+                        <a:lumMod val="20000"/>
+                        <a:lumOff val="80000"/>
+                      </a:schemeClr>
+                    </a:solidFill>
+                  </a:tcPr>
+                </a:tc>
+                <a:tc>
+                  <a:txBody>
+                    <a:bodyPr/>
+                    <a:lstStyle/>
+                    <a:p>
+                      <a:pPr algn="ctr" fontAlgn="ctr"/>
+                      <a:r>
+                        <a:rPr lang="en-IN" sz="1100" u="none" strike="noStrike" dirty="0">
+                          <a:solidFill>
+                            <a:schemeClr val="tx1">
+                              <a:lumMod val="75000"/>
+                              <a:lumOff val="25000"/>
+                            </a:schemeClr>
+                          </a:solidFill>
+                          <a:effectLst/>
+                        </a:rPr>
+                        <a:t>Neighbourhood Group</a:t>
+                      </a:r>
+                      <a:endParaRPr lang="en-IN" sz="1100" b="1" i="0" u="none" strike="noStrike" dirty="0">
+                        <a:solidFill>
+                          <a:schemeClr val="tx1">
+                            <a:lumMod val="75000"/>
+                            <a:lumOff val="25000"/>
+                          </a:schemeClr>
+                        </a:solidFill>
+                        <a:effectLst/>
+                        <a:latin typeface="Calibri" panose="020F0502020204030204" pitchFamily="34" charset="0"/>
+                      </a:endParaRPr>
+                    </a:p>
+                  </a:txBody>
+                  <a:tcPr marL="7620" marR="7620" marT="7620" marB="0" anchor="ctr">
+                    <a:lnT w="12700" cap="flat" cmpd="sng" algn="ctr">
+                      <a:solidFill>
+                        <a:schemeClr val="tx1"/>
+                      </a:solidFill>
+                      <a:prstDash val="solid"/>
+                      <a:round/>
+                      <a:headEnd type="none" w="med" len="med"/>
+                      <a:tailEnd type="none" w="med" len="med"/>
+                    </a:lnT>
+                    <a:solidFill>
+                      <a:schemeClr val="accent3">
+                        <a:lumMod val="20000"/>
+                        <a:lumOff val="80000"/>
+                      </a:schemeClr>
+                    </a:solidFill>
+                  </a:tcPr>
+                </a:tc>
+                <a:tc>
+                  <a:txBody>
+                    <a:bodyPr/>
+                    <a:lstStyle/>
+                    <a:p>
+                      <a:pPr algn="ctr" fontAlgn="ctr"/>
+                      <a:r>
+                        <a:rPr lang="en-IN" sz="1100" u="none" strike="noStrike">
+                          <a:solidFill>
+                            <a:schemeClr val="tx1">
+                              <a:lumMod val="75000"/>
+                              <a:lumOff val="25000"/>
+                            </a:schemeClr>
+                          </a:solidFill>
+                          <a:effectLst/>
+                        </a:rPr>
+                        <a:t>Total Number of Listings</a:t>
+                      </a:r>
+                      <a:endParaRPr lang="en-IN" sz="1100" b="1" i="0" u="none" strike="noStrike">
+                        <a:solidFill>
+                          <a:schemeClr val="tx1">
+                            <a:lumMod val="75000"/>
+                            <a:lumOff val="25000"/>
+                          </a:schemeClr>
+                        </a:solidFill>
+                        <a:effectLst/>
+                        <a:latin typeface="Calibri" panose="020F0502020204030204" pitchFamily="34" charset="0"/>
+                      </a:endParaRPr>
+                    </a:p>
+                  </a:txBody>
+                  <a:tcPr marL="7620" marR="7620" marT="7620" marB="0" anchor="ctr">
+                    <a:lnT w="12700" cap="flat" cmpd="sng" algn="ctr">
+                      <a:solidFill>
+                        <a:schemeClr val="tx1"/>
+                      </a:solidFill>
+                      <a:prstDash val="solid"/>
+                      <a:round/>
+                      <a:headEnd type="none" w="med" len="med"/>
+                      <a:tailEnd type="none" w="med" len="med"/>
+                    </a:lnT>
+                    <a:solidFill>
+                      <a:schemeClr val="accent3">
+                        <a:lumMod val="20000"/>
+                        <a:lumOff val="80000"/>
+                      </a:schemeClr>
+                    </a:solidFill>
+                  </a:tcPr>
+                </a:tc>
+                <a:tc>
+                  <a:txBody>
+                    <a:bodyPr/>
+                    <a:lstStyle/>
+                    <a:p>
+                      <a:pPr algn="ctr" fontAlgn="ctr"/>
+                      <a:r>
+                        <a:rPr lang="en-IN" sz="1100" u="none" strike="noStrike" dirty="0">
+                          <a:solidFill>
+                            <a:schemeClr val="tx1">
+                              <a:lumMod val="75000"/>
+                              <a:lumOff val="25000"/>
+                            </a:schemeClr>
+                          </a:solidFill>
+                          <a:effectLst/>
+                        </a:rPr>
+                        <a:t>Low Review Listings</a:t>
+                      </a:r>
+                      <a:endParaRPr lang="en-IN" sz="1100" b="1" i="0" u="none" strike="noStrike" dirty="0">
+                        <a:solidFill>
+                          <a:schemeClr val="tx1">
+                            <a:lumMod val="75000"/>
+                            <a:lumOff val="25000"/>
+                          </a:schemeClr>
+                        </a:solidFill>
+                        <a:effectLst/>
+                        <a:latin typeface="Calibri" panose="020F0502020204030204" pitchFamily="34" charset="0"/>
+                      </a:endParaRPr>
+                    </a:p>
+                  </a:txBody>
+                  <a:tcPr marL="7620" marR="7620" marT="7620" marB="0" anchor="ctr">
+                    <a:lnT w="12700" cap="flat" cmpd="sng" algn="ctr">
+                      <a:solidFill>
+                        <a:schemeClr val="tx1"/>
+                      </a:solidFill>
+                      <a:prstDash val="solid"/>
+                      <a:round/>
+                      <a:headEnd type="none" w="med" len="med"/>
+                      <a:tailEnd type="none" w="med" len="med"/>
+                    </a:lnT>
+                    <a:solidFill>
+                      <a:schemeClr val="accent3">
+                        <a:lumMod val="20000"/>
+                        <a:lumOff val="80000"/>
+                      </a:schemeClr>
+                    </a:solidFill>
+                  </a:tcPr>
+                </a:tc>
+                <a:tc>
+                  <a:txBody>
+                    <a:bodyPr/>
+                    <a:lstStyle/>
+                    <a:p>
+                      <a:pPr algn="ctr" fontAlgn="ctr"/>
+                      <a:r>
+                        <a:rPr lang="en-IN" sz="1100" u="none" strike="noStrike" dirty="0">
+                          <a:solidFill>
+                            <a:schemeClr val="tx1">
+                              <a:lumMod val="75000"/>
+                              <a:lumOff val="25000"/>
+                            </a:schemeClr>
+                          </a:solidFill>
+                          <a:effectLst/>
+                        </a:rPr>
+                        <a:t>% of Low Review</a:t>
+                      </a:r>
+                      <a:endParaRPr lang="en-IN" sz="1100" b="1" i="0" u="none" strike="noStrike" dirty="0">
+                        <a:solidFill>
+                          <a:schemeClr val="tx1">
+                            <a:lumMod val="75000"/>
+                            <a:lumOff val="25000"/>
+                          </a:schemeClr>
+                        </a:solidFill>
+                        <a:effectLst/>
+                        <a:latin typeface="Calibri" panose="020F0502020204030204" pitchFamily="34" charset="0"/>
+                      </a:endParaRPr>
+                    </a:p>
+                  </a:txBody>
+                  <a:tcPr marL="7620" marR="7620" marT="7620" marB="0" anchor="ctr">
+                    <a:lnR w="12700" cap="flat" cmpd="sng" algn="ctr">
+                      <a:solidFill>
+                        <a:schemeClr val="tx1"/>
+                      </a:solidFill>
+                      <a:prstDash val="solid"/>
+                      <a:round/>
+                      <a:headEnd type="none" w="med" len="med"/>
+                      <a:tailEnd type="none" w="med" len="med"/>
+                    </a:lnR>
+                    <a:lnT w="12700" cap="flat" cmpd="sng" algn="ctr">
+                      <a:solidFill>
+                        <a:schemeClr val="tx1"/>
+                      </a:solidFill>
+                      <a:prstDash val="solid"/>
+                      <a:round/>
+                      <a:headEnd type="none" w="med" len="med"/>
+                      <a:tailEnd type="none" w="med" len="med"/>
+                    </a:lnT>
+                    <a:solidFill>
+                      <a:schemeClr val="accent3">
+                        <a:lumMod val="20000"/>
+                        <a:lumOff val="80000"/>
+                      </a:schemeClr>
+                    </a:solidFill>
+                  </a:tcPr>
+                </a:tc>
+                <a:extLst>
+                  <a:ext uri="{0D108BD9-81ED-4DB2-BD59-A6C34878D82A}">
+                    <a16:rowId xmlns:a16="http://schemas.microsoft.com/office/drawing/2014/main" val="2529944449"/>
+                  </a:ext>
+                </a:extLst>
+              </a:tr>
+              <a:tr h="422927">
+                <a:tc>
+                  <a:txBody>
+                    <a:bodyPr/>
+                    <a:lstStyle/>
+                    <a:p>
+                      <a:pPr algn="ctr" fontAlgn="ctr"/>
+                      <a:r>
+                        <a:rPr lang="en-IN" sz="1100" u="none" strike="noStrike">
+                          <a:solidFill>
+                            <a:schemeClr val="tx1">
+                              <a:lumMod val="75000"/>
+                              <a:lumOff val="25000"/>
+                            </a:schemeClr>
+                          </a:solidFill>
+                          <a:effectLst/>
+                        </a:rPr>
+                        <a:t>1</a:t>
+                      </a:r>
+                      <a:endParaRPr lang="en-IN" sz="1100" b="0" i="0" u="none" strike="noStrike">
+                        <a:solidFill>
+                          <a:schemeClr val="tx1">
+                            <a:lumMod val="75000"/>
+                            <a:lumOff val="25000"/>
+                          </a:schemeClr>
+                        </a:solidFill>
+                        <a:effectLst/>
+                        <a:latin typeface="Calibri" panose="020F0502020204030204" pitchFamily="34" charset="0"/>
+                      </a:endParaRPr>
+                    </a:p>
+                  </a:txBody>
+                  <a:tcPr marL="7620" marR="7620" marT="7620" marB="0" anchor="ctr">
+                    <a:lnL w="12700" cap="flat" cmpd="sng" algn="ctr">
+                      <a:solidFill>
+                        <a:schemeClr val="tx1"/>
+                      </a:solidFill>
+                      <a:prstDash val="solid"/>
+                      <a:round/>
+                      <a:headEnd type="none" w="med" len="med"/>
+                      <a:tailEnd type="none" w="med" len="med"/>
+                    </a:lnL>
+                    <a:solidFill>
+                      <a:schemeClr val="accent3">
+                        <a:lumMod val="20000"/>
+                        <a:lumOff val="80000"/>
+                      </a:schemeClr>
+                    </a:solidFill>
+                  </a:tcPr>
+                </a:tc>
+                <a:tc>
+                  <a:txBody>
+                    <a:bodyPr/>
+                    <a:lstStyle/>
+                    <a:p>
+                      <a:pPr algn="ctr" fontAlgn="ctr"/>
+                      <a:r>
+                        <a:rPr lang="en-IN" sz="1100" u="none" strike="noStrike" dirty="0">
+                          <a:solidFill>
+                            <a:schemeClr val="tx1">
+                              <a:lumMod val="75000"/>
+                              <a:lumOff val="25000"/>
+                            </a:schemeClr>
+                          </a:solidFill>
+                          <a:effectLst/>
+                        </a:rPr>
+                        <a:t>Manhattan</a:t>
+                      </a:r>
+                      <a:endParaRPr lang="en-IN" sz="1100" b="0" i="0" u="none" strike="noStrike" dirty="0">
+                        <a:solidFill>
+                          <a:schemeClr val="tx1">
+                            <a:lumMod val="75000"/>
+                            <a:lumOff val="25000"/>
+                          </a:schemeClr>
+                        </a:solidFill>
+                        <a:effectLst/>
+                        <a:latin typeface="Calibri" panose="020F0502020204030204" pitchFamily="34" charset="0"/>
+                      </a:endParaRPr>
+                    </a:p>
+                  </a:txBody>
+                  <a:tcPr marL="7620" marR="7620" marT="7620" marB="0" anchor="ctr">
+                    <a:solidFill>
+                      <a:schemeClr val="accent3">
+                        <a:lumMod val="20000"/>
+                        <a:lumOff val="80000"/>
+                      </a:schemeClr>
+                    </a:solidFill>
+                  </a:tcPr>
+                </a:tc>
+                <a:tc>
+                  <a:txBody>
+                    <a:bodyPr/>
+                    <a:lstStyle/>
+                    <a:p>
+                      <a:pPr algn="ctr" fontAlgn="ctr"/>
+                      <a:r>
+                        <a:rPr lang="en-IN" sz="1100" u="none" strike="noStrike" dirty="0">
+                          <a:solidFill>
+                            <a:schemeClr val="tx1">
+                              <a:lumMod val="75000"/>
+                              <a:lumOff val="25000"/>
+                            </a:schemeClr>
+                          </a:solidFill>
+                          <a:effectLst/>
+                        </a:rPr>
+                        <a:t>21661</a:t>
+                      </a:r>
+                      <a:endParaRPr lang="en-IN" sz="1100" b="0" i="0" u="none" strike="noStrike" dirty="0">
+                        <a:solidFill>
+                          <a:schemeClr val="tx1">
+                            <a:lumMod val="75000"/>
+                            <a:lumOff val="25000"/>
+                          </a:schemeClr>
+                        </a:solidFill>
+                        <a:effectLst/>
+                        <a:latin typeface="Calibri" panose="020F0502020204030204" pitchFamily="34" charset="0"/>
+                      </a:endParaRPr>
+                    </a:p>
+                  </a:txBody>
+                  <a:tcPr marL="7620" marR="7620" marT="7620" marB="0" anchor="ctr">
+                    <a:solidFill>
+                      <a:schemeClr val="accent3">
+                        <a:lumMod val="20000"/>
+                        <a:lumOff val="80000"/>
+                      </a:schemeClr>
+                    </a:solidFill>
+                  </a:tcPr>
+                </a:tc>
+                <a:tc>
+                  <a:txBody>
+                    <a:bodyPr/>
+                    <a:lstStyle/>
+                    <a:p>
+                      <a:pPr algn="ctr" fontAlgn="ctr"/>
+                      <a:r>
+                        <a:rPr lang="en-IN" sz="1100" u="none" strike="noStrike">
+                          <a:solidFill>
+                            <a:schemeClr val="tx1">
+                              <a:lumMod val="75000"/>
+                              <a:lumOff val="25000"/>
+                            </a:schemeClr>
+                          </a:solidFill>
+                          <a:effectLst/>
+                        </a:rPr>
+                        <a:t>5029</a:t>
+                      </a:r>
+                      <a:endParaRPr lang="en-IN" sz="1100" b="0" i="0" u="none" strike="noStrike">
+                        <a:solidFill>
+                          <a:schemeClr val="tx1">
+                            <a:lumMod val="75000"/>
+                            <a:lumOff val="25000"/>
+                          </a:schemeClr>
+                        </a:solidFill>
+                        <a:effectLst/>
+                        <a:latin typeface="Calibri" panose="020F0502020204030204" pitchFamily="34" charset="0"/>
+                      </a:endParaRPr>
+                    </a:p>
+                  </a:txBody>
+                  <a:tcPr marL="7620" marR="7620" marT="7620" marB="0" anchor="ctr">
+                    <a:solidFill>
+                      <a:schemeClr val="accent3">
+                        <a:lumMod val="20000"/>
+                        <a:lumOff val="80000"/>
+                      </a:schemeClr>
+                    </a:solidFill>
+                  </a:tcPr>
+                </a:tc>
+                <a:tc>
+                  <a:txBody>
+                    <a:bodyPr/>
+                    <a:lstStyle/>
+                    <a:p>
+                      <a:pPr algn="ctr" fontAlgn="ctr"/>
+                      <a:r>
+                        <a:rPr lang="en-IN" sz="1100" u="none" strike="noStrike">
+                          <a:solidFill>
+                            <a:schemeClr val="tx1">
+                              <a:lumMod val="75000"/>
+                              <a:lumOff val="25000"/>
+                            </a:schemeClr>
+                          </a:solidFill>
+                          <a:effectLst/>
+                        </a:rPr>
+                        <a:t>23.2</a:t>
+                      </a:r>
+                      <a:endParaRPr lang="en-IN" sz="1100" b="0" i="0" u="none" strike="noStrike">
+                        <a:solidFill>
+                          <a:schemeClr val="tx1">
+                            <a:lumMod val="75000"/>
+                            <a:lumOff val="25000"/>
+                          </a:schemeClr>
+                        </a:solidFill>
+                        <a:effectLst/>
+                        <a:latin typeface="Calibri" panose="020F0502020204030204" pitchFamily="34" charset="0"/>
+                      </a:endParaRPr>
+                    </a:p>
+                  </a:txBody>
+                  <a:tcPr marL="7620" marR="7620" marT="7620" marB="0" anchor="ctr">
+                    <a:lnR w="12700" cap="flat" cmpd="sng" algn="ctr">
+                      <a:solidFill>
+                        <a:schemeClr val="tx1"/>
+                      </a:solidFill>
+                      <a:prstDash val="solid"/>
+                      <a:round/>
+                      <a:headEnd type="none" w="med" len="med"/>
+                      <a:tailEnd type="none" w="med" len="med"/>
+                    </a:lnR>
+                    <a:solidFill>
+                      <a:schemeClr val="accent3">
+                        <a:lumMod val="20000"/>
+                        <a:lumOff val="80000"/>
+                      </a:schemeClr>
+                    </a:solidFill>
+                  </a:tcPr>
+                </a:tc>
+                <a:extLst>
+                  <a:ext uri="{0D108BD9-81ED-4DB2-BD59-A6C34878D82A}">
+                    <a16:rowId xmlns:a16="http://schemas.microsoft.com/office/drawing/2014/main" val="991189375"/>
+                  </a:ext>
+                </a:extLst>
+              </a:tr>
+              <a:tr h="422927">
+                <a:tc>
+                  <a:txBody>
+                    <a:bodyPr/>
+                    <a:lstStyle/>
+                    <a:p>
+                      <a:pPr algn="ctr" fontAlgn="ctr"/>
+                      <a:r>
+                        <a:rPr lang="en-IN" sz="1100" u="none" strike="noStrike">
+                          <a:solidFill>
+                            <a:schemeClr val="tx1">
+                              <a:lumMod val="75000"/>
+                              <a:lumOff val="25000"/>
+                            </a:schemeClr>
+                          </a:solidFill>
+                          <a:effectLst/>
+                        </a:rPr>
+                        <a:t>2</a:t>
+                      </a:r>
+                      <a:endParaRPr lang="en-IN" sz="1100" b="0" i="0" u="none" strike="noStrike">
+                        <a:solidFill>
+                          <a:schemeClr val="tx1">
+                            <a:lumMod val="75000"/>
+                            <a:lumOff val="25000"/>
+                          </a:schemeClr>
+                        </a:solidFill>
+                        <a:effectLst/>
+                        <a:latin typeface="Calibri" panose="020F0502020204030204" pitchFamily="34" charset="0"/>
+                      </a:endParaRPr>
+                    </a:p>
+                  </a:txBody>
+                  <a:tcPr marL="7620" marR="7620" marT="7620" marB="0" anchor="ctr">
+                    <a:lnL w="12700" cap="flat" cmpd="sng" algn="ctr">
+                      <a:solidFill>
+                        <a:schemeClr val="tx1"/>
+                      </a:solidFill>
+                      <a:prstDash val="solid"/>
+                      <a:round/>
+                      <a:headEnd type="none" w="med" len="med"/>
+                      <a:tailEnd type="none" w="med" len="med"/>
+                    </a:lnL>
+                    <a:solidFill>
+                      <a:schemeClr val="accent3">
+                        <a:lumMod val="20000"/>
+                        <a:lumOff val="80000"/>
+                      </a:schemeClr>
+                    </a:solidFill>
+                  </a:tcPr>
+                </a:tc>
+                <a:tc>
+                  <a:txBody>
+                    <a:bodyPr/>
+                    <a:lstStyle/>
+                    <a:p>
+                      <a:pPr algn="ctr" fontAlgn="ctr"/>
+                      <a:r>
+                        <a:rPr lang="en-IN" sz="1100" u="none" strike="noStrike" dirty="0">
+                          <a:solidFill>
+                            <a:schemeClr val="tx1">
+                              <a:lumMod val="75000"/>
+                              <a:lumOff val="25000"/>
+                            </a:schemeClr>
+                          </a:solidFill>
+                          <a:effectLst/>
+                        </a:rPr>
+                        <a:t>Brooklyn</a:t>
+                      </a:r>
+                      <a:endParaRPr lang="en-IN" sz="1100" b="0" i="0" u="none" strike="noStrike" dirty="0">
+                        <a:solidFill>
+                          <a:schemeClr val="tx1">
+                            <a:lumMod val="75000"/>
+                            <a:lumOff val="25000"/>
+                          </a:schemeClr>
+                        </a:solidFill>
+                        <a:effectLst/>
+                        <a:latin typeface="Calibri" panose="020F0502020204030204" pitchFamily="34" charset="0"/>
+                      </a:endParaRPr>
+                    </a:p>
+                  </a:txBody>
+                  <a:tcPr marL="7620" marR="7620" marT="7620" marB="0" anchor="ctr">
+                    <a:solidFill>
+                      <a:schemeClr val="accent3">
+                        <a:lumMod val="20000"/>
+                        <a:lumOff val="80000"/>
+                      </a:schemeClr>
+                    </a:solidFill>
+                  </a:tcPr>
+                </a:tc>
+                <a:tc>
+                  <a:txBody>
+                    <a:bodyPr/>
+                    <a:lstStyle/>
+                    <a:p>
+                      <a:pPr algn="ctr" fontAlgn="ctr"/>
+                      <a:r>
+                        <a:rPr lang="en-IN" sz="1100" u="none" strike="noStrike" dirty="0">
+                          <a:solidFill>
+                            <a:schemeClr val="tx1">
+                              <a:lumMod val="75000"/>
+                              <a:lumOff val="25000"/>
+                            </a:schemeClr>
+                          </a:solidFill>
+                          <a:effectLst/>
+                        </a:rPr>
+                        <a:t>20104</a:t>
+                      </a:r>
+                      <a:endParaRPr lang="en-IN" sz="1100" b="0" i="0" u="none" strike="noStrike" dirty="0">
+                        <a:solidFill>
+                          <a:schemeClr val="tx1">
+                            <a:lumMod val="75000"/>
+                            <a:lumOff val="25000"/>
+                          </a:schemeClr>
+                        </a:solidFill>
+                        <a:effectLst/>
+                        <a:latin typeface="Calibri" panose="020F0502020204030204" pitchFamily="34" charset="0"/>
+                      </a:endParaRPr>
+                    </a:p>
+                  </a:txBody>
+                  <a:tcPr marL="7620" marR="7620" marT="7620" marB="0" anchor="ctr">
+                    <a:solidFill>
+                      <a:schemeClr val="accent3">
+                        <a:lumMod val="20000"/>
+                        <a:lumOff val="80000"/>
+                      </a:schemeClr>
+                    </a:solidFill>
+                  </a:tcPr>
+                </a:tc>
+                <a:tc>
+                  <a:txBody>
+                    <a:bodyPr/>
+                    <a:lstStyle/>
+                    <a:p>
+                      <a:pPr algn="ctr" fontAlgn="ctr"/>
+                      <a:r>
+                        <a:rPr lang="en-IN" sz="1100" u="none" strike="noStrike">
+                          <a:solidFill>
+                            <a:schemeClr val="tx1">
+                              <a:lumMod val="75000"/>
+                              <a:lumOff val="25000"/>
+                            </a:schemeClr>
+                          </a:solidFill>
+                          <a:effectLst/>
+                        </a:rPr>
+                        <a:t>3657</a:t>
+                      </a:r>
+                      <a:endParaRPr lang="en-IN" sz="1100" b="0" i="0" u="none" strike="noStrike">
+                        <a:solidFill>
+                          <a:schemeClr val="tx1">
+                            <a:lumMod val="75000"/>
+                            <a:lumOff val="25000"/>
+                          </a:schemeClr>
+                        </a:solidFill>
+                        <a:effectLst/>
+                        <a:latin typeface="Calibri" panose="020F0502020204030204" pitchFamily="34" charset="0"/>
+                      </a:endParaRPr>
+                    </a:p>
+                  </a:txBody>
+                  <a:tcPr marL="7620" marR="7620" marT="7620" marB="0" anchor="ctr">
+                    <a:solidFill>
+                      <a:schemeClr val="accent3">
+                        <a:lumMod val="20000"/>
+                        <a:lumOff val="80000"/>
+                      </a:schemeClr>
+                    </a:solidFill>
+                  </a:tcPr>
+                </a:tc>
+                <a:tc>
+                  <a:txBody>
+                    <a:bodyPr/>
+                    <a:lstStyle/>
+                    <a:p>
+                      <a:pPr algn="ctr" fontAlgn="ctr"/>
+                      <a:r>
+                        <a:rPr lang="en-IN" sz="1100" u="none" strike="noStrike">
+                          <a:solidFill>
+                            <a:schemeClr val="tx1">
+                              <a:lumMod val="75000"/>
+                              <a:lumOff val="25000"/>
+                            </a:schemeClr>
+                          </a:solidFill>
+                          <a:effectLst/>
+                        </a:rPr>
+                        <a:t>18.2</a:t>
+                      </a:r>
+                      <a:endParaRPr lang="en-IN" sz="1100" b="0" i="0" u="none" strike="noStrike">
+                        <a:solidFill>
+                          <a:schemeClr val="tx1">
+                            <a:lumMod val="75000"/>
+                            <a:lumOff val="25000"/>
+                          </a:schemeClr>
+                        </a:solidFill>
+                        <a:effectLst/>
+                        <a:latin typeface="Calibri" panose="020F0502020204030204" pitchFamily="34" charset="0"/>
+                      </a:endParaRPr>
+                    </a:p>
+                  </a:txBody>
+                  <a:tcPr marL="7620" marR="7620" marT="7620" marB="0" anchor="ctr">
+                    <a:lnR w="12700" cap="flat" cmpd="sng" algn="ctr">
+                      <a:solidFill>
+                        <a:schemeClr val="tx1"/>
+                      </a:solidFill>
+                      <a:prstDash val="solid"/>
+                      <a:round/>
+                      <a:headEnd type="none" w="med" len="med"/>
+                      <a:tailEnd type="none" w="med" len="med"/>
+                    </a:lnR>
+                    <a:solidFill>
+                      <a:schemeClr val="accent3">
+                        <a:lumMod val="20000"/>
+                        <a:lumOff val="80000"/>
+                      </a:schemeClr>
+                    </a:solidFill>
+                  </a:tcPr>
+                </a:tc>
+                <a:extLst>
+                  <a:ext uri="{0D108BD9-81ED-4DB2-BD59-A6C34878D82A}">
+                    <a16:rowId xmlns:a16="http://schemas.microsoft.com/office/drawing/2014/main" val="843713880"/>
+                  </a:ext>
+                </a:extLst>
+              </a:tr>
+              <a:tr h="422927">
+                <a:tc>
+                  <a:txBody>
+                    <a:bodyPr/>
+                    <a:lstStyle/>
+                    <a:p>
+                      <a:pPr algn="ctr" fontAlgn="ctr"/>
+                      <a:r>
+                        <a:rPr lang="en-IN" sz="1100" u="none" strike="noStrike">
+                          <a:solidFill>
+                            <a:schemeClr val="tx1">
+                              <a:lumMod val="75000"/>
+                              <a:lumOff val="25000"/>
+                            </a:schemeClr>
+                          </a:solidFill>
+                          <a:effectLst/>
+                        </a:rPr>
+                        <a:t>3</a:t>
+                      </a:r>
+                      <a:endParaRPr lang="en-IN" sz="1100" b="0" i="0" u="none" strike="noStrike">
+                        <a:solidFill>
+                          <a:schemeClr val="tx1">
+                            <a:lumMod val="75000"/>
+                            <a:lumOff val="25000"/>
+                          </a:schemeClr>
+                        </a:solidFill>
+                        <a:effectLst/>
+                        <a:latin typeface="Calibri" panose="020F0502020204030204" pitchFamily="34" charset="0"/>
+                      </a:endParaRPr>
+                    </a:p>
+                  </a:txBody>
+                  <a:tcPr marL="7620" marR="7620" marT="7620" marB="0" anchor="ctr">
+                    <a:lnL w="12700" cap="flat" cmpd="sng" algn="ctr">
+                      <a:solidFill>
+                        <a:schemeClr val="tx1"/>
+                      </a:solidFill>
+                      <a:prstDash val="solid"/>
+                      <a:round/>
+                      <a:headEnd type="none" w="med" len="med"/>
+                      <a:tailEnd type="none" w="med" len="med"/>
+                    </a:lnL>
+                    <a:solidFill>
+                      <a:schemeClr val="accent3">
+                        <a:lumMod val="20000"/>
+                        <a:lumOff val="80000"/>
+                      </a:schemeClr>
+                    </a:solidFill>
+                  </a:tcPr>
+                </a:tc>
+                <a:tc>
+                  <a:txBody>
+                    <a:bodyPr/>
+                    <a:lstStyle/>
+                    <a:p>
+                      <a:pPr algn="ctr" fontAlgn="ctr"/>
+                      <a:r>
+                        <a:rPr lang="en-IN" sz="1100" u="none" strike="noStrike">
+                          <a:solidFill>
+                            <a:schemeClr val="tx1">
+                              <a:lumMod val="75000"/>
+                              <a:lumOff val="25000"/>
+                            </a:schemeClr>
+                          </a:solidFill>
+                          <a:effectLst/>
+                        </a:rPr>
+                        <a:t>Queens</a:t>
+                      </a:r>
+                      <a:endParaRPr lang="en-IN" sz="1100" b="0" i="0" u="none" strike="noStrike">
+                        <a:solidFill>
+                          <a:schemeClr val="tx1">
+                            <a:lumMod val="75000"/>
+                            <a:lumOff val="25000"/>
+                          </a:schemeClr>
+                        </a:solidFill>
+                        <a:effectLst/>
+                        <a:latin typeface="Calibri" panose="020F0502020204030204" pitchFamily="34" charset="0"/>
+                      </a:endParaRPr>
+                    </a:p>
+                  </a:txBody>
+                  <a:tcPr marL="7620" marR="7620" marT="7620" marB="0" anchor="ctr">
+                    <a:solidFill>
+                      <a:schemeClr val="accent3">
+                        <a:lumMod val="20000"/>
+                        <a:lumOff val="80000"/>
+                      </a:schemeClr>
+                    </a:solidFill>
+                  </a:tcPr>
+                </a:tc>
+                <a:tc>
+                  <a:txBody>
+                    <a:bodyPr/>
+                    <a:lstStyle/>
+                    <a:p>
+                      <a:pPr algn="ctr" fontAlgn="ctr"/>
+                      <a:r>
+                        <a:rPr lang="en-IN" sz="1100" u="none" strike="noStrike" dirty="0">
+                          <a:solidFill>
+                            <a:schemeClr val="tx1">
+                              <a:lumMod val="75000"/>
+                              <a:lumOff val="25000"/>
+                            </a:schemeClr>
+                          </a:solidFill>
+                          <a:effectLst/>
+                        </a:rPr>
+                        <a:t>5666</a:t>
+                      </a:r>
+                      <a:endParaRPr lang="en-IN" sz="1100" b="0" i="0" u="none" strike="noStrike" dirty="0">
+                        <a:solidFill>
+                          <a:schemeClr val="tx1">
+                            <a:lumMod val="75000"/>
+                            <a:lumOff val="25000"/>
+                          </a:schemeClr>
+                        </a:solidFill>
+                        <a:effectLst/>
+                        <a:latin typeface="Calibri" panose="020F0502020204030204" pitchFamily="34" charset="0"/>
+                      </a:endParaRPr>
+                    </a:p>
+                  </a:txBody>
+                  <a:tcPr marL="7620" marR="7620" marT="7620" marB="0" anchor="ctr">
+                    <a:solidFill>
+                      <a:schemeClr val="accent3">
+                        <a:lumMod val="20000"/>
+                        <a:lumOff val="80000"/>
+                      </a:schemeClr>
+                    </a:solidFill>
+                  </a:tcPr>
+                </a:tc>
+                <a:tc>
+                  <a:txBody>
+                    <a:bodyPr/>
+                    <a:lstStyle/>
+                    <a:p>
+                      <a:pPr algn="ctr" fontAlgn="ctr"/>
+                      <a:r>
+                        <a:rPr lang="en-IN" sz="1100" u="none" strike="noStrike" dirty="0">
+                          <a:solidFill>
+                            <a:schemeClr val="tx1">
+                              <a:lumMod val="75000"/>
+                              <a:lumOff val="25000"/>
+                            </a:schemeClr>
+                          </a:solidFill>
+                          <a:effectLst/>
+                        </a:rPr>
+                        <a:t>1092</a:t>
+                      </a:r>
+                      <a:endParaRPr lang="en-IN" sz="1100" b="0" i="0" u="none" strike="noStrike" dirty="0">
+                        <a:solidFill>
+                          <a:schemeClr val="tx1">
+                            <a:lumMod val="75000"/>
+                            <a:lumOff val="25000"/>
+                          </a:schemeClr>
+                        </a:solidFill>
+                        <a:effectLst/>
+                        <a:latin typeface="Calibri" panose="020F0502020204030204" pitchFamily="34" charset="0"/>
+                      </a:endParaRPr>
+                    </a:p>
+                  </a:txBody>
+                  <a:tcPr marL="7620" marR="7620" marT="7620" marB="0" anchor="ctr">
+                    <a:solidFill>
+                      <a:schemeClr val="accent3">
+                        <a:lumMod val="20000"/>
+                        <a:lumOff val="80000"/>
+                      </a:schemeClr>
+                    </a:solidFill>
+                  </a:tcPr>
+                </a:tc>
+                <a:tc>
+                  <a:txBody>
+                    <a:bodyPr/>
+                    <a:lstStyle/>
+                    <a:p>
+                      <a:pPr algn="ctr" fontAlgn="ctr"/>
+                      <a:r>
+                        <a:rPr lang="en-IN" sz="1100" u="none" strike="noStrike">
+                          <a:solidFill>
+                            <a:schemeClr val="tx1">
+                              <a:lumMod val="75000"/>
+                              <a:lumOff val="25000"/>
+                            </a:schemeClr>
+                          </a:solidFill>
+                          <a:effectLst/>
+                        </a:rPr>
+                        <a:t>19.3</a:t>
+                      </a:r>
+                      <a:endParaRPr lang="en-IN" sz="1100" b="0" i="0" u="none" strike="noStrike">
+                        <a:solidFill>
+                          <a:schemeClr val="tx1">
+                            <a:lumMod val="75000"/>
+                            <a:lumOff val="25000"/>
+                          </a:schemeClr>
+                        </a:solidFill>
+                        <a:effectLst/>
+                        <a:latin typeface="Calibri" panose="020F0502020204030204" pitchFamily="34" charset="0"/>
+                      </a:endParaRPr>
+                    </a:p>
+                  </a:txBody>
+                  <a:tcPr marL="7620" marR="7620" marT="7620" marB="0" anchor="ctr">
+                    <a:lnR w="12700" cap="flat" cmpd="sng" algn="ctr">
+                      <a:solidFill>
+                        <a:schemeClr val="tx1"/>
+                      </a:solidFill>
+                      <a:prstDash val="solid"/>
+                      <a:round/>
+                      <a:headEnd type="none" w="med" len="med"/>
+                      <a:tailEnd type="none" w="med" len="med"/>
+                    </a:lnR>
+                    <a:solidFill>
+                      <a:schemeClr val="accent3">
+                        <a:lumMod val="20000"/>
+                        <a:lumOff val="80000"/>
+                      </a:schemeClr>
+                    </a:solidFill>
+                  </a:tcPr>
+                </a:tc>
+                <a:extLst>
+                  <a:ext uri="{0D108BD9-81ED-4DB2-BD59-A6C34878D82A}">
+                    <a16:rowId xmlns:a16="http://schemas.microsoft.com/office/drawing/2014/main" val="4289535598"/>
+                  </a:ext>
+                </a:extLst>
+              </a:tr>
+              <a:tr h="422927">
+                <a:tc>
+                  <a:txBody>
+                    <a:bodyPr/>
+                    <a:lstStyle/>
+                    <a:p>
+                      <a:pPr algn="ctr" fontAlgn="ctr"/>
+                      <a:r>
+                        <a:rPr lang="en-IN" sz="1100" u="none" strike="noStrike">
+                          <a:solidFill>
+                            <a:schemeClr val="tx1">
+                              <a:lumMod val="75000"/>
+                              <a:lumOff val="25000"/>
+                            </a:schemeClr>
+                          </a:solidFill>
+                          <a:effectLst/>
+                        </a:rPr>
+                        <a:t>4</a:t>
+                      </a:r>
+                      <a:endParaRPr lang="en-IN" sz="1100" b="0" i="0" u="none" strike="noStrike">
+                        <a:solidFill>
+                          <a:schemeClr val="tx1">
+                            <a:lumMod val="75000"/>
+                            <a:lumOff val="25000"/>
+                          </a:schemeClr>
+                        </a:solidFill>
+                        <a:effectLst/>
+                        <a:latin typeface="Calibri" panose="020F0502020204030204" pitchFamily="34" charset="0"/>
+                      </a:endParaRPr>
+                    </a:p>
+                  </a:txBody>
+                  <a:tcPr marL="7620" marR="7620" marT="7620" marB="0" anchor="ctr">
+                    <a:lnL w="12700" cap="flat" cmpd="sng" algn="ctr">
+                      <a:solidFill>
+                        <a:schemeClr val="tx1"/>
+                      </a:solidFill>
+                      <a:prstDash val="solid"/>
+                      <a:round/>
+                      <a:headEnd type="none" w="med" len="med"/>
+                      <a:tailEnd type="none" w="med" len="med"/>
+                    </a:lnL>
+                    <a:solidFill>
+                      <a:schemeClr val="accent3">
+                        <a:lumMod val="20000"/>
+                        <a:lumOff val="80000"/>
+                      </a:schemeClr>
+                    </a:solidFill>
+                  </a:tcPr>
+                </a:tc>
+                <a:tc>
+                  <a:txBody>
+                    <a:bodyPr/>
+                    <a:lstStyle/>
+                    <a:p>
+                      <a:pPr algn="ctr" fontAlgn="ctr"/>
+                      <a:r>
+                        <a:rPr lang="en-IN" sz="1100" u="none" strike="noStrike">
+                          <a:solidFill>
+                            <a:schemeClr val="tx1">
+                              <a:lumMod val="75000"/>
+                              <a:lumOff val="25000"/>
+                            </a:schemeClr>
+                          </a:solidFill>
+                          <a:effectLst/>
+                        </a:rPr>
+                        <a:t>Bronx</a:t>
+                      </a:r>
+                      <a:endParaRPr lang="en-IN" sz="1100" b="0" i="0" u="none" strike="noStrike">
+                        <a:solidFill>
+                          <a:schemeClr val="tx1">
+                            <a:lumMod val="75000"/>
+                            <a:lumOff val="25000"/>
+                          </a:schemeClr>
+                        </a:solidFill>
+                        <a:effectLst/>
+                        <a:latin typeface="Calibri" panose="020F0502020204030204" pitchFamily="34" charset="0"/>
+                      </a:endParaRPr>
+                    </a:p>
+                  </a:txBody>
+                  <a:tcPr marL="7620" marR="7620" marT="7620" marB="0" anchor="ctr">
+                    <a:solidFill>
+                      <a:schemeClr val="accent3">
+                        <a:lumMod val="20000"/>
+                        <a:lumOff val="80000"/>
+                      </a:schemeClr>
+                    </a:solidFill>
+                  </a:tcPr>
+                </a:tc>
+                <a:tc>
+                  <a:txBody>
+                    <a:bodyPr/>
+                    <a:lstStyle/>
+                    <a:p>
+                      <a:pPr algn="ctr" fontAlgn="ctr"/>
+                      <a:r>
+                        <a:rPr lang="en-IN" sz="1100" u="none" strike="noStrike">
+                          <a:solidFill>
+                            <a:schemeClr val="tx1">
+                              <a:lumMod val="75000"/>
+                              <a:lumOff val="25000"/>
+                            </a:schemeClr>
+                          </a:solidFill>
+                          <a:effectLst/>
+                        </a:rPr>
+                        <a:t>1091</a:t>
+                      </a:r>
+                      <a:endParaRPr lang="en-IN" sz="1100" b="0" i="0" u="none" strike="noStrike">
+                        <a:solidFill>
+                          <a:schemeClr val="tx1">
+                            <a:lumMod val="75000"/>
+                            <a:lumOff val="25000"/>
+                          </a:schemeClr>
+                        </a:solidFill>
+                        <a:effectLst/>
+                        <a:latin typeface="Calibri" panose="020F0502020204030204" pitchFamily="34" charset="0"/>
+                      </a:endParaRPr>
+                    </a:p>
+                  </a:txBody>
+                  <a:tcPr marL="7620" marR="7620" marT="7620" marB="0" anchor="ctr">
+                    <a:solidFill>
+                      <a:schemeClr val="accent3">
+                        <a:lumMod val="20000"/>
+                        <a:lumOff val="80000"/>
+                      </a:schemeClr>
+                    </a:solidFill>
+                  </a:tcPr>
+                </a:tc>
+                <a:tc>
+                  <a:txBody>
+                    <a:bodyPr/>
+                    <a:lstStyle/>
+                    <a:p>
+                      <a:pPr algn="ctr" fontAlgn="ctr"/>
+                      <a:r>
+                        <a:rPr lang="en-IN" sz="1100" u="none" strike="noStrike" dirty="0">
+                          <a:solidFill>
+                            <a:schemeClr val="tx1">
+                              <a:lumMod val="75000"/>
+                              <a:lumOff val="25000"/>
+                            </a:schemeClr>
+                          </a:solidFill>
+                          <a:effectLst/>
+                        </a:rPr>
+                        <a:t>215</a:t>
+                      </a:r>
+                      <a:endParaRPr lang="en-IN" sz="1100" b="0" i="0" u="none" strike="noStrike" dirty="0">
+                        <a:solidFill>
+                          <a:schemeClr val="tx1">
+                            <a:lumMod val="75000"/>
+                            <a:lumOff val="25000"/>
+                          </a:schemeClr>
+                        </a:solidFill>
+                        <a:effectLst/>
+                        <a:latin typeface="Calibri" panose="020F0502020204030204" pitchFamily="34" charset="0"/>
+                      </a:endParaRPr>
+                    </a:p>
+                  </a:txBody>
+                  <a:tcPr marL="7620" marR="7620" marT="7620" marB="0" anchor="ctr">
+                    <a:solidFill>
+                      <a:schemeClr val="accent3">
+                        <a:lumMod val="20000"/>
+                        <a:lumOff val="80000"/>
+                      </a:schemeClr>
+                    </a:solidFill>
+                  </a:tcPr>
+                </a:tc>
+                <a:tc>
+                  <a:txBody>
+                    <a:bodyPr/>
+                    <a:lstStyle/>
+                    <a:p>
+                      <a:pPr algn="ctr" fontAlgn="ctr"/>
+                      <a:r>
+                        <a:rPr lang="en-IN" sz="1100" u="none" strike="noStrike" dirty="0">
+                          <a:solidFill>
+                            <a:schemeClr val="tx1">
+                              <a:lumMod val="75000"/>
+                              <a:lumOff val="25000"/>
+                            </a:schemeClr>
+                          </a:solidFill>
+                          <a:effectLst/>
+                        </a:rPr>
+                        <a:t>19.7</a:t>
+                      </a:r>
+                      <a:endParaRPr lang="en-IN" sz="1100" b="0" i="0" u="none" strike="noStrike" dirty="0">
+                        <a:solidFill>
+                          <a:schemeClr val="tx1">
+                            <a:lumMod val="75000"/>
+                            <a:lumOff val="25000"/>
+                          </a:schemeClr>
+                        </a:solidFill>
+                        <a:effectLst/>
+                        <a:latin typeface="Calibri" panose="020F0502020204030204" pitchFamily="34" charset="0"/>
+                      </a:endParaRPr>
+                    </a:p>
+                  </a:txBody>
+                  <a:tcPr marL="7620" marR="7620" marT="7620" marB="0" anchor="ctr">
+                    <a:lnR w="12700" cap="flat" cmpd="sng" algn="ctr">
+                      <a:solidFill>
+                        <a:schemeClr val="tx1"/>
+                      </a:solidFill>
+                      <a:prstDash val="solid"/>
+                      <a:round/>
+                      <a:headEnd type="none" w="med" len="med"/>
+                      <a:tailEnd type="none" w="med" len="med"/>
+                    </a:lnR>
+                    <a:solidFill>
+                      <a:schemeClr val="accent3">
+                        <a:lumMod val="20000"/>
+                        <a:lumOff val="80000"/>
+                      </a:schemeClr>
+                    </a:solidFill>
+                  </a:tcPr>
+                </a:tc>
+                <a:extLst>
+                  <a:ext uri="{0D108BD9-81ED-4DB2-BD59-A6C34878D82A}">
+                    <a16:rowId xmlns:a16="http://schemas.microsoft.com/office/drawing/2014/main" val="3955685734"/>
+                  </a:ext>
+                </a:extLst>
+              </a:tr>
+              <a:tr h="422927">
+                <a:tc>
+                  <a:txBody>
+                    <a:bodyPr/>
+                    <a:lstStyle/>
+                    <a:p>
+                      <a:pPr algn="ctr" fontAlgn="ctr"/>
+                      <a:r>
+                        <a:rPr lang="en-IN" sz="1100" u="none" strike="noStrike">
+                          <a:solidFill>
+                            <a:schemeClr val="tx1">
+                              <a:lumMod val="75000"/>
+                              <a:lumOff val="25000"/>
+                            </a:schemeClr>
+                          </a:solidFill>
+                          <a:effectLst/>
+                        </a:rPr>
+                        <a:t>5</a:t>
+                      </a:r>
+                      <a:endParaRPr lang="en-IN" sz="1100" b="0" i="0" u="none" strike="noStrike">
+                        <a:solidFill>
+                          <a:schemeClr val="tx1">
+                            <a:lumMod val="75000"/>
+                            <a:lumOff val="25000"/>
+                          </a:schemeClr>
+                        </a:solidFill>
+                        <a:effectLst/>
+                        <a:latin typeface="Calibri" panose="020F0502020204030204" pitchFamily="34" charset="0"/>
+                      </a:endParaRPr>
+                    </a:p>
+                  </a:txBody>
+                  <a:tcPr marL="7620" marR="7620" marT="7620" marB="0" anchor="ctr">
+                    <a:lnL w="12700" cap="flat" cmpd="sng" algn="ctr">
+                      <a:solidFill>
+                        <a:schemeClr val="tx1"/>
+                      </a:solidFill>
+                      <a:prstDash val="solid"/>
+                      <a:round/>
+                      <a:headEnd type="none" w="med" len="med"/>
+                      <a:tailEnd type="none" w="med" len="med"/>
+                    </a:lnL>
+                    <a:solidFill>
+                      <a:schemeClr val="accent3">
+                        <a:lumMod val="20000"/>
+                        <a:lumOff val="80000"/>
+                      </a:schemeClr>
+                    </a:solidFill>
+                  </a:tcPr>
+                </a:tc>
+                <a:tc>
+                  <a:txBody>
+                    <a:bodyPr/>
+                    <a:lstStyle/>
+                    <a:p>
+                      <a:pPr algn="ctr" fontAlgn="ctr"/>
+                      <a:r>
+                        <a:rPr lang="en-IN" sz="1100" u="none" strike="noStrike">
+                          <a:solidFill>
+                            <a:schemeClr val="tx1">
+                              <a:lumMod val="75000"/>
+                              <a:lumOff val="25000"/>
+                            </a:schemeClr>
+                          </a:solidFill>
+                          <a:effectLst/>
+                        </a:rPr>
+                        <a:t>Staten Island</a:t>
+                      </a:r>
+                      <a:endParaRPr lang="en-IN" sz="1100" b="0" i="0" u="none" strike="noStrike">
+                        <a:solidFill>
+                          <a:schemeClr val="tx1">
+                            <a:lumMod val="75000"/>
+                            <a:lumOff val="25000"/>
+                          </a:schemeClr>
+                        </a:solidFill>
+                        <a:effectLst/>
+                        <a:latin typeface="Calibri" panose="020F0502020204030204" pitchFamily="34" charset="0"/>
+                      </a:endParaRPr>
+                    </a:p>
+                  </a:txBody>
+                  <a:tcPr marL="7620" marR="7620" marT="7620" marB="0" anchor="ctr">
+                    <a:solidFill>
+                      <a:schemeClr val="accent3">
+                        <a:lumMod val="20000"/>
+                        <a:lumOff val="80000"/>
+                      </a:schemeClr>
+                    </a:solidFill>
+                  </a:tcPr>
+                </a:tc>
+                <a:tc>
+                  <a:txBody>
+                    <a:bodyPr/>
+                    <a:lstStyle/>
+                    <a:p>
+                      <a:pPr algn="ctr" fontAlgn="ctr"/>
+                      <a:r>
+                        <a:rPr lang="en-IN" sz="1100" u="none" strike="noStrike">
+                          <a:solidFill>
+                            <a:schemeClr val="tx1">
+                              <a:lumMod val="75000"/>
+                              <a:lumOff val="25000"/>
+                            </a:schemeClr>
+                          </a:solidFill>
+                          <a:effectLst/>
+                        </a:rPr>
+                        <a:t>373</a:t>
+                      </a:r>
+                      <a:endParaRPr lang="en-IN" sz="1100" b="0" i="0" u="none" strike="noStrike">
+                        <a:solidFill>
+                          <a:schemeClr val="tx1">
+                            <a:lumMod val="75000"/>
+                            <a:lumOff val="25000"/>
+                          </a:schemeClr>
+                        </a:solidFill>
+                        <a:effectLst/>
+                        <a:latin typeface="Calibri" panose="020F0502020204030204" pitchFamily="34" charset="0"/>
+                      </a:endParaRPr>
+                    </a:p>
+                  </a:txBody>
+                  <a:tcPr marL="7620" marR="7620" marT="7620" marB="0" anchor="ctr">
+                    <a:solidFill>
+                      <a:schemeClr val="accent3">
+                        <a:lumMod val="20000"/>
+                        <a:lumOff val="80000"/>
+                      </a:schemeClr>
+                    </a:solidFill>
+                  </a:tcPr>
+                </a:tc>
+                <a:tc>
+                  <a:txBody>
+                    <a:bodyPr/>
+                    <a:lstStyle/>
+                    <a:p>
+                      <a:pPr algn="ctr" fontAlgn="ctr"/>
+                      <a:r>
+                        <a:rPr lang="en-IN" sz="1100" u="none" strike="noStrike" dirty="0">
+                          <a:solidFill>
+                            <a:schemeClr val="tx1">
+                              <a:lumMod val="75000"/>
+                              <a:lumOff val="25000"/>
+                            </a:schemeClr>
+                          </a:solidFill>
+                          <a:effectLst/>
+                        </a:rPr>
+                        <a:t>59</a:t>
+                      </a:r>
+                      <a:endParaRPr lang="en-IN" sz="1100" b="0" i="0" u="none" strike="noStrike" dirty="0">
+                        <a:solidFill>
+                          <a:schemeClr val="tx1">
+                            <a:lumMod val="75000"/>
+                            <a:lumOff val="25000"/>
+                          </a:schemeClr>
+                        </a:solidFill>
+                        <a:effectLst/>
+                        <a:latin typeface="Calibri" panose="020F0502020204030204" pitchFamily="34" charset="0"/>
+                      </a:endParaRPr>
+                    </a:p>
+                  </a:txBody>
+                  <a:tcPr marL="7620" marR="7620" marT="7620" marB="0" anchor="ctr">
+                    <a:solidFill>
+                      <a:schemeClr val="accent3">
+                        <a:lumMod val="20000"/>
+                        <a:lumOff val="80000"/>
+                      </a:schemeClr>
+                    </a:solidFill>
+                  </a:tcPr>
+                </a:tc>
+                <a:tc>
+                  <a:txBody>
+                    <a:bodyPr/>
+                    <a:lstStyle/>
+                    <a:p>
+                      <a:pPr algn="ctr" fontAlgn="ctr"/>
+                      <a:r>
+                        <a:rPr lang="en-IN" sz="1100" u="none" strike="noStrike" dirty="0">
+                          <a:solidFill>
+                            <a:schemeClr val="tx1">
+                              <a:lumMod val="75000"/>
+                              <a:lumOff val="25000"/>
+                            </a:schemeClr>
+                          </a:solidFill>
+                          <a:effectLst/>
+                        </a:rPr>
+                        <a:t>15.8</a:t>
+                      </a:r>
+                      <a:endParaRPr lang="en-IN" sz="1100" b="0" i="0" u="none" strike="noStrike" dirty="0">
+                        <a:solidFill>
+                          <a:schemeClr val="tx1">
+                            <a:lumMod val="75000"/>
+                            <a:lumOff val="25000"/>
+                          </a:schemeClr>
+                        </a:solidFill>
+                        <a:effectLst/>
+                        <a:latin typeface="Calibri" panose="020F0502020204030204" pitchFamily="34" charset="0"/>
+                      </a:endParaRPr>
+                    </a:p>
+                  </a:txBody>
+                  <a:tcPr marL="7620" marR="7620" marT="7620" marB="0" anchor="ctr">
+                    <a:lnR w="12700" cap="flat" cmpd="sng" algn="ctr">
+                      <a:solidFill>
+                        <a:schemeClr val="tx1"/>
+                      </a:solidFill>
+                      <a:prstDash val="solid"/>
+                      <a:round/>
+                      <a:headEnd type="none" w="med" len="med"/>
+                      <a:tailEnd type="none" w="med" len="med"/>
+                    </a:lnR>
+                    <a:solidFill>
+                      <a:schemeClr val="accent3">
+                        <a:lumMod val="20000"/>
+                        <a:lumOff val="80000"/>
+                      </a:schemeClr>
+                    </a:solidFill>
+                  </a:tcPr>
+                </a:tc>
+                <a:extLst>
+                  <a:ext uri="{0D108BD9-81ED-4DB2-BD59-A6C34878D82A}">
+                    <a16:rowId xmlns:a16="http://schemas.microsoft.com/office/drawing/2014/main" val="3923266988"/>
+                  </a:ext>
+                </a:extLst>
+              </a:tr>
+              <a:tr h="422927">
+                <a:tc gridSpan="2">
+                  <a:txBody>
+                    <a:bodyPr/>
+                    <a:lstStyle/>
+                    <a:p>
+                      <a:pPr algn="ctr" fontAlgn="ctr"/>
+                      <a:r>
+                        <a:rPr lang="en-IN" sz="1100" u="none" strike="noStrike">
+                          <a:solidFill>
+                            <a:schemeClr val="tx1">
+                              <a:lumMod val="75000"/>
+                              <a:lumOff val="25000"/>
+                            </a:schemeClr>
+                          </a:solidFill>
+                          <a:effectLst/>
+                        </a:rPr>
+                        <a:t>Total</a:t>
+                      </a:r>
+                      <a:endParaRPr lang="en-IN" sz="1100" b="0" i="0" u="none" strike="noStrike">
+                        <a:solidFill>
+                          <a:schemeClr val="tx1">
+                            <a:lumMod val="75000"/>
+                            <a:lumOff val="25000"/>
+                          </a:schemeClr>
+                        </a:solidFill>
+                        <a:effectLst/>
+                        <a:latin typeface="Calibri" panose="020F0502020204030204" pitchFamily="34" charset="0"/>
+                      </a:endParaRPr>
+                    </a:p>
+                  </a:txBody>
+                  <a:tcPr marL="7620" marR="7620" marT="7620" marB="0" anchor="ctr">
+                    <a:lnL w="12700" cap="flat" cmpd="sng" algn="ctr">
+                      <a:solidFill>
+                        <a:schemeClr val="tx1"/>
+                      </a:solidFill>
+                      <a:prstDash val="solid"/>
+                      <a:round/>
+                      <a:headEnd type="none" w="med" len="med"/>
+                      <a:tailEnd type="none" w="med" len="med"/>
+                    </a:lnL>
+                    <a:lnB w="12700" cap="flat" cmpd="sng" algn="ctr">
+                      <a:solidFill>
+                        <a:schemeClr val="tx1"/>
+                      </a:solidFill>
+                      <a:prstDash val="solid"/>
+                      <a:round/>
+                      <a:headEnd type="none" w="med" len="med"/>
+                      <a:tailEnd type="none" w="med" len="med"/>
+                    </a:lnB>
+                    <a:solidFill>
+                      <a:schemeClr val="accent3">
+                        <a:lumMod val="20000"/>
+                        <a:lumOff val="80000"/>
+                      </a:schemeClr>
+                    </a:solidFill>
+                  </a:tcPr>
+                </a:tc>
+                <a:tc hMerge="1">
+                  <a:txBody>
+                    <a:bodyPr/>
+                    <a:lstStyle/>
+                    <a:p>
+                      <a:endParaRPr lang="en-IN"/>
+                    </a:p>
+                  </a:txBody>
+                  <a:tcPr/>
+                </a:tc>
+                <a:tc>
+                  <a:txBody>
+                    <a:bodyPr/>
+                    <a:lstStyle/>
+                    <a:p>
+                      <a:pPr algn="ctr" fontAlgn="ctr"/>
+                      <a:r>
+                        <a:rPr lang="en-IN" sz="1100" u="none" strike="noStrike">
+                          <a:solidFill>
+                            <a:schemeClr val="tx1">
+                              <a:lumMod val="75000"/>
+                              <a:lumOff val="25000"/>
+                            </a:schemeClr>
+                          </a:solidFill>
+                          <a:effectLst/>
+                        </a:rPr>
+                        <a:t>48895</a:t>
+                      </a:r>
+                      <a:endParaRPr lang="en-IN" sz="1100" b="0" i="0" u="none" strike="noStrike">
+                        <a:solidFill>
+                          <a:schemeClr val="tx1">
+                            <a:lumMod val="75000"/>
+                            <a:lumOff val="25000"/>
+                          </a:schemeClr>
+                        </a:solidFill>
+                        <a:effectLst/>
+                        <a:latin typeface="Calibri" panose="020F0502020204030204" pitchFamily="34" charset="0"/>
+                      </a:endParaRPr>
+                    </a:p>
+                  </a:txBody>
+                  <a:tcPr marL="7620" marR="7620" marT="7620" marB="0" anchor="ctr">
+                    <a:lnB w="12700" cap="flat" cmpd="sng" algn="ctr">
+                      <a:solidFill>
+                        <a:schemeClr val="tx1"/>
+                      </a:solidFill>
+                      <a:prstDash val="solid"/>
+                      <a:round/>
+                      <a:headEnd type="none" w="med" len="med"/>
+                      <a:tailEnd type="none" w="med" len="med"/>
+                    </a:lnB>
+                    <a:solidFill>
+                      <a:schemeClr val="accent3">
+                        <a:lumMod val="20000"/>
+                        <a:lumOff val="80000"/>
+                      </a:schemeClr>
+                    </a:solidFill>
+                  </a:tcPr>
+                </a:tc>
+                <a:tc>
+                  <a:txBody>
+                    <a:bodyPr/>
+                    <a:lstStyle/>
+                    <a:p>
+                      <a:pPr algn="ctr" fontAlgn="ctr"/>
+                      <a:r>
+                        <a:rPr lang="en-IN" sz="1100" u="none" strike="noStrike" dirty="0">
+                          <a:solidFill>
+                            <a:schemeClr val="tx1">
+                              <a:lumMod val="75000"/>
+                              <a:lumOff val="25000"/>
+                            </a:schemeClr>
+                          </a:solidFill>
+                          <a:effectLst/>
+                        </a:rPr>
+                        <a:t>10052</a:t>
+                      </a:r>
+                      <a:endParaRPr lang="en-IN" sz="1100" b="0" i="0" u="none" strike="noStrike" dirty="0">
+                        <a:solidFill>
+                          <a:schemeClr val="tx1">
+                            <a:lumMod val="75000"/>
+                            <a:lumOff val="25000"/>
+                          </a:schemeClr>
+                        </a:solidFill>
+                        <a:effectLst/>
+                        <a:latin typeface="Calibri" panose="020F0502020204030204" pitchFamily="34" charset="0"/>
+                      </a:endParaRPr>
+                    </a:p>
+                  </a:txBody>
+                  <a:tcPr marL="7620" marR="7620" marT="7620" marB="0" anchor="ctr">
+                    <a:lnB w="12700" cap="flat" cmpd="sng" algn="ctr">
+                      <a:solidFill>
+                        <a:schemeClr val="tx1"/>
+                      </a:solidFill>
+                      <a:prstDash val="solid"/>
+                      <a:round/>
+                      <a:headEnd type="none" w="med" len="med"/>
+                      <a:tailEnd type="none" w="med" len="med"/>
+                    </a:lnB>
+                    <a:solidFill>
+                      <a:schemeClr val="accent3">
+                        <a:lumMod val="20000"/>
+                        <a:lumOff val="80000"/>
+                      </a:schemeClr>
+                    </a:solidFill>
+                  </a:tcPr>
+                </a:tc>
+                <a:tc>
+                  <a:txBody>
+                    <a:bodyPr/>
+                    <a:lstStyle/>
+                    <a:p>
+                      <a:pPr algn="ctr" fontAlgn="ctr"/>
+                      <a:r>
+                        <a:rPr lang="en-IN" sz="1100" u="none" strike="noStrike" dirty="0">
+                          <a:solidFill>
+                            <a:schemeClr val="tx1">
+                              <a:lumMod val="75000"/>
+                              <a:lumOff val="25000"/>
+                            </a:schemeClr>
+                          </a:solidFill>
+                          <a:effectLst/>
+                        </a:rPr>
+                        <a:t>Avg. 20.6</a:t>
+                      </a:r>
+                      <a:endParaRPr lang="en-IN" sz="1100" b="0" i="0" u="none" strike="noStrike" dirty="0">
+                        <a:solidFill>
+                          <a:schemeClr val="tx1">
+                            <a:lumMod val="75000"/>
+                            <a:lumOff val="25000"/>
+                          </a:schemeClr>
+                        </a:solidFill>
+                        <a:effectLst/>
+                        <a:latin typeface="Calibri" panose="020F0502020204030204" pitchFamily="34" charset="0"/>
+                      </a:endParaRPr>
+                    </a:p>
+                  </a:txBody>
+                  <a:tcPr marL="7620" marR="7620" marT="7620" marB="0" anchor="ctr">
+                    <a:lnR w="12700" cap="flat" cmpd="sng" algn="ctr">
+                      <a:solidFill>
+                        <a:schemeClr val="tx1"/>
+                      </a:solidFill>
+                      <a:prstDash val="solid"/>
+                      <a:round/>
+                      <a:headEnd type="none" w="med" len="med"/>
+                      <a:tailEnd type="none" w="med" len="med"/>
+                    </a:lnR>
+                    <a:lnB w="12700" cap="flat" cmpd="sng" algn="ctr">
+                      <a:solidFill>
+                        <a:schemeClr val="tx1"/>
+                      </a:solidFill>
+                      <a:prstDash val="solid"/>
+                      <a:round/>
+                      <a:headEnd type="none" w="med" len="med"/>
+                      <a:tailEnd type="none" w="med" len="med"/>
+                    </a:lnB>
+                    <a:solidFill>
+                      <a:schemeClr val="accent3">
+                        <a:lumMod val="20000"/>
+                        <a:lumOff val="80000"/>
+                      </a:schemeClr>
+                    </a:solidFill>
+                  </a:tcPr>
+                </a:tc>
+                <a:extLst>
+                  <a:ext uri="{0D108BD9-81ED-4DB2-BD59-A6C34878D82A}">
+                    <a16:rowId xmlns:a16="http://schemas.microsoft.com/office/drawing/2014/main" val="892332705"/>
+                  </a:ext>
+                </a:extLst>
+              </a:tr>
+            </a:tbl>
+          </a:graphicData>
+        </a:graphic>
+      </p:graphicFrame>
+      <p:sp>
+        <p:nvSpPr>
+          <p:cNvPr id="7" name="TextBox 6">
+            <a:extLst>
+              <a:ext uri="{FF2B5EF4-FFF2-40B4-BE49-F238E27FC236}">
+                <a16:creationId xmlns:a16="http://schemas.microsoft.com/office/drawing/2014/main" id="{D5BE7EC5-F0C3-E26A-7C80-905ECAB6E8E9}"/>
+              </a:ext>
+            </a:extLst>
+          </p:cNvPr>
+          <p:cNvSpPr txBox="1"/>
+          <p:nvPr/>
+        </p:nvSpPr>
+        <p:spPr>
+          <a:xfrm>
+            <a:off x="4823037" y="2002816"/>
+            <a:ext cx="3279226" cy="261610"/>
+          </a:xfrm>
+          <a:prstGeom prst="rect">
+            <a:avLst/>
+          </a:prstGeom>
+          <a:noFill/>
+        </p:spPr>
+        <p:txBody>
+          <a:bodyPr wrap="square">
+            <a:spAutoFit/>
+          </a:bodyPr>
+          <a:lstStyle/>
+          <a:p>
+            <a:pPr algn="ctr"/>
+            <a:r>
+              <a:rPr lang="en-US" sz="1100" dirty="0">
+                <a:solidFill>
+                  <a:srgbClr val="000000"/>
+                </a:solidFill>
+                <a:latin typeface="Times New Roman" panose="02020603050405020304" pitchFamily="18" charset="0"/>
+                <a:cs typeface="Times New Roman" panose="02020603050405020304" pitchFamily="18" charset="0"/>
+              </a:rPr>
+              <a:t>Unpopular Properties </a:t>
+            </a:r>
+            <a:endParaRPr lang="en-IN" sz="1100" dirty="0"/>
+          </a:p>
+        </p:txBody>
+      </p:sp>
+      <p:sp>
+        <p:nvSpPr>
+          <p:cNvPr id="9" name="TextBox 8">
+            <a:extLst>
+              <a:ext uri="{FF2B5EF4-FFF2-40B4-BE49-F238E27FC236}">
+                <a16:creationId xmlns:a16="http://schemas.microsoft.com/office/drawing/2014/main" id="{906A3247-3BFE-EB62-2F8D-C26FCEEFBD24}"/>
+              </a:ext>
+            </a:extLst>
+          </p:cNvPr>
+          <p:cNvSpPr txBox="1"/>
+          <p:nvPr/>
+        </p:nvSpPr>
+        <p:spPr>
+          <a:xfrm>
+            <a:off x="1064918" y="1955861"/>
+            <a:ext cx="3279226" cy="261610"/>
+          </a:xfrm>
+          <a:prstGeom prst="rect">
+            <a:avLst/>
+          </a:prstGeom>
+          <a:noFill/>
+        </p:spPr>
+        <p:txBody>
+          <a:bodyPr wrap="square">
+            <a:spAutoFit/>
+          </a:bodyPr>
+          <a:lstStyle/>
+          <a:p>
+            <a:pPr algn="ctr"/>
+            <a:r>
+              <a:rPr lang="en-US" sz="1100" dirty="0">
+                <a:solidFill>
+                  <a:srgbClr val="000000"/>
+                </a:solidFill>
+                <a:latin typeface="Times New Roman" panose="02020603050405020304" pitchFamily="18" charset="0"/>
+                <a:cs typeface="Times New Roman" panose="02020603050405020304" pitchFamily="18" charset="0"/>
+              </a:rPr>
+              <a:t>Unpopular Properties Location</a:t>
             </a:r>
             <a:endParaRPr lang="en-IN" sz="1100" dirty="0"/>
           </a:p>
@@ -9404,7 +12875,295 @@
 </p:sld>
 </file>
 
+<file path=ppt/slides/slide13.xml><?xml version="1.0" encoding="utf-8"?>
+<p:sld xmlns:a="http://schemas.openxmlformats.org/drawingml/2006/main" xmlns:r="http://schemas.openxmlformats.org/officeDocument/2006/relationships" xmlns:p="http://schemas.openxmlformats.org/presentationml/2006/main">
+  <p:cSld>
+    <p:spTree>
+      <p:nvGrpSpPr>
+        <p:cNvPr id="1" name=""/>
+        <p:cNvGrpSpPr/>
+        <p:nvPr/>
+      </p:nvGrpSpPr>
+      <p:grpSpPr>
+        <a:xfrm>
+          <a:off x="0" y="0"/>
+          <a:ext cx="0" cy="0"/>
+          <a:chOff x="0" y="0"/>
+          <a:chExt cx="0" cy="0"/>
+        </a:xfrm>
+      </p:grpSpPr>
+      <p:sp>
+        <p:nvSpPr>
+          <p:cNvPr id="9" name="TextBox 8">
+            <a:extLst>
+              <a:ext uri="{FF2B5EF4-FFF2-40B4-BE49-F238E27FC236}">
+                <a16:creationId xmlns:a16="http://schemas.microsoft.com/office/drawing/2014/main" id="{50446D8B-9D38-84BC-F8A1-A75BCEBF2073}"/>
+              </a:ext>
+            </a:extLst>
+          </p:cNvPr>
+          <p:cNvSpPr txBox="1"/>
+          <p:nvPr/>
+        </p:nvSpPr>
+        <p:spPr>
+          <a:xfrm>
+            <a:off x="3545634" y="104583"/>
+            <a:ext cx="5971590" cy="458074"/>
+          </a:xfrm>
+          <a:prstGeom prst="rect">
+            <a:avLst/>
+          </a:prstGeom>
+          <a:noFill/>
+        </p:spPr>
+        <p:txBody>
+          <a:bodyPr wrap="square">
+            <a:spAutoFit/>
+          </a:bodyPr>
+          <a:lstStyle/>
+          <a:p>
+            <a:pPr>
+              <a:lnSpc>
+                <a:spcPct val="150000"/>
+              </a:lnSpc>
+              <a:spcAft>
+                <a:spcPts val="675"/>
+              </a:spcAft>
+            </a:pPr>
+            <a:r>
+              <a:rPr lang="en-US" sz="1800" b="1" dirty="0">
+                <a:solidFill>
+                  <a:srgbClr val="000000"/>
+                </a:solidFill>
+                <a:latin typeface="Times New Roman" panose="02020603050405020304" pitchFamily="18" charset="0"/>
+                <a:cs typeface="Times New Roman" panose="02020603050405020304" pitchFamily="18" charset="0"/>
+              </a:rPr>
+              <a:t>How to get unpopular properties more traction? </a:t>
+            </a:r>
+          </a:p>
+        </p:txBody>
+      </p:sp>
+      <p:sp>
+        <p:nvSpPr>
+          <p:cNvPr id="11" name="TextBox 10">
+            <a:extLst>
+              <a:ext uri="{FF2B5EF4-FFF2-40B4-BE49-F238E27FC236}">
+                <a16:creationId xmlns:a16="http://schemas.microsoft.com/office/drawing/2014/main" id="{D1422A8E-157F-3A64-08A1-B8E1F821F874}"/>
+              </a:ext>
+            </a:extLst>
+          </p:cNvPr>
+          <p:cNvSpPr txBox="1"/>
+          <p:nvPr/>
+        </p:nvSpPr>
+        <p:spPr>
+          <a:xfrm>
+            <a:off x="954832" y="1012693"/>
+            <a:ext cx="10633788" cy="3635867"/>
+          </a:xfrm>
+          <a:prstGeom prst="rect">
+            <a:avLst/>
+          </a:prstGeom>
+          <a:noFill/>
+        </p:spPr>
+        <p:txBody>
+          <a:bodyPr wrap="square">
+            <a:spAutoFit/>
+          </a:bodyPr>
+          <a:lstStyle/>
+          <a:p>
+            <a:pPr marL="285750" indent="-285750" algn="just">
+              <a:lnSpc>
+                <a:spcPct val="150000"/>
+              </a:lnSpc>
+              <a:spcAft>
+                <a:spcPts val="675"/>
+              </a:spcAft>
+              <a:buFont typeface="Arial" panose="020B0604020202020204" pitchFamily="34" charset="0"/>
+              <a:buChar char="•"/>
+            </a:pPr>
+            <a:r>
+              <a:rPr lang="en-US" b="1" dirty="0">
+                <a:latin typeface="Times New Roman" panose="02020603050405020304" pitchFamily="18" charset="0"/>
+                <a:cs typeface="Times New Roman" panose="02020603050405020304" pitchFamily="18" charset="0"/>
+              </a:rPr>
+              <a:t>Identify and Add Popular Amenities</a:t>
+            </a:r>
+            <a:r>
+              <a:rPr lang="en-US" dirty="0">
+                <a:latin typeface="Times New Roman" panose="02020603050405020304" pitchFamily="18" charset="0"/>
+                <a:cs typeface="Times New Roman" panose="02020603050405020304" pitchFamily="18" charset="0"/>
+              </a:rPr>
+              <a:t>: Through reviews and customer preference data, identify essential amenities missing in these listings (like Wi-Fi, workspace, or basic kitchen items) and suggest that hosts consider these upgrades.</a:t>
+            </a:r>
+            <a:endParaRPr lang="en-IN" b="1" dirty="0">
+              <a:latin typeface="Times New Roman" panose="02020603050405020304" pitchFamily="18" charset="0"/>
+              <a:cs typeface="Times New Roman" panose="02020603050405020304" pitchFamily="18" charset="0"/>
+            </a:endParaRPr>
+          </a:p>
+          <a:p>
+            <a:pPr marL="285750" indent="-285750" algn="just">
+              <a:lnSpc>
+                <a:spcPct val="150000"/>
+              </a:lnSpc>
+              <a:spcAft>
+                <a:spcPts val="675"/>
+              </a:spcAft>
+              <a:buFont typeface="Arial" panose="020B0604020202020204" pitchFamily="34" charset="0"/>
+              <a:buChar char="•"/>
+            </a:pPr>
+            <a:r>
+              <a:rPr lang="en-IN" b="1" dirty="0">
+                <a:latin typeface="Times New Roman" panose="02020603050405020304" pitchFamily="18" charset="0"/>
+                <a:cs typeface="Times New Roman" panose="02020603050405020304" pitchFamily="18" charset="0"/>
+              </a:rPr>
+              <a:t>Targeted Marketing Campaigns</a:t>
+            </a:r>
+            <a:r>
+              <a:rPr lang="en-IN" dirty="0">
+                <a:latin typeface="Times New Roman" panose="02020603050405020304" pitchFamily="18" charset="0"/>
+                <a:cs typeface="Times New Roman" panose="02020603050405020304" pitchFamily="18" charset="0"/>
+              </a:rPr>
+              <a:t>: </a:t>
+            </a:r>
+            <a:r>
+              <a:rPr lang="en-US" dirty="0">
+                <a:latin typeface="Times New Roman" panose="02020603050405020304" pitchFamily="18" charset="0"/>
+                <a:cs typeface="Times New Roman" panose="02020603050405020304" pitchFamily="18" charset="0"/>
+              </a:rPr>
+              <a:t>Market these listings on Airbnb’s social media channels, emphasizing their unique aspects (e.g., historic buildings, cozy spaces, scenic views</a:t>
+            </a:r>
+          </a:p>
+          <a:p>
+            <a:pPr marL="285750" indent="-285750" algn="just">
+              <a:lnSpc>
+                <a:spcPct val="150000"/>
+              </a:lnSpc>
+              <a:spcAft>
+                <a:spcPts val="675"/>
+              </a:spcAft>
+              <a:buFont typeface="Arial" panose="020B0604020202020204" pitchFamily="34" charset="0"/>
+              <a:buChar char="•"/>
+            </a:pPr>
+            <a:r>
+              <a:rPr lang="en-US" b="1" dirty="0">
+                <a:latin typeface="Times New Roman" panose="02020603050405020304" pitchFamily="18" charset="0"/>
+                <a:cs typeface="Times New Roman" panose="02020603050405020304" pitchFamily="18" charset="0"/>
+              </a:rPr>
+              <a:t>Flexible Cancellation Policies</a:t>
+            </a:r>
+            <a:r>
+              <a:rPr lang="en-US" dirty="0">
+                <a:latin typeface="Times New Roman" panose="02020603050405020304" pitchFamily="18" charset="0"/>
+                <a:cs typeface="Times New Roman" panose="02020603050405020304" pitchFamily="18" charset="0"/>
+              </a:rPr>
+              <a:t>: Properties with flexible cancellation options often attract more bookings; encourage hosts of unpopular properties to adopt this option if feasible.</a:t>
+            </a:r>
+          </a:p>
+          <a:p>
+            <a:pPr marL="285750" indent="-285750" algn="just">
+              <a:lnSpc>
+                <a:spcPct val="150000"/>
+              </a:lnSpc>
+              <a:spcAft>
+                <a:spcPts val="675"/>
+              </a:spcAft>
+              <a:buFont typeface="Arial" panose="020B0604020202020204" pitchFamily="34" charset="0"/>
+              <a:buChar char="•"/>
+            </a:pPr>
+            <a:r>
+              <a:rPr lang="en-US" dirty="0">
+                <a:latin typeface="Times New Roman" panose="02020603050405020304" pitchFamily="18" charset="0"/>
+                <a:cs typeface="Times New Roman" panose="02020603050405020304" pitchFamily="18" charset="0"/>
+              </a:rPr>
+              <a:t>Use Guest Feedback for Targeted Improvements &amp; Encourage Reviews for Recent Guests</a:t>
+            </a:r>
+            <a:endParaRPr lang="en-US" sz="1800" dirty="0">
+              <a:solidFill>
+                <a:srgbClr val="000000"/>
+              </a:solidFill>
+              <a:latin typeface="Times New Roman" panose="02020603050405020304" pitchFamily="18" charset="0"/>
+              <a:cs typeface="Times New Roman" panose="02020603050405020304" pitchFamily="18" charset="0"/>
+            </a:endParaRPr>
+          </a:p>
+        </p:txBody>
+      </p:sp>
+    </p:spTree>
+    <p:extLst>
+      <p:ext uri="{BB962C8B-B14F-4D97-AF65-F5344CB8AC3E}">
+        <p14:creationId xmlns:p14="http://schemas.microsoft.com/office/powerpoint/2010/main" val="2596417464"/>
+      </p:ext>
+    </p:extLst>
+  </p:cSld>
+  <p:clrMapOvr>
+    <a:masterClrMapping/>
+  </p:clrMapOvr>
+</p:sld>
+</file>
+
 <file path=ppt/slides/slide14.xml><?xml version="1.0" encoding="utf-8"?>
+<p:sld xmlns:a="http://schemas.openxmlformats.org/drawingml/2006/main" xmlns:r="http://schemas.openxmlformats.org/officeDocument/2006/relationships" xmlns:p="http://schemas.openxmlformats.org/presentationml/2006/main">
+  <p:cSld>
+    <p:spTree>
+      <p:nvGrpSpPr>
+        <p:cNvPr id="1" name=""/>
+        <p:cNvGrpSpPr/>
+        <p:nvPr/>
+      </p:nvGrpSpPr>
+      <p:grpSpPr>
+        <a:xfrm>
+          <a:off x="0" y="0"/>
+          <a:ext cx="0" cy="0"/>
+          <a:chOff x="0" y="0"/>
+          <a:chExt cx="0" cy="0"/>
+        </a:xfrm>
+      </p:grpSpPr>
+      <p:sp>
+        <p:nvSpPr>
+          <p:cNvPr id="3" name="TextBox 2">
+            <a:extLst>
+              <a:ext uri="{FF2B5EF4-FFF2-40B4-BE49-F238E27FC236}">
+                <a16:creationId xmlns:a16="http://schemas.microsoft.com/office/drawing/2014/main" id="{870371DF-E554-AD74-2ABF-4822605604C7}"/>
+              </a:ext>
+            </a:extLst>
+          </p:cNvPr>
+          <p:cNvSpPr txBox="1"/>
+          <p:nvPr/>
+        </p:nvSpPr>
+        <p:spPr>
+          <a:xfrm>
+            <a:off x="3599284" y="81256"/>
+            <a:ext cx="6097554" cy="369332"/>
+          </a:xfrm>
+          <a:prstGeom prst="rect">
+            <a:avLst/>
+          </a:prstGeom>
+          <a:noFill/>
+        </p:spPr>
+        <p:txBody>
+          <a:bodyPr wrap="square">
+            <a:spAutoFit/>
+          </a:bodyPr>
+          <a:lstStyle/>
+          <a:p>
+            <a:r>
+              <a:rPr lang="en-US" dirty="0"/>
+              <a:t>Clustered maps showing demand hotspots.</a:t>
+            </a:r>
+          </a:p>
+        </p:txBody>
+      </p:sp>
+    </p:spTree>
+    <p:extLst>
+      <p:ext uri="{BB962C8B-B14F-4D97-AF65-F5344CB8AC3E}">
+        <p14:creationId xmlns:p14="http://schemas.microsoft.com/office/powerpoint/2010/main" val="2945810922"/>
+      </p:ext>
+    </p:extLst>
+  </p:cSld>
+  <p:clrMapOvr>
+    <a:masterClrMapping/>
+  </p:clrMapOvr>
+</p:sld>
+</file>
+
+<file path=ppt/slides/slide15.xml><?xml version="1.0" encoding="utf-8"?>
 <p:sld xmlns:a="http://schemas.openxmlformats.org/drawingml/2006/main" xmlns:r="http://schemas.openxmlformats.org/officeDocument/2006/relationships" xmlns:p="http://schemas.openxmlformats.org/presentationml/2006/main">
   <p:cSld>
     <p:spTree>
@@ -9511,7 +13270,7 @@
 </p:sld>
 </file>
 
-<file path=ppt/slides/slide15.xml><?xml version="1.0" encoding="utf-8"?>
+<file path=ppt/slides/slide16.xml><?xml version="1.0" encoding="utf-8"?>
 <p:sld xmlns:a="http://schemas.openxmlformats.org/drawingml/2006/main" xmlns:r="http://schemas.openxmlformats.org/officeDocument/2006/relationships" xmlns:p="http://schemas.openxmlformats.org/presentationml/2006/main">
   <p:cSld>
     <p:spTree>
@@ -9569,6 +13328,42 @@
               </a:rPr>
               <a:t>APPENDIX</a:t>
             </a:r>
+          </a:p>
+        </p:txBody>
+      </p:sp>
+      <p:sp>
+        <p:nvSpPr>
+          <p:cNvPr id="3" name="TextBox 2">
+            <a:extLst>
+              <a:ext uri="{FF2B5EF4-FFF2-40B4-BE49-F238E27FC236}">
+                <a16:creationId xmlns:a16="http://schemas.microsoft.com/office/drawing/2014/main" id="{70B83800-A7DF-3CF3-1CCD-F851F74F3978}"/>
+              </a:ext>
+            </a:extLst>
+          </p:cNvPr>
+          <p:cNvSpPr txBox="1"/>
+          <p:nvPr/>
+        </p:nvSpPr>
+        <p:spPr>
+          <a:xfrm>
+            <a:off x="886408" y="3564294"/>
+            <a:ext cx="1502912" cy="369332"/>
+          </a:xfrm>
+          <a:prstGeom prst="rect">
+            <a:avLst/>
+          </a:prstGeom>
+          <a:noFill/>
+        </p:spPr>
+        <p:txBody>
+          <a:bodyPr wrap="none" rtlCol="0">
+            <a:spAutoFit/>
+          </a:bodyPr>
+          <a:lstStyle/>
+          <a:p>
+            <a:r>
+              <a:rPr lang="en-US" dirty="0"/>
+              <a:t>Assumptions: </a:t>
+            </a:r>
+            <a:endParaRPr lang="en-IN" dirty="0"/>
           </a:p>
         </p:txBody>
       </p:sp>
@@ -9663,18 +13458,18 @@
           <p:nvPr>
             <p:extLst>
               <p:ext uri="{D42A27DB-BD31-4B8C-83A1-F6EECF244321}">
-                <p14:modId xmlns:p14="http://schemas.microsoft.com/office/powerpoint/2010/main" val="1698493302"/>
+                <p14:modId xmlns:p14="http://schemas.microsoft.com/office/powerpoint/2010/main" val="1785108378"/>
               </p:ext>
             </p:extLst>
           </p:nvPr>
         </p:nvGraphicFramePr>
         <p:xfrm>
-          <a:off x="2055017" y="915436"/>
+          <a:off x="2473306" y="1111378"/>
           <a:ext cx="7245388" cy="5027127"/>
         </p:xfrm>
         <a:graphic>
           <a:graphicData uri="http://schemas.openxmlformats.org/drawingml/2006/diagram">
-            <dgm:relIds xmlns:dgm="http://schemas.openxmlformats.org/drawingml/2006/diagram" xmlns:r="http://schemas.openxmlformats.org/officeDocument/2006/relationships" r:dm="rId2" r:lo="rId3" r:qs="rId4" r:cs="rId5"/>
+            <dgm:relIds xmlns:dgm="http://schemas.openxmlformats.org/drawingml/2006/diagram" xmlns:r="http://schemas.openxmlformats.org/officeDocument/2006/relationships" r:dm="rId3" r:lo="rId4" r:qs="rId5" r:cs="rId6"/>
           </a:graphicData>
         </a:graphic>
       </p:graphicFrame>
@@ -9767,8 +13562,8 @@
         </p:nvSpPr>
         <p:spPr>
           <a:xfrm>
-            <a:off x="1666209" y="952232"/>
-            <a:ext cx="10207691" cy="5268237"/>
+            <a:off x="1684871" y="1092191"/>
+            <a:ext cx="10207691" cy="4358694"/>
           </a:xfrm>
           <a:prstGeom prst="rect">
             <a:avLst/>
@@ -9792,7 +13587,7 @@
               <a:buChar char="•"/>
             </a:pPr>
             <a:r>
-              <a:rPr lang="en-US" sz="2500" dirty="0">
+              <a:rPr lang="en-US" sz="2000" dirty="0">
                 <a:solidFill>
                   <a:srgbClr val="000000"/>
                 </a:solidFill>
@@ -9814,7 +13609,7 @@
               <a:buChar char="•"/>
             </a:pPr>
             <a:r>
-              <a:rPr lang="en-US" sz="2500" dirty="0">
+              <a:rPr lang="en-US" sz="2000" dirty="0">
                 <a:solidFill>
                   <a:srgbClr val="000000"/>
                 </a:solidFill>
@@ -9836,7 +13631,7 @@
               <a:buChar char="•"/>
             </a:pPr>
             <a:r>
-              <a:rPr lang="en-US" sz="2500" dirty="0">
+              <a:rPr lang="en-US" sz="2000" dirty="0">
                 <a:solidFill>
                   <a:srgbClr val="000000"/>
                 </a:solidFill>
@@ -9858,7 +13653,7 @@
               <a:buChar char="•"/>
             </a:pPr>
             <a:r>
-              <a:rPr lang="en-US" sz="2500" dirty="0">
+              <a:rPr lang="en-US" sz="2000" dirty="0">
                 <a:solidFill>
                   <a:srgbClr val="000000"/>
                 </a:solidFill>
@@ -9880,7 +13675,7 @@
               <a:buChar char="•"/>
             </a:pPr>
             <a:r>
-              <a:rPr lang="en-US" sz="2500" dirty="0">
+              <a:rPr lang="en-US" sz="2000" dirty="0">
                 <a:solidFill>
                   <a:srgbClr val="000000"/>
                 </a:solidFill>
@@ -9890,7 +13685,7 @@
               <a:t>The various kinds of properties that exist </a:t>
             </a:r>
             <a:r>
-              <a:rPr lang="en-US" sz="2500" dirty="0" err="1">
+              <a:rPr lang="en-US" sz="2000" dirty="0" err="1">
                 <a:solidFill>
                   <a:srgbClr val="000000"/>
                 </a:solidFill>
@@ -9900,7 +13695,7 @@
               <a:t>w.r.t.</a:t>
             </a:r>
             <a:r>
-              <a:rPr lang="en-US" sz="2500" dirty="0">
+              <a:rPr lang="en-US" sz="2000" dirty="0">
                 <a:solidFill>
                   <a:srgbClr val="000000"/>
                 </a:solidFill>
@@ -9922,7 +13717,7 @@
               <a:buChar char="•"/>
             </a:pPr>
             <a:r>
-              <a:rPr lang="en-US" sz="2500" dirty="0">
+              <a:rPr lang="en-US" sz="2000" dirty="0">
                 <a:solidFill>
                   <a:srgbClr val="000000"/>
                 </a:solidFill>
@@ -9944,7 +13739,7 @@
               <a:buChar char="•"/>
             </a:pPr>
             <a:r>
-              <a:rPr lang="en-US" sz="2500" dirty="0">
+              <a:rPr lang="en-US" sz="2000" dirty="0">
                 <a:solidFill>
                   <a:srgbClr val="000000"/>
                 </a:solidFill>
@@ -9966,7 +13761,7 @@
               <a:buChar char="•"/>
             </a:pPr>
             <a:r>
-              <a:rPr lang="en-US" sz="2500" dirty="0">
+              <a:rPr lang="en-US" sz="2000" dirty="0">
                 <a:solidFill>
                   <a:srgbClr val="000000"/>
                 </a:solidFill>
@@ -10066,7 +13861,7 @@
         </p:nvSpPr>
         <p:spPr>
           <a:xfrm>
-            <a:off x="1919776" y="1293666"/>
+            <a:off x="1882453" y="1135046"/>
             <a:ext cx="8847753" cy="3076291"/>
           </a:xfrm>
           <a:prstGeom prst="rect">
@@ -10308,41 +14103,20 @@
         </p:blipFill>
         <p:spPr>
           <a:xfrm>
-            <a:off x="88641" y="1092259"/>
-            <a:ext cx="7990115" cy="4827211"/>
+            <a:off x="142922" y="1782162"/>
+            <a:ext cx="8200868" cy="4954537"/>
           </a:xfrm>
           <a:prstGeom prst="rect">
             <a:avLst/>
           </a:prstGeom>
-        </p:spPr>
-      </p:pic>
-      <p:pic>
-        <p:nvPicPr>
-          <p:cNvPr id="16" name="Picture 15">
-            <a:extLst>
-              <a:ext uri="{FF2B5EF4-FFF2-40B4-BE49-F238E27FC236}">
-                <a16:creationId xmlns:a16="http://schemas.microsoft.com/office/drawing/2014/main" id="{E5DC1C45-89AC-E327-0172-00B209A80179}"/>
-              </a:ext>
-            </a:extLst>
-          </p:cNvPr>
-          <p:cNvPicPr>
-            <a:picLocks noChangeAspect="1"/>
-          </p:cNvPicPr>
-          <p:nvPr/>
-        </p:nvPicPr>
-        <p:blipFill>
-          <a:blip r:embed="rId3"/>
-          <a:srcRect l="2143" b="1683"/>
-          <a:stretch/>
-        </p:blipFill>
-        <p:spPr>
-          <a:xfrm>
-            <a:off x="8098973" y="1479389"/>
-            <a:ext cx="3984171" cy="3633791"/>
-          </a:xfrm>
-          <a:prstGeom prst="rect">
-            <a:avLst/>
-          </a:prstGeom>
+          <a:ln>
+            <a:solidFill>
+              <a:schemeClr val="bg1">
+                <a:lumMod val="50000"/>
+              </a:schemeClr>
+            </a:solidFill>
+          </a:ln>
+          <a:effectLst/>
         </p:spPr>
       </p:pic>
       <p:sp>
@@ -10359,8 +14133,8 @@
         </p:nvSpPr>
         <p:spPr>
           <a:xfrm>
-            <a:off x="9267178" y="1092259"/>
-            <a:ext cx="1570815" cy="276999"/>
+            <a:off x="9060440" y="1645580"/>
+            <a:ext cx="2892715" cy="276999"/>
           </a:xfrm>
           <a:prstGeom prst="rect">
             <a:avLst/>
@@ -10375,12 +14149,229 @@
           <a:p>
             <a:r>
               <a:rPr lang="en-US" sz="1200" b="1" dirty="0"/>
-              <a:t>Top 10 Neighborhood</a:t>
+              <a:t>Neighborhoods Group by Count of Listings</a:t>
             </a:r>
             <a:endParaRPr lang="en-IN" sz="1200" b="1" dirty="0"/>
           </a:p>
         </p:txBody>
       </p:sp>
+      <p:sp>
+        <p:nvSpPr>
+          <p:cNvPr id="5" name="TextBox 4">
+            <a:extLst>
+              <a:ext uri="{FF2B5EF4-FFF2-40B4-BE49-F238E27FC236}">
+                <a16:creationId xmlns:a16="http://schemas.microsoft.com/office/drawing/2014/main" id="{38234D4F-8A16-D13A-E43E-02820F95B402}"/>
+              </a:ext>
+            </a:extLst>
+          </p:cNvPr>
+          <p:cNvSpPr txBox="1"/>
+          <p:nvPr/>
+        </p:nvSpPr>
+        <p:spPr>
+          <a:xfrm>
+            <a:off x="9163714" y="3654488"/>
+            <a:ext cx="2635401" cy="276999"/>
+          </a:xfrm>
+          <a:prstGeom prst="rect">
+            <a:avLst/>
+          </a:prstGeom>
+          <a:noFill/>
+        </p:spPr>
+        <p:txBody>
+          <a:bodyPr wrap="none" rtlCol="0">
+            <a:spAutoFit/>
+          </a:bodyPr>
+          <a:lstStyle/>
+          <a:p>
+            <a:r>
+              <a:rPr lang="en-US" sz="1200" b="1" dirty="0"/>
+              <a:t>Top 10 Neighborhoods by Review Sum</a:t>
+            </a:r>
+            <a:endParaRPr lang="en-IN" sz="1200" b="1" dirty="0"/>
+          </a:p>
+        </p:txBody>
+      </p:sp>
+      <p:pic>
+        <p:nvPicPr>
+          <p:cNvPr id="7" name="Picture 6">
+            <a:extLst>
+              <a:ext uri="{FF2B5EF4-FFF2-40B4-BE49-F238E27FC236}">
+                <a16:creationId xmlns:a16="http://schemas.microsoft.com/office/drawing/2014/main" id="{45557B68-CB77-4AAE-83AD-85FD730AE0CC}"/>
+              </a:ext>
+            </a:extLst>
+          </p:cNvPr>
+          <p:cNvPicPr>
+            <a:picLocks noChangeAspect="1"/>
+          </p:cNvPicPr>
+          <p:nvPr/>
+        </p:nvPicPr>
+        <p:blipFill>
+          <a:blip r:embed="rId3"/>
+          <a:srcRect t="2616"/>
+          <a:stretch/>
+        </p:blipFill>
+        <p:spPr>
+          <a:xfrm>
+            <a:off x="8360229" y="3973927"/>
+            <a:ext cx="3831771" cy="2829710"/>
+          </a:xfrm>
+          <a:prstGeom prst="rect">
+            <a:avLst/>
+          </a:prstGeom>
+        </p:spPr>
+      </p:pic>
+      <p:pic>
+        <p:nvPicPr>
+          <p:cNvPr id="9" name="Picture 8">
+            <a:extLst>
+              <a:ext uri="{FF2B5EF4-FFF2-40B4-BE49-F238E27FC236}">
+                <a16:creationId xmlns:a16="http://schemas.microsoft.com/office/drawing/2014/main" id="{38B9EA7E-827D-12D3-3E38-AA976B3F1A53}"/>
+              </a:ext>
+            </a:extLst>
+          </p:cNvPr>
+          <p:cNvPicPr>
+            <a:picLocks noChangeAspect="1"/>
+          </p:cNvPicPr>
+          <p:nvPr/>
+        </p:nvPicPr>
+        <p:blipFill>
+          <a:blip r:embed="rId4"/>
+          <a:stretch>
+            <a:fillRect/>
+          </a:stretch>
+        </p:blipFill>
+        <p:spPr>
+          <a:xfrm>
+            <a:off x="11362192" y="4007438"/>
+            <a:ext cx="609600" cy="327660"/>
+          </a:xfrm>
+          <a:prstGeom prst="rect">
+            <a:avLst/>
+          </a:prstGeom>
+        </p:spPr>
+      </p:pic>
+      <p:sp>
+        <p:nvSpPr>
+          <p:cNvPr id="11" name="TextBox 10">
+            <a:extLst>
+              <a:ext uri="{FF2B5EF4-FFF2-40B4-BE49-F238E27FC236}">
+                <a16:creationId xmlns:a16="http://schemas.microsoft.com/office/drawing/2014/main" id="{4AE09BC0-1BF9-488E-B387-16341031E876}"/>
+              </a:ext>
+            </a:extLst>
+          </p:cNvPr>
+          <p:cNvSpPr txBox="1"/>
+          <p:nvPr/>
+        </p:nvSpPr>
+        <p:spPr>
+          <a:xfrm>
+            <a:off x="623656" y="640204"/>
+            <a:ext cx="6892977" cy="1023165"/>
+          </a:xfrm>
+          <a:prstGeom prst="rect">
+            <a:avLst/>
+          </a:prstGeom>
+          <a:noFill/>
+        </p:spPr>
+        <p:txBody>
+          <a:bodyPr wrap="none" rtlCol="0">
+            <a:spAutoFit/>
+          </a:bodyPr>
+          <a:lstStyle/>
+          <a:p>
+            <a:pPr marL="285750" indent="-285750">
+              <a:lnSpc>
+                <a:spcPct val="150000"/>
+              </a:lnSpc>
+              <a:buFont typeface="Arial" panose="020B0604020202020204" pitchFamily="34" charset="0"/>
+              <a:buChar char="•"/>
+            </a:pPr>
+            <a:r>
+              <a:rPr lang="en-US" sz="1400" dirty="0">
+                <a:latin typeface="Times New Roman" panose="02020603050405020304" pitchFamily="18" charset="0"/>
+                <a:cs typeface="Times New Roman" panose="02020603050405020304" pitchFamily="18" charset="0"/>
+              </a:rPr>
+              <a:t>Major Room types: Entire Home/Apt, Private Room</a:t>
+            </a:r>
+          </a:p>
+          <a:p>
+            <a:pPr marL="285750" indent="-285750">
+              <a:lnSpc>
+                <a:spcPct val="150000"/>
+              </a:lnSpc>
+              <a:buFont typeface="Arial" panose="020B0604020202020204" pitchFamily="34" charset="0"/>
+              <a:buChar char="•"/>
+            </a:pPr>
+            <a:r>
+              <a:rPr lang="en-US" sz="1400" dirty="0">
+                <a:latin typeface="Times New Roman" panose="02020603050405020304" pitchFamily="18" charset="0"/>
+                <a:cs typeface="Times New Roman" panose="02020603050405020304" pitchFamily="18" charset="0"/>
+              </a:rPr>
+              <a:t>Top Neighborhoods: Williamsburg, Bedford-Stuyvesant, Bushwick, East Village, </a:t>
+            </a:r>
+            <a:r>
+              <a:rPr lang="en-US" sz="1400" dirty="0" err="1">
+                <a:latin typeface="Times New Roman" panose="02020603050405020304" pitchFamily="18" charset="0"/>
+                <a:cs typeface="Times New Roman" panose="02020603050405020304" pitchFamily="18" charset="0"/>
+              </a:rPr>
+              <a:t>Herlem</a:t>
+            </a:r>
+            <a:endParaRPr lang="en-US" sz="1400" dirty="0">
+              <a:latin typeface="Times New Roman" panose="02020603050405020304" pitchFamily="18" charset="0"/>
+              <a:cs typeface="Times New Roman" panose="02020603050405020304" pitchFamily="18" charset="0"/>
+            </a:endParaRPr>
+          </a:p>
+          <a:p>
+            <a:pPr marL="285750" indent="-285750">
+              <a:lnSpc>
+                <a:spcPct val="150000"/>
+              </a:lnSpc>
+              <a:buFont typeface="Arial" panose="020B0604020202020204" pitchFamily="34" charset="0"/>
+              <a:buChar char="•"/>
+            </a:pPr>
+            <a:r>
+              <a:rPr lang="en-US" sz="1400" dirty="0">
+                <a:latin typeface="Times New Roman" panose="02020603050405020304" pitchFamily="18" charset="0"/>
+                <a:cs typeface="Times New Roman" panose="02020603050405020304" pitchFamily="18" charset="0"/>
+              </a:rPr>
+              <a:t>Top Neighborhoods group: Brooklyn, Manhattan</a:t>
+            </a:r>
+            <a:endParaRPr lang="en-IN" sz="1400" dirty="0">
+              <a:latin typeface="Times New Roman" panose="02020603050405020304" pitchFamily="18" charset="0"/>
+              <a:cs typeface="Times New Roman" panose="02020603050405020304" pitchFamily="18" charset="0"/>
+            </a:endParaRPr>
+          </a:p>
+        </p:txBody>
+      </p:sp>
+      <p:pic>
+        <p:nvPicPr>
+          <p:cNvPr id="12" name="Picture 11">
+            <a:extLst>
+              <a:ext uri="{FF2B5EF4-FFF2-40B4-BE49-F238E27FC236}">
+                <a16:creationId xmlns:a16="http://schemas.microsoft.com/office/drawing/2014/main" id="{DB688E20-EC7F-26D6-4CE7-C2D346DAAB29}"/>
+              </a:ext>
+            </a:extLst>
+          </p:cNvPr>
+          <p:cNvPicPr>
+            <a:picLocks noChangeAspect="1"/>
+          </p:cNvPicPr>
+          <p:nvPr/>
+        </p:nvPicPr>
+        <p:blipFill>
+          <a:blip r:embed="rId5"/>
+          <a:stretch>
+            <a:fillRect/>
+          </a:stretch>
+        </p:blipFill>
+        <p:spPr>
+          <a:xfrm>
+            <a:off x="8683020" y="1911004"/>
+            <a:ext cx="3186187" cy="1765065"/>
+          </a:xfrm>
+          <a:prstGeom prst="rect">
+            <a:avLst/>
+          </a:prstGeom>
+        </p:spPr>
+      </p:pic>
     </p:spTree>
     <p:extLst>
       <p:ext uri="{BB962C8B-B14F-4D97-AF65-F5344CB8AC3E}">
@@ -10459,10 +14450,10 @@
       </p:sp>
       <p:pic>
         <p:nvPicPr>
-          <p:cNvPr id="5" name="Picture 4">
+          <p:cNvPr id="9" name="Picture 8">
             <a:extLst>
               <a:ext uri="{FF2B5EF4-FFF2-40B4-BE49-F238E27FC236}">
-                <a16:creationId xmlns:a16="http://schemas.microsoft.com/office/drawing/2014/main" id="{774672DF-53ED-12E4-2953-4F782119403E}"/>
+                <a16:creationId xmlns:a16="http://schemas.microsoft.com/office/drawing/2014/main" id="{2C6E0E12-9461-15AA-4653-C052F89B9832}"/>
               </a:ext>
             </a:extLst>
           </p:cNvPr>
@@ -10479,8 +14470,8 @@
         </p:blipFill>
         <p:spPr>
           <a:xfrm>
-            <a:off x="553088" y="2239352"/>
-            <a:ext cx="5326225" cy="2919321"/>
+            <a:off x="6386804" y="2933919"/>
+            <a:ext cx="5584371" cy="3100499"/>
           </a:xfrm>
           <a:prstGeom prst="rect">
             <a:avLst/>
@@ -10489,10 +14480,278 @@
       </p:pic>
       <p:sp>
         <p:nvSpPr>
-          <p:cNvPr id="8" name="Oval 7">
+          <p:cNvPr id="2" name="TextBox 1">
             <a:extLst>
               <a:ext uri="{FF2B5EF4-FFF2-40B4-BE49-F238E27FC236}">
-                <a16:creationId xmlns:a16="http://schemas.microsoft.com/office/drawing/2014/main" id="{DFB86C5F-C6EE-F642-BE1A-5C7E986D409C}"/>
+                <a16:creationId xmlns:a16="http://schemas.microsoft.com/office/drawing/2014/main" id="{0C8A6AAC-F526-7C05-61F0-2E94441B87BB}"/>
+              </a:ext>
+            </a:extLst>
+          </p:cNvPr>
+          <p:cNvSpPr txBox="1"/>
+          <p:nvPr/>
+        </p:nvSpPr>
+        <p:spPr>
+          <a:xfrm>
+            <a:off x="257611" y="1019028"/>
+            <a:ext cx="11501867" cy="1115947"/>
+          </a:xfrm>
+          <a:prstGeom prst="rect">
+            <a:avLst/>
+          </a:prstGeom>
+          <a:noFill/>
+        </p:spPr>
+        <p:txBody>
+          <a:bodyPr wrap="none" rtlCol="0">
+            <a:spAutoFit/>
+          </a:bodyPr>
+          <a:lstStyle/>
+          <a:p>
+            <a:pPr marL="285750" indent="-285750">
+              <a:lnSpc>
+                <a:spcPct val="200000"/>
+              </a:lnSpc>
+              <a:buFont typeface="Arial" panose="020B0604020202020204" pitchFamily="34" charset="0"/>
+              <a:buChar char="•"/>
+            </a:pPr>
+            <a:r>
+              <a:rPr lang="en-US" dirty="0">
+                <a:latin typeface="Times New Roman" panose="02020603050405020304" pitchFamily="18" charset="0"/>
+                <a:cs typeface="Times New Roman" panose="02020603050405020304" pitchFamily="18" charset="0"/>
+              </a:rPr>
+              <a:t>Preferred price ranges from $0 to $135, suggesting that budget-friendly options are popular among customers.</a:t>
+            </a:r>
+          </a:p>
+          <a:p>
+            <a:pPr marL="285750" indent="-285750">
+              <a:lnSpc>
+                <a:spcPct val="200000"/>
+              </a:lnSpc>
+              <a:buFont typeface="Arial" panose="020B0604020202020204" pitchFamily="34" charset="0"/>
+              <a:buChar char="•"/>
+            </a:pPr>
+            <a:r>
+              <a:rPr lang="en-US" dirty="0">
+                <a:latin typeface="Times New Roman" panose="02020603050405020304" pitchFamily="18" charset="0"/>
+                <a:cs typeface="Times New Roman" panose="02020603050405020304" pitchFamily="18" charset="0"/>
+              </a:rPr>
+              <a:t>Most common minimum night stay requirement is 1 to 2 days, indicating flexibility and short-term booking preference.</a:t>
+            </a:r>
+            <a:endParaRPr lang="en-IN" dirty="0">
+              <a:latin typeface="Times New Roman" panose="02020603050405020304" pitchFamily="18" charset="0"/>
+              <a:cs typeface="Times New Roman" panose="02020603050405020304" pitchFamily="18" charset="0"/>
+            </a:endParaRPr>
+          </a:p>
+        </p:txBody>
+      </p:sp>
+      <p:pic>
+        <p:nvPicPr>
+          <p:cNvPr id="6" name="Picture 5">
+            <a:extLst>
+              <a:ext uri="{FF2B5EF4-FFF2-40B4-BE49-F238E27FC236}">
+                <a16:creationId xmlns:a16="http://schemas.microsoft.com/office/drawing/2014/main" id="{F92B98E6-ABA3-ACE8-41DF-0E0A5F5891AF}"/>
+              </a:ext>
+            </a:extLst>
+          </p:cNvPr>
+          <p:cNvPicPr>
+            <a:picLocks noChangeAspect="1"/>
+          </p:cNvPicPr>
+          <p:nvPr/>
+        </p:nvPicPr>
+        <p:blipFill>
+          <a:blip r:embed="rId3"/>
+          <a:stretch>
+            <a:fillRect/>
+          </a:stretch>
+        </p:blipFill>
+        <p:spPr>
+          <a:xfrm>
+            <a:off x="93285" y="2939144"/>
+            <a:ext cx="6386825" cy="3246814"/>
+          </a:xfrm>
+          <a:prstGeom prst="rect">
+            <a:avLst/>
+          </a:prstGeom>
+        </p:spPr>
+      </p:pic>
+    </p:spTree>
+    <p:extLst>
+      <p:ext uri="{BB962C8B-B14F-4D97-AF65-F5344CB8AC3E}">
+        <p14:creationId xmlns:p14="http://schemas.microsoft.com/office/powerpoint/2010/main" val="708950192"/>
+      </p:ext>
+    </p:extLst>
+  </p:cSld>
+  <p:clrMapOvr>
+    <a:masterClrMapping/>
+  </p:clrMapOvr>
+</p:sld>
+</file>
+
+<file path=ppt/slides/slide8.xml><?xml version="1.0" encoding="utf-8"?>
+<p:sld xmlns:a="http://schemas.openxmlformats.org/drawingml/2006/main" xmlns:r="http://schemas.openxmlformats.org/officeDocument/2006/relationships" xmlns:p="http://schemas.openxmlformats.org/presentationml/2006/main">
+  <p:cSld>
+    <p:spTree>
+      <p:nvGrpSpPr>
+        <p:cNvPr id="1" name=""/>
+        <p:cNvGrpSpPr/>
+        <p:nvPr/>
+      </p:nvGrpSpPr>
+      <p:grpSpPr>
+        <a:xfrm>
+          <a:off x="0" y="0"/>
+          <a:ext cx="0" cy="0"/>
+          <a:chOff x="0" y="0"/>
+          <a:chExt cx="0" cy="0"/>
+        </a:xfrm>
+      </p:grpSpPr>
+      <p:sp>
+        <p:nvSpPr>
+          <p:cNvPr id="3" name="TextBox 2">
+            <a:extLst>
+              <a:ext uri="{FF2B5EF4-FFF2-40B4-BE49-F238E27FC236}">
+                <a16:creationId xmlns:a16="http://schemas.microsoft.com/office/drawing/2014/main" id="{F4D0F6A0-A39A-F5D0-3256-E3B1C72CFEB7}"/>
+              </a:ext>
+            </a:extLst>
+          </p:cNvPr>
+          <p:cNvSpPr txBox="1"/>
+          <p:nvPr/>
+        </p:nvSpPr>
+        <p:spPr>
+          <a:xfrm>
+            <a:off x="4355064" y="35521"/>
+            <a:ext cx="4215004" cy="369332"/>
+          </a:xfrm>
+          <a:prstGeom prst="rect">
+            <a:avLst/>
+          </a:prstGeom>
+          <a:noFill/>
+        </p:spPr>
+        <p:txBody>
+          <a:bodyPr wrap="square">
+            <a:spAutoFit/>
+          </a:bodyPr>
+          <a:lstStyle/>
+          <a:p>
+            <a:r>
+              <a:rPr lang="en-US" b="1" dirty="0">
+                <a:solidFill>
+                  <a:srgbClr val="000000"/>
+                </a:solidFill>
+                <a:latin typeface="Times New Roman" panose="02020603050405020304" pitchFamily="18" charset="0"/>
+                <a:cs typeface="Times New Roman" panose="02020603050405020304" pitchFamily="18" charset="0"/>
+              </a:rPr>
+              <a:t>P</a:t>
+            </a:r>
+            <a:r>
+              <a:rPr lang="en-US" sz="1800" b="1" dirty="0">
+                <a:solidFill>
+                  <a:srgbClr val="000000"/>
+                </a:solidFill>
+                <a:latin typeface="Times New Roman" panose="02020603050405020304" pitchFamily="18" charset="0"/>
+                <a:cs typeface="Times New Roman" panose="02020603050405020304" pitchFamily="18" charset="0"/>
+              </a:rPr>
+              <a:t>ricing ranges preferred by customers</a:t>
+            </a:r>
+            <a:endParaRPr lang="en-IN" b="1" dirty="0"/>
+          </a:p>
+        </p:txBody>
+      </p:sp>
+      <p:pic>
+        <p:nvPicPr>
+          <p:cNvPr id="4" name="Picture 2">
+            <a:extLst>
+              <a:ext uri="{FF2B5EF4-FFF2-40B4-BE49-F238E27FC236}">
+                <a16:creationId xmlns:a16="http://schemas.microsoft.com/office/drawing/2014/main" id="{C6D3159F-9FCC-44EE-59E4-6C5C32691539}"/>
+              </a:ext>
+            </a:extLst>
+          </p:cNvPr>
+          <p:cNvPicPr>
+            <a:picLocks noChangeAspect="1" noChangeArrowheads="1"/>
+          </p:cNvPicPr>
+          <p:nvPr/>
+        </p:nvPicPr>
+        <p:blipFill>
+          <a:blip r:embed="rId2">
+            <a:extLst>
+              <a:ext uri="{28A0092B-C50C-407E-A947-70E740481C1C}">
+                <a14:useLocalDpi xmlns:a14="http://schemas.microsoft.com/office/drawing/2010/main" val="0"/>
+              </a:ext>
+            </a:extLst>
+          </a:blip>
+          <a:srcRect/>
+          <a:stretch>
+            <a:fillRect/>
+          </a:stretch>
+        </p:blipFill>
+        <p:spPr bwMode="auto">
+          <a:xfrm>
+            <a:off x="7033098" y="1643803"/>
+            <a:ext cx="4724070" cy="5062757"/>
+          </a:xfrm>
+          <a:prstGeom prst="rect">
+            <a:avLst/>
+          </a:prstGeom>
+          <a:noFill/>
+          <a:ln>
+            <a:solidFill>
+              <a:schemeClr val="bg1">
+                <a:lumMod val="50000"/>
+              </a:schemeClr>
+            </a:solidFill>
+          </a:ln>
+          <a:extLst>
+            <a:ext uri="{909E8E84-426E-40DD-AFC4-6F175D3DCCD1}">
+              <a14:hiddenFill xmlns:a14="http://schemas.microsoft.com/office/drawing/2010/main">
+                <a:solidFill>
+                  <a:srgbClr val="FFFFFF"/>
+                </a:solidFill>
+              </a14:hiddenFill>
+            </a:ext>
+          </a:extLst>
+        </p:spPr>
+      </p:pic>
+      <p:pic>
+        <p:nvPicPr>
+          <p:cNvPr id="11" name="Picture 10">
+            <a:extLst>
+              <a:ext uri="{FF2B5EF4-FFF2-40B4-BE49-F238E27FC236}">
+                <a16:creationId xmlns:a16="http://schemas.microsoft.com/office/drawing/2014/main" id="{A56D8040-3783-DB05-08BD-A5C0882625D0}"/>
+              </a:ext>
+            </a:extLst>
+          </p:cNvPr>
+          <p:cNvPicPr>
+            <a:picLocks noChangeAspect="1"/>
+          </p:cNvPicPr>
+          <p:nvPr/>
+        </p:nvPicPr>
+        <p:blipFill>
+          <a:blip r:embed="rId3"/>
+          <a:stretch>
+            <a:fillRect/>
+          </a:stretch>
+        </p:blipFill>
+        <p:spPr>
+          <a:xfrm>
+            <a:off x="361410" y="1648605"/>
+            <a:ext cx="6355075" cy="5057955"/>
+          </a:xfrm>
+          <a:prstGeom prst="rect">
+            <a:avLst/>
+          </a:prstGeom>
+          <a:ln>
+            <a:solidFill>
+              <a:schemeClr val="bg1">
+                <a:lumMod val="50000"/>
+              </a:schemeClr>
+            </a:solidFill>
+          </a:ln>
+        </p:spPr>
+      </p:pic>
+      <p:sp>
+        <p:nvSpPr>
+          <p:cNvPr id="12" name="Oval 11">
+            <a:extLst>
+              <a:ext uri="{FF2B5EF4-FFF2-40B4-BE49-F238E27FC236}">
+                <a16:creationId xmlns:a16="http://schemas.microsoft.com/office/drawing/2014/main" id="{9FE04D8D-69A1-9970-0F23-28806AACADCF}"/>
               </a:ext>
             </a:extLst>
           </p:cNvPr>
@@ -10501,13 +14760,16 @@
         </p:nvSpPr>
         <p:spPr>
           <a:xfrm>
-            <a:off x="-113206" y="4455367"/>
-            <a:ext cx="6350065" cy="923730"/>
+            <a:off x="8598850" y="3724826"/>
+            <a:ext cx="811763" cy="779053"/>
           </a:xfrm>
           <a:prstGeom prst="ellipse">
             <a:avLst/>
           </a:prstGeom>
           <a:noFill/>
+          <a:ln w="19050">
+            <a:prstDash val="dash"/>
+          </a:ln>
         </p:spPr>
         <p:style>
           <a:lnRef idx="2">
@@ -10534,40 +14796,207 @@
           </a:p>
         </p:txBody>
       </p:sp>
-      <p:pic>
-        <p:nvPicPr>
-          <p:cNvPr id="9" name="Picture 8">
+      <p:sp>
+        <p:nvSpPr>
+          <p:cNvPr id="13" name="Freeform: Shape 12">
             <a:extLst>
               <a:ext uri="{FF2B5EF4-FFF2-40B4-BE49-F238E27FC236}">
-                <a16:creationId xmlns:a16="http://schemas.microsoft.com/office/drawing/2014/main" id="{2C6E0E12-9461-15AA-4653-C052F89B9832}"/>
+                <a16:creationId xmlns:a16="http://schemas.microsoft.com/office/drawing/2014/main" id="{CE65B380-72BC-73F3-B757-30D9C6DBF9A9}"/>
               </a:ext>
             </a:extLst>
           </p:cNvPr>
-          <p:cNvPicPr>
-            <a:picLocks noChangeAspect="1"/>
-          </p:cNvPicPr>
+          <p:cNvSpPr/>
           <p:nvPr/>
-        </p:nvPicPr>
-        <p:blipFill>
-          <a:blip r:embed="rId3"/>
-          <a:stretch>
-            <a:fillRect/>
-          </a:stretch>
-        </p:blipFill>
+        </p:nvSpPr>
         <p:spPr>
           <a:xfrm>
-            <a:off x="6480111" y="2349627"/>
-            <a:ext cx="4860792" cy="2698760"/>
+            <a:off x="8282237" y="3724826"/>
+            <a:ext cx="475862" cy="347408"/>
+          </a:xfrm>
+          <a:custGeom>
+            <a:avLst/>
+            <a:gdLst>
+              <a:gd name="connsiteX0" fmla="*/ 0 w 475862"/>
+              <a:gd name="connsiteY0" fmla="*/ 0 h 347408"/>
+              <a:gd name="connsiteX1" fmla="*/ 289249 w 475862"/>
+              <a:gd name="connsiteY1" fmla="*/ 298579 h 347408"/>
+              <a:gd name="connsiteX2" fmla="*/ 475862 w 475862"/>
+              <a:gd name="connsiteY2" fmla="*/ 345232 h 347408"/>
+            </a:gdLst>
+            <a:ahLst/>
+            <a:cxnLst>
+              <a:cxn ang="0">
+                <a:pos x="connsiteX0" y="connsiteY0"/>
+              </a:cxn>
+              <a:cxn ang="0">
+                <a:pos x="connsiteX1" y="connsiteY1"/>
+              </a:cxn>
+              <a:cxn ang="0">
+                <a:pos x="connsiteX2" y="connsiteY2"/>
+              </a:cxn>
+            </a:cxnLst>
+            <a:rect l="l" t="t" r="r" b="b"/>
+            <a:pathLst>
+              <a:path w="475862" h="347408">
+                <a:moveTo>
+                  <a:pt x="0" y="0"/>
+                </a:moveTo>
+                <a:cubicBezTo>
+                  <a:pt x="104969" y="120520"/>
+                  <a:pt x="209939" y="241040"/>
+                  <a:pt x="289249" y="298579"/>
+                </a:cubicBezTo>
+                <a:cubicBezTo>
+                  <a:pt x="368559" y="356118"/>
+                  <a:pt x="429209" y="348342"/>
+                  <a:pt x="475862" y="345232"/>
+                </a:cubicBezTo>
+              </a:path>
+            </a:pathLst>
+          </a:custGeom>
+          <a:noFill/>
+          <a:ln>
+            <a:headEnd type="none" w="lg" len="lg"/>
+            <a:tailEnd type="triangle"/>
+          </a:ln>
+        </p:spPr>
+        <p:style>
+          <a:lnRef idx="2">
+            <a:schemeClr val="accent1">
+              <a:shade val="15000"/>
+            </a:schemeClr>
+          </a:lnRef>
+          <a:fillRef idx="1">
+            <a:schemeClr val="accent1"/>
+          </a:fillRef>
+          <a:effectRef idx="0">
+            <a:schemeClr val="accent1"/>
+          </a:effectRef>
+          <a:fontRef idx="minor">
+            <a:schemeClr val="lt1"/>
+          </a:fontRef>
+        </p:style>
+        <p:txBody>
+          <a:bodyPr rtlCol="0" anchor="ctr"/>
+          <a:lstStyle/>
+          <a:p>
+            <a:pPr algn="ctr"/>
+            <a:endParaRPr lang="en-IN" dirty="0"/>
+          </a:p>
+        </p:txBody>
+      </p:sp>
+      <p:sp>
+        <p:nvSpPr>
+          <p:cNvPr id="14" name="TextBox 13">
+            <a:extLst>
+              <a:ext uri="{FF2B5EF4-FFF2-40B4-BE49-F238E27FC236}">
+                <a16:creationId xmlns:a16="http://schemas.microsoft.com/office/drawing/2014/main" id="{07AD304D-A762-60AE-F078-25B6962CC4A7}"/>
+              </a:ext>
+            </a:extLst>
+          </p:cNvPr>
+          <p:cNvSpPr txBox="1"/>
+          <p:nvPr/>
+        </p:nvSpPr>
+        <p:spPr>
+          <a:xfrm>
+            <a:off x="7567159" y="3429000"/>
+            <a:ext cx="1290738" cy="369332"/>
           </a:xfrm>
           <a:prstGeom prst="rect">
             <a:avLst/>
           </a:prstGeom>
+          <a:noFill/>
         </p:spPr>
-      </p:pic>
+        <p:txBody>
+          <a:bodyPr wrap="none" rtlCol="0">
+            <a:spAutoFit/>
+          </a:bodyPr>
+          <a:lstStyle/>
+          <a:p>
+            <a:r>
+              <a:rPr lang="en-US" b="1" dirty="0">
+                <a:latin typeface="Bradley Hand ITC" panose="03070402050302030203" pitchFamily="66" charset="0"/>
+              </a:rPr>
+              <a:t>Manhattan</a:t>
+            </a:r>
+            <a:endParaRPr lang="en-IN" b="1" dirty="0">
+              <a:latin typeface="Bradley Hand ITC" panose="03070402050302030203" pitchFamily="66" charset="0"/>
+            </a:endParaRPr>
+          </a:p>
+        </p:txBody>
+      </p:sp>
+      <p:sp>
+        <p:nvSpPr>
+          <p:cNvPr id="15" name="TextBox 14">
+            <a:extLst>
+              <a:ext uri="{FF2B5EF4-FFF2-40B4-BE49-F238E27FC236}">
+                <a16:creationId xmlns:a16="http://schemas.microsoft.com/office/drawing/2014/main" id="{726F5EF5-9FB5-764E-20CD-F1BE071A6A25}"/>
+              </a:ext>
+            </a:extLst>
+          </p:cNvPr>
+          <p:cNvSpPr txBox="1"/>
+          <p:nvPr/>
+        </p:nvSpPr>
+        <p:spPr>
+          <a:xfrm>
+            <a:off x="1089498" y="572560"/>
+            <a:ext cx="10366941" cy="923330"/>
+          </a:xfrm>
+          <a:prstGeom prst="rect">
+            <a:avLst/>
+          </a:prstGeom>
+          <a:noFill/>
+        </p:spPr>
+        <p:txBody>
+          <a:bodyPr wrap="none" rtlCol="0">
+            <a:spAutoFit/>
+          </a:bodyPr>
+          <a:lstStyle/>
+          <a:p>
+            <a:pPr marL="285750" indent="-285750">
+              <a:buFont typeface="Arial" panose="020B0604020202020204" pitchFamily="34" charset="0"/>
+              <a:buChar char="•"/>
+            </a:pPr>
+            <a:r>
+              <a:rPr lang="en-US" dirty="0">
+                <a:latin typeface="Times New Roman" panose="02020603050405020304" pitchFamily="18" charset="0"/>
+                <a:cs typeface="Times New Roman" panose="02020603050405020304" pitchFamily="18" charset="0"/>
+              </a:rPr>
+              <a:t>Entire Home/Apt preferred price range is $135 to $270, with the second most popular range is below $135.</a:t>
+            </a:r>
+          </a:p>
+          <a:p>
+            <a:pPr marL="285750" indent="-285750">
+              <a:buFont typeface="Arial" panose="020B0604020202020204" pitchFamily="34" charset="0"/>
+              <a:buChar char="•"/>
+            </a:pPr>
+            <a:r>
+              <a:rPr lang="en-US" dirty="0">
+                <a:latin typeface="Times New Roman" panose="02020603050405020304" pitchFamily="18" charset="0"/>
+                <a:cs typeface="Times New Roman" panose="02020603050405020304" pitchFamily="18" charset="0"/>
+              </a:rPr>
+              <a:t>Private Room: Majority of listings are priced under $135.</a:t>
+            </a:r>
+          </a:p>
+          <a:p>
+            <a:pPr marL="285750" indent="-285750">
+              <a:buFont typeface="Arial" panose="020B0604020202020204" pitchFamily="34" charset="0"/>
+              <a:buChar char="•"/>
+            </a:pPr>
+            <a:r>
+              <a:rPr lang="en-IN" dirty="0">
+                <a:latin typeface="Times New Roman" panose="02020603050405020304" pitchFamily="18" charset="0"/>
+                <a:cs typeface="Times New Roman" panose="02020603050405020304" pitchFamily="18" charset="0"/>
+              </a:rPr>
+              <a:t>Shared Rooms: Almost all listings are below $135.</a:t>
+            </a:r>
+          </a:p>
+        </p:txBody>
+      </p:sp>
     </p:spTree>
     <p:extLst>
       <p:ext uri="{BB962C8B-B14F-4D97-AF65-F5344CB8AC3E}">
-        <p14:creationId xmlns:p14="http://schemas.microsoft.com/office/powerpoint/2010/main" val="708950192"/>
+        <p14:creationId xmlns:p14="http://schemas.microsoft.com/office/powerpoint/2010/main" val="883873936"/>
       </p:ext>
     </p:extLst>
   </p:cSld>
@@ -10577,7 +15006,7 @@
 </p:sld>
 </file>
 
-<file path=ppt/slides/slide8.xml><?xml version="1.0" encoding="utf-8"?>
+<file path=ppt/slides/slide9.xml><?xml version="1.0" encoding="utf-8"?>
 <p:sld xmlns:a="http://schemas.openxmlformats.org/drawingml/2006/main" xmlns:r="http://schemas.openxmlformats.org/officeDocument/2006/relationships" xmlns:p="http://schemas.openxmlformats.org/presentationml/2006/main">
   <p:cSld>
     <p:spTree>
@@ -10614,8 +15043,8 @@
         </p:nvSpPr>
         <p:spPr>
           <a:xfrm>
-            <a:off x="3151415" y="222676"/>
-            <a:ext cx="6617736" cy="369332"/>
+            <a:off x="2920482" y="222676"/>
+            <a:ext cx="7221894" cy="369332"/>
           </a:xfrm>
           <a:prstGeom prst="rect">
             <a:avLst/>
@@ -10629,7 +15058,7 @@
           <a:lstStyle/>
           <a:p>
             <a:r>
-              <a:rPr lang="en-US" sz="1800" dirty="0">
+              <a:rPr lang="en-US" sz="1800" b="1" dirty="0">
                 <a:solidFill>
                   <a:srgbClr val="000000"/>
                 </a:solidFill>
@@ -10639,7 +15068,7 @@
               <a:t>The various kinds of properties that exist </a:t>
             </a:r>
             <a:r>
-              <a:rPr lang="en-US" sz="1800" dirty="0" err="1">
+              <a:rPr lang="en-US" sz="1800" b="1" dirty="0" err="1">
                 <a:solidFill>
                   <a:srgbClr val="000000"/>
                 </a:solidFill>
@@ -10649,7 +15078,7 @@
               <a:t>w.r.t.</a:t>
             </a:r>
             <a:r>
-              <a:rPr lang="en-US" sz="1800" dirty="0">
+              <a:rPr lang="en-US" sz="1800" b="1" dirty="0">
                 <a:solidFill>
                   <a:srgbClr val="000000"/>
                 </a:solidFill>
@@ -10658,7 +15087,7 @@
               </a:rPr>
               <a:t> customer preferences</a:t>
             </a:r>
-            <a:endParaRPr lang="en-IN" dirty="0"/>
+            <a:endParaRPr lang="en-IN" b="1" dirty="0"/>
           </a:p>
         </p:txBody>
       </p:sp>
@@ -10684,7 +15113,7 @@
         </p:blipFill>
         <p:spPr>
           <a:xfrm>
-            <a:off x="539036" y="2023853"/>
+            <a:off x="539036" y="2378420"/>
             <a:ext cx="5511359" cy="3630498"/>
           </a:xfrm>
           <a:prstGeom prst="rect">
@@ -10714,56 +15143,20 @@
         </p:blipFill>
         <p:spPr>
           <a:xfrm>
-            <a:off x="6141608" y="2258008"/>
-            <a:ext cx="5342944" cy="3396343"/>
+            <a:off x="6141608" y="2378421"/>
+            <a:ext cx="5586972" cy="3630498"/>
           </a:xfrm>
           <a:prstGeom prst="rect">
             <a:avLst/>
           </a:prstGeom>
         </p:spPr>
       </p:pic>
-    </p:spTree>
-    <p:extLst>
-      <p:ext uri="{BB962C8B-B14F-4D97-AF65-F5344CB8AC3E}">
-        <p14:creationId xmlns:p14="http://schemas.microsoft.com/office/powerpoint/2010/main" val="1211577084"/>
-      </p:ext>
-    </p:extLst>
-  </p:cSld>
-  <p:clrMapOvr>
-    <a:masterClrMapping/>
-  </p:clrMapOvr>
-</p:sld>
-</file>
-
-<file path=ppt/slides/slide9.xml><?xml version="1.0" encoding="utf-8"?>
-<p:sld xmlns:a="http://schemas.openxmlformats.org/drawingml/2006/main" xmlns:r="http://schemas.openxmlformats.org/officeDocument/2006/relationships" xmlns:p="http://schemas.openxmlformats.org/presentationml/2006/main">
-  <p:cSld>
-    <p:spTree>
-      <p:nvGrpSpPr>
-        <p:cNvPr id="1" name="">
-          <a:extLst>
-            <a:ext uri="{FF2B5EF4-FFF2-40B4-BE49-F238E27FC236}">
-              <a16:creationId xmlns:a16="http://schemas.microsoft.com/office/drawing/2014/main" id="{739F925A-F3AF-E4E4-F2EE-CF27B32C601D}"/>
-            </a:ext>
-          </a:extLst>
-        </p:cNvPr>
-        <p:cNvGrpSpPr/>
-        <p:nvPr/>
-      </p:nvGrpSpPr>
-      <p:grpSpPr>
-        <a:xfrm>
-          <a:off x="0" y="0"/>
-          <a:ext cx="0" cy="0"/>
-          <a:chOff x="0" y="0"/>
-          <a:chExt cx="0" cy="0"/>
-        </a:xfrm>
-      </p:grpSpPr>
       <p:sp>
         <p:nvSpPr>
-          <p:cNvPr id="3" name="TextBox 2">
+          <p:cNvPr id="2" name="TextBox 1">
             <a:extLst>
               <a:ext uri="{FF2B5EF4-FFF2-40B4-BE49-F238E27FC236}">
-                <a16:creationId xmlns:a16="http://schemas.microsoft.com/office/drawing/2014/main" id="{41FFBB0A-8FED-8846-9A84-49673F6362AE}"/>
+                <a16:creationId xmlns:a16="http://schemas.microsoft.com/office/drawing/2014/main" id="{08427DA3-2D46-C0A0-2646-6A094CEC8234}"/>
               </a:ext>
             </a:extLst>
           </p:cNvPr>
@@ -10772,156 +15165,8 @@
         </p:nvSpPr>
         <p:spPr>
           <a:xfrm>
-            <a:off x="3119997" y="80839"/>
-            <a:ext cx="7669764" cy="369332"/>
-          </a:xfrm>
-          <a:prstGeom prst="rect">
-            <a:avLst/>
-          </a:prstGeom>
-          <a:noFill/>
-        </p:spPr>
-        <p:txBody>
-          <a:bodyPr wrap="square">
-            <a:spAutoFit/>
-          </a:bodyPr>
-          <a:lstStyle/>
-          <a:p>
-            <a:r>
-              <a:rPr lang="en-US" sz="1800" b="1" dirty="0">
-                <a:solidFill>
-                  <a:srgbClr val="000000"/>
-                </a:solidFill>
-                <a:latin typeface="Times New Roman" panose="02020603050405020304" pitchFamily="18" charset="0"/>
-                <a:cs typeface="Times New Roman" panose="02020603050405020304" pitchFamily="18" charset="0"/>
-              </a:rPr>
-              <a:t>Adjustments in the existing properties to make it more customer-oriented</a:t>
-            </a:r>
-            <a:endParaRPr lang="en-IN" b="1" dirty="0"/>
-          </a:p>
-        </p:txBody>
-      </p:sp>
-      <p:pic>
-        <p:nvPicPr>
-          <p:cNvPr id="5" name="Picture 4">
-            <a:extLst>
-              <a:ext uri="{FF2B5EF4-FFF2-40B4-BE49-F238E27FC236}">
-                <a16:creationId xmlns:a16="http://schemas.microsoft.com/office/drawing/2014/main" id="{9BCBCDCF-57EC-163E-B5C1-DA158FC4A26D}"/>
-              </a:ext>
-            </a:extLst>
-          </p:cNvPr>
-          <p:cNvPicPr>
-            <a:picLocks noChangeAspect="1"/>
-          </p:cNvPicPr>
-          <p:nvPr/>
-        </p:nvPicPr>
-        <p:blipFill>
-          <a:blip r:embed="rId2"/>
-          <a:stretch>
-            <a:fillRect/>
-          </a:stretch>
-        </p:blipFill>
-        <p:spPr>
-          <a:xfrm>
-            <a:off x="619709" y="1600531"/>
-            <a:ext cx="4495800" cy="4991100"/>
-          </a:xfrm>
-          <a:prstGeom prst="rect">
-            <a:avLst/>
-          </a:prstGeom>
-        </p:spPr>
-      </p:pic>
-      <p:pic>
-        <p:nvPicPr>
-          <p:cNvPr id="11" name="Picture 10">
-            <a:extLst>
-              <a:ext uri="{FF2B5EF4-FFF2-40B4-BE49-F238E27FC236}">
-                <a16:creationId xmlns:a16="http://schemas.microsoft.com/office/drawing/2014/main" id="{4F09F723-7D8F-3E3C-0FB3-EABE3FABAE76}"/>
-              </a:ext>
-            </a:extLst>
-          </p:cNvPr>
-          <p:cNvPicPr>
-            <a:picLocks noChangeAspect="1"/>
-          </p:cNvPicPr>
-          <p:nvPr/>
-        </p:nvPicPr>
-        <p:blipFill>
-          <a:blip r:embed="rId3"/>
-          <a:srcRect b="1418"/>
-          <a:stretch/>
-        </p:blipFill>
-        <p:spPr>
-          <a:xfrm>
-            <a:off x="6163714" y="1600531"/>
-            <a:ext cx="3157567" cy="5135756"/>
-          </a:xfrm>
-          <a:prstGeom prst="rect">
-            <a:avLst/>
-          </a:prstGeom>
-        </p:spPr>
-      </p:pic>
-      <p:sp>
-        <p:nvSpPr>
-          <p:cNvPr id="12" name="Arc 11">
-            <a:extLst>
-              <a:ext uri="{FF2B5EF4-FFF2-40B4-BE49-F238E27FC236}">
-                <a16:creationId xmlns:a16="http://schemas.microsoft.com/office/drawing/2014/main" id="{0F9CEB31-9B5E-6CE8-F42B-69D7987C5419}"/>
-              </a:ext>
-            </a:extLst>
-          </p:cNvPr>
-          <p:cNvSpPr/>
-          <p:nvPr/>
-        </p:nvSpPr>
-        <p:spPr>
-          <a:xfrm>
-            <a:off x="7719394" y="2581443"/>
-            <a:ext cx="743670" cy="260265"/>
-          </a:xfrm>
-          <a:prstGeom prst="arc">
-            <a:avLst/>
-          </a:prstGeom>
-          <a:ln>
-            <a:headEnd type="triangle"/>
-          </a:ln>
-        </p:spPr>
-        <p:style>
-          <a:lnRef idx="1">
-            <a:schemeClr val="accent1"/>
-          </a:lnRef>
-          <a:fillRef idx="0">
-            <a:schemeClr val="accent1"/>
-          </a:fillRef>
-          <a:effectRef idx="0">
-            <a:schemeClr val="accent1"/>
-          </a:effectRef>
-          <a:fontRef idx="minor">
-            <a:schemeClr val="tx1"/>
-          </a:fontRef>
-        </p:style>
-        <p:txBody>
-          <a:bodyPr rtlCol="0" anchor="ctr"/>
-          <a:lstStyle/>
-          <a:p>
-            <a:pPr algn="ctr"/>
-            <a:endParaRPr lang="en-IN"/>
-          </a:p>
-        </p:txBody>
-      </p:sp>
-      <p:sp>
-        <p:nvSpPr>
-          <p:cNvPr id="13" name="TextBox 12">
-            <a:extLst>
-              <a:ext uri="{FF2B5EF4-FFF2-40B4-BE49-F238E27FC236}">
-                <a16:creationId xmlns:a16="http://schemas.microsoft.com/office/drawing/2014/main" id="{BC4D2AC7-8B3E-11EB-05FE-0EFABFF3E3BB}"/>
-              </a:ext>
-            </a:extLst>
-          </p:cNvPr>
-          <p:cNvSpPr txBox="1"/>
-          <p:nvPr/>
-        </p:nvSpPr>
-        <p:spPr>
-          <a:xfrm>
-            <a:off x="8114556" y="2687883"/>
-            <a:ext cx="1555234" cy="215444"/>
+            <a:off x="3359818" y="765105"/>
+            <a:ext cx="5320687" cy="1289071"/>
           </a:xfrm>
           <a:prstGeom prst="rect">
             <a:avLst/>
@@ -10934,96 +15179,63 @@
           </a:bodyPr>
           <a:lstStyle/>
           <a:p>
+            <a:pPr marL="285750" indent="-285750">
+              <a:lnSpc>
+                <a:spcPct val="150000"/>
+              </a:lnSpc>
+              <a:buFont typeface="Arial" panose="020B0604020202020204" pitchFamily="34" charset="0"/>
+              <a:buChar char="•"/>
+            </a:pPr>
             <a:r>
-              <a:rPr lang="en-US" sz="800" dirty="0">
-                <a:latin typeface="Segoe Print" panose="02000600000000000000" pitchFamily="2" charset="0"/>
+              <a:rPr lang="en-US" dirty="0">
+                <a:latin typeface="Times New Roman" panose="02020603050405020304" pitchFamily="18" charset="0"/>
+                <a:cs typeface="Times New Roman" panose="02020603050405020304" pitchFamily="18" charset="0"/>
               </a:rPr>
-              <a:t>Average Room Availability</a:t>
+              <a:t>In Room type Entire Home/apt are higher in number</a:t>
             </a:r>
-            <a:endParaRPr lang="en-IN" sz="800" dirty="0">
-              <a:latin typeface="Segoe Print" panose="02000600000000000000" pitchFamily="2" charset="0"/>
+          </a:p>
+          <a:p>
+            <a:pPr marL="285750" indent="-285750">
+              <a:lnSpc>
+                <a:spcPct val="150000"/>
+              </a:lnSpc>
+              <a:buFont typeface="Arial" panose="020B0604020202020204" pitchFamily="34" charset="0"/>
+              <a:buChar char="•"/>
+            </a:pPr>
+            <a:r>
+              <a:rPr lang="en-US" dirty="0">
+                <a:latin typeface="Times New Roman" panose="02020603050405020304" pitchFamily="18" charset="0"/>
+                <a:cs typeface="Times New Roman" panose="02020603050405020304" pitchFamily="18" charset="0"/>
+              </a:rPr>
+              <a:t>guests have a higher interest in private spaces</a:t>
+            </a:r>
+          </a:p>
+          <a:p>
+            <a:pPr marL="285750" indent="-285750">
+              <a:lnSpc>
+                <a:spcPct val="150000"/>
+              </a:lnSpc>
+              <a:buFont typeface="Arial" panose="020B0604020202020204" pitchFamily="34" charset="0"/>
+              <a:buChar char="•"/>
+            </a:pPr>
+            <a:r>
+              <a:rPr lang="en-US" dirty="0">
+                <a:latin typeface="Times New Roman" panose="02020603050405020304" pitchFamily="18" charset="0"/>
+                <a:cs typeface="Times New Roman" panose="02020603050405020304" pitchFamily="18" charset="0"/>
+              </a:rPr>
+              <a:t>A shared Room is less preferred room type</a:t>
+            </a:r>
+            <a:endParaRPr lang="en-IN" dirty="0">
+              <a:latin typeface="Times New Roman" panose="02020603050405020304" pitchFamily="18" charset="0"/>
+              <a:cs typeface="Times New Roman" panose="02020603050405020304" pitchFamily="18" charset="0"/>
             </a:endParaRPr>
-          </a:p>
-        </p:txBody>
-      </p:sp>
-      <p:pic>
-        <p:nvPicPr>
-          <p:cNvPr id="14" name="Picture 13">
-            <a:extLst>
-              <a:ext uri="{FF2B5EF4-FFF2-40B4-BE49-F238E27FC236}">
-                <a16:creationId xmlns:a16="http://schemas.microsoft.com/office/drawing/2014/main" id="{E94CD154-7B3D-54FB-2CE8-D85E829A0F72}"/>
-              </a:ext>
-            </a:extLst>
-          </p:cNvPr>
-          <p:cNvPicPr>
-            <a:picLocks noChangeAspect="1"/>
-          </p:cNvPicPr>
-          <p:nvPr/>
-        </p:nvPicPr>
-        <p:blipFill>
-          <a:blip r:embed="rId4"/>
-          <a:stretch>
-            <a:fillRect/>
-          </a:stretch>
-        </p:blipFill>
-        <p:spPr>
-          <a:xfrm>
-            <a:off x="9115313" y="1880444"/>
-            <a:ext cx="1377431" cy="527527"/>
-          </a:xfrm>
-          <a:prstGeom prst="rect">
-            <a:avLst/>
-          </a:prstGeom>
-        </p:spPr>
-      </p:pic>
-      <p:sp>
-        <p:nvSpPr>
-          <p:cNvPr id="15" name="TextBox 14">
-            <a:extLst>
-              <a:ext uri="{FF2B5EF4-FFF2-40B4-BE49-F238E27FC236}">
-                <a16:creationId xmlns:a16="http://schemas.microsoft.com/office/drawing/2014/main" id="{0B71A265-95D6-E909-5450-3BF8690EB4A5}"/>
-              </a:ext>
-            </a:extLst>
-          </p:cNvPr>
-          <p:cNvSpPr txBox="1"/>
-          <p:nvPr/>
-        </p:nvSpPr>
-        <p:spPr>
-          <a:xfrm>
-            <a:off x="619709" y="902825"/>
-            <a:ext cx="7920373" cy="369332"/>
-          </a:xfrm>
-          <a:prstGeom prst="rect">
-            <a:avLst/>
-          </a:prstGeom>
-          <a:noFill/>
-        </p:spPr>
-        <p:txBody>
-          <a:bodyPr wrap="none" rtlCol="0">
-            <a:spAutoFit/>
-          </a:bodyPr>
-          <a:lstStyle/>
-          <a:p>
-            <a:r>
-              <a:rPr lang="en-US" dirty="0"/>
-              <a:t>For Adjustment in existing properties in </a:t>
-            </a:r>
-            <a:r>
-              <a:rPr lang="en-US" dirty="0" err="1"/>
-              <a:t>NewYork</a:t>
-            </a:r>
-            <a:r>
-              <a:rPr lang="en-US" dirty="0"/>
-              <a:t> city for more customer oriented. </a:t>
-            </a:r>
-            <a:endParaRPr lang="en-IN" dirty="0"/>
           </a:p>
         </p:txBody>
       </p:sp>
     </p:spTree>
     <p:extLst>
       <p:ext uri="{BB962C8B-B14F-4D97-AF65-F5344CB8AC3E}">
-        <p14:creationId xmlns:p14="http://schemas.microsoft.com/office/powerpoint/2010/main" val="3986521595"/>
+        <p14:creationId xmlns:p14="http://schemas.microsoft.com/office/powerpoint/2010/main" val="1211577084"/>
       </p:ext>
     </p:extLst>
   </p:cSld>
@@ -11326,4 +15538,299 @@
     </a:ext>
   </a:extLst>
 </a:theme>
+</file>
+
+<file path=ppt/theme/theme2.xml><?xml version="1.0" encoding="utf-8"?>
+<a:theme xmlns:a="http://schemas.openxmlformats.org/drawingml/2006/main" name="Office Theme">
+  <a:themeElements>
+    <a:clrScheme name="Office">
+      <a:dk1>
+        <a:sysClr val="windowText" lastClr="000000"/>
+      </a:dk1>
+      <a:lt1>
+        <a:sysClr val="window" lastClr="FFFFFF"/>
+      </a:lt1>
+      <a:dk2>
+        <a:srgbClr val="44546A"/>
+      </a:dk2>
+      <a:lt2>
+        <a:srgbClr val="E7E6E6"/>
+      </a:lt2>
+      <a:accent1>
+        <a:srgbClr val="4472C4"/>
+      </a:accent1>
+      <a:accent2>
+        <a:srgbClr val="ED7D31"/>
+      </a:accent2>
+      <a:accent3>
+        <a:srgbClr val="A5A5A5"/>
+      </a:accent3>
+      <a:accent4>
+        <a:srgbClr val="FFC000"/>
+      </a:accent4>
+      <a:accent5>
+        <a:srgbClr val="5B9BD5"/>
+      </a:accent5>
+      <a:accent6>
+        <a:srgbClr val="70AD47"/>
+      </a:accent6>
+      <a:hlink>
+        <a:srgbClr val="0563C1"/>
+      </a:hlink>
+      <a:folHlink>
+        <a:srgbClr val="954F72"/>
+      </a:folHlink>
+    </a:clrScheme>
+    <a:fontScheme name="Office">
+      <a:majorFont>
+        <a:latin typeface="Calibri Light" panose="020F0302020204030204"/>
+        <a:ea typeface=""/>
+        <a:cs typeface=""/>
+        <a:font script="Jpan" typeface="游ゴシック Light"/>
+        <a:font script="Hang" typeface="맑은 고딕"/>
+        <a:font script="Hans" typeface="等线 Light"/>
+        <a:font script="Hant" typeface="新細明體"/>
+        <a:font script="Arab" typeface="Times New Roman"/>
+        <a:font script="Hebr" typeface="Times New Roman"/>
+        <a:font script="Thai" typeface="Angsana New"/>
+        <a:font script="Ethi" typeface="Nyala"/>
+        <a:font script="Beng" typeface="Vrinda"/>
+        <a:font script="Gujr" typeface="Shruti"/>
+        <a:font script="Khmr" typeface="MoolBoran"/>
+        <a:font script="Knda" typeface="Tunga"/>
+        <a:font script="Guru" typeface="Raavi"/>
+        <a:font script="Cans" typeface="Euphemia"/>
+        <a:font script="Cher" typeface="Plantagenet Cherokee"/>
+        <a:font script="Yiii" typeface="Microsoft Yi Baiti"/>
+        <a:font script="Tibt" typeface="Microsoft Himalaya"/>
+        <a:font script="Thaa" typeface="MV Boli"/>
+        <a:font script="Deva" typeface="Mangal"/>
+        <a:font script="Telu" typeface="Gautami"/>
+        <a:font script="Taml" typeface="Latha"/>
+        <a:font script="Syrc" typeface="Estrangelo Edessa"/>
+        <a:font script="Orya" typeface="Kalinga"/>
+        <a:font script="Mlym" typeface="Kartika"/>
+        <a:font script="Laoo" typeface="DokChampa"/>
+        <a:font script="Sinh" typeface="Iskoola Pota"/>
+        <a:font script="Mong" typeface="Mongolian Baiti"/>
+        <a:font script="Viet" typeface="Times New Roman"/>
+        <a:font script="Uigh" typeface="Microsoft Uighur"/>
+        <a:font script="Geor" typeface="Sylfaen"/>
+        <a:font script="Armn" typeface="Arial"/>
+        <a:font script="Bugi" typeface="Leelawadee UI"/>
+        <a:font script="Bopo" typeface="Microsoft JhengHei"/>
+        <a:font script="Java" typeface="Javanese Text"/>
+        <a:font script="Lisu" typeface="Segoe UI"/>
+        <a:font script="Mymr" typeface="Myanmar Text"/>
+        <a:font script="Nkoo" typeface="Ebrima"/>
+        <a:font script="Olck" typeface="Nirmala UI"/>
+        <a:font script="Osma" typeface="Ebrima"/>
+        <a:font script="Phag" typeface="Phagspa"/>
+        <a:font script="Syrn" typeface="Estrangelo Edessa"/>
+        <a:font script="Syrj" typeface="Estrangelo Edessa"/>
+        <a:font script="Syre" typeface="Estrangelo Edessa"/>
+        <a:font script="Sora" typeface="Nirmala UI"/>
+        <a:font script="Tale" typeface="Microsoft Tai Le"/>
+        <a:font script="Talu" typeface="Microsoft New Tai Lue"/>
+        <a:font script="Tfng" typeface="Ebrima"/>
+      </a:majorFont>
+      <a:minorFont>
+        <a:latin typeface="Calibri" panose="020F0502020204030204"/>
+        <a:ea typeface=""/>
+        <a:cs typeface=""/>
+        <a:font script="Jpan" typeface="游ゴシック"/>
+        <a:font script="Hang" typeface="맑은 고딕"/>
+        <a:font script="Hans" typeface="等线"/>
+        <a:font script="Hant" typeface="新細明體"/>
+        <a:font script="Arab" typeface="Arial"/>
+        <a:font script="Hebr" typeface="Arial"/>
+        <a:font script="Thai" typeface="Cordia New"/>
+        <a:font script="Ethi" typeface="Nyala"/>
+        <a:font script="Beng" typeface="Vrinda"/>
+        <a:font script="Gujr" typeface="Shruti"/>
+        <a:font script="Khmr" typeface="DaunPenh"/>
+        <a:font script="Knda" typeface="Tunga"/>
+        <a:font script="Guru" typeface="Raavi"/>
+        <a:font script="Cans" typeface="Euphemia"/>
+        <a:font script="Cher" typeface="Plantagenet Cherokee"/>
+        <a:font script="Yiii" typeface="Microsoft Yi Baiti"/>
+        <a:font script="Tibt" typeface="Microsoft Himalaya"/>
+        <a:font script="Thaa" typeface="MV Boli"/>
+        <a:font script="Deva" typeface="Mangal"/>
+        <a:font script="Telu" typeface="Gautami"/>
+        <a:font script="Taml" typeface="Latha"/>
+        <a:font script="Syrc" typeface="Estrangelo Edessa"/>
+        <a:font script="Orya" typeface="Kalinga"/>
+        <a:font script="Mlym" typeface="Kartika"/>
+        <a:font script="Laoo" typeface="DokChampa"/>
+        <a:font script="Sinh" typeface="Iskoola Pota"/>
+        <a:font script="Mong" typeface="Mongolian Baiti"/>
+        <a:font script="Viet" typeface="Arial"/>
+        <a:font script="Uigh" typeface="Microsoft Uighur"/>
+        <a:font script="Geor" typeface="Sylfaen"/>
+        <a:font script="Armn" typeface="Arial"/>
+        <a:font script="Bugi" typeface="Leelawadee UI"/>
+        <a:font script="Bopo" typeface="Microsoft JhengHei"/>
+        <a:font script="Java" typeface="Javanese Text"/>
+        <a:font script="Lisu" typeface="Segoe UI"/>
+        <a:font script="Mymr" typeface="Myanmar Text"/>
+        <a:font script="Nkoo" typeface="Ebrima"/>
+        <a:font script="Olck" typeface="Nirmala UI"/>
+        <a:font script="Osma" typeface="Ebrima"/>
+        <a:font script="Phag" typeface="Phagspa"/>
+        <a:font script="Syrn" typeface="Estrangelo Edessa"/>
+        <a:font script="Syrj" typeface="Estrangelo Edessa"/>
+        <a:font script="Syre" typeface="Estrangelo Edessa"/>
+        <a:font script="Sora" typeface="Nirmala UI"/>
+        <a:font script="Tale" typeface="Microsoft Tai Le"/>
+        <a:font script="Talu" typeface="Microsoft New Tai Lue"/>
+        <a:font script="Tfng" typeface="Ebrima"/>
+      </a:minorFont>
+    </a:fontScheme>
+    <a:fmtScheme name="Office">
+      <a:fillStyleLst>
+        <a:solidFill>
+          <a:schemeClr val="phClr"/>
+        </a:solidFill>
+        <a:gradFill rotWithShape="1">
+          <a:gsLst>
+            <a:gs pos="0">
+              <a:schemeClr val="phClr">
+                <a:lumMod val="110000"/>
+                <a:satMod val="105000"/>
+                <a:tint val="67000"/>
+              </a:schemeClr>
+            </a:gs>
+            <a:gs pos="50000">
+              <a:schemeClr val="phClr">
+                <a:lumMod val="105000"/>
+                <a:satMod val="103000"/>
+                <a:tint val="73000"/>
+              </a:schemeClr>
+            </a:gs>
+            <a:gs pos="100000">
+              <a:schemeClr val="phClr">
+                <a:lumMod val="105000"/>
+                <a:satMod val="109000"/>
+                <a:tint val="81000"/>
+              </a:schemeClr>
+            </a:gs>
+          </a:gsLst>
+          <a:lin ang="5400000" scaled="0"/>
+        </a:gradFill>
+        <a:gradFill rotWithShape="1">
+          <a:gsLst>
+            <a:gs pos="0">
+              <a:schemeClr val="phClr">
+                <a:satMod val="103000"/>
+                <a:lumMod val="102000"/>
+                <a:tint val="94000"/>
+              </a:schemeClr>
+            </a:gs>
+            <a:gs pos="50000">
+              <a:schemeClr val="phClr">
+                <a:satMod val="110000"/>
+                <a:lumMod val="100000"/>
+                <a:shade val="100000"/>
+              </a:schemeClr>
+            </a:gs>
+            <a:gs pos="100000">
+              <a:schemeClr val="phClr">
+                <a:lumMod val="99000"/>
+                <a:satMod val="120000"/>
+                <a:shade val="78000"/>
+              </a:schemeClr>
+            </a:gs>
+          </a:gsLst>
+          <a:lin ang="5400000" scaled="0"/>
+        </a:gradFill>
+      </a:fillStyleLst>
+      <a:lnStyleLst>
+        <a:ln w="6350" cap="flat" cmpd="sng" algn="ctr">
+          <a:solidFill>
+            <a:schemeClr val="phClr"/>
+          </a:solidFill>
+          <a:prstDash val="solid"/>
+          <a:miter lim="800000"/>
+        </a:ln>
+        <a:ln w="12700" cap="flat" cmpd="sng" algn="ctr">
+          <a:solidFill>
+            <a:schemeClr val="phClr"/>
+          </a:solidFill>
+          <a:prstDash val="solid"/>
+          <a:miter lim="800000"/>
+        </a:ln>
+        <a:ln w="19050" cap="flat" cmpd="sng" algn="ctr">
+          <a:solidFill>
+            <a:schemeClr val="phClr"/>
+          </a:solidFill>
+          <a:prstDash val="solid"/>
+          <a:miter lim="800000"/>
+        </a:ln>
+      </a:lnStyleLst>
+      <a:effectStyleLst>
+        <a:effectStyle>
+          <a:effectLst/>
+        </a:effectStyle>
+        <a:effectStyle>
+          <a:effectLst/>
+        </a:effectStyle>
+        <a:effectStyle>
+          <a:effectLst>
+            <a:outerShdw blurRad="57150" dist="19050" dir="5400000" algn="ctr" rotWithShape="0">
+              <a:srgbClr val="000000">
+                <a:alpha val="63000"/>
+              </a:srgbClr>
+            </a:outerShdw>
+          </a:effectLst>
+        </a:effectStyle>
+      </a:effectStyleLst>
+      <a:bgFillStyleLst>
+        <a:solidFill>
+          <a:schemeClr val="phClr"/>
+        </a:solidFill>
+        <a:solidFill>
+          <a:schemeClr val="phClr">
+            <a:tint val="95000"/>
+            <a:satMod val="170000"/>
+          </a:schemeClr>
+        </a:solidFill>
+        <a:gradFill rotWithShape="1">
+          <a:gsLst>
+            <a:gs pos="0">
+              <a:schemeClr val="phClr">
+                <a:tint val="93000"/>
+                <a:satMod val="150000"/>
+                <a:shade val="98000"/>
+                <a:lumMod val="102000"/>
+              </a:schemeClr>
+            </a:gs>
+            <a:gs pos="50000">
+              <a:schemeClr val="phClr">
+                <a:tint val="98000"/>
+                <a:satMod val="130000"/>
+                <a:shade val="90000"/>
+                <a:lumMod val="103000"/>
+              </a:schemeClr>
+            </a:gs>
+            <a:gs pos="100000">
+              <a:schemeClr val="phClr">
+                <a:shade val="63000"/>
+                <a:satMod val="120000"/>
+              </a:schemeClr>
+            </a:gs>
+          </a:gsLst>
+          <a:lin ang="5400000" scaled="0"/>
+        </a:gradFill>
+      </a:bgFillStyleLst>
+    </a:fmtScheme>
+  </a:themeElements>
+  <a:objectDefaults/>
+  <a:extraClrSchemeLst/>
+  <a:extLst>
+    <a:ext uri="{05A4C25C-085E-4340-85A3-A5531E510DB2}">
+      <thm15:themeFamily xmlns:thm15="http://schemas.microsoft.com/office/thememl/2012/main" name="Office Theme" id="{62F939B6-93AF-4DB8-9C6B-D6C7DFDC589F}" vid="{4A3C46E8-61CC-4603-A589-7422A47A8E4A}"/>
+    </a:ext>
+  </a:extLst>
+</a:theme>
 </file>